--- a/docs/Misc/Pictures.pptx
+++ b/docs/Misc/Pictures.pptx
@@ -3260,10 +3260,10 @@
         </p:nvGrpSpPr>
         <p:grpSpPr>
           <a:xfrm>
-            <a:off x="3067689" y="1163522"/>
-            <a:ext cx="3593325" cy="3900884"/>
-            <a:chOff x="499337" y="974051"/>
-            <a:chExt cx="3593325" cy="3900884"/>
+            <a:off x="3067689" y="1036054"/>
+            <a:ext cx="3521689" cy="4028352"/>
+            <a:chOff x="499337" y="846583"/>
+            <a:chExt cx="3521689" cy="4028352"/>
           </a:xfrm>
         </p:grpSpPr>
         <p:cxnSp>
@@ -3528,8 +3528,8 @@
           </p:nvSpPr>
           <p:spPr>
             <a:xfrm>
-              <a:off x="2838568" y="3589575"/>
-              <a:ext cx="1097399" cy="397499"/>
+              <a:off x="2838569" y="3589575"/>
+              <a:ext cx="976148" cy="397499"/>
             </a:xfrm>
             <a:prstGeom prst="rect">
               <a:avLst/>
@@ -3804,8 +3804,8 @@
           </p:nvSpPr>
           <p:spPr>
             <a:xfrm>
-              <a:off x="2995263" y="975839"/>
-              <a:ext cx="1097399" cy="397499"/>
+              <a:off x="3062627" y="846583"/>
+              <a:ext cx="884732" cy="397499"/>
             </a:xfrm>
             <a:prstGeom prst="rect">
               <a:avLst/>

--- a/docs/Misc/Pictures.pptx
+++ b/docs/Misc/Pictures.pptx
@@ -6,6 +6,7 @@
   </p:sldMasterIdLst>
   <p:sldIdLst>
     <p:sldId id="256" r:id="rId2"/>
+    <p:sldId id="257" r:id="rId3"/>
   </p:sldIdLst>
   <p:sldSz cx="12192000" cy="6858000"/>
   <p:notesSz cx="6858000" cy="9144000"/>
@@ -104,6 +105,11 @@
       </a:defRPr>
     </a:lvl9pPr>
   </p:defaultTextStyle>
+  <p:extLst>
+    <p:ext uri="{EFAFB233-063F-42B5-8137-9DF3F51BA10A}">
+      <p15:sldGuideLst xmlns:p15="http://schemas.microsoft.com/office/powerpoint/2012/main"/>
+    </p:ext>
+  </p:extLst>
 </p:presentation>
 </file>
 
@@ -238,7 +244,7 @@
           <a:p>
             <a:fld id="{E42984CD-48CE-4FC7-9122-241A3FDBD299}" type="datetimeFigureOut">
               <a:rPr lang="en-US" smtClean="0"/>
-              <a:t>6/23/2015</a:t>
+              <a:t>6/24/2015</a:t>
             </a:fld>
             <a:endParaRPr lang="en-US"/>
           </a:p>
@@ -440,7 +446,7 @@
           <a:p>
             <a:fld id="{E42984CD-48CE-4FC7-9122-241A3FDBD299}" type="datetimeFigureOut">
               <a:rPr lang="en-US" smtClean="0"/>
-              <a:t>6/23/2015</a:t>
+              <a:t>6/24/2015</a:t>
             </a:fld>
             <a:endParaRPr lang="en-US"/>
           </a:p>
@@ -652,7 +658,7 @@
           <a:p>
             <a:fld id="{E42984CD-48CE-4FC7-9122-241A3FDBD299}" type="datetimeFigureOut">
               <a:rPr lang="en-US" smtClean="0"/>
-              <a:t>6/23/2015</a:t>
+              <a:t>6/24/2015</a:t>
             </a:fld>
             <a:endParaRPr lang="en-US"/>
           </a:p>
@@ -854,7 +860,7 @@
           <a:p>
             <a:fld id="{E42984CD-48CE-4FC7-9122-241A3FDBD299}" type="datetimeFigureOut">
               <a:rPr lang="en-US" smtClean="0"/>
-              <a:t>6/23/2015</a:t>
+              <a:t>6/24/2015</a:t>
             </a:fld>
             <a:endParaRPr lang="en-US"/>
           </a:p>
@@ -1100,7 +1106,7 @@
           <a:p>
             <a:fld id="{E42984CD-48CE-4FC7-9122-241A3FDBD299}" type="datetimeFigureOut">
               <a:rPr lang="en-US" smtClean="0"/>
-              <a:t>6/23/2015</a:t>
+              <a:t>6/24/2015</a:t>
             </a:fld>
             <a:endParaRPr lang="en-US"/>
           </a:p>
@@ -1396,7 +1402,7 @@
           <a:p>
             <a:fld id="{E42984CD-48CE-4FC7-9122-241A3FDBD299}" type="datetimeFigureOut">
               <a:rPr lang="en-US" smtClean="0"/>
-              <a:t>6/23/2015</a:t>
+              <a:t>6/24/2015</a:t>
             </a:fld>
             <a:endParaRPr lang="en-US"/>
           </a:p>
@@ -1827,7 +1833,7 @@
           <a:p>
             <a:fld id="{E42984CD-48CE-4FC7-9122-241A3FDBD299}" type="datetimeFigureOut">
               <a:rPr lang="en-US" smtClean="0"/>
-              <a:t>6/23/2015</a:t>
+              <a:t>6/24/2015</a:t>
             </a:fld>
             <a:endParaRPr lang="en-US"/>
           </a:p>
@@ -1945,7 +1951,7 @@
           <a:p>
             <a:fld id="{E42984CD-48CE-4FC7-9122-241A3FDBD299}" type="datetimeFigureOut">
               <a:rPr lang="en-US" smtClean="0"/>
-              <a:t>6/23/2015</a:t>
+              <a:t>6/24/2015</a:t>
             </a:fld>
             <a:endParaRPr lang="en-US"/>
           </a:p>
@@ -2040,7 +2046,7 @@
           <a:p>
             <a:fld id="{E42984CD-48CE-4FC7-9122-241A3FDBD299}" type="datetimeFigureOut">
               <a:rPr lang="en-US" smtClean="0"/>
-              <a:t>6/23/2015</a:t>
+              <a:t>6/24/2015</a:t>
             </a:fld>
             <a:endParaRPr lang="en-US"/>
           </a:p>
@@ -2349,7 +2355,7 @@
           <a:p>
             <a:fld id="{E42984CD-48CE-4FC7-9122-241A3FDBD299}" type="datetimeFigureOut">
               <a:rPr lang="en-US" smtClean="0"/>
-              <a:t>6/23/2015</a:t>
+              <a:t>6/24/2015</a:t>
             </a:fld>
             <a:endParaRPr lang="en-US"/>
           </a:p>
@@ -2602,7 +2608,7 @@
           <a:p>
             <a:fld id="{E42984CD-48CE-4FC7-9122-241A3FDBD299}" type="datetimeFigureOut">
               <a:rPr lang="en-US" smtClean="0"/>
-              <a:t>6/23/2015</a:t>
+              <a:t>6/24/2015</a:t>
             </a:fld>
             <a:endParaRPr lang="en-US"/>
           </a:p>
@@ -2847,7 +2853,7 @@
           <a:p>
             <a:fld id="{E42984CD-48CE-4FC7-9122-241A3FDBD299}" type="datetimeFigureOut">
               <a:rPr lang="en-US" smtClean="0"/>
-              <a:t>6/23/2015</a:t>
+              <a:t>6/24/2015</a:t>
             </a:fld>
             <a:endParaRPr lang="en-US"/>
           </a:p>
@@ -3926,6 +3932,1394 @@
 </p:sld>
 </file>
 
+<file path=ppt/slides/slide2.xml><?xml version="1.0" encoding="utf-8"?>
+<p:sld xmlns:a="http://schemas.openxmlformats.org/drawingml/2006/main" xmlns:r="http://schemas.openxmlformats.org/officeDocument/2006/relationships" xmlns:p="http://schemas.openxmlformats.org/presentationml/2006/main">
+  <p:cSld>
+    <p:spTree>
+      <p:nvGrpSpPr>
+        <p:cNvPr id="1" name=""/>
+        <p:cNvGrpSpPr/>
+        <p:nvPr/>
+      </p:nvGrpSpPr>
+      <p:grpSpPr>
+        <a:xfrm>
+          <a:off x="0" y="0"/>
+          <a:ext cx="0" cy="0"/>
+          <a:chOff x="0" y="0"/>
+          <a:chExt cx="0" cy="0"/>
+        </a:xfrm>
+      </p:grpSpPr>
+      <p:grpSp>
+        <p:nvGrpSpPr>
+          <p:cNvPr id="56" name="グループ化 55"/>
+          <p:cNvGrpSpPr/>
+          <p:nvPr/>
+        </p:nvGrpSpPr>
+        <p:grpSpPr>
+          <a:xfrm>
+            <a:off x="5102334" y="4003323"/>
+            <a:ext cx="1533437" cy="1019346"/>
+            <a:chOff x="5536674" y="4026183"/>
+            <a:chExt cx="1533437" cy="1019346"/>
+          </a:xfrm>
+        </p:grpSpPr>
+        <p:pic>
+          <p:nvPicPr>
+            <p:cNvPr id="40" name="図 39"/>
+            <p:cNvPicPr>
+              <a:picLocks noChangeAspect="1"/>
+            </p:cNvPicPr>
+            <p:nvPr/>
+          </p:nvPicPr>
+          <p:blipFill>
+            <a:blip r:embed="rId2">
+              <a:duotone>
+                <a:schemeClr val="bg2">
+                  <a:shade val="45000"/>
+                  <a:satMod val="135000"/>
+                </a:schemeClr>
+                <a:prstClr val="white"/>
+              </a:duotone>
+              <a:extLst>
+                <a:ext uri="{28A0092B-C50C-407E-A947-70E740481C1C}">
+                  <a14:useLocalDpi xmlns:a14="http://schemas.microsoft.com/office/drawing/2010/main" val="0"/>
+                </a:ext>
+              </a:extLst>
+            </a:blip>
+            <a:stretch>
+              <a:fillRect/>
+            </a:stretch>
+          </p:blipFill>
+          <p:spPr>
+            <a:xfrm rot="20528720">
+              <a:off x="5706258" y="4190902"/>
+              <a:ext cx="839423" cy="839423"/>
+            </a:xfrm>
+            <a:prstGeom prst="rect">
+              <a:avLst/>
+            </a:prstGeom>
+            <a:scene3d>
+              <a:camera prst="isometricTopUp"/>
+              <a:lightRig rig="threePt" dir="t"/>
+            </a:scene3d>
+          </p:spPr>
+        </p:pic>
+        <p:grpSp>
+          <p:nvGrpSpPr>
+            <p:cNvPr id="33" name="グループ化 32"/>
+            <p:cNvGrpSpPr/>
+            <p:nvPr/>
+          </p:nvGrpSpPr>
+          <p:grpSpPr>
+            <a:xfrm>
+              <a:off x="5536674" y="4066039"/>
+              <a:ext cx="1187823" cy="979490"/>
+              <a:chOff x="3981742" y="2955287"/>
+              <a:chExt cx="1187823" cy="979490"/>
+            </a:xfrm>
+          </p:grpSpPr>
+          <p:cxnSp>
+            <p:nvCxnSpPr>
+              <p:cNvPr id="34" name="直線矢印コネクタ 33"/>
+              <p:cNvCxnSpPr/>
+              <p:nvPr/>
+            </p:nvCxnSpPr>
+            <p:spPr>
+              <a:xfrm flipV="1">
+                <a:off x="4556535" y="2971679"/>
+                <a:ext cx="0" cy="516477"/>
+              </a:xfrm>
+              <a:prstGeom prst="straightConnector1">
+                <a:avLst/>
+              </a:prstGeom>
+              <a:ln w="12700">
+                <a:solidFill>
+                  <a:srgbClr val="2300DC"/>
+                </a:solidFill>
+                <a:tailEnd type="triangle"/>
+              </a:ln>
+            </p:spPr>
+            <p:style>
+              <a:lnRef idx="1">
+                <a:schemeClr val="accent1"/>
+              </a:lnRef>
+              <a:fillRef idx="0">
+                <a:schemeClr val="accent1"/>
+              </a:fillRef>
+              <a:effectRef idx="0">
+                <a:schemeClr val="accent1"/>
+              </a:effectRef>
+              <a:fontRef idx="minor">
+                <a:schemeClr val="tx1"/>
+              </a:fontRef>
+            </p:style>
+          </p:cxnSp>
+          <p:cxnSp>
+            <p:nvCxnSpPr>
+              <p:cNvPr id="35" name="直線矢印コネクタ 34"/>
+              <p:cNvCxnSpPr>
+                <a:endCxn id="39" idx="3"/>
+              </p:cNvCxnSpPr>
+              <p:nvPr/>
+            </p:nvCxnSpPr>
+            <p:spPr>
+              <a:xfrm flipH="1">
+                <a:off x="4180440" y="3488156"/>
+                <a:ext cx="376095" cy="323511"/>
+              </a:xfrm>
+              <a:prstGeom prst="straightConnector1">
+                <a:avLst/>
+              </a:prstGeom>
+              <a:ln w="12700">
+                <a:solidFill>
+                  <a:srgbClr val="800000"/>
+                </a:solidFill>
+                <a:tailEnd type="triangle"/>
+              </a:ln>
+            </p:spPr>
+            <p:style>
+              <a:lnRef idx="1">
+                <a:schemeClr val="accent1"/>
+              </a:lnRef>
+              <a:fillRef idx="0">
+                <a:schemeClr val="accent1"/>
+              </a:fillRef>
+              <a:effectRef idx="0">
+                <a:schemeClr val="accent1"/>
+              </a:effectRef>
+              <a:fontRef idx="minor">
+                <a:schemeClr val="tx1"/>
+              </a:fontRef>
+            </p:style>
+          </p:cxnSp>
+          <p:cxnSp>
+            <p:nvCxnSpPr>
+              <p:cNvPr id="36" name="直線矢印コネクタ 35"/>
+              <p:cNvCxnSpPr/>
+              <p:nvPr/>
+            </p:nvCxnSpPr>
+            <p:spPr>
+              <a:xfrm>
+                <a:off x="4556535" y="3483471"/>
+                <a:ext cx="513680" cy="138486"/>
+              </a:xfrm>
+              <a:prstGeom prst="straightConnector1">
+                <a:avLst/>
+              </a:prstGeom>
+              <a:ln w="12700">
+                <a:solidFill>
+                  <a:srgbClr val="008000"/>
+                </a:solidFill>
+                <a:tailEnd type="triangle"/>
+              </a:ln>
+            </p:spPr>
+            <p:style>
+              <a:lnRef idx="1">
+                <a:schemeClr val="accent1"/>
+              </a:lnRef>
+              <a:fillRef idx="0">
+                <a:schemeClr val="accent1"/>
+              </a:fillRef>
+              <a:effectRef idx="0">
+                <a:schemeClr val="accent1"/>
+              </a:effectRef>
+              <a:fontRef idx="minor">
+                <a:schemeClr val="tx1"/>
+              </a:fontRef>
+            </p:style>
+          </p:cxnSp>
+          <p:sp>
+            <p:nvSpPr>
+              <p:cNvPr id="37" name="テキスト ボックス 36"/>
+              <p:cNvSpPr txBox="1"/>
+              <p:nvPr/>
+            </p:nvSpPr>
+            <p:spPr>
+              <a:xfrm>
+                <a:off x="4568165" y="2955287"/>
+                <a:ext cx="198698" cy="246221"/>
+              </a:xfrm>
+              <a:prstGeom prst="rect">
+                <a:avLst/>
+              </a:prstGeom>
+              <a:noFill/>
+            </p:spPr>
+            <p:txBody>
+              <a:bodyPr wrap="square" rtlCol="0">
+                <a:spAutoFit/>
+              </a:bodyPr>
+              <a:lstStyle/>
+              <a:p>
+                <a:r>
+                  <a:rPr lang="en-US" sz="1000" dirty="0" smtClean="0">
+                    <a:solidFill>
+                      <a:srgbClr val="2300DC"/>
+                    </a:solidFill>
+                  </a:rPr>
+                  <a:t>Z</a:t>
+                </a:r>
+                <a:endParaRPr lang="en-US" sz="1000" dirty="0">
+                  <a:solidFill>
+                    <a:srgbClr val="2300DC"/>
+                  </a:solidFill>
+                </a:endParaRPr>
+              </a:p>
+            </p:txBody>
+          </p:sp>
+          <p:sp>
+            <p:nvSpPr>
+              <p:cNvPr id="38" name="テキスト ボックス 37"/>
+              <p:cNvSpPr txBox="1"/>
+              <p:nvPr/>
+            </p:nvSpPr>
+            <p:spPr>
+              <a:xfrm>
+                <a:off x="4970867" y="3376750"/>
+                <a:ext cx="198698" cy="246221"/>
+              </a:xfrm>
+              <a:prstGeom prst="rect">
+                <a:avLst/>
+              </a:prstGeom>
+              <a:noFill/>
+            </p:spPr>
+            <p:txBody>
+              <a:bodyPr wrap="square" rtlCol="0">
+                <a:spAutoFit/>
+              </a:bodyPr>
+              <a:lstStyle/>
+              <a:p>
+                <a:r>
+                  <a:rPr lang="en-US" sz="1000" dirty="0" smtClean="0">
+                    <a:solidFill>
+                      <a:srgbClr val="008000"/>
+                    </a:solidFill>
+                  </a:rPr>
+                  <a:t>Y</a:t>
+                </a:r>
+                <a:endParaRPr lang="en-US" sz="1000" dirty="0">
+                  <a:solidFill>
+                    <a:srgbClr val="008000"/>
+                  </a:solidFill>
+                </a:endParaRPr>
+              </a:p>
+            </p:txBody>
+          </p:sp>
+          <p:sp>
+            <p:nvSpPr>
+              <p:cNvPr id="39" name="テキスト ボックス 38"/>
+              <p:cNvSpPr txBox="1"/>
+              <p:nvPr/>
+            </p:nvSpPr>
+            <p:spPr>
+              <a:xfrm>
+                <a:off x="3981742" y="3688556"/>
+                <a:ext cx="198698" cy="246221"/>
+              </a:xfrm>
+              <a:prstGeom prst="rect">
+                <a:avLst/>
+              </a:prstGeom>
+              <a:noFill/>
+            </p:spPr>
+            <p:txBody>
+              <a:bodyPr wrap="square" rtlCol="0">
+                <a:spAutoFit/>
+              </a:bodyPr>
+              <a:lstStyle/>
+              <a:p>
+                <a:r>
+                  <a:rPr lang="en-US" sz="1000" dirty="0" smtClean="0">
+                    <a:solidFill>
+                      <a:srgbClr val="800000"/>
+                    </a:solidFill>
+                  </a:rPr>
+                  <a:t>X</a:t>
+                </a:r>
+                <a:endParaRPr lang="en-US" sz="1000" dirty="0">
+                  <a:solidFill>
+                    <a:srgbClr val="800000"/>
+                  </a:solidFill>
+                </a:endParaRPr>
+              </a:p>
+            </p:txBody>
+          </p:sp>
+        </p:grpSp>
+        <p:sp>
+          <p:nvSpPr>
+            <p:cNvPr id="50" name="テキスト ボックス 49"/>
+            <p:cNvSpPr txBox="1"/>
+            <p:nvPr/>
+          </p:nvSpPr>
+          <p:spPr>
+            <a:xfrm>
+              <a:off x="6570551" y="4026183"/>
+              <a:ext cx="499560" cy="369332"/>
+            </a:xfrm>
+            <a:prstGeom prst="rect">
+              <a:avLst/>
+            </a:prstGeom>
+            <a:noFill/>
+          </p:spPr>
+          <p:txBody>
+            <a:bodyPr wrap="square" rtlCol="0">
+              <a:spAutoFit/>
+            </a:bodyPr>
+            <a:lstStyle/>
+            <a:p>
+              <a:r>
+                <a:rPr lang="en-US" dirty="0"/>
+                <a:t>F</a:t>
+              </a:r>
+              <a:r>
+                <a:rPr lang="en-US" baseline="-25000" dirty="0" smtClean="0"/>
+                <a:t>W</a:t>
+              </a:r>
+              <a:endParaRPr lang="en-US" baseline="-25000" dirty="0"/>
+            </a:p>
+          </p:txBody>
+        </p:sp>
+      </p:grpSp>
+      <p:grpSp>
+        <p:nvGrpSpPr>
+          <p:cNvPr id="57" name="グループ化 56"/>
+          <p:cNvGrpSpPr/>
+          <p:nvPr/>
+        </p:nvGrpSpPr>
+        <p:grpSpPr>
+          <a:xfrm>
+            <a:off x="3353973" y="2963854"/>
+            <a:ext cx="1269645" cy="2086254"/>
+            <a:chOff x="3829575" y="2978152"/>
+            <a:chExt cx="1269645" cy="2086254"/>
+          </a:xfrm>
+        </p:grpSpPr>
+        <p:pic>
+          <p:nvPicPr>
+            <p:cNvPr id="4" name="Shape 140"/>
+            <p:cNvPicPr preferRelativeResize="0"/>
+            <p:nvPr/>
+          </p:nvPicPr>
+          <p:blipFill>
+            <a:blip r:embed="rId3">
+              <a:alphaModFix/>
+            </a:blip>
+            <a:stretch>
+              <a:fillRect/>
+            </a:stretch>
+          </p:blipFill>
+          <p:spPr>
+            <a:xfrm>
+              <a:off x="4057485" y="3730606"/>
+              <a:ext cx="911850" cy="1333800"/>
+            </a:xfrm>
+            <a:prstGeom prst="rect">
+              <a:avLst/>
+            </a:prstGeom>
+            <a:noFill/>
+            <a:ln>
+              <a:noFill/>
+            </a:ln>
+          </p:spPr>
+        </p:pic>
+        <p:pic>
+          <p:nvPicPr>
+            <p:cNvPr id="5" name="Shape 141"/>
+            <p:cNvPicPr preferRelativeResize="0"/>
+            <p:nvPr/>
+          </p:nvPicPr>
+          <p:blipFill>
+            <a:blip r:embed="rId4">
+              <a:alphaModFix/>
+            </a:blip>
+            <a:stretch>
+              <a:fillRect/>
+            </a:stretch>
+          </p:blipFill>
+          <p:spPr>
+            <a:xfrm>
+              <a:off x="4353985" y="3488156"/>
+              <a:ext cx="405100" cy="288125"/>
+            </a:xfrm>
+            <a:prstGeom prst="rect">
+              <a:avLst/>
+            </a:prstGeom>
+            <a:noFill/>
+            <a:ln>
+              <a:noFill/>
+            </a:ln>
+          </p:spPr>
+        </p:pic>
+        <p:grpSp>
+          <p:nvGrpSpPr>
+            <p:cNvPr id="21" name="グループ化 20"/>
+            <p:cNvGrpSpPr/>
+            <p:nvPr/>
+          </p:nvGrpSpPr>
+          <p:grpSpPr>
+            <a:xfrm>
+              <a:off x="4057485" y="2978152"/>
+              <a:ext cx="1041735" cy="751540"/>
+              <a:chOff x="4057485" y="2978152"/>
+              <a:chExt cx="1041735" cy="751540"/>
+            </a:xfrm>
+          </p:grpSpPr>
+          <p:cxnSp>
+            <p:nvCxnSpPr>
+              <p:cNvPr id="7" name="直線矢印コネクタ 6"/>
+              <p:cNvCxnSpPr>
+                <a:stCxn id="5" idx="0"/>
+              </p:cNvCxnSpPr>
+              <p:nvPr/>
+            </p:nvCxnSpPr>
+            <p:spPr>
+              <a:xfrm flipV="1">
+                <a:off x="4556535" y="3138616"/>
+                <a:ext cx="0" cy="349540"/>
+              </a:xfrm>
+              <a:prstGeom prst="straightConnector1">
+                <a:avLst/>
+              </a:prstGeom>
+              <a:ln w="12700">
+                <a:solidFill>
+                  <a:srgbClr val="2300DC"/>
+                </a:solidFill>
+                <a:tailEnd type="triangle"/>
+              </a:ln>
+            </p:spPr>
+            <p:style>
+              <a:lnRef idx="1">
+                <a:schemeClr val="accent1"/>
+              </a:lnRef>
+              <a:fillRef idx="0">
+                <a:schemeClr val="accent1"/>
+              </a:fillRef>
+              <a:effectRef idx="0">
+                <a:schemeClr val="accent1"/>
+              </a:effectRef>
+              <a:fontRef idx="minor">
+                <a:schemeClr val="tx1"/>
+              </a:fontRef>
+            </p:style>
+          </p:cxnSp>
+          <p:cxnSp>
+            <p:nvCxnSpPr>
+              <p:cNvPr id="9" name="直線矢印コネクタ 8"/>
+              <p:cNvCxnSpPr>
+                <a:stCxn id="5" idx="0"/>
+              </p:cNvCxnSpPr>
+              <p:nvPr/>
+            </p:nvCxnSpPr>
+            <p:spPr>
+              <a:xfrm flipH="1">
+                <a:off x="4244975" y="3488156"/>
+                <a:ext cx="311560" cy="167743"/>
+              </a:xfrm>
+              <a:prstGeom prst="straightConnector1">
+                <a:avLst/>
+              </a:prstGeom>
+              <a:ln w="12700">
+                <a:solidFill>
+                  <a:srgbClr val="800000"/>
+                </a:solidFill>
+                <a:tailEnd type="triangle"/>
+              </a:ln>
+            </p:spPr>
+            <p:style>
+              <a:lnRef idx="1">
+                <a:schemeClr val="accent1"/>
+              </a:lnRef>
+              <a:fillRef idx="0">
+                <a:schemeClr val="accent1"/>
+              </a:fillRef>
+              <a:effectRef idx="0">
+                <a:schemeClr val="accent1"/>
+              </a:effectRef>
+              <a:fontRef idx="minor">
+                <a:schemeClr val="tx1"/>
+              </a:fontRef>
+            </p:style>
+          </p:cxnSp>
+          <p:cxnSp>
+            <p:nvCxnSpPr>
+              <p:cNvPr id="11" name="直線矢印コネクタ 10"/>
+              <p:cNvCxnSpPr/>
+              <p:nvPr/>
+            </p:nvCxnSpPr>
+            <p:spPr>
+              <a:xfrm>
+                <a:off x="4556535" y="3483471"/>
+                <a:ext cx="405100" cy="53545"/>
+              </a:xfrm>
+              <a:prstGeom prst="straightConnector1">
+                <a:avLst/>
+              </a:prstGeom>
+              <a:ln w="12700">
+                <a:solidFill>
+                  <a:srgbClr val="008000"/>
+                </a:solidFill>
+                <a:tailEnd type="triangle"/>
+              </a:ln>
+            </p:spPr>
+            <p:style>
+              <a:lnRef idx="1">
+                <a:schemeClr val="accent1"/>
+              </a:lnRef>
+              <a:fillRef idx="0">
+                <a:schemeClr val="accent1"/>
+              </a:fillRef>
+              <a:effectRef idx="0">
+                <a:schemeClr val="accent1"/>
+              </a:effectRef>
+              <a:fontRef idx="minor">
+                <a:schemeClr val="tx1"/>
+              </a:fontRef>
+            </p:style>
+          </p:cxnSp>
+          <p:sp>
+            <p:nvSpPr>
+              <p:cNvPr id="18" name="テキスト ボックス 17"/>
+              <p:cNvSpPr txBox="1"/>
+              <p:nvPr/>
+            </p:nvSpPr>
+            <p:spPr>
+              <a:xfrm>
+                <a:off x="4513410" y="2978152"/>
+                <a:ext cx="198698" cy="246221"/>
+              </a:xfrm>
+              <a:prstGeom prst="rect">
+                <a:avLst/>
+              </a:prstGeom>
+              <a:noFill/>
+            </p:spPr>
+            <p:txBody>
+              <a:bodyPr wrap="square" rtlCol="0">
+                <a:spAutoFit/>
+              </a:bodyPr>
+              <a:lstStyle/>
+              <a:p>
+                <a:r>
+                  <a:rPr lang="en-US" sz="1000" dirty="0" smtClean="0">
+                    <a:solidFill>
+                      <a:srgbClr val="2300DC"/>
+                    </a:solidFill>
+                  </a:rPr>
+                  <a:t>Z</a:t>
+                </a:r>
+                <a:endParaRPr lang="en-US" sz="1000" dirty="0">
+                  <a:solidFill>
+                    <a:srgbClr val="2300DC"/>
+                  </a:solidFill>
+                </a:endParaRPr>
+              </a:p>
+            </p:txBody>
+          </p:sp>
+          <p:sp>
+            <p:nvSpPr>
+              <p:cNvPr id="19" name="テキスト ボックス 18"/>
+              <p:cNvSpPr txBox="1"/>
+              <p:nvPr/>
+            </p:nvSpPr>
+            <p:spPr>
+              <a:xfrm>
+                <a:off x="4900522" y="3447031"/>
+                <a:ext cx="198698" cy="246221"/>
+              </a:xfrm>
+              <a:prstGeom prst="rect">
+                <a:avLst/>
+              </a:prstGeom>
+              <a:noFill/>
+            </p:spPr>
+            <p:txBody>
+              <a:bodyPr wrap="square" rtlCol="0">
+                <a:spAutoFit/>
+              </a:bodyPr>
+              <a:lstStyle/>
+              <a:p>
+                <a:r>
+                  <a:rPr lang="en-US" sz="1000" dirty="0" smtClean="0">
+                    <a:solidFill>
+                      <a:srgbClr val="008000"/>
+                    </a:solidFill>
+                  </a:rPr>
+                  <a:t>Y</a:t>
+                </a:r>
+                <a:endParaRPr lang="en-US" sz="1000" dirty="0">
+                  <a:solidFill>
+                    <a:srgbClr val="008000"/>
+                  </a:solidFill>
+                </a:endParaRPr>
+              </a:p>
+            </p:txBody>
+          </p:sp>
+          <p:sp>
+            <p:nvSpPr>
+              <p:cNvPr id="20" name="テキスト ボックス 19"/>
+              <p:cNvSpPr txBox="1"/>
+              <p:nvPr/>
+            </p:nvSpPr>
+            <p:spPr>
+              <a:xfrm>
+                <a:off x="4057485" y="3483471"/>
+                <a:ext cx="198698" cy="246221"/>
+              </a:xfrm>
+              <a:prstGeom prst="rect">
+                <a:avLst/>
+              </a:prstGeom>
+              <a:noFill/>
+            </p:spPr>
+            <p:txBody>
+              <a:bodyPr wrap="square" rtlCol="0">
+                <a:spAutoFit/>
+              </a:bodyPr>
+              <a:lstStyle/>
+              <a:p>
+                <a:r>
+                  <a:rPr lang="en-US" sz="1000" dirty="0" smtClean="0">
+                    <a:solidFill>
+                      <a:srgbClr val="800000"/>
+                    </a:solidFill>
+                  </a:rPr>
+                  <a:t>X</a:t>
+                </a:r>
+                <a:endParaRPr lang="en-US" sz="1000" dirty="0">
+                  <a:solidFill>
+                    <a:srgbClr val="800000"/>
+                  </a:solidFill>
+                </a:endParaRPr>
+              </a:p>
+            </p:txBody>
+          </p:sp>
+        </p:grpSp>
+        <p:sp>
+          <p:nvSpPr>
+            <p:cNvPr id="51" name="テキスト ボックス 50"/>
+            <p:cNvSpPr txBox="1"/>
+            <p:nvPr/>
+          </p:nvSpPr>
+          <p:spPr>
+            <a:xfrm>
+              <a:off x="3829575" y="3048404"/>
+              <a:ext cx="499560" cy="369332"/>
+            </a:xfrm>
+            <a:prstGeom prst="rect">
+              <a:avLst/>
+            </a:prstGeom>
+            <a:noFill/>
+          </p:spPr>
+          <p:txBody>
+            <a:bodyPr wrap="square" rtlCol="0">
+              <a:spAutoFit/>
+            </a:bodyPr>
+            <a:lstStyle/>
+            <a:p>
+              <a:r>
+                <a:rPr lang="en-US" dirty="0"/>
+                <a:t>F</a:t>
+              </a:r>
+              <a:r>
+                <a:rPr lang="en-US" baseline="-25000" dirty="0" smtClean="0"/>
+                <a:t>M</a:t>
+              </a:r>
+              <a:endParaRPr lang="en-US" baseline="-25000" dirty="0"/>
+            </a:p>
+          </p:txBody>
+        </p:sp>
+        <p:sp>
+          <p:nvSpPr>
+            <p:cNvPr id="53" name="テキスト ボックス 52"/>
+            <p:cNvSpPr txBox="1"/>
+            <p:nvPr/>
+          </p:nvSpPr>
+          <p:spPr>
+            <a:xfrm>
+              <a:off x="3843739" y="4212840"/>
+              <a:ext cx="499560" cy="369332"/>
+            </a:xfrm>
+            <a:prstGeom prst="rect">
+              <a:avLst/>
+            </a:prstGeom>
+            <a:noFill/>
+          </p:spPr>
+          <p:txBody>
+            <a:bodyPr wrap="square" rtlCol="0">
+              <a:spAutoFit/>
+            </a:bodyPr>
+            <a:lstStyle/>
+            <a:p>
+              <a:r>
+                <a:rPr lang="en-US" dirty="0"/>
+                <a:t>F</a:t>
+              </a:r>
+              <a:r>
+                <a:rPr lang="en-US" baseline="-25000" dirty="0" smtClean="0"/>
+                <a:t>T</a:t>
+              </a:r>
+              <a:endParaRPr lang="en-US" baseline="-25000" dirty="0"/>
+            </a:p>
+          </p:txBody>
+        </p:sp>
+      </p:grpSp>
+      <p:grpSp>
+        <p:nvGrpSpPr>
+          <p:cNvPr id="55" name="グループ化 54"/>
+          <p:cNvGrpSpPr/>
+          <p:nvPr/>
+        </p:nvGrpSpPr>
+        <p:grpSpPr>
+          <a:xfrm>
+            <a:off x="4445158" y="2322043"/>
+            <a:ext cx="1596848" cy="1255344"/>
+            <a:chOff x="5191581" y="2111303"/>
+            <a:chExt cx="1596848" cy="1255344"/>
+          </a:xfrm>
+        </p:grpSpPr>
+        <p:grpSp>
+          <p:nvGrpSpPr>
+            <p:cNvPr id="32" name="グループ化 31"/>
+            <p:cNvGrpSpPr/>
+            <p:nvPr/>
+          </p:nvGrpSpPr>
+          <p:grpSpPr>
+            <a:xfrm>
+              <a:off x="5191581" y="2394283"/>
+              <a:ext cx="1596848" cy="972364"/>
+              <a:chOff x="5511621" y="2531412"/>
+              <a:chExt cx="1596848" cy="972364"/>
+            </a:xfrm>
+          </p:grpSpPr>
+          <p:pic>
+            <p:nvPicPr>
+              <p:cNvPr id="31" name="図 30"/>
+              <p:cNvPicPr>
+                <a:picLocks noChangeAspect="1"/>
+              </p:cNvPicPr>
+              <p:nvPr/>
+            </p:nvPicPr>
+            <p:blipFill>
+              <a:blip r:embed="rId5" cstate="print">
+                <a:duotone>
+                  <a:schemeClr val="bg2">
+                    <a:shade val="45000"/>
+                    <a:satMod val="135000"/>
+                  </a:schemeClr>
+                  <a:prstClr val="white"/>
+                </a:duotone>
+                <a:extLst>
+                  <a:ext uri="{28A0092B-C50C-407E-A947-70E740481C1C}">
+                    <a14:useLocalDpi xmlns:a14="http://schemas.microsoft.com/office/drawing/2010/main" val="0"/>
+                  </a:ext>
+                </a:extLst>
+              </a:blip>
+              <a:stretch>
+                <a:fillRect/>
+              </a:stretch>
+            </p:blipFill>
+            <p:spPr>
+              <a:xfrm>
+                <a:off x="5843344" y="2791875"/>
+                <a:ext cx="1265125" cy="711901"/>
+              </a:xfrm>
+              <a:prstGeom prst="rect">
+                <a:avLst/>
+              </a:prstGeom>
+            </p:spPr>
+          </p:pic>
+          <p:grpSp>
+            <p:nvGrpSpPr>
+              <p:cNvPr id="22" name="グループ化 21"/>
+              <p:cNvGrpSpPr/>
+              <p:nvPr/>
+            </p:nvGrpSpPr>
+            <p:grpSpPr>
+              <a:xfrm>
+                <a:off x="5511621" y="2531412"/>
+                <a:ext cx="1041735" cy="751540"/>
+                <a:chOff x="4027005" y="3084832"/>
+                <a:chExt cx="1041735" cy="751540"/>
+              </a:xfrm>
+            </p:grpSpPr>
+            <p:cxnSp>
+              <p:nvCxnSpPr>
+                <p:cNvPr id="23" name="直線矢印コネクタ 22"/>
+                <p:cNvCxnSpPr/>
+                <p:nvPr/>
+              </p:nvCxnSpPr>
+              <p:spPr>
+                <a:xfrm flipV="1">
+                  <a:off x="4526055" y="3245296"/>
+                  <a:ext cx="0" cy="349540"/>
+                </a:xfrm>
+                <a:prstGeom prst="straightConnector1">
+                  <a:avLst/>
+                </a:prstGeom>
+                <a:ln w="12700">
+                  <a:solidFill>
+                    <a:srgbClr val="008000"/>
+                  </a:solidFill>
+                  <a:tailEnd type="triangle"/>
+                </a:ln>
+              </p:spPr>
+              <p:style>
+                <a:lnRef idx="1">
+                  <a:schemeClr val="accent1"/>
+                </a:lnRef>
+                <a:fillRef idx="0">
+                  <a:schemeClr val="accent1"/>
+                </a:fillRef>
+                <a:effectRef idx="0">
+                  <a:schemeClr val="accent1"/>
+                </a:effectRef>
+                <a:fontRef idx="minor">
+                  <a:schemeClr val="tx1"/>
+                </a:fontRef>
+              </p:style>
+            </p:cxnSp>
+            <p:cxnSp>
+              <p:nvCxnSpPr>
+                <p:cNvPr id="24" name="直線矢印コネクタ 23"/>
+                <p:cNvCxnSpPr/>
+                <p:nvPr/>
+              </p:nvCxnSpPr>
+              <p:spPr>
+                <a:xfrm flipH="1">
+                  <a:off x="4214495" y="3594836"/>
+                  <a:ext cx="311560" cy="167743"/>
+                </a:xfrm>
+                <a:prstGeom prst="straightConnector1">
+                  <a:avLst/>
+                </a:prstGeom>
+                <a:ln w="12700">
+                  <a:solidFill>
+                    <a:srgbClr val="2300DC"/>
+                  </a:solidFill>
+                  <a:tailEnd type="triangle"/>
+                </a:ln>
+              </p:spPr>
+              <p:style>
+                <a:lnRef idx="1">
+                  <a:schemeClr val="accent1"/>
+                </a:lnRef>
+                <a:fillRef idx="0">
+                  <a:schemeClr val="accent1"/>
+                </a:fillRef>
+                <a:effectRef idx="0">
+                  <a:schemeClr val="accent1"/>
+                </a:effectRef>
+                <a:fontRef idx="minor">
+                  <a:schemeClr val="tx1"/>
+                </a:fontRef>
+              </p:style>
+            </p:cxnSp>
+            <p:cxnSp>
+              <p:nvCxnSpPr>
+                <p:cNvPr id="25" name="直線矢印コネクタ 24"/>
+                <p:cNvCxnSpPr/>
+                <p:nvPr/>
+              </p:nvCxnSpPr>
+              <p:spPr>
+                <a:xfrm>
+                  <a:off x="4526055" y="3590151"/>
+                  <a:ext cx="405100" cy="53545"/>
+                </a:xfrm>
+                <a:prstGeom prst="straightConnector1">
+                  <a:avLst/>
+                </a:prstGeom>
+                <a:ln w="12700">
+                  <a:solidFill>
+                    <a:srgbClr val="800000"/>
+                  </a:solidFill>
+                  <a:tailEnd type="triangle"/>
+                </a:ln>
+              </p:spPr>
+              <p:style>
+                <a:lnRef idx="1">
+                  <a:schemeClr val="accent1"/>
+                </a:lnRef>
+                <a:fillRef idx="0">
+                  <a:schemeClr val="accent1"/>
+                </a:fillRef>
+                <a:effectRef idx="0">
+                  <a:schemeClr val="accent1"/>
+                </a:effectRef>
+                <a:fontRef idx="minor">
+                  <a:schemeClr val="tx1"/>
+                </a:fontRef>
+              </p:style>
+            </p:cxnSp>
+            <p:sp>
+              <p:nvSpPr>
+                <p:cNvPr id="26" name="テキスト ボックス 25"/>
+                <p:cNvSpPr txBox="1"/>
+                <p:nvPr/>
+              </p:nvSpPr>
+              <p:spPr>
+                <a:xfrm>
+                  <a:off x="4482930" y="3084832"/>
+                  <a:ext cx="198698" cy="246221"/>
+                </a:xfrm>
+                <a:prstGeom prst="rect">
+                  <a:avLst/>
+                </a:prstGeom>
+                <a:noFill/>
+              </p:spPr>
+              <p:txBody>
+                <a:bodyPr wrap="square" rtlCol="0">
+                  <a:spAutoFit/>
+                </a:bodyPr>
+                <a:lstStyle/>
+                <a:p>
+                  <a:r>
+                    <a:rPr lang="en-US" sz="1000" dirty="0" smtClean="0">
+                      <a:solidFill>
+                        <a:srgbClr val="008000"/>
+                      </a:solidFill>
+                    </a:rPr>
+                    <a:t>Y</a:t>
+                  </a:r>
+                  <a:endParaRPr lang="en-US" sz="1000" dirty="0">
+                    <a:solidFill>
+                      <a:srgbClr val="008000"/>
+                    </a:solidFill>
+                  </a:endParaRPr>
+                </a:p>
+              </p:txBody>
+            </p:sp>
+            <p:sp>
+              <p:nvSpPr>
+                <p:cNvPr id="27" name="テキスト ボックス 26"/>
+                <p:cNvSpPr txBox="1"/>
+                <p:nvPr/>
+              </p:nvSpPr>
+              <p:spPr>
+                <a:xfrm>
+                  <a:off x="4870042" y="3553711"/>
+                  <a:ext cx="198698" cy="246221"/>
+                </a:xfrm>
+                <a:prstGeom prst="rect">
+                  <a:avLst/>
+                </a:prstGeom>
+                <a:noFill/>
+              </p:spPr>
+              <p:txBody>
+                <a:bodyPr wrap="square" rtlCol="0">
+                  <a:spAutoFit/>
+                </a:bodyPr>
+                <a:lstStyle/>
+                <a:p>
+                  <a:r>
+                    <a:rPr lang="en-US" sz="1000" dirty="0" smtClean="0">
+                      <a:solidFill>
+                        <a:srgbClr val="800000"/>
+                      </a:solidFill>
+                    </a:rPr>
+                    <a:t>X</a:t>
+                  </a:r>
+                  <a:endParaRPr lang="en-US" sz="1000" dirty="0">
+                    <a:solidFill>
+                      <a:srgbClr val="800000"/>
+                    </a:solidFill>
+                  </a:endParaRPr>
+                </a:p>
+              </p:txBody>
+            </p:sp>
+            <p:sp>
+              <p:nvSpPr>
+                <p:cNvPr id="28" name="テキスト ボックス 27"/>
+                <p:cNvSpPr txBox="1"/>
+                <p:nvPr/>
+              </p:nvSpPr>
+              <p:spPr>
+                <a:xfrm>
+                  <a:off x="4027005" y="3590151"/>
+                  <a:ext cx="198698" cy="246221"/>
+                </a:xfrm>
+                <a:prstGeom prst="rect">
+                  <a:avLst/>
+                </a:prstGeom>
+                <a:noFill/>
+              </p:spPr>
+              <p:txBody>
+                <a:bodyPr wrap="square" rtlCol="0">
+                  <a:spAutoFit/>
+                </a:bodyPr>
+                <a:lstStyle/>
+                <a:p>
+                  <a:r>
+                    <a:rPr lang="en-US" sz="1000" dirty="0" smtClean="0">
+                      <a:solidFill>
+                        <a:srgbClr val="2300DC"/>
+                      </a:solidFill>
+                    </a:rPr>
+                    <a:t>Z</a:t>
+                  </a:r>
+                  <a:endParaRPr lang="en-US" sz="1000" dirty="0">
+                    <a:solidFill>
+                      <a:srgbClr val="2300DC"/>
+                    </a:solidFill>
+                  </a:endParaRPr>
+                </a:p>
+              </p:txBody>
+            </p:sp>
+          </p:grpSp>
+        </p:grpSp>
+        <p:sp>
+          <p:nvSpPr>
+            <p:cNvPr id="54" name="テキスト ボックス 53"/>
+            <p:cNvSpPr txBox="1"/>
+            <p:nvPr/>
+          </p:nvSpPr>
+          <p:spPr>
+            <a:xfrm>
+              <a:off x="5266922" y="2111303"/>
+              <a:ext cx="420420" cy="369332"/>
+            </a:xfrm>
+            <a:prstGeom prst="rect">
+              <a:avLst/>
+            </a:prstGeom>
+            <a:noFill/>
+          </p:spPr>
+          <p:txBody>
+            <a:bodyPr wrap="square" rtlCol="0">
+              <a:spAutoFit/>
+            </a:bodyPr>
+            <a:lstStyle/>
+            <a:p>
+              <a:r>
+                <a:rPr lang="en-US" dirty="0"/>
+                <a:t>F</a:t>
+              </a:r>
+              <a:r>
+                <a:rPr lang="en-US" baseline="-25000" dirty="0" smtClean="0"/>
+                <a:t>K</a:t>
+              </a:r>
+              <a:endParaRPr lang="en-US" baseline="-25000" dirty="0"/>
+            </a:p>
+          </p:txBody>
+        </p:sp>
+      </p:grpSp>
+      <p:cxnSp>
+        <p:nvCxnSpPr>
+          <p:cNvPr id="59" name="曲線コネクタ 58"/>
+          <p:cNvCxnSpPr>
+            <a:stCxn id="54" idx="1"/>
+            <a:endCxn id="51" idx="0"/>
+          </p:cNvCxnSpPr>
+          <p:nvPr/>
+        </p:nvCxnSpPr>
+        <p:spPr>
+          <a:xfrm rot="10800000" flipV="1">
+            <a:off x="3603753" y="2506708"/>
+            <a:ext cx="916746" cy="527397"/>
+          </a:xfrm>
+          <a:prstGeom prst="curvedConnector2">
+            <a:avLst/>
+          </a:prstGeom>
+          <a:ln w="12700">
+            <a:solidFill>
+              <a:schemeClr val="tx1">
+                <a:lumMod val="85000"/>
+                <a:lumOff val="15000"/>
+              </a:schemeClr>
+            </a:solidFill>
+            <a:tailEnd type="triangle"/>
+          </a:ln>
+        </p:spPr>
+        <p:style>
+          <a:lnRef idx="1">
+            <a:schemeClr val="accent1"/>
+          </a:lnRef>
+          <a:fillRef idx="0">
+            <a:schemeClr val="accent1"/>
+          </a:fillRef>
+          <a:effectRef idx="0">
+            <a:schemeClr val="accent1"/>
+          </a:effectRef>
+          <a:fontRef idx="minor">
+            <a:schemeClr val="tx1"/>
+          </a:fontRef>
+        </p:style>
+      </p:cxnSp>
+      <p:cxnSp>
+        <p:nvCxnSpPr>
+          <p:cNvPr id="70" name="曲線コネクタ 69"/>
+          <p:cNvCxnSpPr>
+            <a:stCxn id="53" idx="1"/>
+            <a:endCxn id="51" idx="1"/>
+          </p:cNvCxnSpPr>
+          <p:nvPr/>
+        </p:nvCxnSpPr>
+        <p:spPr>
+          <a:xfrm rot="10800000">
+            <a:off x="3353973" y="3218772"/>
+            <a:ext cx="14164" cy="1164436"/>
+          </a:xfrm>
+          <a:prstGeom prst="curvedConnector3">
+            <a:avLst>
+              <a:gd name="adj1" fmla="val 1713951"/>
+            </a:avLst>
+          </a:prstGeom>
+          <a:ln>
+            <a:tailEnd type="triangle"/>
+          </a:ln>
+        </p:spPr>
+        <p:style>
+          <a:lnRef idx="1">
+            <a:schemeClr val="accent1"/>
+          </a:lnRef>
+          <a:fillRef idx="0">
+            <a:schemeClr val="accent1"/>
+          </a:fillRef>
+          <a:effectRef idx="0">
+            <a:schemeClr val="accent1"/>
+          </a:effectRef>
+          <a:fontRef idx="minor">
+            <a:schemeClr val="tx1"/>
+          </a:fontRef>
+        </p:style>
+      </p:cxnSp>
+      <p:cxnSp>
+        <p:nvCxnSpPr>
+          <p:cNvPr id="78" name="曲線コネクタ 77"/>
+          <p:cNvCxnSpPr>
+            <a:stCxn id="50" idx="2"/>
+            <a:endCxn id="53" idx="2"/>
+          </p:cNvCxnSpPr>
+          <p:nvPr/>
+        </p:nvCxnSpPr>
+        <p:spPr>
+          <a:xfrm rot="5400000">
+            <a:off x="4904345" y="3086227"/>
+            <a:ext cx="195219" cy="2768074"/>
+          </a:xfrm>
+          <a:prstGeom prst="curvedConnector3">
+            <a:avLst>
+              <a:gd name="adj1" fmla="val 517655"/>
+            </a:avLst>
+          </a:prstGeom>
+          <a:ln>
+            <a:tailEnd type="triangle"/>
+          </a:ln>
+        </p:spPr>
+        <p:style>
+          <a:lnRef idx="1">
+            <a:schemeClr val="accent1"/>
+          </a:lnRef>
+          <a:fillRef idx="0">
+            <a:schemeClr val="accent1"/>
+          </a:fillRef>
+          <a:effectRef idx="0">
+            <a:schemeClr val="accent1"/>
+          </a:effectRef>
+          <a:fontRef idx="minor">
+            <a:schemeClr val="tx1"/>
+          </a:fontRef>
+        </p:style>
+      </p:cxnSp>
+      <p:cxnSp>
+        <p:nvCxnSpPr>
+          <p:cNvPr id="116" name="曲線コネクタ 115"/>
+          <p:cNvCxnSpPr>
+            <a:stCxn id="54" idx="3"/>
+            <a:endCxn id="50" idx="0"/>
+          </p:cNvCxnSpPr>
+          <p:nvPr/>
+        </p:nvCxnSpPr>
+        <p:spPr>
+          <a:xfrm>
+            <a:off x="4940919" y="2506709"/>
+            <a:ext cx="1445072" cy="1496614"/>
+          </a:xfrm>
+          <a:prstGeom prst="curvedConnector2">
+            <a:avLst/>
+          </a:prstGeom>
+          <a:ln w="12700">
+            <a:solidFill>
+              <a:schemeClr val="bg2">
+                <a:lumMod val="10000"/>
+              </a:schemeClr>
+            </a:solidFill>
+            <a:tailEnd type="triangle"/>
+          </a:ln>
+        </p:spPr>
+        <p:style>
+          <a:lnRef idx="1">
+            <a:schemeClr val="accent1"/>
+          </a:lnRef>
+          <a:fillRef idx="0">
+            <a:schemeClr val="accent1"/>
+          </a:fillRef>
+          <a:effectRef idx="0">
+            <a:schemeClr val="accent1"/>
+          </a:effectRef>
+          <a:fontRef idx="minor">
+            <a:schemeClr val="tx1"/>
+          </a:fontRef>
+        </p:style>
+      </p:cxnSp>
+      <p:sp>
+        <p:nvSpPr>
+          <p:cNvPr id="123" name="テキスト ボックス 122"/>
+          <p:cNvSpPr txBox="1"/>
+          <p:nvPr/>
+        </p:nvSpPr>
+        <p:spPr>
+          <a:xfrm>
+            <a:off x="3603753" y="2253315"/>
+            <a:ext cx="615296" cy="369332"/>
+          </a:xfrm>
+          <a:prstGeom prst="rect">
+            <a:avLst/>
+          </a:prstGeom>
+          <a:noFill/>
+        </p:spPr>
+        <p:txBody>
+          <a:bodyPr wrap="square" rtlCol="0">
+            <a:spAutoFit/>
+          </a:bodyPr>
+          <a:lstStyle/>
+          <a:p>
+            <a:r>
+              <a:rPr lang="en-US" b="1" baseline="30000" dirty="0" smtClean="0"/>
+              <a:t>K</a:t>
+            </a:r>
+            <a:r>
+              <a:rPr lang="en-US" b="1" dirty="0" smtClean="0"/>
+              <a:t>T</a:t>
+            </a:r>
+            <a:r>
+              <a:rPr lang="en-US" b="1" baseline="-25000" dirty="0" smtClean="0"/>
+              <a:t>M</a:t>
+            </a:r>
+            <a:endParaRPr lang="en-US" b="1" baseline="-25000" dirty="0"/>
+          </a:p>
+        </p:txBody>
+      </p:sp>
+      <p:sp>
+        <p:nvSpPr>
+          <p:cNvPr id="124" name="テキスト ボックス 123"/>
+          <p:cNvSpPr txBox="1"/>
+          <p:nvPr/>
+        </p:nvSpPr>
+        <p:spPr>
+          <a:xfrm>
+            <a:off x="2689775" y="3581497"/>
+            <a:ext cx="615296" cy="369332"/>
+          </a:xfrm>
+          <a:prstGeom prst="rect">
+            <a:avLst/>
+          </a:prstGeom>
+          <a:noFill/>
+        </p:spPr>
+        <p:txBody>
+          <a:bodyPr wrap="square" rtlCol="0">
+            <a:spAutoFit/>
+          </a:bodyPr>
+          <a:lstStyle/>
+          <a:p>
+            <a:r>
+              <a:rPr lang="en-US" b="1" baseline="30000" dirty="0" smtClean="0"/>
+              <a:t>T</a:t>
+            </a:r>
+            <a:r>
+              <a:rPr lang="en-US" b="1" dirty="0" smtClean="0"/>
+              <a:t>T</a:t>
+            </a:r>
+            <a:r>
+              <a:rPr lang="en-US" b="1" baseline="-25000" dirty="0" smtClean="0"/>
+              <a:t>M</a:t>
+            </a:r>
+            <a:endParaRPr lang="en-US" b="1" baseline="-25000" dirty="0"/>
+          </a:p>
+        </p:txBody>
+      </p:sp>
+      <p:sp>
+        <p:nvSpPr>
+          <p:cNvPr id="125" name="テキスト ボックス 124"/>
+          <p:cNvSpPr txBox="1"/>
+          <p:nvPr/>
+        </p:nvSpPr>
+        <p:spPr>
+          <a:xfrm>
+            <a:off x="4554846" y="4995839"/>
+            <a:ext cx="615296" cy="369332"/>
+          </a:xfrm>
+          <a:prstGeom prst="rect">
+            <a:avLst/>
+          </a:prstGeom>
+          <a:noFill/>
+        </p:spPr>
+        <p:txBody>
+          <a:bodyPr wrap="square" rtlCol="0">
+            <a:spAutoFit/>
+          </a:bodyPr>
+          <a:lstStyle/>
+          <a:p>
+            <a:r>
+              <a:rPr lang="en-US" b="1" baseline="30000" dirty="0" smtClean="0"/>
+              <a:t>W</a:t>
+            </a:r>
+            <a:r>
+              <a:rPr lang="en-US" b="1" dirty="0" smtClean="0"/>
+              <a:t>T</a:t>
+            </a:r>
+            <a:r>
+              <a:rPr lang="en-US" b="1" baseline="-25000" dirty="0" smtClean="0"/>
+              <a:t>T</a:t>
+            </a:r>
+            <a:endParaRPr lang="en-US" b="1" baseline="-25000" dirty="0"/>
+          </a:p>
+        </p:txBody>
+      </p:sp>
+      <p:sp>
+        <p:nvSpPr>
+          <p:cNvPr id="126" name="テキスト ボックス 125"/>
+          <p:cNvSpPr txBox="1"/>
+          <p:nvPr/>
+        </p:nvSpPr>
+        <p:spPr>
+          <a:xfrm>
+            <a:off x="5942688" y="2765487"/>
+            <a:ext cx="615296" cy="369332"/>
+          </a:xfrm>
+          <a:prstGeom prst="rect">
+            <a:avLst/>
+          </a:prstGeom>
+          <a:noFill/>
+        </p:spPr>
+        <p:txBody>
+          <a:bodyPr wrap="square" rtlCol="0">
+            <a:spAutoFit/>
+          </a:bodyPr>
+          <a:lstStyle/>
+          <a:p>
+            <a:r>
+              <a:rPr lang="en-US" b="1" baseline="30000" dirty="0" smtClean="0"/>
+              <a:t>K</a:t>
+            </a:r>
+            <a:r>
+              <a:rPr lang="en-US" b="1" dirty="0" smtClean="0"/>
+              <a:t>T</a:t>
+            </a:r>
+            <a:r>
+              <a:rPr lang="en-US" b="1" baseline="-25000" dirty="0" smtClean="0"/>
+              <a:t>W</a:t>
+            </a:r>
+            <a:endParaRPr lang="en-US" b="1" baseline="-25000" dirty="0"/>
+          </a:p>
+        </p:txBody>
+      </p:sp>
+    </p:spTree>
+    <p:extLst>
+      <p:ext uri="{BB962C8B-B14F-4D97-AF65-F5344CB8AC3E}">
+        <p14:creationId xmlns:p14="http://schemas.microsoft.com/office/powerpoint/2010/main" val="2128383894"/>
+      </p:ext>
+    </p:extLst>
+  </p:cSld>
+  <p:clrMapOvr>
+    <a:masterClrMapping/>
+  </p:clrMapOvr>
+</p:sld>
+</file>
+
 <file path=ppt/theme/theme1.xml><?xml version="1.0" encoding="utf-8"?>
 <a:theme xmlns:a="http://schemas.openxmlformats.org/drawingml/2006/main" name="Office テーマ">
   <a:themeElements>

--- a/docs/Misc/Pictures.pptx
+++ b/docs/Misc/Pictures.pptx
@@ -7,6 +7,7 @@
   <p:sldIdLst>
     <p:sldId id="256" r:id="rId2"/>
     <p:sldId id="257" r:id="rId3"/>
+    <p:sldId id="258" r:id="rId4"/>
   </p:sldIdLst>
   <p:sldSz cx="12192000" cy="6858000"/>
   <p:notesSz cx="6858000" cy="9144000"/>
@@ -3951,751 +3952,42 @@
       </p:grpSpPr>
       <p:grpSp>
         <p:nvGrpSpPr>
-          <p:cNvPr id="56" name="グループ化 55"/>
+          <p:cNvPr id="128" name="グループ化 127"/>
           <p:cNvGrpSpPr/>
           <p:nvPr/>
         </p:nvGrpSpPr>
         <p:grpSpPr>
           <a:xfrm>
-            <a:off x="5102334" y="4003323"/>
-            <a:ext cx="1533437" cy="1019346"/>
-            <a:chOff x="5536674" y="4026183"/>
-            <a:chExt cx="1533437" cy="1019346"/>
+            <a:off x="2689775" y="2253315"/>
+            <a:ext cx="3945996" cy="3111856"/>
+            <a:chOff x="2689775" y="2253315"/>
+            <a:chExt cx="3945996" cy="3111856"/>
           </a:xfrm>
         </p:grpSpPr>
-        <p:pic>
-          <p:nvPicPr>
-            <p:cNvPr id="40" name="図 39"/>
-            <p:cNvPicPr>
-              <a:picLocks noChangeAspect="1"/>
-            </p:cNvPicPr>
-            <p:nvPr/>
-          </p:nvPicPr>
-          <p:blipFill>
-            <a:blip r:embed="rId2">
-              <a:duotone>
-                <a:schemeClr val="bg2">
-                  <a:shade val="45000"/>
-                  <a:satMod val="135000"/>
-                </a:schemeClr>
-                <a:prstClr val="white"/>
-              </a:duotone>
-              <a:extLst>
-                <a:ext uri="{28A0092B-C50C-407E-A947-70E740481C1C}">
-                  <a14:useLocalDpi xmlns:a14="http://schemas.microsoft.com/office/drawing/2010/main" val="0"/>
-                </a:ext>
-              </a:extLst>
-            </a:blip>
-            <a:stretch>
-              <a:fillRect/>
-            </a:stretch>
-          </p:blipFill>
-          <p:spPr>
-            <a:xfrm rot="20528720">
-              <a:off x="5706258" y="4190902"/>
-              <a:ext cx="839423" cy="839423"/>
-            </a:xfrm>
-            <a:prstGeom prst="rect">
-              <a:avLst/>
-            </a:prstGeom>
-            <a:scene3d>
-              <a:camera prst="isometricTopUp"/>
-              <a:lightRig rig="threePt" dir="t"/>
-            </a:scene3d>
-          </p:spPr>
-        </p:pic>
         <p:grpSp>
           <p:nvGrpSpPr>
-            <p:cNvPr id="33" name="グループ化 32"/>
+            <p:cNvPr id="56" name="グループ化 55"/>
             <p:cNvGrpSpPr/>
             <p:nvPr/>
           </p:nvGrpSpPr>
           <p:grpSpPr>
             <a:xfrm>
-              <a:off x="5536674" y="4066039"/>
-              <a:ext cx="1187823" cy="979490"/>
-              <a:chOff x="3981742" y="2955287"/>
-              <a:chExt cx="1187823" cy="979490"/>
-            </a:xfrm>
-          </p:grpSpPr>
-          <p:cxnSp>
-            <p:nvCxnSpPr>
-              <p:cNvPr id="34" name="直線矢印コネクタ 33"/>
-              <p:cNvCxnSpPr/>
-              <p:nvPr/>
-            </p:nvCxnSpPr>
-            <p:spPr>
-              <a:xfrm flipV="1">
-                <a:off x="4556535" y="2971679"/>
-                <a:ext cx="0" cy="516477"/>
-              </a:xfrm>
-              <a:prstGeom prst="straightConnector1">
-                <a:avLst/>
-              </a:prstGeom>
-              <a:ln w="12700">
-                <a:solidFill>
-                  <a:srgbClr val="2300DC"/>
-                </a:solidFill>
-                <a:tailEnd type="triangle"/>
-              </a:ln>
-            </p:spPr>
-            <p:style>
-              <a:lnRef idx="1">
-                <a:schemeClr val="accent1"/>
-              </a:lnRef>
-              <a:fillRef idx="0">
-                <a:schemeClr val="accent1"/>
-              </a:fillRef>
-              <a:effectRef idx="0">
-                <a:schemeClr val="accent1"/>
-              </a:effectRef>
-              <a:fontRef idx="minor">
-                <a:schemeClr val="tx1"/>
-              </a:fontRef>
-            </p:style>
-          </p:cxnSp>
-          <p:cxnSp>
-            <p:nvCxnSpPr>
-              <p:cNvPr id="35" name="直線矢印コネクタ 34"/>
-              <p:cNvCxnSpPr>
-                <a:endCxn id="39" idx="3"/>
-              </p:cNvCxnSpPr>
-              <p:nvPr/>
-            </p:nvCxnSpPr>
-            <p:spPr>
-              <a:xfrm flipH="1">
-                <a:off x="4180440" y="3488156"/>
-                <a:ext cx="376095" cy="323511"/>
-              </a:xfrm>
-              <a:prstGeom prst="straightConnector1">
-                <a:avLst/>
-              </a:prstGeom>
-              <a:ln w="12700">
-                <a:solidFill>
-                  <a:srgbClr val="800000"/>
-                </a:solidFill>
-                <a:tailEnd type="triangle"/>
-              </a:ln>
-            </p:spPr>
-            <p:style>
-              <a:lnRef idx="1">
-                <a:schemeClr val="accent1"/>
-              </a:lnRef>
-              <a:fillRef idx="0">
-                <a:schemeClr val="accent1"/>
-              </a:fillRef>
-              <a:effectRef idx="0">
-                <a:schemeClr val="accent1"/>
-              </a:effectRef>
-              <a:fontRef idx="minor">
-                <a:schemeClr val="tx1"/>
-              </a:fontRef>
-            </p:style>
-          </p:cxnSp>
-          <p:cxnSp>
-            <p:nvCxnSpPr>
-              <p:cNvPr id="36" name="直線矢印コネクタ 35"/>
-              <p:cNvCxnSpPr/>
-              <p:nvPr/>
-            </p:nvCxnSpPr>
-            <p:spPr>
-              <a:xfrm>
-                <a:off x="4556535" y="3483471"/>
-                <a:ext cx="513680" cy="138486"/>
-              </a:xfrm>
-              <a:prstGeom prst="straightConnector1">
-                <a:avLst/>
-              </a:prstGeom>
-              <a:ln w="12700">
-                <a:solidFill>
-                  <a:srgbClr val="008000"/>
-                </a:solidFill>
-                <a:tailEnd type="triangle"/>
-              </a:ln>
-            </p:spPr>
-            <p:style>
-              <a:lnRef idx="1">
-                <a:schemeClr val="accent1"/>
-              </a:lnRef>
-              <a:fillRef idx="0">
-                <a:schemeClr val="accent1"/>
-              </a:fillRef>
-              <a:effectRef idx="0">
-                <a:schemeClr val="accent1"/>
-              </a:effectRef>
-              <a:fontRef idx="minor">
-                <a:schemeClr val="tx1"/>
-              </a:fontRef>
-            </p:style>
-          </p:cxnSp>
-          <p:sp>
-            <p:nvSpPr>
-              <p:cNvPr id="37" name="テキスト ボックス 36"/>
-              <p:cNvSpPr txBox="1"/>
-              <p:nvPr/>
-            </p:nvSpPr>
-            <p:spPr>
-              <a:xfrm>
-                <a:off x="4568165" y="2955287"/>
-                <a:ext cx="198698" cy="246221"/>
-              </a:xfrm>
-              <a:prstGeom prst="rect">
-                <a:avLst/>
-              </a:prstGeom>
-              <a:noFill/>
-            </p:spPr>
-            <p:txBody>
-              <a:bodyPr wrap="square" rtlCol="0">
-                <a:spAutoFit/>
-              </a:bodyPr>
-              <a:lstStyle/>
-              <a:p>
-                <a:r>
-                  <a:rPr lang="en-US" sz="1000" dirty="0" smtClean="0">
-                    <a:solidFill>
-                      <a:srgbClr val="2300DC"/>
-                    </a:solidFill>
-                  </a:rPr>
-                  <a:t>Z</a:t>
-                </a:r>
-                <a:endParaRPr lang="en-US" sz="1000" dirty="0">
-                  <a:solidFill>
-                    <a:srgbClr val="2300DC"/>
-                  </a:solidFill>
-                </a:endParaRPr>
-              </a:p>
-            </p:txBody>
-          </p:sp>
-          <p:sp>
-            <p:nvSpPr>
-              <p:cNvPr id="38" name="テキスト ボックス 37"/>
-              <p:cNvSpPr txBox="1"/>
-              <p:nvPr/>
-            </p:nvSpPr>
-            <p:spPr>
-              <a:xfrm>
-                <a:off x="4970867" y="3376750"/>
-                <a:ext cx="198698" cy="246221"/>
-              </a:xfrm>
-              <a:prstGeom prst="rect">
-                <a:avLst/>
-              </a:prstGeom>
-              <a:noFill/>
-            </p:spPr>
-            <p:txBody>
-              <a:bodyPr wrap="square" rtlCol="0">
-                <a:spAutoFit/>
-              </a:bodyPr>
-              <a:lstStyle/>
-              <a:p>
-                <a:r>
-                  <a:rPr lang="en-US" sz="1000" dirty="0" smtClean="0">
-                    <a:solidFill>
-                      <a:srgbClr val="008000"/>
-                    </a:solidFill>
-                  </a:rPr>
-                  <a:t>Y</a:t>
-                </a:r>
-                <a:endParaRPr lang="en-US" sz="1000" dirty="0">
-                  <a:solidFill>
-                    <a:srgbClr val="008000"/>
-                  </a:solidFill>
-                </a:endParaRPr>
-              </a:p>
-            </p:txBody>
-          </p:sp>
-          <p:sp>
-            <p:nvSpPr>
-              <p:cNvPr id="39" name="テキスト ボックス 38"/>
-              <p:cNvSpPr txBox="1"/>
-              <p:nvPr/>
-            </p:nvSpPr>
-            <p:spPr>
-              <a:xfrm>
-                <a:off x="3981742" y="3688556"/>
-                <a:ext cx="198698" cy="246221"/>
-              </a:xfrm>
-              <a:prstGeom prst="rect">
-                <a:avLst/>
-              </a:prstGeom>
-              <a:noFill/>
-            </p:spPr>
-            <p:txBody>
-              <a:bodyPr wrap="square" rtlCol="0">
-                <a:spAutoFit/>
-              </a:bodyPr>
-              <a:lstStyle/>
-              <a:p>
-                <a:r>
-                  <a:rPr lang="en-US" sz="1000" dirty="0" smtClean="0">
-                    <a:solidFill>
-                      <a:srgbClr val="800000"/>
-                    </a:solidFill>
-                  </a:rPr>
-                  <a:t>X</a:t>
-                </a:r>
-                <a:endParaRPr lang="en-US" sz="1000" dirty="0">
-                  <a:solidFill>
-                    <a:srgbClr val="800000"/>
-                  </a:solidFill>
-                </a:endParaRPr>
-              </a:p>
-            </p:txBody>
-          </p:sp>
-        </p:grpSp>
-        <p:sp>
-          <p:nvSpPr>
-            <p:cNvPr id="50" name="テキスト ボックス 49"/>
-            <p:cNvSpPr txBox="1"/>
-            <p:nvPr/>
-          </p:nvSpPr>
-          <p:spPr>
-            <a:xfrm>
-              <a:off x="6570551" y="4026183"/>
-              <a:ext cx="499560" cy="369332"/>
-            </a:xfrm>
-            <a:prstGeom prst="rect">
-              <a:avLst/>
-            </a:prstGeom>
-            <a:noFill/>
-          </p:spPr>
-          <p:txBody>
-            <a:bodyPr wrap="square" rtlCol="0">
-              <a:spAutoFit/>
-            </a:bodyPr>
-            <a:lstStyle/>
-            <a:p>
-              <a:r>
-                <a:rPr lang="en-US" dirty="0"/>
-                <a:t>F</a:t>
-              </a:r>
-              <a:r>
-                <a:rPr lang="en-US" baseline="-25000" dirty="0" smtClean="0"/>
-                <a:t>W</a:t>
-              </a:r>
-              <a:endParaRPr lang="en-US" baseline="-25000" dirty="0"/>
-            </a:p>
-          </p:txBody>
-        </p:sp>
-      </p:grpSp>
-      <p:grpSp>
-        <p:nvGrpSpPr>
-          <p:cNvPr id="57" name="グループ化 56"/>
-          <p:cNvGrpSpPr/>
-          <p:nvPr/>
-        </p:nvGrpSpPr>
-        <p:grpSpPr>
-          <a:xfrm>
-            <a:off x="3353973" y="2963854"/>
-            <a:ext cx="1269645" cy="2086254"/>
-            <a:chOff x="3829575" y="2978152"/>
-            <a:chExt cx="1269645" cy="2086254"/>
-          </a:xfrm>
-        </p:grpSpPr>
-        <p:pic>
-          <p:nvPicPr>
-            <p:cNvPr id="4" name="Shape 140"/>
-            <p:cNvPicPr preferRelativeResize="0"/>
-            <p:nvPr/>
-          </p:nvPicPr>
-          <p:blipFill>
-            <a:blip r:embed="rId3">
-              <a:alphaModFix/>
-            </a:blip>
-            <a:stretch>
-              <a:fillRect/>
-            </a:stretch>
-          </p:blipFill>
-          <p:spPr>
-            <a:xfrm>
-              <a:off x="4057485" y="3730606"/>
-              <a:ext cx="911850" cy="1333800"/>
-            </a:xfrm>
-            <a:prstGeom prst="rect">
-              <a:avLst/>
-            </a:prstGeom>
-            <a:noFill/>
-            <a:ln>
-              <a:noFill/>
-            </a:ln>
-          </p:spPr>
-        </p:pic>
-        <p:pic>
-          <p:nvPicPr>
-            <p:cNvPr id="5" name="Shape 141"/>
-            <p:cNvPicPr preferRelativeResize="0"/>
-            <p:nvPr/>
-          </p:nvPicPr>
-          <p:blipFill>
-            <a:blip r:embed="rId4">
-              <a:alphaModFix/>
-            </a:blip>
-            <a:stretch>
-              <a:fillRect/>
-            </a:stretch>
-          </p:blipFill>
-          <p:spPr>
-            <a:xfrm>
-              <a:off x="4353985" y="3488156"/>
-              <a:ext cx="405100" cy="288125"/>
-            </a:xfrm>
-            <a:prstGeom prst="rect">
-              <a:avLst/>
-            </a:prstGeom>
-            <a:noFill/>
-            <a:ln>
-              <a:noFill/>
-            </a:ln>
-          </p:spPr>
-        </p:pic>
-        <p:grpSp>
-          <p:nvGrpSpPr>
-            <p:cNvPr id="21" name="グループ化 20"/>
-            <p:cNvGrpSpPr/>
-            <p:nvPr/>
-          </p:nvGrpSpPr>
-          <p:grpSpPr>
-            <a:xfrm>
-              <a:off x="4057485" y="2978152"/>
-              <a:ext cx="1041735" cy="751540"/>
-              <a:chOff x="4057485" y="2978152"/>
-              <a:chExt cx="1041735" cy="751540"/>
-            </a:xfrm>
-          </p:grpSpPr>
-          <p:cxnSp>
-            <p:nvCxnSpPr>
-              <p:cNvPr id="7" name="直線矢印コネクタ 6"/>
-              <p:cNvCxnSpPr>
-                <a:stCxn id="5" idx="0"/>
-              </p:cNvCxnSpPr>
-              <p:nvPr/>
-            </p:nvCxnSpPr>
-            <p:spPr>
-              <a:xfrm flipV="1">
-                <a:off x="4556535" y="3138616"/>
-                <a:ext cx="0" cy="349540"/>
-              </a:xfrm>
-              <a:prstGeom prst="straightConnector1">
-                <a:avLst/>
-              </a:prstGeom>
-              <a:ln w="12700">
-                <a:solidFill>
-                  <a:srgbClr val="2300DC"/>
-                </a:solidFill>
-                <a:tailEnd type="triangle"/>
-              </a:ln>
-            </p:spPr>
-            <p:style>
-              <a:lnRef idx="1">
-                <a:schemeClr val="accent1"/>
-              </a:lnRef>
-              <a:fillRef idx="0">
-                <a:schemeClr val="accent1"/>
-              </a:fillRef>
-              <a:effectRef idx="0">
-                <a:schemeClr val="accent1"/>
-              </a:effectRef>
-              <a:fontRef idx="minor">
-                <a:schemeClr val="tx1"/>
-              </a:fontRef>
-            </p:style>
-          </p:cxnSp>
-          <p:cxnSp>
-            <p:nvCxnSpPr>
-              <p:cNvPr id="9" name="直線矢印コネクタ 8"/>
-              <p:cNvCxnSpPr>
-                <a:stCxn id="5" idx="0"/>
-              </p:cNvCxnSpPr>
-              <p:nvPr/>
-            </p:nvCxnSpPr>
-            <p:spPr>
-              <a:xfrm flipH="1">
-                <a:off x="4244975" y="3488156"/>
-                <a:ext cx="311560" cy="167743"/>
-              </a:xfrm>
-              <a:prstGeom prst="straightConnector1">
-                <a:avLst/>
-              </a:prstGeom>
-              <a:ln w="12700">
-                <a:solidFill>
-                  <a:srgbClr val="800000"/>
-                </a:solidFill>
-                <a:tailEnd type="triangle"/>
-              </a:ln>
-            </p:spPr>
-            <p:style>
-              <a:lnRef idx="1">
-                <a:schemeClr val="accent1"/>
-              </a:lnRef>
-              <a:fillRef idx="0">
-                <a:schemeClr val="accent1"/>
-              </a:fillRef>
-              <a:effectRef idx="0">
-                <a:schemeClr val="accent1"/>
-              </a:effectRef>
-              <a:fontRef idx="minor">
-                <a:schemeClr val="tx1"/>
-              </a:fontRef>
-            </p:style>
-          </p:cxnSp>
-          <p:cxnSp>
-            <p:nvCxnSpPr>
-              <p:cNvPr id="11" name="直線矢印コネクタ 10"/>
-              <p:cNvCxnSpPr/>
-              <p:nvPr/>
-            </p:nvCxnSpPr>
-            <p:spPr>
-              <a:xfrm>
-                <a:off x="4556535" y="3483471"/>
-                <a:ext cx="405100" cy="53545"/>
-              </a:xfrm>
-              <a:prstGeom prst="straightConnector1">
-                <a:avLst/>
-              </a:prstGeom>
-              <a:ln w="12700">
-                <a:solidFill>
-                  <a:srgbClr val="008000"/>
-                </a:solidFill>
-                <a:tailEnd type="triangle"/>
-              </a:ln>
-            </p:spPr>
-            <p:style>
-              <a:lnRef idx="1">
-                <a:schemeClr val="accent1"/>
-              </a:lnRef>
-              <a:fillRef idx="0">
-                <a:schemeClr val="accent1"/>
-              </a:fillRef>
-              <a:effectRef idx="0">
-                <a:schemeClr val="accent1"/>
-              </a:effectRef>
-              <a:fontRef idx="minor">
-                <a:schemeClr val="tx1"/>
-              </a:fontRef>
-            </p:style>
-          </p:cxnSp>
-          <p:sp>
-            <p:nvSpPr>
-              <p:cNvPr id="18" name="テキスト ボックス 17"/>
-              <p:cNvSpPr txBox="1"/>
-              <p:nvPr/>
-            </p:nvSpPr>
-            <p:spPr>
-              <a:xfrm>
-                <a:off x="4513410" y="2978152"/>
-                <a:ext cx="198698" cy="246221"/>
-              </a:xfrm>
-              <a:prstGeom prst="rect">
-                <a:avLst/>
-              </a:prstGeom>
-              <a:noFill/>
-            </p:spPr>
-            <p:txBody>
-              <a:bodyPr wrap="square" rtlCol="0">
-                <a:spAutoFit/>
-              </a:bodyPr>
-              <a:lstStyle/>
-              <a:p>
-                <a:r>
-                  <a:rPr lang="en-US" sz="1000" dirty="0" smtClean="0">
-                    <a:solidFill>
-                      <a:srgbClr val="2300DC"/>
-                    </a:solidFill>
-                  </a:rPr>
-                  <a:t>Z</a:t>
-                </a:r>
-                <a:endParaRPr lang="en-US" sz="1000" dirty="0">
-                  <a:solidFill>
-                    <a:srgbClr val="2300DC"/>
-                  </a:solidFill>
-                </a:endParaRPr>
-              </a:p>
-            </p:txBody>
-          </p:sp>
-          <p:sp>
-            <p:nvSpPr>
-              <p:cNvPr id="19" name="テキスト ボックス 18"/>
-              <p:cNvSpPr txBox="1"/>
-              <p:nvPr/>
-            </p:nvSpPr>
-            <p:spPr>
-              <a:xfrm>
-                <a:off x="4900522" y="3447031"/>
-                <a:ext cx="198698" cy="246221"/>
-              </a:xfrm>
-              <a:prstGeom prst="rect">
-                <a:avLst/>
-              </a:prstGeom>
-              <a:noFill/>
-            </p:spPr>
-            <p:txBody>
-              <a:bodyPr wrap="square" rtlCol="0">
-                <a:spAutoFit/>
-              </a:bodyPr>
-              <a:lstStyle/>
-              <a:p>
-                <a:r>
-                  <a:rPr lang="en-US" sz="1000" dirty="0" smtClean="0">
-                    <a:solidFill>
-                      <a:srgbClr val="008000"/>
-                    </a:solidFill>
-                  </a:rPr>
-                  <a:t>Y</a:t>
-                </a:r>
-                <a:endParaRPr lang="en-US" sz="1000" dirty="0">
-                  <a:solidFill>
-                    <a:srgbClr val="008000"/>
-                  </a:solidFill>
-                </a:endParaRPr>
-              </a:p>
-            </p:txBody>
-          </p:sp>
-          <p:sp>
-            <p:nvSpPr>
-              <p:cNvPr id="20" name="テキスト ボックス 19"/>
-              <p:cNvSpPr txBox="1"/>
-              <p:nvPr/>
-            </p:nvSpPr>
-            <p:spPr>
-              <a:xfrm>
-                <a:off x="4057485" y="3483471"/>
-                <a:ext cx="198698" cy="246221"/>
-              </a:xfrm>
-              <a:prstGeom prst="rect">
-                <a:avLst/>
-              </a:prstGeom>
-              <a:noFill/>
-            </p:spPr>
-            <p:txBody>
-              <a:bodyPr wrap="square" rtlCol="0">
-                <a:spAutoFit/>
-              </a:bodyPr>
-              <a:lstStyle/>
-              <a:p>
-                <a:r>
-                  <a:rPr lang="en-US" sz="1000" dirty="0" smtClean="0">
-                    <a:solidFill>
-                      <a:srgbClr val="800000"/>
-                    </a:solidFill>
-                  </a:rPr>
-                  <a:t>X</a:t>
-                </a:r>
-                <a:endParaRPr lang="en-US" sz="1000" dirty="0">
-                  <a:solidFill>
-                    <a:srgbClr val="800000"/>
-                  </a:solidFill>
-                </a:endParaRPr>
-              </a:p>
-            </p:txBody>
-          </p:sp>
-        </p:grpSp>
-        <p:sp>
-          <p:nvSpPr>
-            <p:cNvPr id="51" name="テキスト ボックス 50"/>
-            <p:cNvSpPr txBox="1"/>
-            <p:nvPr/>
-          </p:nvSpPr>
-          <p:spPr>
-            <a:xfrm>
-              <a:off x="3829575" y="3048404"/>
-              <a:ext cx="499560" cy="369332"/>
-            </a:xfrm>
-            <a:prstGeom prst="rect">
-              <a:avLst/>
-            </a:prstGeom>
-            <a:noFill/>
-          </p:spPr>
-          <p:txBody>
-            <a:bodyPr wrap="square" rtlCol="0">
-              <a:spAutoFit/>
-            </a:bodyPr>
-            <a:lstStyle/>
-            <a:p>
-              <a:r>
-                <a:rPr lang="en-US" dirty="0"/>
-                <a:t>F</a:t>
-              </a:r>
-              <a:r>
-                <a:rPr lang="en-US" baseline="-25000" dirty="0" smtClean="0"/>
-                <a:t>M</a:t>
-              </a:r>
-              <a:endParaRPr lang="en-US" baseline="-25000" dirty="0"/>
-            </a:p>
-          </p:txBody>
-        </p:sp>
-        <p:sp>
-          <p:nvSpPr>
-            <p:cNvPr id="53" name="テキスト ボックス 52"/>
-            <p:cNvSpPr txBox="1"/>
-            <p:nvPr/>
-          </p:nvSpPr>
-          <p:spPr>
-            <a:xfrm>
-              <a:off x="3843739" y="4212840"/>
-              <a:ext cx="499560" cy="369332"/>
-            </a:xfrm>
-            <a:prstGeom prst="rect">
-              <a:avLst/>
-            </a:prstGeom>
-            <a:noFill/>
-          </p:spPr>
-          <p:txBody>
-            <a:bodyPr wrap="square" rtlCol="0">
-              <a:spAutoFit/>
-            </a:bodyPr>
-            <a:lstStyle/>
-            <a:p>
-              <a:r>
-                <a:rPr lang="en-US" dirty="0"/>
-                <a:t>F</a:t>
-              </a:r>
-              <a:r>
-                <a:rPr lang="en-US" baseline="-25000" dirty="0" smtClean="0"/>
-                <a:t>T</a:t>
-              </a:r>
-              <a:endParaRPr lang="en-US" baseline="-25000" dirty="0"/>
-            </a:p>
-          </p:txBody>
-        </p:sp>
-      </p:grpSp>
-      <p:grpSp>
-        <p:nvGrpSpPr>
-          <p:cNvPr id="55" name="グループ化 54"/>
-          <p:cNvGrpSpPr/>
-          <p:nvPr/>
-        </p:nvGrpSpPr>
-        <p:grpSpPr>
-          <a:xfrm>
-            <a:off x="4445158" y="2322043"/>
-            <a:ext cx="1596848" cy="1255344"/>
-            <a:chOff x="5191581" y="2111303"/>
-            <a:chExt cx="1596848" cy="1255344"/>
-          </a:xfrm>
-        </p:grpSpPr>
-        <p:grpSp>
-          <p:nvGrpSpPr>
-            <p:cNvPr id="32" name="グループ化 31"/>
-            <p:cNvGrpSpPr/>
-            <p:nvPr/>
-          </p:nvGrpSpPr>
-          <p:grpSpPr>
-            <a:xfrm>
-              <a:off x="5191581" y="2394283"/>
-              <a:ext cx="1596848" cy="972364"/>
-              <a:chOff x="5511621" y="2531412"/>
-              <a:chExt cx="1596848" cy="972364"/>
+              <a:off x="5102334" y="4003323"/>
+              <a:ext cx="1533437" cy="1019346"/>
+              <a:chOff x="5536674" y="4026183"/>
+              <a:chExt cx="1533437" cy="1019346"/>
             </a:xfrm>
           </p:grpSpPr>
           <p:pic>
             <p:nvPicPr>
-              <p:cNvPr id="31" name="図 30"/>
+              <p:cNvPr id="40" name="図 39"/>
               <p:cNvPicPr>
                 <a:picLocks noChangeAspect="1"/>
               </p:cNvPicPr>
               <p:nvPr/>
             </p:nvPicPr>
             <p:blipFill>
-              <a:blip r:embed="rId5" cstate="print">
+              <a:blip r:embed="rId2">
                 <a:duotone>
                   <a:schemeClr val="bg2">
                     <a:shade val="45000"/>
@@ -4714,75 +4006,43 @@
               </a:stretch>
             </p:blipFill>
             <p:spPr>
-              <a:xfrm>
-                <a:off x="5843344" y="2791875"/>
-                <a:ext cx="1265125" cy="711901"/>
+              <a:xfrm rot="20528720">
+                <a:off x="5706258" y="4190902"/>
+                <a:ext cx="839423" cy="839423"/>
               </a:xfrm>
               <a:prstGeom prst="rect">
                 <a:avLst/>
               </a:prstGeom>
+              <a:scene3d>
+                <a:camera prst="isometricTopUp"/>
+                <a:lightRig rig="threePt" dir="t"/>
+              </a:scene3d>
             </p:spPr>
           </p:pic>
           <p:grpSp>
             <p:nvGrpSpPr>
-              <p:cNvPr id="22" name="グループ化 21"/>
+              <p:cNvPr id="33" name="グループ化 32"/>
               <p:cNvGrpSpPr/>
               <p:nvPr/>
             </p:nvGrpSpPr>
             <p:grpSpPr>
               <a:xfrm>
-                <a:off x="5511621" y="2531412"/>
-                <a:ext cx="1041735" cy="751540"/>
-                <a:chOff x="4027005" y="3084832"/>
-                <a:chExt cx="1041735" cy="751540"/>
+                <a:off x="5536674" y="4066039"/>
+                <a:ext cx="1187823" cy="979490"/>
+                <a:chOff x="3981742" y="2955287"/>
+                <a:chExt cx="1187823" cy="979490"/>
               </a:xfrm>
             </p:grpSpPr>
             <p:cxnSp>
               <p:nvCxnSpPr>
-                <p:cNvPr id="23" name="直線矢印コネクタ 22"/>
+                <p:cNvPr id="34" name="直線矢印コネクタ 33"/>
                 <p:cNvCxnSpPr/>
                 <p:nvPr/>
               </p:nvCxnSpPr>
               <p:spPr>
                 <a:xfrm flipV="1">
-                  <a:off x="4526055" y="3245296"/>
-                  <a:ext cx="0" cy="349540"/>
-                </a:xfrm>
-                <a:prstGeom prst="straightConnector1">
-                  <a:avLst/>
-                </a:prstGeom>
-                <a:ln w="12700">
-                  <a:solidFill>
-                    <a:srgbClr val="008000"/>
-                  </a:solidFill>
-                  <a:tailEnd type="triangle"/>
-                </a:ln>
-              </p:spPr>
-              <p:style>
-                <a:lnRef idx="1">
-                  <a:schemeClr val="accent1"/>
-                </a:lnRef>
-                <a:fillRef idx="0">
-                  <a:schemeClr val="accent1"/>
-                </a:fillRef>
-                <a:effectRef idx="0">
-                  <a:schemeClr val="accent1"/>
-                </a:effectRef>
-                <a:fontRef idx="minor">
-                  <a:schemeClr val="tx1"/>
-                </a:fontRef>
-              </p:style>
-            </p:cxnSp>
-            <p:cxnSp>
-              <p:nvCxnSpPr>
-                <p:cNvPr id="24" name="直線矢印コネクタ 23"/>
-                <p:cNvCxnSpPr/>
-                <p:nvPr/>
-              </p:nvCxnSpPr>
-              <p:spPr>
-                <a:xfrm flipH="1">
-                  <a:off x="4214495" y="3594836"/>
-                  <a:ext cx="311560" cy="167743"/>
+                  <a:off x="4556535" y="2971679"/>
+                  <a:ext cx="0" cy="516477"/>
                 </a:xfrm>
                 <a:prstGeom prst="straightConnector1">
                   <a:avLst/>
@@ -4811,14 +4071,16 @@
             </p:cxnSp>
             <p:cxnSp>
               <p:nvCxnSpPr>
-                <p:cNvPr id="25" name="直線矢印コネクタ 24"/>
-                <p:cNvCxnSpPr/>
+                <p:cNvPr id="35" name="直線矢印コネクタ 34"/>
+                <p:cNvCxnSpPr>
+                  <a:endCxn id="39" idx="3"/>
+                </p:cNvCxnSpPr>
                 <p:nvPr/>
               </p:nvCxnSpPr>
               <p:spPr>
-                <a:xfrm>
-                  <a:off x="4526055" y="3590151"/>
-                  <a:ext cx="405100" cy="53545"/>
+                <a:xfrm flipH="1">
+                  <a:off x="4180440" y="3488156"/>
+                  <a:ext cx="376095" cy="323511"/>
                 </a:xfrm>
                 <a:prstGeom prst="straightConnector1">
                   <a:avLst/>
@@ -4845,15 +4107,89 @@
                 </a:fontRef>
               </p:style>
             </p:cxnSp>
+            <p:cxnSp>
+              <p:nvCxnSpPr>
+                <p:cNvPr id="36" name="直線矢印コネクタ 35"/>
+                <p:cNvCxnSpPr/>
+                <p:nvPr/>
+              </p:nvCxnSpPr>
+              <p:spPr>
+                <a:xfrm>
+                  <a:off x="4556535" y="3483471"/>
+                  <a:ext cx="513680" cy="138486"/>
+                </a:xfrm>
+                <a:prstGeom prst="straightConnector1">
+                  <a:avLst/>
+                </a:prstGeom>
+                <a:ln w="12700">
+                  <a:solidFill>
+                    <a:srgbClr val="008000"/>
+                  </a:solidFill>
+                  <a:tailEnd type="triangle"/>
+                </a:ln>
+              </p:spPr>
+              <p:style>
+                <a:lnRef idx="1">
+                  <a:schemeClr val="accent1"/>
+                </a:lnRef>
+                <a:fillRef idx="0">
+                  <a:schemeClr val="accent1"/>
+                </a:fillRef>
+                <a:effectRef idx="0">
+                  <a:schemeClr val="accent1"/>
+                </a:effectRef>
+                <a:fontRef idx="minor">
+                  <a:schemeClr val="tx1"/>
+                </a:fontRef>
+              </p:style>
+            </p:cxnSp>
             <p:sp>
               <p:nvSpPr>
-                <p:cNvPr id="26" name="テキスト ボックス 25"/>
+                <p:cNvPr id="37" name="テキスト ボックス 36"/>
                 <p:cNvSpPr txBox="1"/>
                 <p:nvPr/>
               </p:nvSpPr>
               <p:spPr>
                 <a:xfrm>
-                  <a:off x="4482930" y="3084832"/>
+                  <a:off x="4568165" y="2955287"/>
+                  <a:ext cx="198698" cy="246221"/>
+                </a:xfrm>
+                <a:prstGeom prst="rect">
+                  <a:avLst/>
+                </a:prstGeom>
+                <a:noFill/>
+              </p:spPr>
+              <p:txBody>
+                <a:bodyPr wrap="square" rtlCol="0">
+                  <a:spAutoFit/>
+                </a:bodyPr>
+                <a:lstStyle/>
+                <a:p>
+                  <a:r>
+                    <a:rPr lang="en-US" sz="1000" dirty="0" smtClean="0">
+                      <a:solidFill>
+                        <a:srgbClr val="2300DC"/>
+                      </a:solidFill>
+                    </a:rPr>
+                    <a:t>Z</a:t>
+                  </a:r>
+                  <a:endParaRPr lang="en-US" sz="1000" dirty="0">
+                    <a:solidFill>
+                      <a:srgbClr val="2300DC"/>
+                    </a:solidFill>
+                  </a:endParaRPr>
+                </a:p>
+              </p:txBody>
+            </p:sp>
+            <p:sp>
+              <p:nvSpPr>
+                <p:cNvPr id="38" name="テキスト ボックス 37"/>
+                <p:cNvSpPr txBox="1"/>
+                <p:nvPr/>
+              </p:nvSpPr>
+              <p:spPr>
+                <a:xfrm>
+                  <a:off x="4970867" y="3376750"/>
                   <a:ext cx="198698" cy="246221"/>
                 </a:xfrm>
                 <a:prstGeom prst="rect">
@@ -4885,13 +4221,13 @@
             </p:sp>
             <p:sp>
               <p:nvSpPr>
-                <p:cNvPr id="27" name="テキスト ボックス 26"/>
+                <p:cNvPr id="39" name="テキスト ボックス 38"/>
                 <p:cNvSpPr txBox="1"/>
                 <p:nvPr/>
               </p:nvSpPr>
               <p:spPr>
                 <a:xfrm>
-                  <a:off x="4870042" y="3553711"/>
+                  <a:off x="3981742" y="3688556"/>
                   <a:ext cx="198698" cy="246221"/>
                 </a:xfrm>
                 <a:prstGeom prst="rect">
@@ -4921,15 +4257,247 @@
                 </a:p>
               </p:txBody>
             </p:sp>
+          </p:grpSp>
+          <p:sp>
+            <p:nvSpPr>
+              <p:cNvPr id="50" name="テキスト ボックス 49"/>
+              <p:cNvSpPr txBox="1"/>
+              <p:nvPr/>
+            </p:nvSpPr>
+            <p:spPr>
+              <a:xfrm>
+                <a:off x="6570551" y="4026183"/>
+                <a:ext cx="499560" cy="369332"/>
+              </a:xfrm>
+              <a:prstGeom prst="rect">
+                <a:avLst/>
+              </a:prstGeom>
+              <a:noFill/>
+            </p:spPr>
+            <p:txBody>
+              <a:bodyPr wrap="square" rtlCol="0">
+                <a:spAutoFit/>
+              </a:bodyPr>
+              <a:lstStyle/>
+              <a:p>
+                <a:r>
+                  <a:rPr lang="en-US" dirty="0"/>
+                  <a:t>F</a:t>
+                </a:r>
+                <a:r>
+                  <a:rPr lang="en-US" baseline="-25000" dirty="0" smtClean="0"/>
+                  <a:t>W</a:t>
+                </a:r>
+                <a:endParaRPr lang="en-US" baseline="-25000" dirty="0"/>
+              </a:p>
+            </p:txBody>
+          </p:sp>
+        </p:grpSp>
+        <p:grpSp>
+          <p:nvGrpSpPr>
+            <p:cNvPr id="57" name="グループ化 56"/>
+            <p:cNvGrpSpPr/>
+            <p:nvPr/>
+          </p:nvGrpSpPr>
+          <p:grpSpPr>
+            <a:xfrm>
+              <a:off x="3353973" y="2963854"/>
+              <a:ext cx="1269645" cy="2086254"/>
+              <a:chOff x="3829575" y="2978152"/>
+              <a:chExt cx="1269645" cy="2086254"/>
+            </a:xfrm>
+          </p:grpSpPr>
+          <p:pic>
+            <p:nvPicPr>
+              <p:cNvPr id="4" name="Shape 140"/>
+              <p:cNvPicPr preferRelativeResize="0"/>
+              <p:nvPr/>
+            </p:nvPicPr>
+            <p:blipFill>
+              <a:blip r:embed="rId3">
+                <a:alphaModFix/>
+              </a:blip>
+              <a:stretch>
+                <a:fillRect/>
+              </a:stretch>
+            </p:blipFill>
+            <p:spPr>
+              <a:xfrm>
+                <a:off x="4057485" y="3730606"/>
+                <a:ext cx="911850" cy="1333800"/>
+              </a:xfrm>
+              <a:prstGeom prst="rect">
+                <a:avLst/>
+              </a:prstGeom>
+              <a:noFill/>
+              <a:ln>
+                <a:noFill/>
+              </a:ln>
+            </p:spPr>
+          </p:pic>
+          <p:pic>
+            <p:nvPicPr>
+              <p:cNvPr id="5" name="Shape 141"/>
+              <p:cNvPicPr preferRelativeResize="0"/>
+              <p:nvPr/>
+            </p:nvPicPr>
+            <p:blipFill>
+              <a:blip r:embed="rId4">
+                <a:alphaModFix/>
+              </a:blip>
+              <a:stretch>
+                <a:fillRect/>
+              </a:stretch>
+            </p:blipFill>
+            <p:spPr>
+              <a:xfrm>
+                <a:off x="4353985" y="3488156"/>
+                <a:ext cx="405100" cy="288125"/>
+              </a:xfrm>
+              <a:prstGeom prst="rect">
+                <a:avLst/>
+              </a:prstGeom>
+              <a:noFill/>
+              <a:ln>
+                <a:noFill/>
+              </a:ln>
+            </p:spPr>
+          </p:pic>
+          <p:grpSp>
+            <p:nvGrpSpPr>
+              <p:cNvPr id="21" name="グループ化 20"/>
+              <p:cNvGrpSpPr/>
+              <p:nvPr/>
+            </p:nvGrpSpPr>
+            <p:grpSpPr>
+              <a:xfrm>
+                <a:off x="4057485" y="2978152"/>
+                <a:ext cx="1041735" cy="751540"/>
+                <a:chOff x="4057485" y="2978152"/>
+                <a:chExt cx="1041735" cy="751540"/>
+              </a:xfrm>
+            </p:grpSpPr>
+            <p:cxnSp>
+              <p:nvCxnSpPr>
+                <p:cNvPr id="7" name="直線矢印コネクタ 6"/>
+                <p:cNvCxnSpPr>
+                  <a:stCxn id="5" idx="0"/>
+                </p:cNvCxnSpPr>
+                <p:nvPr/>
+              </p:nvCxnSpPr>
+              <p:spPr>
+                <a:xfrm flipV="1">
+                  <a:off x="4556535" y="3138616"/>
+                  <a:ext cx="0" cy="349540"/>
+                </a:xfrm>
+                <a:prstGeom prst="straightConnector1">
+                  <a:avLst/>
+                </a:prstGeom>
+                <a:ln w="12700">
+                  <a:solidFill>
+                    <a:srgbClr val="2300DC"/>
+                  </a:solidFill>
+                  <a:tailEnd type="triangle"/>
+                </a:ln>
+              </p:spPr>
+              <p:style>
+                <a:lnRef idx="1">
+                  <a:schemeClr val="accent1"/>
+                </a:lnRef>
+                <a:fillRef idx="0">
+                  <a:schemeClr val="accent1"/>
+                </a:fillRef>
+                <a:effectRef idx="0">
+                  <a:schemeClr val="accent1"/>
+                </a:effectRef>
+                <a:fontRef idx="minor">
+                  <a:schemeClr val="tx1"/>
+                </a:fontRef>
+              </p:style>
+            </p:cxnSp>
+            <p:cxnSp>
+              <p:nvCxnSpPr>
+                <p:cNvPr id="9" name="直線矢印コネクタ 8"/>
+                <p:cNvCxnSpPr>
+                  <a:stCxn id="5" idx="0"/>
+                </p:cNvCxnSpPr>
+                <p:nvPr/>
+              </p:nvCxnSpPr>
+              <p:spPr>
+                <a:xfrm flipH="1">
+                  <a:off x="4244975" y="3488156"/>
+                  <a:ext cx="311560" cy="167743"/>
+                </a:xfrm>
+                <a:prstGeom prst="straightConnector1">
+                  <a:avLst/>
+                </a:prstGeom>
+                <a:ln w="12700">
+                  <a:solidFill>
+                    <a:srgbClr val="800000"/>
+                  </a:solidFill>
+                  <a:tailEnd type="triangle"/>
+                </a:ln>
+              </p:spPr>
+              <p:style>
+                <a:lnRef idx="1">
+                  <a:schemeClr val="accent1"/>
+                </a:lnRef>
+                <a:fillRef idx="0">
+                  <a:schemeClr val="accent1"/>
+                </a:fillRef>
+                <a:effectRef idx="0">
+                  <a:schemeClr val="accent1"/>
+                </a:effectRef>
+                <a:fontRef idx="minor">
+                  <a:schemeClr val="tx1"/>
+                </a:fontRef>
+              </p:style>
+            </p:cxnSp>
+            <p:cxnSp>
+              <p:nvCxnSpPr>
+                <p:cNvPr id="11" name="直線矢印コネクタ 10"/>
+                <p:cNvCxnSpPr/>
+                <p:nvPr/>
+              </p:nvCxnSpPr>
+              <p:spPr>
+                <a:xfrm>
+                  <a:off x="4556535" y="3483471"/>
+                  <a:ext cx="405100" cy="53545"/>
+                </a:xfrm>
+                <a:prstGeom prst="straightConnector1">
+                  <a:avLst/>
+                </a:prstGeom>
+                <a:ln w="12700">
+                  <a:solidFill>
+                    <a:srgbClr val="008000"/>
+                  </a:solidFill>
+                  <a:tailEnd type="triangle"/>
+                </a:ln>
+              </p:spPr>
+              <p:style>
+                <a:lnRef idx="1">
+                  <a:schemeClr val="accent1"/>
+                </a:lnRef>
+                <a:fillRef idx="0">
+                  <a:schemeClr val="accent1"/>
+                </a:fillRef>
+                <a:effectRef idx="0">
+                  <a:schemeClr val="accent1"/>
+                </a:effectRef>
+                <a:fontRef idx="minor">
+                  <a:schemeClr val="tx1"/>
+                </a:fontRef>
+              </p:style>
+            </p:cxnSp>
             <p:sp>
               <p:nvSpPr>
-                <p:cNvPr id="28" name="テキスト ボックス 27"/>
+                <p:cNvPr id="18" name="テキスト ボックス 17"/>
                 <p:cNvSpPr txBox="1"/>
                 <p:nvPr/>
               </p:nvSpPr>
               <p:spPr>
                 <a:xfrm>
-                  <a:off x="4027005" y="3590151"/>
+                  <a:off x="4513410" y="2978152"/>
                   <a:ext cx="198698" cy="246221"/>
                 </a:xfrm>
                 <a:prstGeom prst="rect">
@@ -4959,18 +4527,669 @@
                 </a:p>
               </p:txBody>
             </p:sp>
+            <p:sp>
+              <p:nvSpPr>
+                <p:cNvPr id="19" name="テキスト ボックス 18"/>
+                <p:cNvSpPr txBox="1"/>
+                <p:nvPr/>
+              </p:nvSpPr>
+              <p:spPr>
+                <a:xfrm>
+                  <a:off x="4900522" y="3447031"/>
+                  <a:ext cx="198698" cy="246221"/>
+                </a:xfrm>
+                <a:prstGeom prst="rect">
+                  <a:avLst/>
+                </a:prstGeom>
+                <a:noFill/>
+              </p:spPr>
+              <p:txBody>
+                <a:bodyPr wrap="square" rtlCol="0">
+                  <a:spAutoFit/>
+                </a:bodyPr>
+                <a:lstStyle/>
+                <a:p>
+                  <a:r>
+                    <a:rPr lang="en-US" sz="1000" dirty="0" smtClean="0">
+                      <a:solidFill>
+                        <a:srgbClr val="008000"/>
+                      </a:solidFill>
+                    </a:rPr>
+                    <a:t>Y</a:t>
+                  </a:r>
+                  <a:endParaRPr lang="en-US" sz="1000" dirty="0">
+                    <a:solidFill>
+                      <a:srgbClr val="008000"/>
+                    </a:solidFill>
+                  </a:endParaRPr>
+                </a:p>
+              </p:txBody>
+            </p:sp>
+            <p:sp>
+              <p:nvSpPr>
+                <p:cNvPr id="20" name="テキスト ボックス 19"/>
+                <p:cNvSpPr txBox="1"/>
+                <p:nvPr/>
+              </p:nvSpPr>
+              <p:spPr>
+                <a:xfrm>
+                  <a:off x="4057485" y="3483471"/>
+                  <a:ext cx="198698" cy="246221"/>
+                </a:xfrm>
+                <a:prstGeom prst="rect">
+                  <a:avLst/>
+                </a:prstGeom>
+                <a:noFill/>
+              </p:spPr>
+              <p:txBody>
+                <a:bodyPr wrap="square" rtlCol="0">
+                  <a:spAutoFit/>
+                </a:bodyPr>
+                <a:lstStyle/>
+                <a:p>
+                  <a:r>
+                    <a:rPr lang="en-US" sz="1000" dirty="0" smtClean="0">
+                      <a:solidFill>
+                        <a:srgbClr val="800000"/>
+                      </a:solidFill>
+                    </a:rPr>
+                    <a:t>X</a:t>
+                  </a:r>
+                  <a:endParaRPr lang="en-US" sz="1000" dirty="0">
+                    <a:solidFill>
+                      <a:srgbClr val="800000"/>
+                    </a:solidFill>
+                  </a:endParaRPr>
+                </a:p>
+              </p:txBody>
+            </p:sp>
           </p:grpSp>
+          <p:sp>
+            <p:nvSpPr>
+              <p:cNvPr id="51" name="テキスト ボックス 50"/>
+              <p:cNvSpPr txBox="1"/>
+              <p:nvPr/>
+            </p:nvSpPr>
+            <p:spPr>
+              <a:xfrm>
+                <a:off x="3829575" y="3048404"/>
+                <a:ext cx="499560" cy="369332"/>
+              </a:xfrm>
+              <a:prstGeom prst="rect">
+                <a:avLst/>
+              </a:prstGeom>
+              <a:noFill/>
+            </p:spPr>
+            <p:txBody>
+              <a:bodyPr wrap="square" rtlCol="0">
+                <a:spAutoFit/>
+              </a:bodyPr>
+              <a:lstStyle/>
+              <a:p>
+                <a:r>
+                  <a:rPr lang="en-US" dirty="0"/>
+                  <a:t>F</a:t>
+                </a:r>
+                <a:r>
+                  <a:rPr lang="en-US" baseline="-25000" dirty="0" smtClean="0"/>
+                  <a:t>M</a:t>
+                </a:r>
+                <a:endParaRPr lang="en-US" baseline="-25000" dirty="0"/>
+              </a:p>
+            </p:txBody>
+          </p:sp>
+          <p:sp>
+            <p:nvSpPr>
+              <p:cNvPr id="53" name="テキスト ボックス 52"/>
+              <p:cNvSpPr txBox="1"/>
+              <p:nvPr/>
+            </p:nvSpPr>
+            <p:spPr>
+              <a:xfrm>
+                <a:off x="3843739" y="4212840"/>
+                <a:ext cx="499560" cy="369332"/>
+              </a:xfrm>
+              <a:prstGeom prst="rect">
+                <a:avLst/>
+              </a:prstGeom>
+              <a:noFill/>
+            </p:spPr>
+            <p:txBody>
+              <a:bodyPr wrap="square" rtlCol="0">
+                <a:spAutoFit/>
+              </a:bodyPr>
+              <a:lstStyle/>
+              <a:p>
+                <a:r>
+                  <a:rPr lang="en-US" dirty="0"/>
+                  <a:t>F</a:t>
+                </a:r>
+                <a:r>
+                  <a:rPr lang="en-US" baseline="-25000" dirty="0" smtClean="0"/>
+                  <a:t>T</a:t>
+                </a:r>
+                <a:endParaRPr lang="en-US" baseline="-25000" dirty="0"/>
+              </a:p>
+            </p:txBody>
+          </p:sp>
         </p:grpSp>
+        <p:grpSp>
+          <p:nvGrpSpPr>
+            <p:cNvPr id="55" name="グループ化 54"/>
+            <p:cNvGrpSpPr/>
+            <p:nvPr/>
+          </p:nvGrpSpPr>
+          <p:grpSpPr>
+            <a:xfrm>
+              <a:off x="4445158" y="2322043"/>
+              <a:ext cx="1596848" cy="1255344"/>
+              <a:chOff x="5191581" y="2111303"/>
+              <a:chExt cx="1596848" cy="1255344"/>
+            </a:xfrm>
+          </p:grpSpPr>
+          <p:grpSp>
+            <p:nvGrpSpPr>
+              <p:cNvPr id="32" name="グループ化 31"/>
+              <p:cNvGrpSpPr/>
+              <p:nvPr/>
+            </p:nvGrpSpPr>
+            <p:grpSpPr>
+              <a:xfrm>
+                <a:off x="5191581" y="2394283"/>
+                <a:ext cx="1596848" cy="972364"/>
+                <a:chOff x="5511621" y="2531412"/>
+                <a:chExt cx="1596848" cy="972364"/>
+              </a:xfrm>
+            </p:grpSpPr>
+            <p:pic>
+              <p:nvPicPr>
+                <p:cNvPr id="31" name="図 30"/>
+                <p:cNvPicPr>
+                  <a:picLocks noChangeAspect="1"/>
+                </p:cNvPicPr>
+                <p:nvPr/>
+              </p:nvPicPr>
+              <p:blipFill>
+                <a:blip r:embed="rId5" cstate="print">
+                  <a:duotone>
+                    <a:schemeClr val="bg2">
+                      <a:shade val="45000"/>
+                      <a:satMod val="135000"/>
+                    </a:schemeClr>
+                    <a:prstClr val="white"/>
+                  </a:duotone>
+                  <a:extLst>
+                    <a:ext uri="{28A0092B-C50C-407E-A947-70E740481C1C}">
+                      <a14:useLocalDpi xmlns:a14="http://schemas.microsoft.com/office/drawing/2010/main" val="0"/>
+                    </a:ext>
+                  </a:extLst>
+                </a:blip>
+                <a:stretch>
+                  <a:fillRect/>
+                </a:stretch>
+              </p:blipFill>
+              <p:spPr>
+                <a:xfrm>
+                  <a:off x="5843344" y="2791875"/>
+                  <a:ext cx="1265125" cy="711901"/>
+                </a:xfrm>
+                <a:prstGeom prst="rect">
+                  <a:avLst/>
+                </a:prstGeom>
+              </p:spPr>
+            </p:pic>
+            <p:grpSp>
+              <p:nvGrpSpPr>
+                <p:cNvPr id="22" name="グループ化 21"/>
+                <p:cNvGrpSpPr/>
+                <p:nvPr/>
+              </p:nvGrpSpPr>
+              <p:grpSpPr>
+                <a:xfrm>
+                  <a:off x="5511621" y="2531412"/>
+                  <a:ext cx="1041735" cy="751540"/>
+                  <a:chOff x="4027005" y="3084832"/>
+                  <a:chExt cx="1041735" cy="751540"/>
+                </a:xfrm>
+              </p:grpSpPr>
+              <p:cxnSp>
+                <p:nvCxnSpPr>
+                  <p:cNvPr id="23" name="直線矢印コネクタ 22"/>
+                  <p:cNvCxnSpPr/>
+                  <p:nvPr/>
+                </p:nvCxnSpPr>
+                <p:spPr>
+                  <a:xfrm flipV="1">
+                    <a:off x="4526055" y="3245296"/>
+                    <a:ext cx="0" cy="349540"/>
+                  </a:xfrm>
+                  <a:prstGeom prst="straightConnector1">
+                    <a:avLst/>
+                  </a:prstGeom>
+                  <a:ln w="12700">
+                    <a:solidFill>
+                      <a:srgbClr val="008000"/>
+                    </a:solidFill>
+                    <a:tailEnd type="triangle"/>
+                  </a:ln>
+                </p:spPr>
+                <p:style>
+                  <a:lnRef idx="1">
+                    <a:schemeClr val="accent1"/>
+                  </a:lnRef>
+                  <a:fillRef idx="0">
+                    <a:schemeClr val="accent1"/>
+                  </a:fillRef>
+                  <a:effectRef idx="0">
+                    <a:schemeClr val="accent1"/>
+                  </a:effectRef>
+                  <a:fontRef idx="minor">
+                    <a:schemeClr val="tx1"/>
+                  </a:fontRef>
+                </p:style>
+              </p:cxnSp>
+              <p:cxnSp>
+                <p:nvCxnSpPr>
+                  <p:cNvPr id="24" name="直線矢印コネクタ 23"/>
+                  <p:cNvCxnSpPr/>
+                  <p:nvPr/>
+                </p:nvCxnSpPr>
+                <p:spPr>
+                  <a:xfrm flipH="1">
+                    <a:off x="4214495" y="3594836"/>
+                    <a:ext cx="311560" cy="167743"/>
+                  </a:xfrm>
+                  <a:prstGeom prst="straightConnector1">
+                    <a:avLst/>
+                  </a:prstGeom>
+                  <a:ln w="12700">
+                    <a:solidFill>
+                      <a:srgbClr val="2300DC"/>
+                    </a:solidFill>
+                    <a:tailEnd type="triangle"/>
+                  </a:ln>
+                </p:spPr>
+                <p:style>
+                  <a:lnRef idx="1">
+                    <a:schemeClr val="accent1"/>
+                  </a:lnRef>
+                  <a:fillRef idx="0">
+                    <a:schemeClr val="accent1"/>
+                  </a:fillRef>
+                  <a:effectRef idx="0">
+                    <a:schemeClr val="accent1"/>
+                  </a:effectRef>
+                  <a:fontRef idx="minor">
+                    <a:schemeClr val="tx1"/>
+                  </a:fontRef>
+                </p:style>
+              </p:cxnSp>
+              <p:cxnSp>
+                <p:nvCxnSpPr>
+                  <p:cNvPr id="25" name="直線矢印コネクタ 24"/>
+                  <p:cNvCxnSpPr/>
+                  <p:nvPr/>
+                </p:nvCxnSpPr>
+                <p:spPr>
+                  <a:xfrm>
+                    <a:off x="4526055" y="3590151"/>
+                    <a:ext cx="405100" cy="53545"/>
+                  </a:xfrm>
+                  <a:prstGeom prst="straightConnector1">
+                    <a:avLst/>
+                  </a:prstGeom>
+                  <a:ln w="12700">
+                    <a:solidFill>
+                      <a:srgbClr val="800000"/>
+                    </a:solidFill>
+                    <a:tailEnd type="triangle"/>
+                  </a:ln>
+                </p:spPr>
+                <p:style>
+                  <a:lnRef idx="1">
+                    <a:schemeClr val="accent1"/>
+                  </a:lnRef>
+                  <a:fillRef idx="0">
+                    <a:schemeClr val="accent1"/>
+                  </a:fillRef>
+                  <a:effectRef idx="0">
+                    <a:schemeClr val="accent1"/>
+                  </a:effectRef>
+                  <a:fontRef idx="minor">
+                    <a:schemeClr val="tx1"/>
+                  </a:fontRef>
+                </p:style>
+              </p:cxnSp>
+              <p:sp>
+                <p:nvSpPr>
+                  <p:cNvPr id="26" name="テキスト ボックス 25"/>
+                  <p:cNvSpPr txBox="1"/>
+                  <p:nvPr/>
+                </p:nvSpPr>
+                <p:spPr>
+                  <a:xfrm>
+                    <a:off x="4482930" y="3084832"/>
+                    <a:ext cx="198698" cy="246221"/>
+                  </a:xfrm>
+                  <a:prstGeom prst="rect">
+                    <a:avLst/>
+                  </a:prstGeom>
+                  <a:noFill/>
+                </p:spPr>
+                <p:txBody>
+                  <a:bodyPr wrap="square" rtlCol="0">
+                    <a:spAutoFit/>
+                  </a:bodyPr>
+                  <a:lstStyle/>
+                  <a:p>
+                    <a:r>
+                      <a:rPr lang="en-US" sz="1000" dirty="0" smtClean="0">
+                        <a:solidFill>
+                          <a:srgbClr val="008000"/>
+                        </a:solidFill>
+                      </a:rPr>
+                      <a:t>Y</a:t>
+                    </a:r>
+                    <a:endParaRPr lang="en-US" sz="1000" dirty="0">
+                      <a:solidFill>
+                        <a:srgbClr val="008000"/>
+                      </a:solidFill>
+                    </a:endParaRPr>
+                  </a:p>
+                </p:txBody>
+              </p:sp>
+              <p:sp>
+                <p:nvSpPr>
+                  <p:cNvPr id="27" name="テキスト ボックス 26"/>
+                  <p:cNvSpPr txBox="1"/>
+                  <p:nvPr/>
+                </p:nvSpPr>
+                <p:spPr>
+                  <a:xfrm>
+                    <a:off x="4870042" y="3553711"/>
+                    <a:ext cx="198698" cy="246221"/>
+                  </a:xfrm>
+                  <a:prstGeom prst="rect">
+                    <a:avLst/>
+                  </a:prstGeom>
+                  <a:noFill/>
+                </p:spPr>
+                <p:txBody>
+                  <a:bodyPr wrap="square" rtlCol="0">
+                    <a:spAutoFit/>
+                  </a:bodyPr>
+                  <a:lstStyle/>
+                  <a:p>
+                    <a:r>
+                      <a:rPr lang="en-US" sz="1000" dirty="0" smtClean="0">
+                        <a:solidFill>
+                          <a:srgbClr val="800000"/>
+                        </a:solidFill>
+                      </a:rPr>
+                      <a:t>X</a:t>
+                    </a:r>
+                    <a:endParaRPr lang="en-US" sz="1000" dirty="0">
+                      <a:solidFill>
+                        <a:srgbClr val="800000"/>
+                      </a:solidFill>
+                    </a:endParaRPr>
+                  </a:p>
+                </p:txBody>
+              </p:sp>
+              <p:sp>
+                <p:nvSpPr>
+                  <p:cNvPr id="28" name="テキスト ボックス 27"/>
+                  <p:cNvSpPr txBox="1"/>
+                  <p:nvPr/>
+                </p:nvSpPr>
+                <p:spPr>
+                  <a:xfrm>
+                    <a:off x="4027005" y="3590151"/>
+                    <a:ext cx="198698" cy="246221"/>
+                  </a:xfrm>
+                  <a:prstGeom prst="rect">
+                    <a:avLst/>
+                  </a:prstGeom>
+                  <a:noFill/>
+                </p:spPr>
+                <p:txBody>
+                  <a:bodyPr wrap="square" rtlCol="0">
+                    <a:spAutoFit/>
+                  </a:bodyPr>
+                  <a:lstStyle/>
+                  <a:p>
+                    <a:r>
+                      <a:rPr lang="en-US" sz="1000" dirty="0" smtClean="0">
+                        <a:solidFill>
+                          <a:srgbClr val="2300DC"/>
+                        </a:solidFill>
+                      </a:rPr>
+                      <a:t>Z</a:t>
+                    </a:r>
+                    <a:endParaRPr lang="en-US" sz="1000" dirty="0">
+                      <a:solidFill>
+                        <a:srgbClr val="2300DC"/>
+                      </a:solidFill>
+                    </a:endParaRPr>
+                  </a:p>
+                </p:txBody>
+              </p:sp>
+            </p:grpSp>
+          </p:grpSp>
+          <p:sp>
+            <p:nvSpPr>
+              <p:cNvPr id="54" name="テキスト ボックス 53"/>
+              <p:cNvSpPr txBox="1"/>
+              <p:nvPr/>
+            </p:nvSpPr>
+            <p:spPr>
+              <a:xfrm>
+                <a:off x="5266922" y="2111303"/>
+                <a:ext cx="420420" cy="369332"/>
+              </a:xfrm>
+              <a:prstGeom prst="rect">
+                <a:avLst/>
+              </a:prstGeom>
+              <a:noFill/>
+            </p:spPr>
+            <p:txBody>
+              <a:bodyPr wrap="square" rtlCol="0">
+                <a:spAutoFit/>
+              </a:bodyPr>
+              <a:lstStyle/>
+              <a:p>
+                <a:r>
+                  <a:rPr lang="en-US" dirty="0"/>
+                  <a:t>F</a:t>
+                </a:r>
+                <a:r>
+                  <a:rPr lang="en-US" baseline="-25000" dirty="0" smtClean="0"/>
+                  <a:t>K</a:t>
+                </a:r>
+                <a:endParaRPr lang="en-US" baseline="-25000" dirty="0"/>
+              </a:p>
+            </p:txBody>
+          </p:sp>
+        </p:grpSp>
+        <p:cxnSp>
+          <p:nvCxnSpPr>
+            <p:cNvPr id="59" name="曲線コネクタ 58"/>
+            <p:cNvCxnSpPr>
+              <a:stCxn id="54" idx="1"/>
+              <a:endCxn id="51" idx="0"/>
+            </p:cNvCxnSpPr>
+            <p:nvPr/>
+          </p:nvCxnSpPr>
+          <p:spPr>
+            <a:xfrm rot="10800000" flipV="1">
+              <a:off x="3603753" y="2506708"/>
+              <a:ext cx="916746" cy="527397"/>
+            </a:xfrm>
+            <a:prstGeom prst="curvedConnector2">
+              <a:avLst/>
+            </a:prstGeom>
+            <a:ln w="12700">
+              <a:solidFill>
+                <a:schemeClr val="tx1">
+                  <a:lumMod val="85000"/>
+                  <a:lumOff val="15000"/>
+                </a:schemeClr>
+              </a:solidFill>
+              <a:tailEnd type="triangle"/>
+            </a:ln>
+          </p:spPr>
+          <p:style>
+            <a:lnRef idx="1">
+              <a:schemeClr val="accent1"/>
+            </a:lnRef>
+            <a:fillRef idx="0">
+              <a:schemeClr val="accent1"/>
+            </a:fillRef>
+            <a:effectRef idx="0">
+              <a:schemeClr val="accent1"/>
+            </a:effectRef>
+            <a:fontRef idx="minor">
+              <a:schemeClr val="tx1"/>
+            </a:fontRef>
+          </p:style>
+        </p:cxnSp>
+        <p:cxnSp>
+          <p:nvCxnSpPr>
+            <p:cNvPr id="70" name="曲線コネクタ 69"/>
+            <p:cNvCxnSpPr>
+              <a:stCxn id="53" idx="1"/>
+              <a:endCxn id="51" idx="1"/>
+            </p:cNvCxnSpPr>
+            <p:nvPr/>
+          </p:nvCxnSpPr>
+          <p:spPr>
+            <a:xfrm rot="10800000">
+              <a:off x="3353973" y="3218772"/>
+              <a:ext cx="14164" cy="1164436"/>
+            </a:xfrm>
+            <a:prstGeom prst="curvedConnector3">
+              <a:avLst>
+                <a:gd name="adj1" fmla="val 1713951"/>
+              </a:avLst>
+            </a:prstGeom>
+            <a:ln w="12700">
+              <a:solidFill>
+                <a:schemeClr val="bg2">
+                  <a:lumMod val="10000"/>
+                </a:schemeClr>
+              </a:solidFill>
+              <a:tailEnd type="triangle"/>
+            </a:ln>
+          </p:spPr>
+          <p:style>
+            <a:lnRef idx="1">
+              <a:schemeClr val="accent1"/>
+            </a:lnRef>
+            <a:fillRef idx="0">
+              <a:schemeClr val="accent1"/>
+            </a:fillRef>
+            <a:effectRef idx="0">
+              <a:schemeClr val="accent1"/>
+            </a:effectRef>
+            <a:fontRef idx="minor">
+              <a:schemeClr val="tx1"/>
+            </a:fontRef>
+          </p:style>
+        </p:cxnSp>
+        <p:cxnSp>
+          <p:nvCxnSpPr>
+            <p:cNvPr id="78" name="曲線コネクタ 77"/>
+            <p:cNvCxnSpPr>
+              <a:stCxn id="50" idx="2"/>
+              <a:endCxn id="53" idx="2"/>
+            </p:cNvCxnSpPr>
+            <p:nvPr/>
+          </p:nvCxnSpPr>
+          <p:spPr>
+            <a:xfrm rot="5400000">
+              <a:off x="4904345" y="3086227"/>
+              <a:ext cx="195219" cy="2768074"/>
+            </a:xfrm>
+            <a:prstGeom prst="curvedConnector3">
+              <a:avLst>
+                <a:gd name="adj1" fmla="val 517655"/>
+              </a:avLst>
+            </a:prstGeom>
+            <a:ln w="12700">
+              <a:solidFill>
+                <a:schemeClr val="bg2">
+                  <a:lumMod val="10000"/>
+                </a:schemeClr>
+              </a:solidFill>
+              <a:tailEnd type="triangle"/>
+            </a:ln>
+          </p:spPr>
+          <p:style>
+            <a:lnRef idx="1">
+              <a:schemeClr val="accent1"/>
+            </a:lnRef>
+            <a:fillRef idx="0">
+              <a:schemeClr val="accent1"/>
+            </a:fillRef>
+            <a:effectRef idx="0">
+              <a:schemeClr val="accent1"/>
+            </a:effectRef>
+            <a:fontRef idx="minor">
+              <a:schemeClr val="tx1"/>
+            </a:fontRef>
+          </p:style>
+        </p:cxnSp>
+        <p:cxnSp>
+          <p:nvCxnSpPr>
+            <p:cNvPr id="116" name="曲線コネクタ 115"/>
+            <p:cNvCxnSpPr>
+              <a:stCxn id="54" idx="3"/>
+              <a:endCxn id="50" idx="0"/>
+            </p:cNvCxnSpPr>
+            <p:nvPr/>
+          </p:nvCxnSpPr>
+          <p:spPr>
+            <a:xfrm>
+              <a:off x="4940919" y="2506709"/>
+              <a:ext cx="1445072" cy="1496614"/>
+            </a:xfrm>
+            <a:prstGeom prst="curvedConnector2">
+              <a:avLst/>
+            </a:prstGeom>
+            <a:ln w="12700">
+              <a:solidFill>
+                <a:schemeClr val="bg2">
+                  <a:lumMod val="10000"/>
+                </a:schemeClr>
+              </a:solidFill>
+              <a:tailEnd type="triangle"/>
+            </a:ln>
+          </p:spPr>
+          <p:style>
+            <a:lnRef idx="1">
+              <a:schemeClr val="accent1"/>
+            </a:lnRef>
+            <a:fillRef idx="0">
+              <a:schemeClr val="accent1"/>
+            </a:fillRef>
+            <a:effectRef idx="0">
+              <a:schemeClr val="accent1"/>
+            </a:effectRef>
+            <a:fontRef idx="minor">
+              <a:schemeClr val="tx1"/>
+            </a:fontRef>
+          </p:style>
+        </p:cxnSp>
         <p:sp>
           <p:nvSpPr>
-            <p:cNvPr id="54" name="テキスト ボックス 53"/>
+            <p:cNvPr id="123" name="テキスト ボックス 122"/>
             <p:cNvSpPr txBox="1"/>
             <p:nvPr/>
           </p:nvSpPr>
           <p:spPr>
             <a:xfrm>
-              <a:off x="5266922" y="2111303"/>
-              <a:ext cx="420420" cy="369332"/>
+              <a:off x="3603753" y="2253315"/>
+              <a:ext cx="615296" cy="369332"/>
             </a:xfrm>
             <a:prstGeom prst="rect">
               <a:avLst/>
@@ -4984,43 +5203,518 @@
             <a:lstStyle/>
             <a:p>
               <a:r>
-                <a:rPr lang="en-US" dirty="0"/>
-                <a:t>F</a:t>
+                <a:rPr lang="en-US" b="1" baseline="30000" dirty="0" smtClean="0"/>
+                <a:t>K</a:t>
               </a:r>
               <a:r>
-                <a:rPr lang="en-US" baseline="-25000" dirty="0" smtClean="0"/>
+                <a:rPr lang="en-US" b="1" dirty="0" smtClean="0"/>
+                <a:t>T</a:t>
+              </a:r>
+              <a:r>
+                <a:rPr lang="en-US" b="1" baseline="-25000" dirty="0" smtClean="0"/>
+                <a:t>M</a:t>
+              </a:r>
+              <a:endParaRPr lang="en-US" b="1" baseline="-25000" dirty="0"/>
+            </a:p>
+          </p:txBody>
+        </p:sp>
+        <p:sp>
+          <p:nvSpPr>
+            <p:cNvPr id="124" name="テキスト ボックス 123"/>
+            <p:cNvSpPr txBox="1"/>
+            <p:nvPr/>
+          </p:nvSpPr>
+          <p:spPr>
+            <a:xfrm>
+              <a:off x="2689775" y="3581497"/>
+              <a:ext cx="615296" cy="369332"/>
+            </a:xfrm>
+            <a:prstGeom prst="rect">
+              <a:avLst/>
+            </a:prstGeom>
+            <a:noFill/>
+          </p:spPr>
+          <p:txBody>
+            <a:bodyPr wrap="square" rtlCol="0">
+              <a:spAutoFit/>
+            </a:bodyPr>
+            <a:lstStyle/>
+            <a:p>
+              <a:r>
+                <a:rPr lang="en-US" b="1" baseline="30000" dirty="0" smtClean="0"/>
+                <a:t>T</a:t>
+              </a:r>
+              <a:r>
+                <a:rPr lang="en-US" b="1" dirty="0" smtClean="0"/>
+                <a:t>T</a:t>
+              </a:r>
+              <a:r>
+                <a:rPr lang="en-US" b="1" baseline="-25000" dirty="0" smtClean="0"/>
+                <a:t>M</a:t>
+              </a:r>
+              <a:endParaRPr lang="en-US" b="1" baseline="-25000" dirty="0"/>
+            </a:p>
+          </p:txBody>
+        </p:sp>
+        <p:sp>
+          <p:nvSpPr>
+            <p:cNvPr id="125" name="テキスト ボックス 124"/>
+            <p:cNvSpPr txBox="1"/>
+            <p:nvPr/>
+          </p:nvSpPr>
+          <p:spPr>
+            <a:xfrm>
+              <a:off x="4554846" y="4995839"/>
+              <a:ext cx="615296" cy="369332"/>
+            </a:xfrm>
+            <a:prstGeom prst="rect">
+              <a:avLst/>
+            </a:prstGeom>
+            <a:noFill/>
+          </p:spPr>
+          <p:txBody>
+            <a:bodyPr wrap="square" rtlCol="0">
+              <a:spAutoFit/>
+            </a:bodyPr>
+            <a:lstStyle/>
+            <a:p>
+              <a:r>
+                <a:rPr lang="en-US" b="1" baseline="30000" dirty="0" smtClean="0"/>
+                <a:t>W</a:t>
+              </a:r>
+              <a:r>
+                <a:rPr lang="en-US" b="1" dirty="0" smtClean="0"/>
+                <a:t>T</a:t>
+              </a:r>
+              <a:r>
+                <a:rPr lang="en-US" b="1" baseline="-25000" dirty="0" smtClean="0"/>
+                <a:t>T</a:t>
+              </a:r>
+              <a:endParaRPr lang="en-US" b="1" baseline="-25000" dirty="0"/>
+            </a:p>
+          </p:txBody>
+        </p:sp>
+        <p:sp>
+          <p:nvSpPr>
+            <p:cNvPr id="126" name="テキスト ボックス 125"/>
+            <p:cNvSpPr txBox="1"/>
+            <p:nvPr/>
+          </p:nvSpPr>
+          <p:spPr>
+            <a:xfrm>
+              <a:off x="5942688" y="2765487"/>
+              <a:ext cx="615296" cy="369332"/>
+            </a:xfrm>
+            <a:prstGeom prst="rect">
+              <a:avLst/>
+            </a:prstGeom>
+            <a:noFill/>
+          </p:spPr>
+          <p:txBody>
+            <a:bodyPr wrap="square" rtlCol="0">
+              <a:spAutoFit/>
+            </a:bodyPr>
+            <a:lstStyle/>
+            <a:p>
+              <a:r>
+                <a:rPr lang="en-US" b="1" baseline="30000" dirty="0" smtClean="0"/>
                 <a:t>K</a:t>
               </a:r>
-              <a:endParaRPr lang="en-US" baseline="-25000" dirty="0"/>
+              <a:r>
+                <a:rPr lang="en-US" b="1" dirty="0" smtClean="0"/>
+                <a:t>T</a:t>
+              </a:r>
+              <a:r>
+                <a:rPr lang="en-US" b="1" baseline="-25000" dirty="0" smtClean="0"/>
+                <a:t>W</a:t>
+              </a:r>
+              <a:endParaRPr lang="en-US" b="1" baseline="-25000" dirty="0"/>
             </a:p>
           </p:txBody>
         </p:sp>
       </p:grpSp>
+    </p:spTree>
+    <p:extLst>
+      <p:ext uri="{BB962C8B-B14F-4D97-AF65-F5344CB8AC3E}">
+        <p14:creationId xmlns:p14="http://schemas.microsoft.com/office/powerpoint/2010/main" val="2128383894"/>
+      </p:ext>
+    </p:extLst>
+  </p:cSld>
+  <p:clrMapOvr>
+    <a:masterClrMapping/>
+  </p:clrMapOvr>
+</p:sld>
+</file>
+
+<file path=ppt/slides/slide3.xml><?xml version="1.0" encoding="utf-8"?>
+<p:sld xmlns:a="http://schemas.openxmlformats.org/drawingml/2006/main" xmlns:r="http://schemas.openxmlformats.org/officeDocument/2006/relationships" xmlns:p="http://schemas.openxmlformats.org/presentationml/2006/main">
+  <p:cSld>
+    <p:spTree>
+      <p:nvGrpSpPr>
+        <p:cNvPr id="1" name=""/>
+        <p:cNvGrpSpPr/>
+        <p:nvPr/>
+      </p:nvGrpSpPr>
+      <p:grpSpPr>
+        <a:xfrm>
+          <a:off x="0" y="0"/>
+          <a:ext cx="0" cy="0"/>
+          <a:chOff x="0" y="0"/>
+          <a:chExt cx="0" cy="0"/>
+        </a:xfrm>
+      </p:grpSpPr>
+      <p:sp>
+        <p:nvSpPr>
+          <p:cNvPr id="307" name="正方形/長方形 306"/>
+          <p:cNvSpPr/>
+          <p:nvPr/>
+        </p:nvSpPr>
+        <p:spPr>
+          <a:xfrm>
+            <a:off x="2197419" y="1998820"/>
+            <a:ext cx="2771774" cy="2262188"/>
+          </a:xfrm>
+          <a:prstGeom prst="rect">
+            <a:avLst/>
+          </a:prstGeom>
+          <a:solidFill>
+            <a:schemeClr val="bg1"/>
+          </a:solidFill>
+        </p:spPr>
+        <p:style>
+          <a:lnRef idx="2">
+            <a:schemeClr val="dk1">
+              <a:shade val="50000"/>
+            </a:schemeClr>
+          </a:lnRef>
+          <a:fillRef idx="1">
+            <a:schemeClr val="dk1"/>
+          </a:fillRef>
+          <a:effectRef idx="0">
+            <a:schemeClr val="dk1"/>
+          </a:effectRef>
+          <a:fontRef idx="minor">
+            <a:schemeClr val="lt1"/>
+          </a:fontRef>
+        </p:style>
+        <p:txBody>
+          <a:bodyPr rtlCol="0" anchor="ctr"/>
+          <a:lstStyle/>
+          <a:p>
+            <a:pPr algn="ctr"/>
+            <a:endParaRPr lang="en-US"/>
+          </a:p>
+        </p:txBody>
+      </p:sp>
+      <p:sp>
+        <p:nvSpPr>
+          <p:cNvPr id="306" name="正方形/長方形 305"/>
+          <p:cNvSpPr/>
+          <p:nvPr/>
+        </p:nvSpPr>
+        <p:spPr>
+          <a:xfrm>
+            <a:off x="2112646" y="2101691"/>
+            <a:ext cx="2771774" cy="2262188"/>
+          </a:xfrm>
+          <a:prstGeom prst="rect">
+            <a:avLst/>
+          </a:prstGeom>
+          <a:solidFill>
+            <a:schemeClr val="bg1"/>
+          </a:solidFill>
+        </p:spPr>
+        <p:style>
+          <a:lnRef idx="2">
+            <a:schemeClr val="dk1">
+              <a:shade val="50000"/>
+            </a:schemeClr>
+          </a:lnRef>
+          <a:fillRef idx="1">
+            <a:schemeClr val="dk1"/>
+          </a:fillRef>
+          <a:effectRef idx="0">
+            <a:schemeClr val="dk1"/>
+          </a:effectRef>
+          <a:fontRef idx="minor">
+            <a:schemeClr val="lt1"/>
+          </a:fontRef>
+        </p:style>
+        <p:txBody>
+          <a:bodyPr rtlCol="0" anchor="ctr"/>
+          <a:lstStyle/>
+          <a:p>
+            <a:pPr algn="ctr"/>
+            <a:endParaRPr lang="en-US"/>
+          </a:p>
+        </p:txBody>
+      </p:sp>
+      <p:pic>
+        <p:nvPicPr>
+          <p:cNvPr id="302" name="図 301"/>
+          <p:cNvPicPr>
+            <a:picLocks noChangeAspect="1"/>
+          </p:cNvPicPr>
+          <p:nvPr/>
+        </p:nvPicPr>
+        <p:blipFill>
+          <a:blip r:embed="rId3" cstate="print">
+            <a:extLst>
+              <a:ext uri="{28A0092B-C50C-407E-A947-70E740481C1C}">
+                <a14:useLocalDpi xmlns:a14="http://schemas.microsoft.com/office/drawing/2010/main" val="0"/>
+              </a:ext>
+            </a:extLst>
+          </a:blip>
+          <a:stretch>
+            <a:fillRect/>
+          </a:stretch>
+        </p:blipFill>
+        <p:spPr>
+          <a:xfrm>
+            <a:off x="6096000" y="1243013"/>
+            <a:ext cx="4048125" cy="4371975"/>
+          </a:xfrm>
+          <a:prstGeom prst="rect">
+            <a:avLst/>
+          </a:prstGeom>
+        </p:spPr>
+      </p:pic>
+      <p:sp>
+        <p:nvSpPr>
+          <p:cNvPr id="303" name="正方形/長方形 302"/>
+          <p:cNvSpPr/>
+          <p:nvPr/>
+        </p:nvSpPr>
+        <p:spPr>
+          <a:xfrm>
+            <a:off x="2112646" y="1099899"/>
+            <a:ext cx="2771774" cy="776287"/>
+          </a:xfrm>
+          <a:prstGeom prst="rect">
+            <a:avLst/>
+          </a:prstGeom>
+          <a:solidFill>
+            <a:schemeClr val="bg1"/>
+          </a:solidFill>
+        </p:spPr>
+        <p:style>
+          <a:lnRef idx="2">
+            <a:schemeClr val="dk1">
+              <a:shade val="50000"/>
+            </a:schemeClr>
+          </a:lnRef>
+          <a:fillRef idx="1">
+            <a:schemeClr val="dk1"/>
+          </a:fillRef>
+          <a:effectRef idx="0">
+            <a:schemeClr val="dk1"/>
+          </a:effectRef>
+          <a:fontRef idx="minor">
+            <a:schemeClr val="lt1"/>
+          </a:fontRef>
+        </p:style>
+        <p:txBody>
+          <a:bodyPr rtlCol="0" anchor="ctr"/>
+          <a:lstStyle/>
+          <a:p>
+            <a:pPr algn="ctr"/>
+            <a:endParaRPr lang="en-US"/>
+          </a:p>
+        </p:txBody>
+      </p:sp>
+      <p:sp>
+        <p:nvSpPr>
+          <p:cNvPr id="304" name="正方形/長方形 303"/>
+          <p:cNvSpPr/>
+          <p:nvPr/>
+        </p:nvSpPr>
+        <p:spPr>
+          <a:xfrm>
+            <a:off x="2028826" y="2218372"/>
+            <a:ext cx="2771774" cy="2262188"/>
+          </a:xfrm>
+          <a:prstGeom prst="rect">
+            <a:avLst/>
+          </a:prstGeom>
+          <a:solidFill>
+            <a:schemeClr val="bg1"/>
+          </a:solidFill>
+        </p:spPr>
+        <p:style>
+          <a:lnRef idx="2">
+            <a:schemeClr val="dk1">
+              <a:shade val="50000"/>
+            </a:schemeClr>
+          </a:lnRef>
+          <a:fillRef idx="1">
+            <a:schemeClr val="dk1"/>
+          </a:fillRef>
+          <a:effectRef idx="0">
+            <a:schemeClr val="dk1"/>
+          </a:effectRef>
+          <a:fontRef idx="minor">
+            <a:schemeClr val="lt1"/>
+          </a:fontRef>
+        </p:style>
+        <p:txBody>
+          <a:bodyPr rtlCol="0" anchor="ctr"/>
+          <a:lstStyle/>
+          <a:p>
+            <a:pPr algn="ctr"/>
+            <a:endParaRPr lang="en-US"/>
+          </a:p>
+        </p:txBody>
+      </p:sp>
+      <p:sp>
+        <p:nvSpPr>
+          <p:cNvPr id="305" name="正方形/長方形 304"/>
+          <p:cNvSpPr/>
+          <p:nvPr/>
+        </p:nvSpPr>
+        <p:spPr>
+          <a:xfrm>
+            <a:off x="2112646" y="4618435"/>
+            <a:ext cx="2771774" cy="776287"/>
+          </a:xfrm>
+          <a:prstGeom prst="rect">
+            <a:avLst/>
+          </a:prstGeom>
+          <a:solidFill>
+            <a:schemeClr val="bg1"/>
+          </a:solidFill>
+        </p:spPr>
+        <p:style>
+          <a:lnRef idx="2">
+            <a:schemeClr val="dk1">
+              <a:shade val="50000"/>
+            </a:schemeClr>
+          </a:lnRef>
+          <a:fillRef idx="1">
+            <a:schemeClr val="dk1"/>
+          </a:fillRef>
+          <a:effectRef idx="0">
+            <a:schemeClr val="dk1"/>
+          </a:effectRef>
+          <a:fontRef idx="minor">
+            <a:schemeClr val="lt1"/>
+          </a:fontRef>
+        </p:style>
+        <p:txBody>
+          <a:bodyPr rtlCol="0" anchor="ctr"/>
+          <a:lstStyle/>
+          <a:p>
+            <a:pPr algn="ctr"/>
+            <a:endParaRPr lang="en-US"/>
+          </a:p>
+        </p:txBody>
+      </p:sp>
+      <p:sp>
+        <p:nvSpPr>
+          <p:cNvPr id="308" name="正方形/長方形 307"/>
+          <p:cNvSpPr/>
+          <p:nvPr/>
+        </p:nvSpPr>
+        <p:spPr>
+          <a:xfrm>
+            <a:off x="4071938" y="5664817"/>
+            <a:ext cx="2313623" cy="584714"/>
+          </a:xfrm>
+          <a:prstGeom prst="rect">
+            <a:avLst/>
+          </a:prstGeom>
+          <a:solidFill>
+            <a:schemeClr val="bg1"/>
+          </a:solidFill>
+        </p:spPr>
+        <p:style>
+          <a:lnRef idx="2">
+            <a:schemeClr val="dk1">
+              <a:shade val="50000"/>
+            </a:schemeClr>
+          </a:lnRef>
+          <a:fillRef idx="1">
+            <a:schemeClr val="dk1"/>
+          </a:fillRef>
+          <a:effectRef idx="0">
+            <a:schemeClr val="dk1"/>
+          </a:effectRef>
+          <a:fontRef idx="minor">
+            <a:schemeClr val="lt1"/>
+          </a:fontRef>
+        </p:style>
+        <p:txBody>
+          <a:bodyPr rtlCol="0" anchor="ctr"/>
+          <a:lstStyle/>
+          <a:p>
+            <a:pPr algn="ctr"/>
+            <a:endParaRPr lang="en-US"/>
+          </a:p>
+        </p:txBody>
+      </p:sp>
+      <p:sp>
+        <p:nvSpPr>
+          <p:cNvPr id="309" name="正方形/長方形 308"/>
+          <p:cNvSpPr/>
+          <p:nvPr/>
+        </p:nvSpPr>
+        <p:spPr>
+          <a:xfrm>
+            <a:off x="5258754" y="5664817"/>
+            <a:ext cx="1126807" cy="584714"/>
+          </a:xfrm>
+          <a:prstGeom prst="rect">
+            <a:avLst/>
+          </a:prstGeom>
+          <a:solidFill>
+            <a:schemeClr val="bg1"/>
+          </a:solidFill>
+        </p:spPr>
+        <p:style>
+          <a:lnRef idx="2">
+            <a:schemeClr val="dk1">
+              <a:shade val="50000"/>
+            </a:schemeClr>
+          </a:lnRef>
+          <a:fillRef idx="1">
+            <a:schemeClr val="dk1"/>
+          </a:fillRef>
+          <a:effectRef idx="0">
+            <a:schemeClr val="dk1"/>
+          </a:effectRef>
+          <a:fontRef idx="minor">
+            <a:schemeClr val="lt1"/>
+          </a:fontRef>
+        </p:style>
+        <p:txBody>
+          <a:bodyPr rtlCol="0" anchor="ctr"/>
+          <a:lstStyle/>
+          <a:p>
+            <a:pPr algn="ctr"/>
+            <a:endParaRPr lang="en-US" dirty="0"/>
+          </a:p>
+        </p:txBody>
+      </p:sp>
       <p:cxnSp>
         <p:nvCxnSpPr>
-          <p:cNvPr id="59" name="曲線コネクタ 58"/>
+          <p:cNvPr id="311" name="直線コネクタ 310"/>
           <p:cNvCxnSpPr>
-            <a:stCxn id="54" idx="1"/>
-            <a:endCxn id="51" idx="0"/>
+            <a:stCxn id="309" idx="1"/>
+            <a:endCxn id="308" idx="3"/>
           </p:cNvCxnSpPr>
           <p:nvPr/>
         </p:nvCxnSpPr>
         <p:spPr>
-          <a:xfrm rot="10800000" flipV="1">
-            <a:off x="3603753" y="2506708"/>
-            <a:ext cx="916746" cy="527397"/>
+          <a:xfrm>
+            <a:off x="5258754" y="5957174"/>
+            <a:ext cx="1126807" cy="0"/>
           </a:xfrm>
-          <a:prstGeom prst="curvedConnector2">
+          <a:prstGeom prst="line">
             <a:avLst/>
           </a:prstGeom>
           <a:ln w="12700">
             <a:solidFill>
-              <a:schemeClr val="tx1">
-                <a:lumMod val="85000"/>
-                <a:lumOff val="15000"/>
-              </a:schemeClr>
+              <a:schemeClr val="tx1"/>
             </a:solidFill>
-            <a:tailEnd type="triangle"/>
           </a:ln>
         </p:spPr>
         <p:style>
@@ -5038,133 +5732,16 @@
           </a:fontRef>
         </p:style>
       </p:cxnSp>
-      <p:cxnSp>
-        <p:nvCxnSpPr>
-          <p:cNvPr id="70" name="曲線コネクタ 69"/>
-          <p:cNvCxnSpPr>
-            <a:stCxn id="53" idx="1"/>
-            <a:endCxn id="51" idx="1"/>
-          </p:cNvCxnSpPr>
+      <p:sp>
+        <p:nvSpPr>
+          <p:cNvPr id="312" name="テキスト ボックス 311"/>
+          <p:cNvSpPr txBox="1"/>
           <p:nvPr/>
-        </p:nvCxnSpPr>
-        <p:spPr>
-          <a:xfrm rot="10800000">
-            <a:off x="3353973" y="3218772"/>
-            <a:ext cx="14164" cy="1164436"/>
-          </a:xfrm>
-          <a:prstGeom prst="curvedConnector3">
-            <a:avLst>
-              <a:gd name="adj1" fmla="val 1713951"/>
-            </a:avLst>
-          </a:prstGeom>
-          <a:ln>
-            <a:tailEnd type="triangle"/>
-          </a:ln>
-        </p:spPr>
-        <p:style>
-          <a:lnRef idx="1">
-            <a:schemeClr val="accent1"/>
-          </a:lnRef>
-          <a:fillRef idx="0">
-            <a:schemeClr val="accent1"/>
-          </a:fillRef>
-          <a:effectRef idx="0">
-            <a:schemeClr val="accent1"/>
-          </a:effectRef>
-          <a:fontRef idx="minor">
-            <a:schemeClr val="tx1"/>
-          </a:fontRef>
-        </p:style>
-      </p:cxnSp>
-      <p:cxnSp>
-        <p:nvCxnSpPr>
-          <p:cNvPr id="78" name="曲線コネクタ 77"/>
-          <p:cNvCxnSpPr>
-            <a:stCxn id="50" idx="2"/>
-            <a:endCxn id="53" idx="2"/>
-          </p:cNvCxnSpPr>
-          <p:nvPr/>
-        </p:nvCxnSpPr>
-        <p:spPr>
-          <a:xfrm rot="5400000">
-            <a:off x="4904345" y="3086227"/>
-            <a:ext cx="195219" cy="2768074"/>
-          </a:xfrm>
-          <a:prstGeom prst="curvedConnector3">
-            <a:avLst>
-              <a:gd name="adj1" fmla="val 517655"/>
-            </a:avLst>
-          </a:prstGeom>
-          <a:ln>
-            <a:tailEnd type="triangle"/>
-          </a:ln>
-        </p:spPr>
-        <p:style>
-          <a:lnRef idx="1">
-            <a:schemeClr val="accent1"/>
-          </a:lnRef>
-          <a:fillRef idx="0">
-            <a:schemeClr val="accent1"/>
-          </a:fillRef>
-          <a:effectRef idx="0">
-            <a:schemeClr val="accent1"/>
-          </a:effectRef>
-          <a:fontRef idx="minor">
-            <a:schemeClr val="tx1"/>
-          </a:fontRef>
-        </p:style>
-      </p:cxnSp>
-      <p:cxnSp>
-        <p:nvCxnSpPr>
-          <p:cNvPr id="116" name="曲線コネクタ 115"/>
-          <p:cNvCxnSpPr>
-            <a:stCxn id="54" idx="3"/>
-            <a:endCxn id="50" idx="0"/>
-          </p:cNvCxnSpPr>
-          <p:nvPr/>
-        </p:nvCxnSpPr>
+        </p:nvSpPr>
         <p:spPr>
           <a:xfrm>
-            <a:off x="4940919" y="2506709"/>
-            <a:ext cx="1445072" cy="1496614"/>
-          </a:xfrm>
-          <a:prstGeom prst="curvedConnector2">
-            <a:avLst/>
-          </a:prstGeom>
-          <a:ln w="12700">
-            <a:solidFill>
-              <a:schemeClr val="bg2">
-                <a:lumMod val="10000"/>
-              </a:schemeClr>
-            </a:solidFill>
-            <a:tailEnd type="triangle"/>
-          </a:ln>
-        </p:spPr>
-        <p:style>
-          <a:lnRef idx="1">
-            <a:schemeClr val="accent1"/>
-          </a:lnRef>
-          <a:fillRef idx="0">
-            <a:schemeClr val="accent1"/>
-          </a:fillRef>
-          <a:effectRef idx="0">
-            <a:schemeClr val="accent1"/>
-          </a:effectRef>
-          <a:fontRef idx="minor">
-            <a:schemeClr val="tx1"/>
-          </a:fontRef>
-        </p:style>
-      </p:cxnSp>
-      <p:sp>
-        <p:nvSpPr>
-          <p:cNvPr id="123" name="テキスト ボックス 122"/>
-          <p:cNvSpPr txBox="1"/>
-          <p:nvPr/>
-        </p:nvSpPr>
-        <p:spPr>
-          <a:xfrm>
-            <a:off x="3603753" y="2253315"/>
-            <a:ext cx="615296" cy="369332"/>
+            <a:off x="5532120" y="3962400"/>
+            <a:ext cx="976549" cy="369332"/>
           </a:xfrm>
           <a:prstGeom prst="rect">
             <a:avLst/>
@@ -5172,145 +5749,23 @@
           <a:noFill/>
         </p:spPr>
         <p:txBody>
-          <a:bodyPr wrap="square" rtlCol="0">
+          <a:bodyPr wrap="none" rtlCol="0">
             <a:spAutoFit/>
           </a:bodyPr>
           <a:lstStyle/>
           <a:p>
             <a:r>
-              <a:rPr lang="en-US" b="1" baseline="30000" dirty="0" smtClean="0"/>
-              <a:t>K</a:t>
-            </a:r>
-            <a:r>
-              <a:rPr lang="en-US" b="1" dirty="0" smtClean="0"/>
-              <a:t>T</a:t>
-            </a:r>
-            <a:r>
-              <a:rPr lang="en-US" b="1" baseline="-25000" dirty="0" smtClean="0"/>
-              <a:t>M</a:t>
-            </a:r>
-            <a:endParaRPr lang="en-US" b="1" baseline="-25000" dirty="0"/>
-          </a:p>
-        </p:txBody>
-      </p:sp>
-      <p:sp>
-        <p:nvSpPr>
-          <p:cNvPr id="124" name="テキスト ボックス 123"/>
-          <p:cNvSpPr txBox="1"/>
-          <p:nvPr/>
-        </p:nvSpPr>
-        <p:spPr>
-          <a:xfrm>
-            <a:off x="2689775" y="3581497"/>
-            <a:ext cx="615296" cy="369332"/>
-          </a:xfrm>
-          <a:prstGeom prst="rect">
-            <a:avLst/>
-          </a:prstGeom>
-          <a:noFill/>
-        </p:spPr>
-        <p:txBody>
-          <a:bodyPr wrap="square" rtlCol="0">
-            <a:spAutoFit/>
-          </a:bodyPr>
-          <a:lstStyle/>
-          <a:p>
-            <a:r>
-              <a:rPr lang="en-US" b="1" baseline="30000" dirty="0" smtClean="0"/>
-              <a:t>T</a:t>
-            </a:r>
-            <a:r>
-              <a:rPr lang="en-US" b="1" dirty="0" smtClean="0"/>
-              <a:t>T</a:t>
-            </a:r>
-            <a:r>
-              <a:rPr lang="en-US" b="1" baseline="-25000" dirty="0" smtClean="0"/>
-              <a:t>M</a:t>
-            </a:r>
-            <a:endParaRPr lang="en-US" b="1" baseline="-25000" dirty="0"/>
-          </a:p>
-        </p:txBody>
-      </p:sp>
-      <p:sp>
-        <p:nvSpPr>
-          <p:cNvPr id="125" name="テキスト ボックス 124"/>
-          <p:cNvSpPr txBox="1"/>
-          <p:nvPr/>
-        </p:nvSpPr>
-        <p:spPr>
-          <a:xfrm>
-            <a:off x="4554846" y="4995839"/>
-            <a:ext cx="615296" cy="369332"/>
-          </a:xfrm>
-          <a:prstGeom prst="rect">
-            <a:avLst/>
-          </a:prstGeom>
-          <a:noFill/>
-        </p:spPr>
-        <p:txBody>
-          <a:bodyPr wrap="square" rtlCol="0">
-            <a:spAutoFit/>
-          </a:bodyPr>
-          <a:lstStyle/>
-          <a:p>
-            <a:r>
-              <a:rPr lang="en-US" b="1" baseline="30000" dirty="0" smtClean="0"/>
-              <a:t>W</a:t>
-            </a:r>
-            <a:r>
-              <a:rPr lang="en-US" b="1" dirty="0" smtClean="0"/>
-              <a:t>T</a:t>
-            </a:r>
-            <a:r>
-              <a:rPr lang="en-US" b="1" baseline="-25000" dirty="0" smtClean="0"/>
-              <a:t>T</a:t>
-            </a:r>
-            <a:endParaRPr lang="en-US" b="1" baseline="-25000" dirty="0"/>
-          </a:p>
-        </p:txBody>
-      </p:sp>
-      <p:sp>
-        <p:nvSpPr>
-          <p:cNvPr id="126" name="テキスト ボックス 125"/>
-          <p:cNvSpPr txBox="1"/>
-          <p:nvPr/>
-        </p:nvSpPr>
-        <p:spPr>
-          <a:xfrm>
-            <a:off x="5942688" y="2765487"/>
-            <a:ext cx="615296" cy="369332"/>
-          </a:xfrm>
-          <a:prstGeom prst="rect">
-            <a:avLst/>
-          </a:prstGeom>
-          <a:noFill/>
-        </p:spPr>
-        <p:txBody>
-          <a:bodyPr wrap="square" rtlCol="0">
-            <a:spAutoFit/>
-          </a:bodyPr>
-          <a:lstStyle/>
-          <a:p>
-            <a:r>
-              <a:rPr lang="en-US" b="1" baseline="30000" dirty="0" smtClean="0"/>
-              <a:t>K</a:t>
-            </a:r>
-            <a:r>
-              <a:rPr lang="en-US" b="1" dirty="0" smtClean="0"/>
-              <a:t>T</a:t>
-            </a:r>
-            <a:r>
-              <a:rPr lang="en-US" b="1" baseline="-25000" dirty="0" smtClean="0"/>
-              <a:t>W</a:t>
-            </a:r>
-            <a:endParaRPr lang="en-US" b="1" baseline="-25000" dirty="0"/>
+              <a:rPr lang="en-US" smtClean="0"/>
+              <a:t>Action-1</a:t>
+            </a:r>
+            <a:endParaRPr lang="en-US"/>
           </a:p>
         </p:txBody>
       </p:sp>
     </p:spTree>
     <p:extLst>
       <p:ext uri="{BB962C8B-B14F-4D97-AF65-F5344CB8AC3E}">
-        <p14:creationId xmlns:p14="http://schemas.microsoft.com/office/powerpoint/2010/main" val="2128383894"/>
+        <p14:creationId xmlns:p14="http://schemas.microsoft.com/office/powerpoint/2010/main" val="4228795550"/>
       </p:ext>
     </p:extLst>
   </p:cSld>

--- a/docs/Misc/Pictures.pptx
+++ b/docs/Misc/Pictures.pptx
@@ -8,6 +8,7 @@
     <p:sldId id="256" r:id="rId2"/>
     <p:sldId id="257" r:id="rId3"/>
     <p:sldId id="258" r:id="rId4"/>
+    <p:sldId id="259" r:id="rId5"/>
   </p:sldIdLst>
   <p:sldSz cx="12192000" cy="6858000"/>
   <p:notesSz cx="6858000" cy="9144000"/>
@@ -5363,92 +5364,6 @@
           <a:chExt cx="0" cy="0"/>
         </a:xfrm>
       </p:grpSpPr>
-      <p:sp>
-        <p:nvSpPr>
-          <p:cNvPr id="307" name="正方形/長方形 306"/>
-          <p:cNvSpPr/>
-          <p:nvPr/>
-        </p:nvSpPr>
-        <p:spPr>
-          <a:xfrm>
-            <a:off x="2197419" y="1998820"/>
-            <a:ext cx="2771774" cy="2262188"/>
-          </a:xfrm>
-          <a:prstGeom prst="rect">
-            <a:avLst/>
-          </a:prstGeom>
-          <a:solidFill>
-            <a:schemeClr val="bg1"/>
-          </a:solidFill>
-        </p:spPr>
-        <p:style>
-          <a:lnRef idx="2">
-            <a:schemeClr val="dk1">
-              <a:shade val="50000"/>
-            </a:schemeClr>
-          </a:lnRef>
-          <a:fillRef idx="1">
-            <a:schemeClr val="dk1"/>
-          </a:fillRef>
-          <a:effectRef idx="0">
-            <a:schemeClr val="dk1"/>
-          </a:effectRef>
-          <a:fontRef idx="minor">
-            <a:schemeClr val="lt1"/>
-          </a:fontRef>
-        </p:style>
-        <p:txBody>
-          <a:bodyPr rtlCol="0" anchor="ctr"/>
-          <a:lstStyle/>
-          <a:p>
-            <a:pPr algn="ctr"/>
-            <a:endParaRPr lang="en-US"/>
-          </a:p>
-        </p:txBody>
-      </p:sp>
-      <p:sp>
-        <p:nvSpPr>
-          <p:cNvPr id="306" name="正方形/長方形 305"/>
-          <p:cNvSpPr/>
-          <p:nvPr/>
-        </p:nvSpPr>
-        <p:spPr>
-          <a:xfrm>
-            <a:off x="2112646" y="2101691"/>
-            <a:ext cx="2771774" cy="2262188"/>
-          </a:xfrm>
-          <a:prstGeom prst="rect">
-            <a:avLst/>
-          </a:prstGeom>
-          <a:solidFill>
-            <a:schemeClr val="bg1"/>
-          </a:solidFill>
-        </p:spPr>
-        <p:style>
-          <a:lnRef idx="2">
-            <a:schemeClr val="dk1">
-              <a:shade val="50000"/>
-            </a:schemeClr>
-          </a:lnRef>
-          <a:fillRef idx="1">
-            <a:schemeClr val="dk1"/>
-          </a:fillRef>
-          <a:effectRef idx="0">
-            <a:schemeClr val="dk1"/>
-          </a:effectRef>
-          <a:fontRef idx="minor">
-            <a:schemeClr val="lt1"/>
-          </a:fontRef>
-        </p:style>
-        <p:txBody>
-          <a:bodyPr rtlCol="0" anchor="ctr"/>
-          <a:lstStyle/>
-          <a:p>
-            <a:pPr algn="ctr"/>
-            <a:endParaRPr lang="en-US"/>
-          </a:p>
-        </p:txBody>
-      </p:sp>
       <p:pic>
         <p:nvPicPr>
           <p:cNvPr id="302" name="図 301"/>
@@ -5479,293 +5394,2551 @@
           </a:prstGeom>
         </p:spPr>
       </p:pic>
-      <p:sp>
-        <p:nvSpPr>
-          <p:cNvPr id="303" name="正方形/長方形 302"/>
-          <p:cNvSpPr/>
+      <p:grpSp>
+        <p:nvGrpSpPr>
+          <p:cNvPr id="348" name="グループ化 347"/>
+          <p:cNvGrpSpPr/>
           <p:nvPr/>
-        </p:nvSpPr>
-        <p:spPr>
+        </p:nvGrpSpPr>
+        <p:grpSpPr>
           <a:xfrm>
-            <a:off x="2112646" y="1099899"/>
-            <a:ext cx="2771774" cy="776287"/>
+            <a:off x="2028826" y="1168479"/>
+            <a:ext cx="2940367" cy="4462464"/>
+            <a:chOff x="2028826" y="1168479"/>
+            <a:chExt cx="2940367" cy="4462464"/>
           </a:xfrm>
-          <a:prstGeom prst="rect">
-            <a:avLst/>
-          </a:prstGeom>
-          <a:solidFill>
-            <a:schemeClr val="bg1"/>
-          </a:solidFill>
-        </p:spPr>
-        <p:style>
-          <a:lnRef idx="2">
-            <a:schemeClr val="dk1">
-              <a:shade val="50000"/>
-            </a:schemeClr>
-          </a:lnRef>
-          <a:fillRef idx="1">
-            <a:schemeClr val="dk1"/>
-          </a:fillRef>
-          <a:effectRef idx="0">
-            <a:schemeClr val="dk1"/>
-          </a:effectRef>
-          <a:fontRef idx="minor">
-            <a:schemeClr val="lt1"/>
-          </a:fontRef>
-        </p:style>
-        <p:txBody>
-          <a:bodyPr rtlCol="0" anchor="ctr"/>
-          <a:lstStyle/>
-          <a:p>
-            <a:pPr algn="ctr"/>
-            <a:endParaRPr lang="en-US"/>
-          </a:p>
-        </p:txBody>
-      </p:sp>
-      <p:sp>
-        <p:nvSpPr>
-          <p:cNvPr id="304" name="正方形/長方形 303"/>
-          <p:cNvSpPr/>
-          <p:nvPr/>
-        </p:nvSpPr>
-        <p:spPr>
-          <a:xfrm>
-            <a:off x="2028826" y="2218372"/>
-            <a:ext cx="2771774" cy="2262188"/>
-          </a:xfrm>
-          <a:prstGeom prst="rect">
-            <a:avLst/>
-          </a:prstGeom>
-          <a:solidFill>
-            <a:schemeClr val="bg1"/>
-          </a:solidFill>
-        </p:spPr>
-        <p:style>
-          <a:lnRef idx="2">
-            <a:schemeClr val="dk1">
-              <a:shade val="50000"/>
-            </a:schemeClr>
-          </a:lnRef>
-          <a:fillRef idx="1">
-            <a:schemeClr val="dk1"/>
-          </a:fillRef>
-          <a:effectRef idx="0">
-            <a:schemeClr val="dk1"/>
-          </a:effectRef>
-          <a:fontRef idx="minor">
-            <a:schemeClr val="lt1"/>
-          </a:fontRef>
-        </p:style>
-        <p:txBody>
-          <a:bodyPr rtlCol="0" anchor="ctr"/>
-          <a:lstStyle/>
-          <a:p>
-            <a:pPr algn="ctr"/>
-            <a:endParaRPr lang="en-US"/>
-          </a:p>
-        </p:txBody>
-      </p:sp>
-      <p:sp>
-        <p:nvSpPr>
-          <p:cNvPr id="305" name="正方形/長方形 304"/>
-          <p:cNvSpPr/>
-          <p:nvPr/>
-        </p:nvSpPr>
-        <p:spPr>
-          <a:xfrm>
-            <a:off x="2112646" y="4618435"/>
-            <a:ext cx="2771774" cy="776287"/>
-          </a:xfrm>
-          <a:prstGeom prst="rect">
-            <a:avLst/>
-          </a:prstGeom>
-          <a:solidFill>
-            <a:schemeClr val="bg1"/>
-          </a:solidFill>
-        </p:spPr>
-        <p:style>
-          <a:lnRef idx="2">
-            <a:schemeClr val="dk1">
-              <a:shade val="50000"/>
-            </a:schemeClr>
-          </a:lnRef>
-          <a:fillRef idx="1">
-            <a:schemeClr val="dk1"/>
-          </a:fillRef>
-          <a:effectRef idx="0">
-            <a:schemeClr val="dk1"/>
-          </a:effectRef>
-          <a:fontRef idx="minor">
-            <a:schemeClr val="lt1"/>
-          </a:fontRef>
-        </p:style>
-        <p:txBody>
-          <a:bodyPr rtlCol="0" anchor="ctr"/>
-          <a:lstStyle/>
-          <a:p>
-            <a:pPr algn="ctr"/>
-            <a:endParaRPr lang="en-US"/>
-          </a:p>
-        </p:txBody>
-      </p:sp>
-      <p:sp>
-        <p:nvSpPr>
-          <p:cNvPr id="308" name="正方形/長方形 307"/>
-          <p:cNvSpPr/>
-          <p:nvPr/>
-        </p:nvSpPr>
-        <p:spPr>
-          <a:xfrm>
-            <a:off x="4071938" y="5664817"/>
-            <a:ext cx="2313623" cy="584714"/>
-          </a:xfrm>
-          <a:prstGeom prst="rect">
-            <a:avLst/>
-          </a:prstGeom>
-          <a:solidFill>
-            <a:schemeClr val="bg1"/>
-          </a:solidFill>
-        </p:spPr>
-        <p:style>
-          <a:lnRef idx="2">
-            <a:schemeClr val="dk1">
-              <a:shade val="50000"/>
-            </a:schemeClr>
-          </a:lnRef>
-          <a:fillRef idx="1">
-            <a:schemeClr val="dk1"/>
-          </a:fillRef>
-          <a:effectRef idx="0">
-            <a:schemeClr val="dk1"/>
-          </a:effectRef>
-          <a:fontRef idx="minor">
-            <a:schemeClr val="lt1"/>
-          </a:fontRef>
-        </p:style>
-        <p:txBody>
-          <a:bodyPr rtlCol="0" anchor="ctr"/>
-          <a:lstStyle/>
-          <a:p>
-            <a:pPr algn="ctr"/>
-            <a:endParaRPr lang="en-US"/>
-          </a:p>
-        </p:txBody>
-      </p:sp>
-      <p:sp>
-        <p:nvSpPr>
-          <p:cNvPr id="309" name="正方形/長方形 308"/>
-          <p:cNvSpPr/>
-          <p:nvPr/>
-        </p:nvSpPr>
-        <p:spPr>
-          <a:xfrm>
-            <a:off x="5258754" y="5664817"/>
-            <a:ext cx="1126807" cy="584714"/>
-          </a:xfrm>
-          <a:prstGeom prst="rect">
-            <a:avLst/>
-          </a:prstGeom>
-          <a:solidFill>
-            <a:schemeClr val="bg1"/>
-          </a:solidFill>
-        </p:spPr>
-        <p:style>
-          <a:lnRef idx="2">
-            <a:schemeClr val="dk1">
-              <a:shade val="50000"/>
-            </a:schemeClr>
-          </a:lnRef>
-          <a:fillRef idx="1">
-            <a:schemeClr val="dk1"/>
-          </a:fillRef>
-          <a:effectRef idx="0">
-            <a:schemeClr val="dk1"/>
-          </a:effectRef>
-          <a:fontRef idx="minor">
-            <a:schemeClr val="lt1"/>
-          </a:fontRef>
-        </p:style>
-        <p:txBody>
-          <a:bodyPr rtlCol="0" anchor="ctr"/>
-          <a:lstStyle/>
-          <a:p>
-            <a:pPr algn="ctr"/>
-            <a:endParaRPr lang="en-US" dirty="0"/>
-          </a:p>
-        </p:txBody>
-      </p:sp>
-      <p:cxnSp>
-        <p:nvCxnSpPr>
-          <p:cNvPr id="311" name="直線コネクタ 310"/>
-          <p:cNvCxnSpPr>
-            <a:stCxn id="309" idx="1"/>
-            <a:endCxn id="308" idx="3"/>
-          </p:cNvCxnSpPr>
-          <p:nvPr/>
-        </p:nvCxnSpPr>
-        <p:spPr>
-          <a:xfrm>
-            <a:off x="5258754" y="5957174"/>
-            <a:ext cx="1126807" cy="0"/>
-          </a:xfrm>
-          <a:prstGeom prst="line">
-            <a:avLst/>
-          </a:prstGeom>
-          <a:ln w="12700">
+        </p:grpSpPr>
+        <p:sp>
+          <p:nvSpPr>
+            <p:cNvPr id="307" name="正方形/長方形 306"/>
+            <p:cNvSpPr/>
+            <p:nvPr/>
+          </p:nvSpPr>
+          <p:spPr>
+            <a:xfrm>
+              <a:off x="2197419" y="1998820"/>
+              <a:ext cx="2771774" cy="2420780"/>
+            </a:xfrm>
+            <a:prstGeom prst="rect">
+              <a:avLst/>
+            </a:prstGeom>
             <a:solidFill>
-              <a:schemeClr val="tx1"/>
+              <a:schemeClr val="bg1"/>
             </a:solidFill>
-          </a:ln>
-        </p:spPr>
-        <p:style>
-          <a:lnRef idx="1">
-            <a:schemeClr val="accent1"/>
-          </a:lnRef>
-          <a:fillRef idx="0">
-            <a:schemeClr val="accent1"/>
-          </a:fillRef>
-          <a:effectRef idx="0">
-            <a:schemeClr val="accent1"/>
-          </a:effectRef>
-          <a:fontRef idx="minor">
-            <a:schemeClr val="tx1"/>
-          </a:fontRef>
-        </p:style>
-      </p:cxnSp>
-      <p:sp>
-        <p:nvSpPr>
-          <p:cNvPr id="312" name="テキスト ボックス 311"/>
-          <p:cNvSpPr txBox="1"/>
-          <p:nvPr/>
-        </p:nvSpPr>
-        <p:spPr>
-          <a:xfrm>
-            <a:off x="5532120" y="3962400"/>
-            <a:ext cx="976549" cy="369332"/>
-          </a:xfrm>
-          <a:prstGeom prst="rect">
-            <a:avLst/>
-          </a:prstGeom>
-          <a:noFill/>
-        </p:spPr>
-        <p:txBody>
-          <a:bodyPr wrap="none" rtlCol="0">
-            <a:spAutoFit/>
-          </a:bodyPr>
-          <a:lstStyle/>
-          <a:p>
-            <a:r>
-              <a:rPr lang="en-US" smtClean="0"/>
-              <a:t>Action-1</a:t>
-            </a:r>
-            <a:endParaRPr lang="en-US"/>
-          </a:p>
-        </p:txBody>
-      </p:sp>
+          </p:spPr>
+          <p:style>
+            <a:lnRef idx="2">
+              <a:schemeClr val="dk1">
+                <a:shade val="50000"/>
+              </a:schemeClr>
+            </a:lnRef>
+            <a:fillRef idx="1">
+              <a:schemeClr val="dk1"/>
+            </a:fillRef>
+            <a:effectRef idx="0">
+              <a:schemeClr val="dk1"/>
+            </a:effectRef>
+            <a:fontRef idx="minor">
+              <a:schemeClr val="lt1"/>
+            </a:fontRef>
+          </p:style>
+          <p:txBody>
+            <a:bodyPr rtlCol="0" anchor="ctr"/>
+            <a:lstStyle/>
+            <a:p>
+              <a:pPr algn="ctr"/>
+              <a:endParaRPr lang="en-US"/>
+            </a:p>
+          </p:txBody>
+        </p:sp>
+        <p:sp>
+          <p:nvSpPr>
+            <p:cNvPr id="306" name="正方形/長方形 305"/>
+            <p:cNvSpPr/>
+            <p:nvPr/>
+          </p:nvSpPr>
+          <p:spPr>
+            <a:xfrm>
+              <a:off x="2112646" y="2078236"/>
+              <a:ext cx="2771774" cy="2467330"/>
+            </a:xfrm>
+            <a:prstGeom prst="rect">
+              <a:avLst/>
+            </a:prstGeom>
+            <a:solidFill>
+              <a:schemeClr val="bg1"/>
+            </a:solidFill>
+          </p:spPr>
+          <p:style>
+            <a:lnRef idx="2">
+              <a:schemeClr val="dk1">
+                <a:shade val="50000"/>
+              </a:schemeClr>
+            </a:lnRef>
+            <a:fillRef idx="1">
+              <a:schemeClr val="dk1"/>
+            </a:fillRef>
+            <a:effectRef idx="0">
+              <a:schemeClr val="dk1"/>
+            </a:effectRef>
+            <a:fontRef idx="minor">
+              <a:schemeClr val="lt1"/>
+            </a:fontRef>
+          </p:style>
+          <p:txBody>
+            <a:bodyPr rtlCol="0" anchor="ctr"/>
+            <a:lstStyle/>
+            <a:p>
+              <a:pPr algn="ctr"/>
+              <a:endParaRPr lang="en-US"/>
+            </a:p>
+          </p:txBody>
+        </p:sp>
+        <p:sp>
+          <p:nvSpPr>
+            <p:cNvPr id="304" name="正方形/長方形 303"/>
+            <p:cNvSpPr/>
+            <p:nvPr/>
+          </p:nvSpPr>
+          <p:spPr>
+            <a:xfrm>
+              <a:off x="2028826" y="2168543"/>
+              <a:ext cx="2771774" cy="2624587"/>
+            </a:xfrm>
+            <a:prstGeom prst="rect">
+              <a:avLst/>
+            </a:prstGeom>
+            <a:solidFill>
+              <a:schemeClr val="bg1"/>
+            </a:solidFill>
+          </p:spPr>
+          <p:style>
+            <a:lnRef idx="2">
+              <a:schemeClr val="dk1">
+                <a:shade val="50000"/>
+              </a:schemeClr>
+            </a:lnRef>
+            <a:fillRef idx="1">
+              <a:schemeClr val="dk1"/>
+            </a:fillRef>
+            <a:effectRef idx="0">
+              <a:schemeClr val="dk1"/>
+            </a:effectRef>
+            <a:fontRef idx="minor">
+              <a:schemeClr val="lt1"/>
+            </a:fontRef>
+          </p:style>
+          <p:txBody>
+            <a:bodyPr rtlCol="0" anchor="ctr"/>
+            <a:lstStyle/>
+            <a:p>
+              <a:pPr algn="ctr"/>
+              <a:endParaRPr lang="en-US"/>
+            </a:p>
+          </p:txBody>
+        </p:sp>
+        <p:grpSp>
+          <p:nvGrpSpPr>
+            <p:cNvPr id="314" name="グループ化 313"/>
+            <p:cNvGrpSpPr/>
+            <p:nvPr/>
+          </p:nvGrpSpPr>
+          <p:grpSpPr>
+            <a:xfrm>
+              <a:off x="2243138" y="4125575"/>
+              <a:ext cx="2313623" cy="607934"/>
+              <a:chOff x="4071938" y="5649218"/>
+              <a:chExt cx="2313623" cy="607934"/>
+            </a:xfrm>
+          </p:grpSpPr>
+          <p:sp>
+            <p:nvSpPr>
+              <p:cNvPr id="308" name="正方形/長方形 307"/>
+              <p:cNvSpPr/>
+              <p:nvPr/>
+            </p:nvSpPr>
+            <p:spPr>
+              <a:xfrm>
+                <a:off x="4071938" y="5664817"/>
+                <a:ext cx="2313623" cy="584714"/>
+              </a:xfrm>
+              <a:prstGeom prst="rect">
+                <a:avLst/>
+              </a:prstGeom>
+              <a:solidFill>
+                <a:schemeClr val="bg1"/>
+              </a:solidFill>
+            </p:spPr>
+            <p:style>
+              <a:lnRef idx="2">
+                <a:schemeClr val="dk1">
+                  <a:shade val="50000"/>
+                </a:schemeClr>
+              </a:lnRef>
+              <a:fillRef idx="1">
+                <a:schemeClr val="dk1"/>
+              </a:fillRef>
+              <a:effectRef idx="0">
+                <a:schemeClr val="dk1"/>
+              </a:effectRef>
+              <a:fontRef idx="minor">
+                <a:schemeClr val="lt1"/>
+              </a:fontRef>
+            </p:style>
+            <p:txBody>
+              <a:bodyPr rtlCol="0" anchor="ctr"/>
+              <a:lstStyle/>
+              <a:p>
+                <a:pPr algn="ctr"/>
+                <a:endParaRPr lang="en-US"/>
+              </a:p>
+            </p:txBody>
+          </p:sp>
+          <p:sp>
+            <p:nvSpPr>
+              <p:cNvPr id="309" name="正方形/長方形 308"/>
+              <p:cNvSpPr/>
+              <p:nvPr/>
+            </p:nvSpPr>
+            <p:spPr>
+              <a:xfrm>
+                <a:off x="5258754" y="5664817"/>
+                <a:ext cx="1126807" cy="584714"/>
+              </a:xfrm>
+              <a:prstGeom prst="rect">
+                <a:avLst/>
+              </a:prstGeom>
+              <a:solidFill>
+                <a:schemeClr val="bg1"/>
+              </a:solidFill>
+            </p:spPr>
+            <p:style>
+              <a:lnRef idx="2">
+                <a:schemeClr val="dk1">
+                  <a:shade val="50000"/>
+                </a:schemeClr>
+              </a:lnRef>
+              <a:fillRef idx="1">
+                <a:schemeClr val="dk1"/>
+              </a:fillRef>
+              <a:effectRef idx="0">
+                <a:schemeClr val="dk1"/>
+              </a:effectRef>
+              <a:fontRef idx="minor">
+                <a:schemeClr val="lt1"/>
+              </a:fontRef>
+            </p:style>
+            <p:txBody>
+              <a:bodyPr rtlCol="0" anchor="ctr"/>
+              <a:lstStyle/>
+              <a:p>
+                <a:pPr algn="ctr"/>
+                <a:endParaRPr lang="en-US" dirty="0"/>
+              </a:p>
+            </p:txBody>
+          </p:sp>
+          <p:cxnSp>
+            <p:nvCxnSpPr>
+              <p:cNvPr id="311" name="直線コネクタ 310"/>
+              <p:cNvCxnSpPr>
+                <a:stCxn id="309" idx="1"/>
+                <a:endCxn id="308" idx="3"/>
+              </p:cNvCxnSpPr>
+              <p:nvPr/>
+            </p:nvCxnSpPr>
+            <p:spPr>
+              <a:xfrm>
+                <a:off x="5258754" y="5957174"/>
+                <a:ext cx="1126807" cy="0"/>
+              </a:xfrm>
+              <a:prstGeom prst="line">
+                <a:avLst/>
+              </a:prstGeom>
+              <a:ln w="12700">
+                <a:solidFill>
+                  <a:schemeClr val="tx1"/>
+                </a:solidFill>
+              </a:ln>
+            </p:spPr>
+            <p:style>
+              <a:lnRef idx="1">
+                <a:schemeClr val="accent1"/>
+              </a:lnRef>
+              <a:fillRef idx="0">
+                <a:schemeClr val="accent1"/>
+              </a:fillRef>
+              <a:effectRef idx="0">
+                <a:schemeClr val="accent1"/>
+              </a:effectRef>
+              <a:fontRef idx="minor">
+                <a:schemeClr val="tx1"/>
+              </a:fontRef>
+            </p:style>
+          </p:cxnSp>
+          <p:sp>
+            <p:nvSpPr>
+              <p:cNvPr id="312" name="テキスト ボックス 311"/>
+              <p:cNvSpPr txBox="1"/>
+              <p:nvPr/>
+            </p:nvSpPr>
+            <p:spPr>
+              <a:xfrm>
+                <a:off x="5421245" y="5649218"/>
+                <a:ext cx="801823" cy="307777"/>
+              </a:xfrm>
+              <a:prstGeom prst="rect">
+                <a:avLst/>
+              </a:prstGeom>
+              <a:noFill/>
+            </p:spPr>
+            <p:txBody>
+              <a:bodyPr wrap="none" rtlCol="0">
+                <a:spAutoFit/>
+              </a:bodyPr>
+              <a:lstStyle/>
+              <a:p>
+                <a:r>
+                  <a:rPr lang="en-US" sz="1400" dirty="0" smtClean="0"/>
+                  <a:t>Action-1</a:t>
+                </a:r>
+                <a:endParaRPr lang="en-US" sz="1400" dirty="0"/>
+              </a:p>
+            </p:txBody>
+          </p:sp>
+          <p:sp>
+            <p:nvSpPr>
+              <p:cNvPr id="313" name="テキスト ボックス 312"/>
+              <p:cNvSpPr txBox="1"/>
+              <p:nvPr/>
+            </p:nvSpPr>
+            <p:spPr>
+              <a:xfrm>
+                <a:off x="5413625" y="5949375"/>
+                <a:ext cx="825867" cy="307777"/>
+              </a:xfrm>
+              <a:prstGeom prst="rect">
+                <a:avLst/>
+              </a:prstGeom>
+              <a:noFill/>
+            </p:spPr>
+            <p:txBody>
+              <a:bodyPr wrap="none" rtlCol="0">
+                <a:spAutoFit/>
+              </a:bodyPr>
+              <a:lstStyle/>
+              <a:p>
+                <a:r>
+                  <a:rPr lang="en-US" sz="1400" dirty="0" smtClean="0"/>
+                  <a:t>Action-N</a:t>
+                </a:r>
+                <a:endParaRPr lang="en-US" sz="1400" dirty="0"/>
+              </a:p>
+            </p:txBody>
+          </p:sp>
+        </p:grpSp>
+        <p:grpSp>
+          <p:nvGrpSpPr>
+            <p:cNvPr id="327" name="グループ化 326"/>
+            <p:cNvGrpSpPr/>
+            <p:nvPr/>
+          </p:nvGrpSpPr>
+          <p:grpSpPr>
+            <a:xfrm>
+              <a:off x="2243139" y="2830113"/>
+              <a:ext cx="2313623" cy="607934"/>
+              <a:chOff x="4071938" y="5649218"/>
+              <a:chExt cx="2313623" cy="607934"/>
+            </a:xfrm>
+          </p:grpSpPr>
+          <p:sp>
+            <p:nvSpPr>
+              <p:cNvPr id="328" name="正方形/長方形 327"/>
+              <p:cNvSpPr/>
+              <p:nvPr/>
+            </p:nvSpPr>
+            <p:spPr>
+              <a:xfrm>
+                <a:off x="4071938" y="5664817"/>
+                <a:ext cx="2313623" cy="584714"/>
+              </a:xfrm>
+              <a:prstGeom prst="rect">
+                <a:avLst/>
+              </a:prstGeom>
+              <a:solidFill>
+                <a:schemeClr val="bg1"/>
+              </a:solidFill>
+            </p:spPr>
+            <p:style>
+              <a:lnRef idx="2">
+                <a:schemeClr val="dk1">
+                  <a:shade val="50000"/>
+                </a:schemeClr>
+              </a:lnRef>
+              <a:fillRef idx="1">
+                <a:schemeClr val="dk1"/>
+              </a:fillRef>
+              <a:effectRef idx="0">
+                <a:schemeClr val="dk1"/>
+              </a:effectRef>
+              <a:fontRef idx="minor">
+                <a:schemeClr val="lt1"/>
+              </a:fontRef>
+            </p:style>
+            <p:txBody>
+              <a:bodyPr rtlCol="0" anchor="ctr"/>
+              <a:lstStyle/>
+              <a:p>
+                <a:pPr algn="ctr"/>
+                <a:endParaRPr lang="en-US"/>
+              </a:p>
+            </p:txBody>
+          </p:sp>
+          <p:sp>
+            <p:nvSpPr>
+              <p:cNvPr id="329" name="正方形/長方形 328"/>
+              <p:cNvSpPr/>
+              <p:nvPr/>
+            </p:nvSpPr>
+            <p:spPr>
+              <a:xfrm>
+                <a:off x="5258754" y="5664817"/>
+                <a:ext cx="1126807" cy="584714"/>
+              </a:xfrm>
+              <a:prstGeom prst="rect">
+                <a:avLst/>
+              </a:prstGeom>
+              <a:solidFill>
+                <a:schemeClr val="bg1"/>
+              </a:solidFill>
+            </p:spPr>
+            <p:style>
+              <a:lnRef idx="2">
+                <a:schemeClr val="dk1">
+                  <a:shade val="50000"/>
+                </a:schemeClr>
+              </a:lnRef>
+              <a:fillRef idx="1">
+                <a:schemeClr val="dk1"/>
+              </a:fillRef>
+              <a:effectRef idx="0">
+                <a:schemeClr val="dk1"/>
+              </a:effectRef>
+              <a:fontRef idx="minor">
+                <a:schemeClr val="lt1"/>
+              </a:fontRef>
+            </p:style>
+            <p:txBody>
+              <a:bodyPr rtlCol="0" anchor="ctr"/>
+              <a:lstStyle/>
+              <a:p>
+                <a:pPr algn="ctr"/>
+                <a:endParaRPr lang="en-US" dirty="0"/>
+              </a:p>
+            </p:txBody>
+          </p:sp>
+          <p:cxnSp>
+            <p:nvCxnSpPr>
+              <p:cNvPr id="330" name="直線コネクタ 329"/>
+              <p:cNvCxnSpPr>
+                <a:stCxn id="329" idx="1"/>
+                <a:endCxn id="328" idx="3"/>
+              </p:cNvCxnSpPr>
+              <p:nvPr/>
+            </p:nvCxnSpPr>
+            <p:spPr>
+              <a:xfrm>
+                <a:off x="5258754" y="5957174"/>
+                <a:ext cx="1126807" cy="0"/>
+              </a:xfrm>
+              <a:prstGeom prst="line">
+                <a:avLst/>
+              </a:prstGeom>
+              <a:ln w="12700">
+                <a:solidFill>
+                  <a:schemeClr val="tx1"/>
+                </a:solidFill>
+              </a:ln>
+            </p:spPr>
+            <p:style>
+              <a:lnRef idx="1">
+                <a:schemeClr val="accent1"/>
+              </a:lnRef>
+              <a:fillRef idx="0">
+                <a:schemeClr val="accent1"/>
+              </a:fillRef>
+              <a:effectRef idx="0">
+                <a:schemeClr val="accent1"/>
+              </a:effectRef>
+              <a:fontRef idx="minor">
+                <a:schemeClr val="tx1"/>
+              </a:fontRef>
+            </p:style>
+          </p:cxnSp>
+          <p:sp>
+            <p:nvSpPr>
+              <p:cNvPr id="331" name="テキスト ボックス 330"/>
+              <p:cNvSpPr txBox="1"/>
+              <p:nvPr/>
+            </p:nvSpPr>
+            <p:spPr>
+              <a:xfrm>
+                <a:off x="5421245" y="5649218"/>
+                <a:ext cx="801823" cy="307777"/>
+              </a:xfrm>
+              <a:prstGeom prst="rect">
+                <a:avLst/>
+              </a:prstGeom>
+              <a:noFill/>
+            </p:spPr>
+            <p:txBody>
+              <a:bodyPr wrap="none" rtlCol="0">
+                <a:spAutoFit/>
+              </a:bodyPr>
+              <a:lstStyle/>
+              <a:p>
+                <a:r>
+                  <a:rPr lang="en-US" sz="1400" dirty="0" smtClean="0"/>
+                  <a:t>Action-1</a:t>
+                </a:r>
+                <a:endParaRPr lang="en-US" sz="1400" dirty="0"/>
+              </a:p>
+            </p:txBody>
+          </p:sp>
+          <p:sp>
+            <p:nvSpPr>
+              <p:cNvPr id="332" name="テキスト ボックス 331"/>
+              <p:cNvSpPr txBox="1"/>
+              <p:nvPr/>
+            </p:nvSpPr>
+            <p:spPr>
+              <a:xfrm>
+                <a:off x="5413625" y="5949375"/>
+                <a:ext cx="825867" cy="307777"/>
+              </a:xfrm>
+              <a:prstGeom prst="rect">
+                <a:avLst/>
+              </a:prstGeom>
+              <a:noFill/>
+            </p:spPr>
+            <p:txBody>
+              <a:bodyPr wrap="none" rtlCol="0">
+                <a:spAutoFit/>
+              </a:bodyPr>
+              <a:lstStyle/>
+              <a:p>
+                <a:r>
+                  <a:rPr lang="en-US" sz="1400" dirty="0" smtClean="0"/>
+                  <a:t>Action-N</a:t>
+                </a:r>
+                <a:endParaRPr lang="en-US" sz="1400" dirty="0"/>
+              </a:p>
+            </p:txBody>
+          </p:sp>
+        </p:grpSp>
+        <p:grpSp>
+          <p:nvGrpSpPr>
+            <p:cNvPr id="333" name="グループ化 332"/>
+            <p:cNvGrpSpPr/>
+            <p:nvPr/>
+          </p:nvGrpSpPr>
+          <p:grpSpPr>
+            <a:xfrm>
+              <a:off x="2243137" y="3469388"/>
+              <a:ext cx="2313623" cy="607934"/>
+              <a:chOff x="4071938" y="5649218"/>
+              <a:chExt cx="2313623" cy="607934"/>
+            </a:xfrm>
+          </p:grpSpPr>
+          <p:sp>
+            <p:nvSpPr>
+              <p:cNvPr id="334" name="正方形/長方形 333"/>
+              <p:cNvSpPr/>
+              <p:nvPr/>
+            </p:nvSpPr>
+            <p:spPr>
+              <a:xfrm>
+                <a:off x="4071938" y="5664817"/>
+                <a:ext cx="2313623" cy="584714"/>
+              </a:xfrm>
+              <a:prstGeom prst="rect">
+                <a:avLst/>
+              </a:prstGeom>
+              <a:solidFill>
+                <a:schemeClr val="bg1"/>
+              </a:solidFill>
+            </p:spPr>
+            <p:style>
+              <a:lnRef idx="2">
+                <a:schemeClr val="dk1">
+                  <a:shade val="50000"/>
+                </a:schemeClr>
+              </a:lnRef>
+              <a:fillRef idx="1">
+                <a:schemeClr val="dk1"/>
+              </a:fillRef>
+              <a:effectRef idx="0">
+                <a:schemeClr val="dk1"/>
+              </a:effectRef>
+              <a:fontRef idx="minor">
+                <a:schemeClr val="lt1"/>
+              </a:fontRef>
+            </p:style>
+            <p:txBody>
+              <a:bodyPr rtlCol="0" anchor="ctr"/>
+              <a:lstStyle/>
+              <a:p>
+                <a:pPr algn="ctr"/>
+                <a:endParaRPr lang="en-US"/>
+              </a:p>
+            </p:txBody>
+          </p:sp>
+          <p:sp>
+            <p:nvSpPr>
+              <p:cNvPr id="335" name="正方形/長方形 334"/>
+              <p:cNvSpPr/>
+              <p:nvPr/>
+            </p:nvSpPr>
+            <p:spPr>
+              <a:xfrm>
+                <a:off x="5258754" y="5664817"/>
+                <a:ext cx="1126807" cy="584714"/>
+              </a:xfrm>
+              <a:prstGeom prst="rect">
+                <a:avLst/>
+              </a:prstGeom>
+              <a:solidFill>
+                <a:schemeClr val="bg1"/>
+              </a:solidFill>
+            </p:spPr>
+            <p:style>
+              <a:lnRef idx="2">
+                <a:schemeClr val="dk1">
+                  <a:shade val="50000"/>
+                </a:schemeClr>
+              </a:lnRef>
+              <a:fillRef idx="1">
+                <a:schemeClr val="dk1"/>
+              </a:fillRef>
+              <a:effectRef idx="0">
+                <a:schemeClr val="dk1"/>
+              </a:effectRef>
+              <a:fontRef idx="minor">
+                <a:schemeClr val="lt1"/>
+              </a:fontRef>
+            </p:style>
+            <p:txBody>
+              <a:bodyPr rtlCol="0" anchor="ctr"/>
+              <a:lstStyle/>
+              <a:p>
+                <a:pPr algn="ctr"/>
+                <a:endParaRPr lang="en-US" dirty="0"/>
+              </a:p>
+            </p:txBody>
+          </p:sp>
+          <p:cxnSp>
+            <p:nvCxnSpPr>
+              <p:cNvPr id="336" name="直線コネクタ 335"/>
+              <p:cNvCxnSpPr>
+                <a:stCxn id="335" idx="1"/>
+                <a:endCxn id="334" idx="3"/>
+              </p:cNvCxnSpPr>
+              <p:nvPr/>
+            </p:nvCxnSpPr>
+            <p:spPr>
+              <a:xfrm>
+                <a:off x="5258754" y="5957174"/>
+                <a:ext cx="1126807" cy="0"/>
+              </a:xfrm>
+              <a:prstGeom prst="line">
+                <a:avLst/>
+              </a:prstGeom>
+              <a:ln w="12700">
+                <a:solidFill>
+                  <a:schemeClr val="tx1"/>
+                </a:solidFill>
+              </a:ln>
+            </p:spPr>
+            <p:style>
+              <a:lnRef idx="1">
+                <a:schemeClr val="accent1"/>
+              </a:lnRef>
+              <a:fillRef idx="0">
+                <a:schemeClr val="accent1"/>
+              </a:fillRef>
+              <a:effectRef idx="0">
+                <a:schemeClr val="accent1"/>
+              </a:effectRef>
+              <a:fontRef idx="minor">
+                <a:schemeClr val="tx1"/>
+              </a:fontRef>
+            </p:style>
+          </p:cxnSp>
+          <p:sp>
+            <p:nvSpPr>
+              <p:cNvPr id="337" name="テキスト ボックス 336"/>
+              <p:cNvSpPr txBox="1"/>
+              <p:nvPr/>
+            </p:nvSpPr>
+            <p:spPr>
+              <a:xfrm>
+                <a:off x="5421245" y="5649218"/>
+                <a:ext cx="801823" cy="307777"/>
+              </a:xfrm>
+              <a:prstGeom prst="rect">
+                <a:avLst/>
+              </a:prstGeom>
+              <a:noFill/>
+            </p:spPr>
+            <p:txBody>
+              <a:bodyPr wrap="none" rtlCol="0">
+                <a:spAutoFit/>
+              </a:bodyPr>
+              <a:lstStyle/>
+              <a:p>
+                <a:r>
+                  <a:rPr lang="en-US" sz="1400" dirty="0" smtClean="0"/>
+                  <a:t>Action-1</a:t>
+                </a:r>
+                <a:endParaRPr lang="en-US" sz="1400" dirty="0"/>
+              </a:p>
+            </p:txBody>
+          </p:sp>
+          <p:sp>
+            <p:nvSpPr>
+              <p:cNvPr id="338" name="テキスト ボックス 337"/>
+              <p:cNvSpPr txBox="1"/>
+              <p:nvPr/>
+            </p:nvSpPr>
+            <p:spPr>
+              <a:xfrm>
+                <a:off x="5413625" y="5949375"/>
+                <a:ext cx="825867" cy="307777"/>
+              </a:xfrm>
+              <a:prstGeom prst="rect">
+                <a:avLst/>
+              </a:prstGeom>
+              <a:noFill/>
+            </p:spPr>
+            <p:txBody>
+              <a:bodyPr wrap="none" rtlCol="0">
+                <a:spAutoFit/>
+              </a:bodyPr>
+              <a:lstStyle/>
+              <a:p>
+                <a:r>
+                  <a:rPr lang="en-US" sz="1400" dirty="0" smtClean="0"/>
+                  <a:t>Action-N</a:t>
+                </a:r>
+                <a:endParaRPr lang="en-US" sz="1400" dirty="0"/>
+              </a:p>
+            </p:txBody>
+          </p:sp>
+        </p:grpSp>
+        <p:grpSp>
+          <p:nvGrpSpPr>
+            <p:cNvPr id="347" name="グループ化 346"/>
+            <p:cNvGrpSpPr/>
+            <p:nvPr/>
+          </p:nvGrpSpPr>
+          <p:grpSpPr>
+            <a:xfrm>
+              <a:off x="2112646" y="1168479"/>
+              <a:ext cx="2771774" cy="776287"/>
+              <a:chOff x="2112646" y="1099899"/>
+              <a:chExt cx="2771774" cy="776287"/>
+            </a:xfrm>
+          </p:grpSpPr>
+          <p:sp>
+            <p:nvSpPr>
+              <p:cNvPr id="303" name="正方形/長方形 302"/>
+              <p:cNvSpPr/>
+              <p:nvPr/>
+            </p:nvSpPr>
+            <p:spPr>
+              <a:xfrm>
+                <a:off x="2112646" y="1099899"/>
+                <a:ext cx="2771774" cy="776287"/>
+              </a:xfrm>
+              <a:prstGeom prst="rect">
+                <a:avLst/>
+              </a:prstGeom>
+              <a:solidFill>
+                <a:schemeClr val="bg1"/>
+              </a:solidFill>
+            </p:spPr>
+            <p:style>
+              <a:lnRef idx="2">
+                <a:schemeClr val="dk1">
+                  <a:shade val="50000"/>
+                </a:schemeClr>
+              </a:lnRef>
+              <a:fillRef idx="1">
+                <a:schemeClr val="dk1"/>
+              </a:fillRef>
+              <a:effectRef idx="0">
+                <a:schemeClr val="dk1"/>
+              </a:effectRef>
+              <a:fontRef idx="minor">
+                <a:schemeClr val="lt1"/>
+              </a:fontRef>
+            </p:style>
+            <p:txBody>
+              <a:bodyPr rtlCol="0" anchor="ctr"/>
+              <a:lstStyle/>
+              <a:p>
+                <a:pPr algn="ctr"/>
+                <a:endParaRPr lang="en-US"/>
+              </a:p>
+            </p:txBody>
+          </p:sp>
+          <p:grpSp>
+            <p:nvGrpSpPr>
+              <p:cNvPr id="315" name="グループ化 314"/>
+              <p:cNvGrpSpPr/>
+              <p:nvPr/>
+            </p:nvGrpSpPr>
+            <p:grpSpPr>
+              <a:xfrm>
+                <a:off x="2326481" y="1177944"/>
+                <a:ext cx="2313623" cy="607934"/>
+                <a:chOff x="4071938" y="5649218"/>
+                <a:chExt cx="2313623" cy="607934"/>
+              </a:xfrm>
+            </p:grpSpPr>
+            <p:sp>
+              <p:nvSpPr>
+                <p:cNvPr id="316" name="正方形/長方形 315"/>
+                <p:cNvSpPr/>
+                <p:nvPr/>
+              </p:nvSpPr>
+              <p:spPr>
+                <a:xfrm>
+                  <a:off x="4071938" y="5664817"/>
+                  <a:ext cx="2313623" cy="584714"/>
+                </a:xfrm>
+                <a:prstGeom prst="rect">
+                  <a:avLst/>
+                </a:prstGeom>
+                <a:solidFill>
+                  <a:schemeClr val="bg1"/>
+                </a:solidFill>
+              </p:spPr>
+              <p:style>
+                <a:lnRef idx="2">
+                  <a:schemeClr val="dk1">
+                    <a:shade val="50000"/>
+                  </a:schemeClr>
+                </a:lnRef>
+                <a:fillRef idx="1">
+                  <a:schemeClr val="dk1"/>
+                </a:fillRef>
+                <a:effectRef idx="0">
+                  <a:schemeClr val="dk1"/>
+                </a:effectRef>
+                <a:fontRef idx="minor">
+                  <a:schemeClr val="lt1"/>
+                </a:fontRef>
+              </p:style>
+              <p:txBody>
+                <a:bodyPr rtlCol="0" anchor="ctr"/>
+                <a:lstStyle/>
+                <a:p>
+                  <a:pPr algn="ctr"/>
+                  <a:endParaRPr lang="en-US" dirty="0"/>
+                </a:p>
+              </p:txBody>
+            </p:sp>
+            <p:sp>
+              <p:nvSpPr>
+                <p:cNvPr id="317" name="正方形/長方形 316"/>
+                <p:cNvSpPr/>
+                <p:nvPr/>
+              </p:nvSpPr>
+              <p:spPr>
+                <a:xfrm>
+                  <a:off x="5258754" y="5664817"/>
+                  <a:ext cx="1126807" cy="584714"/>
+                </a:xfrm>
+                <a:prstGeom prst="rect">
+                  <a:avLst/>
+                </a:prstGeom>
+                <a:solidFill>
+                  <a:schemeClr val="bg1"/>
+                </a:solidFill>
+              </p:spPr>
+              <p:style>
+                <a:lnRef idx="2">
+                  <a:schemeClr val="dk1">
+                    <a:shade val="50000"/>
+                  </a:schemeClr>
+                </a:lnRef>
+                <a:fillRef idx="1">
+                  <a:schemeClr val="dk1"/>
+                </a:fillRef>
+                <a:effectRef idx="0">
+                  <a:schemeClr val="dk1"/>
+                </a:effectRef>
+                <a:fontRef idx="minor">
+                  <a:schemeClr val="lt1"/>
+                </a:fontRef>
+              </p:style>
+              <p:txBody>
+                <a:bodyPr rtlCol="0" anchor="ctr"/>
+                <a:lstStyle/>
+                <a:p>
+                  <a:pPr algn="ctr"/>
+                  <a:endParaRPr lang="en-US" dirty="0"/>
+                </a:p>
+              </p:txBody>
+            </p:sp>
+            <p:cxnSp>
+              <p:nvCxnSpPr>
+                <p:cNvPr id="318" name="直線コネクタ 317"/>
+                <p:cNvCxnSpPr>
+                  <a:stCxn id="317" idx="1"/>
+                  <a:endCxn id="316" idx="3"/>
+                </p:cNvCxnSpPr>
+                <p:nvPr/>
+              </p:nvCxnSpPr>
+              <p:spPr>
+                <a:xfrm>
+                  <a:off x="5258754" y="5957174"/>
+                  <a:ext cx="1126807" cy="0"/>
+                </a:xfrm>
+                <a:prstGeom prst="line">
+                  <a:avLst/>
+                </a:prstGeom>
+                <a:ln w="12700">
+                  <a:solidFill>
+                    <a:schemeClr val="tx1"/>
+                  </a:solidFill>
+                </a:ln>
+              </p:spPr>
+              <p:style>
+                <a:lnRef idx="1">
+                  <a:schemeClr val="accent1"/>
+                </a:lnRef>
+                <a:fillRef idx="0">
+                  <a:schemeClr val="accent1"/>
+                </a:fillRef>
+                <a:effectRef idx="0">
+                  <a:schemeClr val="accent1"/>
+                </a:effectRef>
+                <a:fontRef idx="minor">
+                  <a:schemeClr val="tx1"/>
+                </a:fontRef>
+              </p:style>
+            </p:cxnSp>
+            <p:sp>
+              <p:nvSpPr>
+                <p:cNvPr id="319" name="テキスト ボックス 318"/>
+                <p:cNvSpPr txBox="1"/>
+                <p:nvPr/>
+              </p:nvSpPr>
+              <p:spPr>
+                <a:xfrm>
+                  <a:off x="5421245" y="5649218"/>
+                  <a:ext cx="801823" cy="307777"/>
+                </a:xfrm>
+                <a:prstGeom prst="rect">
+                  <a:avLst/>
+                </a:prstGeom>
+                <a:noFill/>
+              </p:spPr>
+              <p:txBody>
+                <a:bodyPr wrap="none" rtlCol="0">
+                  <a:spAutoFit/>
+                </a:bodyPr>
+                <a:lstStyle/>
+                <a:p>
+                  <a:r>
+                    <a:rPr lang="en-US" sz="1400" dirty="0" smtClean="0"/>
+                    <a:t>Action-1</a:t>
+                  </a:r>
+                  <a:endParaRPr lang="en-US" sz="1400" dirty="0"/>
+                </a:p>
+              </p:txBody>
+            </p:sp>
+            <p:sp>
+              <p:nvSpPr>
+                <p:cNvPr id="320" name="テキスト ボックス 319"/>
+                <p:cNvSpPr txBox="1"/>
+                <p:nvPr/>
+              </p:nvSpPr>
+              <p:spPr>
+                <a:xfrm>
+                  <a:off x="5413625" y="5949375"/>
+                  <a:ext cx="825867" cy="307777"/>
+                </a:xfrm>
+                <a:prstGeom prst="rect">
+                  <a:avLst/>
+                </a:prstGeom>
+                <a:noFill/>
+              </p:spPr>
+              <p:txBody>
+                <a:bodyPr wrap="none" rtlCol="0">
+                  <a:spAutoFit/>
+                </a:bodyPr>
+                <a:lstStyle/>
+                <a:p>
+                  <a:r>
+                    <a:rPr lang="en-US" sz="1400" dirty="0" smtClean="0"/>
+                    <a:t>Action-N</a:t>
+                  </a:r>
+                  <a:endParaRPr lang="en-US" sz="1400" dirty="0"/>
+                </a:p>
+              </p:txBody>
+            </p:sp>
+          </p:grpSp>
+          <p:sp>
+            <p:nvSpPr>
+              <p:cNvPr id="339" name="テキスト ボックス 338"/>
+              <p:cNvSpPr txBox="1"/>
+              <p:nvPr/>
+            </p:nvSpPr>
+            <p:spPr>
+              <a:xfrm>
+                <a:off x="2523077" y="1224111"/>
+                <a:ext cx="827727" cy="523220"/>
+              </a:xfrm>
+              <a:prstGeom prst="rect">
+                <a:avLst/>
+              </a:prstGeom>
+              <a:noFill/>
+            </p:spPr>
+            <p:txBody>
+              <a:bodyPr wrap="none" rtlCol="0">
+                <a:spAutoFit/>
+              </a:bodyPr>
+              <a:lstStyle/>
+              <a:p>
+                <a:pPr algn="ctr"/>
+                <a:r>
+                  <a:rPr lang="en-US" sz="1400" dirty="0" smtClean="0"/>
+                  <a:t>Startup </a:t>
+                </a:r>
+              </a:p>
+              <a:p>
+                <a:pPr algn="ctr"/>
+                <a:r>
+                  <a:rPr lang="en-US" sz="1400" dirty="0" smtClean="0"/>
+                  <a:t>behavior</a:t>
+                </a:r>
+                <a:endParaRPr lang="en-US" sz="1400" dirty="0"/>
+              </a:p>
+            </p:txBody>
+          </p:sp>
+        </p:grpSp>
+        <p:grpSp>
+          <p:nvGrpSpPr>
+            <p:cNvPr id="346" name="グループ化 345"/>
+            <p:cNvGrpSpPr/>
+            <p:nvPr/>
+          </p:nvGrpSpPr>
+          <p:grpSpPr>
+            <a:xfrm>
+              <a:off x="2112646" y="4854656"/>
+              <a:ext cx="2771774" cy="776287"/>
+              <a:chOff x="2112646" y="4763216"/>
+              <a:chExt cx="2771774" cy="776287"/>
+            </a:xfrm>
+          </p:grpSpPr>
+          <p:sp>
+            <p:nvSpPr>
+              <p:cNvPr id="305" name="正方形/長方形 304"/>
+              <p:cNvSpPr/>
+              <p:nvPr/>
+            </p:nvSpPr>
+            <p:spPr>
+              <a:xfrm>
+                <a:off x="2112646" y="4763216"/>
+                <a:ext cx="2771774" cy="776287"/>
+              </a:xfrm>
+              <a:prstGeom prst="rect">
+                <a:avLst/>
+              </a:prstGeom>
+              <a:solidFill>
+                <a:schemeClr val="bg1"/>
+              </a:solidFill>
+            </p:spPr>
+            <p:style>
+              <a:lnRef idx="2">
+                <a:schemeClr val="dk1">
+                  <a:shade val="50000"/>
+                </a:schemeClr>
+              </a:lnRef>
+              <a:fillRef idx="1">
+                <a:schemeClr val="dk1"/>
+              </a:fillRef>
+              <a:effectRef idx="0">
+                <a:schemeClr val="dk1"/>
+              </a:effectRef>
+              <a:fontRef idx="minor">
+                <a:schemeClr val="lt1"/>
+              </a:fontRef>
+            </p:style>
+            <p:txBody>
+              <a:bodyPr rtlCol="0" anchor="ctr"/>
+              <a:lstStyle/>
+              <a:p>
+                <a:pPr algn="ctr"/>
+                <a:endParaRPr lang="en-US"/>
+              </a:p>
+            </p:txBody>
+          </p:sp>
+          <p:grpSp>
+            <p:nvGrpSpPr>
+              <p:cNvPr id="321" name="グループ化 320"/>
+              <p:cNvGrpSpPr/>
+              <p:nvPr/>
+            </p:nvGrpSpPr>
+            <p:grpSpPr>
+              <a:xfrm>
+                <a:off x="2326481" y="4849265"/>
+                <a:ext cx="2313623" cy="607934"/>
+                <a:chOff x="4071938" y="5649218"/>
+                <a:chExt cx="2313623" cy="607934"/>
+              </a:xfrm>
+            </p:grpSpPr>
+            <p:sp>
+              <p:nvSpPr>
+                <p:cNvPr id="322" name="正方形/長方形 321"/>
+                <p:cNvSpPr/>
+                <p:nvPr/>
+              </p:nvSpPr>
+              <p:spPr>
+                <a:xfrm>
+                  <a:off x="4071938" y="5664817"/>
+                  <a:ext cx="2313623" cy="584714"/>
+                </a:xfrm>
+                <a:prstGeom prst="rect">
+                  <a:avLst/>
+                </a:prstGeom>
+                <a:solidFill>
+                  <a:schemeClr val="bg1"/>
+                </a:solidFill>
+              </p:spPr>
+              <p:style>
+                <a:lnRef idx="2">
+                  <a:schemeClr val="dk1">
+                    <a:shade val="50000"/>
+                  </a:schemeClr>
+                </a:lnRef>
+                <a:fillRef idx="1">
+                  <a:schemeClr val="dk1"/>
+                </a:fillRef>
+                <a:effectRef idx="0">
+                  <a:schemeClr val="dk1"/>
+                </a:effectRef>
+                <a:fontRef idx="minor">
+                  <a:schemeClr val="lt1"/>
+                </a:fontRef>
+              </p:style>
+              <p:txBody>
+                <a:bodyPr rtlCol="0" anchor="ctr"/>
+                <a:lstStyle/>
+                <a:p>
+                  <a:pPr algn="ctr"/>
+                  <a:endParaRPr lang="en-US"/>
+                </a:p>
+              </p:txBody>
+            </p:sp>
+            <p:sp>
+              <p:nvSpPr>
+                <p:cNvPr id="323" name="正方形/長方形 322"/>
+                <p:cNvSpPr/>
+                <p:nvPr/>
+              </p:nvSpPr>
+              <p:spPr>
+                <a:xfrm>
+                  <a:off x="5258754" y="5664817"/>
+                  <a:ext cx="1126807" cy="584714"/>
+                </a:xfrm>
+                <a:prstGeom prst="rect">
+                  <a:avLst/>
+                </a:prstGeom>
+                <a:solidFill>
+                  <a:schemeClr val="bg1"/>
+                </a:solidFill>
+              </p:spPr>
+              <p:style>
+                <a:lnRef idx="2">
+                  <a:schemeClr val="dk1">
+                    <a:shade val="50000"/>
+                  </a:schemeClr>
+                </a:lnRef>
+                <a:fillRef idx="1">
+                  <a:schemeClr val="dk1"/>
+                </a:fillRef>
+                <a:effectRef idx="0">
+                  <a:schemeClr val="dk1"/>
+                </a:effectRef>
+                <a:fontRef idx="minor">
+                  <a:schemeClr val="lt1"/>
+                </a:fontRef>
+              </p:style>
+              <p:txBody>
+                <a:bodyPr rtlCol="0" anchor="ctr"/>
+                <a:lstStyle/>
+                <a:p>
+                  <a:pPr algn="ctr"/>
+                  <a:endParaRPr lang="en-US" dirty="0"/>
+                </a:p>
+              </p:txBody>
+            </p:sp>
+            <p:cxnSp>
+              <p:nvCxnSpPr>
+                <p:cNvPr id="324" name="直線コネクタ 323"/>
+                <p:cNvCxnSpPr>
+                  <a:stCxn id="323" idx="1"/>
+                  <a:endCxn id="322" idx="3"/>
+                </p:cNvCxnSpPr>
+                <p:nvPr/>
+              </p:nvCxnSpPr>
+              <p:spPr>
+                <a:xfrm>
+                  <a:off x="5258754" y="5957174"/>
+                  <a:ext cx="1126807" cy="0"/>
+                </a:xfrm>
+                <a:prstGeom prst="line">
+                  <a:avLst/>
+                </a:prstGeom>
+                <a:ln w="12700">
+                  <a:solidFill>
+                    <a:schemeClr val="tx1"/>
+                  </a:solidFill>
+                </a:ln>
+              </p:spPr>
+              <p:style>
+                <a:lnRef idx="1">
+                  <a:schemeClr val="accent1"/>
+                </a:lnRef>
+                <a:fillRef idx="0">
+                  <a:schemeClr val="accent1"/>
+                </a:fillRef>
+                <a:effectRef idx="0">
+                  <a:schemeClr val="accent1"/>
+                </a:effectRef>
+                <a:fontRef idx="minor">
+                  <a:schemeClr val="tx1"/>
+                </a:fontRef>
+              </p:style>
+            </p:cxnSp>
+            <p:sp>
+              <p:nvSpPr>
+                <p:cNvPr id="325" name="テキスト ボックス 324"/>
+                <p:cNvSpPr txBox="1"/>
+                <p:nvPr/>
+              </p:nvSpPr>
+              <p:spPr>
+                <a:xfrm>
+                  <a:off x="5421245" y="5649218"/>
+                  <a:ext cx="801823" cy="307777"/>
+                </a:xfrm>
+                <a:prstGeom prst="rect">
+                  <a:avLst/>
+                </a:prstGeom>
+                <a:noFill/>
+              </p:spPr>
+              <p:txBody>
+                <a:bodyPr wrap="none" rtlCol="0">
+                  <a:spAutoFit/>
+                </a:bodyPr>
+                <a:lstStyle/>
+                <a:p>
+                  <a:r>
+                    <a:rPr lang="en-US" sz="1400" dirty="0" smtClean="0"/>
+                    <a:t>Action-1</a:t>
+                  </a:r>
+                  <a:endParaRPr lang="en-US" sz="1400" dirty="0"/>
+                </a:p>
+              </p:txBody>
+            </p:sp>
+            <p:sp>
+              <p:nvSpPr>
+                <p:cNvPr id="326" name="テキスト ボックス 325"/>
+                <p:cNvSpPr txBox="1"/>
+                <p:nvPr/>
+              </p:nvSpPr>
+              <p:spPr>
+                <a:xfrm>
+                  <a:off x="5413625" y="5949375"/>
+                  <a:ext cx="825867" cy="307777"/>
+                </a:xfrm>
+                <a:prstGeom prst="rect">
+                  <a:avLst/>
+                </a:prstGeom>
+                <a:noFill/>
+              </p:spPr>
+              <p:txBody>
+                <a:bodyPr wrap="none" rtlCol="0">
+                  <a:spAutoFit/>
+                </a:bodyPr>
+                <a:lstStyle/>
+                <a:p>
+                  <a:r>
+                    <a:rPr lang="en-US" sz="1400" dirty="0" smtClean="0"/>
+                    <a:t>Action-N</a:t>
+                  </a:r>
+                  <a:endParaRPr lang="en-US" sz="1400" dirty="0"/>
+                </a:p>
+              </p:txBody>
+            </p:sp>
+          </p:grpSp>
+          <p:sp>
+            <p:nvSpPr>
+              <p:cNvPr id="340" name="テキスト ボックス 339"/>
+              <p:cNvSpPr txBox="1"/>
+              <p:nvPr/>
+            </p:nvSpPr>
+            <p:spPr>
+              <a:xfrm>
+                <a:off x="2521081" y="4896178"/>
+                <a:ext cx="827727" cy="523220"/>
+              </a:xfrm>
+              <a:prstGeom prst="rect">
+                <a:avLst/>
+              </a:prstGeom>
+              <a:noFill/>
+            </p:spPr>
+            <p:txBody>
+              <a:bodyPr wrap="none" rtlCol="0">
+                <a:spAutoFit/>
+              </a:bodyPr>
+              <a:lstStyle/>
+              <a:p>
+                <a:pPr algn="ctr"/>
+                <a:r>
+                  <a:rPr lang="en-US" sz="1400" dirty="0" smtClean="0"/>
+                  <a:t>Exit</a:t>
+                </a:r>
+              </a:p>
+              <a:p>
+                <a:pPr algn="ctr"/>
+                <a:r>
+                  <a:rPr lang="en-US" sz="1400" dirty="0" smtClean="0"/>
+                  <a:t>behavior</a:t>
+                </a:r>
+                <a:endParaRPr lang="en-US" sz="1400" dirty="0"/>
+              </a:p>
+            </p:txBody>
+          </p:sp>
+        </p:grpSp>
+        <p:sp>
+          <p:nvSpPr>
+            <p:cNvPr id="341" name="テキスト ボックス 340"/>
+            <p:cNvSpPr txBox="1"/>
+            <p:nvPr/>
+          </p:nvSpPr>
+          <p:spPr>
+            <a:xfrm>
+              <a:off x="2454359" y="2876280"/>
+              <a:ext cx="764376" cy="523220"/>
+            </a:xfrm>
+            <a:prstGeom prst="rect">
+              <a:avLst/>
+            </a:prstGeom>
+            <a:noFill/>
+          </p:spPr>
+          <p:txBody>
+            <a:bodyPr wrap="none" rtlCol="0">
+              <a:spAutoFit/>
+            </a:bodyPr>
+            <a:lstStyle/>
+            <a:p>
+              <a:pPr algn="ctr"/>
+              <a:r>
+                <a:rPr lang="en-US" sz="1400" dirty="0" smtClean="0"/>
+                <a:t>Startup </a:t>
+              </a:r>
+            </a:p>
+            <a:p>
+              <a:pPr algn="ctr"/>
+              <a:r>
+                <a:rPr lang="en-US" sz="1400" dirty="0" smtClean="0"/>
+                <a:t>block</a:t>
+              </a:r>
+              <a:endParaRPr lang="en-US" sz="1400" dirty="0"/>
+            </a:p>
+          </p:txBody>
+        </p:sp>
+        <p:sp>
+          <p:nvSpPr>
+            <p:cNvPr id="342" name="テキスト ボックス 341"/>
+            <p:cNvSpPr txBox="1"/>
+            <p:nvPr/>
+          </p:nvSpPr>
+          <p:spPr>
+            <a:xfrm>
+              <a:off x="2539382" y="3508437"/>
+              <a:ext cx="594330" cy="523220"/>
+            </a:xfrm>
+            <a:prstGeom prst="rect">
+              <a:avLst/>
+            </a:prstGeom>
+            <a:noFill/>
+          </p:spPr>
+          <p:txBody>
+            <a:bodyPr wrap="none" rtlCol="0">
+              <a:spAutoFit/>
+            </a:bodyPr>
+            <a:lstStyle/>
+            <a:p>
+              <a:pPr algn="ctr"/>
+              <a:r>
+                <a:rPr lang="en-US" sz="1400" dirty="0" smtClean="0"/>
+                <a:t>Cyclic</a:t>
+              </a:r>
+            </a:p>
+            <a:p>
+              <a:pPr algn="ctr"/>
+              <a:r>
+                <a:rPr lang="en-US" sz="1400" dirty="0" smtClean="0"/>
+                <a:t>block</a:t>
+              </a:r>
+              <a:endParaRPr lang="en-US" sz="1400" dirty="0"/>
+            </a:p>
+          </p:txBody>
+        </p:sp>
+        <p:sp>
+          <p:nvSpPr>
+            <p:cNvPr id="343" name="テキスト ボックス 342"/>
+            <p:cNvSpPr txBox="1"/>
+            <p:nvPr/>
+          </p:nvSpPr>
+          <p:spPr>
+            <a:xfrm>
+              <a:off x="2550250" y="4180052"/>
+              <a:ext cx="572593" cy="523220"/>
+            </a:xfrm>
+            <a:prstGeom prst="rect">
+              <a:avLst/>
+            </a:prstGeom>
+            <a:noFill/>
+          </p:spPr>
+          <p:txBody>
+            <a:bodyPr wrap="none" rtlCol="0">
+              <a:spAutoFit/>
+            </a:bodyPr>
+            <a:lstStyle/>
+            <a:p>
+              <a:pPr algn="ctr"/>
+              <a:r>
+                <a:rPr lang="en-US" sz="1400" dirty="0" smtClean="0"/>
+                <a:t>Exit</a:t>
+              </a:r>
+            </a:p>
+            <a:p>
+              <a:pPr algn="ctr"/>
+              <a:r>
+                <a:rPr lang="en-US" sz="1400" dirty="0" smtClean="0"/>
+                <a:t>block</a:t>
+              </a:r>
+              <a:endParaRPr lang="en-US" sz="1400" dirty="0"/>
+            </a:p>
+          </p:txBody>
+        </p:sp>
+        <p:sp>
+          <p:nvSpPr>
+            <p:cNvPr id="344" name="テキスト ボックス 343"/>
+            <p:cNvSpPr txBox="1"/>
+            <p:nvPr/>
+          </p:nvSpPr>
+          <p:spPr>
+            <a:xfrm>
+              <a:off x="2103532" y="2133806"/>
+              <a:ext cx="2499274" cy="738664"/>
+            </a:xfrm>
+            <a:prstGeom prst="rect">
+              <a:avLst/>
+            </a:prstGeom>
+            <a:noFill/>
+          </p:spPr>
+          <p:txBody>
+            <a:bodyPr wrap="none" rtlCol="0">
+              <a:spAutoFit/>
+            </a:bodyPr>
+            <a:lstStyle/>
+            <a:p>
+              <a:pPr algn="ctr"/>
+              <a:r>
+                <a:rPr lang="en-US" sz="1400" dirty="0" smtClean="0"/>
+                <a:t>Trigger behavior</a:t>
+              </a:r>
+            </a:p>
+            <a:p>
+              <a:r>
+                <a:rPr lang="en-US" sz="1400" dirty="0"/>
+                <a:t>Lifetime: &lt;Once, Until, Forever&gt;</a:t>
+              </a:r>
+            </a:p>
+            <a:p>
+              <a:r>
+                <a:rPr lang="en-US" sz="1400" dirty="0" smtClean="0"/>
+                <a:t>Priority: &lt;Low, Normal, High&gt;</a:t>
+              </a:r>
+              <a:endParaRPr lang="en-US" sz="1400" dirty="0"/>
+            </a:p>
+          </p:txBody>
+        </p:sp>
+      </p:grpSp>
     </p:spTree>
     <p:extLst>
       <p:ext uri="{BB962C8B-B14F-4D97-AF65-F5344CB8AC3E}">
         <p14:creationId xmlns:p14="http://schemas.microsoft.com/office/powerpoint/2010/main" val="4228795550"/>
+      </p:ext>
+    </p:extLst>
+  </p:cSld>
+  <p:clrMapOvr>
+    <a:masterClrMapping/>
+  </p:clrMapOvr>
+</p:sld>
+</file>
+
+<file path=ppt/slides/slide4.xml><?xml version="1.0" encoding="utf-8"?>
+<p:sld xmlns:a="http://schemas.openxmlformats.org/drawingml/2006/main" xmlns:r="http://schemas.openxmlformats.org/officeDocument/2006/relationships" xmlns:p="http://schemas.openxmlformats.org/presentationml/2006/main">
+  <p:cSld>
+    <p:spTree>
+      <p:nvGrpSpPr>
+        <p:cNvPr id="1" name=""/>
+        <p:cNvGrpSpPr/>
+        <p:nvPr/>
+      </p:nvGrpSpPr>
+      <p:grpSpPr>
+        <a:xfrm>
+          <a:off x="0" y="0"/>
+          <a:ext cx="0" cy="0"/>
+          <a:chOff x="0" y="0"/>
+          <a:chExt cx="0" cy="0"/>
+        </a:xfrm>
+      </p:grpSpPr>
+      <p:grpSp>
+        <p:nvGrpSpPr>
+          <p:cNvPr id="99" name="グループ化 98"/>
+          <p:cNvGrpSpPr/>
+          <p:nvPr/>
+        </p:nvGrpSpPr>
+        <p:grpSpPr>
+          <a:xfrm>
+            <a:off x="4015740" y="983954"/>
+            <a:ext cx="4762500" cy="731195"/>
+            <a:chOff x="4015740" y="983954"/>
+            <a:chExt cx="4762500" cy="731195"/>
+          </a:xfrm>
+        </p:grpSpPr>
+        <p:sp>
+          <p:nvSpPr>
+            <p:cNvPr id="6" name="正方形/長方形 5"/>
+            <p:cNvSpPr/>
+            <p:nvPr/>
+          </p:nvSpPr>
+          <p:spPr>
+            <a:xfrm>
+              <a:off x="4015740" y="989894"/>
+              <a:ext cx="996332" cy="724605"/>
+            </a:xfrm>
+            <a:prstGeom prst="rect">
+              <a:avLst/>
+            </a:prstGeom>
+            <a:solidFill>
+              <a:schemeClr val="bg1"/>
+            </a:solidFill>
+          </p:spPr>
+          <p:style>
+            <a:lnRef idx="2">
+              <a:schemeClr val="dk1">
+                <a:shade val="50000"/>
+              </a:schemeClr>
+            </a:lnRef>
+            <a:fillRef idx="1">
+              <a:schemeClr val="dk1"/>
+            </a:fillRef>
+            <a:effectRef idx="0">
+              <a:schemeClr val="dk1"/>
+            </a:effectRef>
+            <a:fontRef idx="minor">
+              <a:schemeClr val="lt1"/>
+            </a:fontRef>
+          </p:style>
+          <p:txBody>
+            <a:bodyPr rtlCol="0" anchor="ctr"/>
+            <a:lstStyle/>
+            <a:p>
+              <a:pPr algn="ctr"/>
+              <a:r>
+                <a:rPr lang="en-US" sz="1400" dirty="0" smtClean="0">
+                  <a:solidFill>
+                    <a:schemeClr val="tx1"/>
+                  </a:solidFill>
+                </a:rPr>
+                <a:t>Behavior</a:t>
+              </a:r>
+            </a:p>
+            <a:p>
+              <a:pPr algn="ctr"/>
+              <a:r>
+                <a:rPr lang="en-US" sz="1400" dirty="0" smtClean="0">
+                  <a:solidFill>
+                    <a:schemeClr val="tx1"/>
+                  </a:solidFill>
+                </a:rPr>
+                <a:t>Execution</a:t>
+              </a:r>
+            </a:p>
+            <a:p>
+              <a:pPr algn="ctr"/>
+              <a:r>
+                <a:rPr lang="en-US" sz="1400" dirty="0" smtClean="0">
+                  <a:solidFill>
+                    <a:schemeClr val="tx1"/>
+                  </a:solidFill>
+                </a:rPr>
+                <a:t>Engine</a:t>
+              </a:r>
+              <a:endParaRPr lang="en-US" sz="1400" dirty="0">
+                <a:solidFill>
+                  <a:schemeClr val="tx1"/>
+                </a:solidFill>
+              </a:endParaRPr>
+            </a:p>
+          </p:txBody>
+        </p:sp>
+        <p:cxnSp>
+          <p:nvCxnSpPr>
+            <p:cNvPr id="60" name="直線矢印コネクタ 59"/>
+            <p:cNvCxnSpPr>
+              <a:stCxn id="6" idx="3"/>
+              <a:endCxn id="90" idx="1"/>
+            </p:cNvCxnSpPr>
+            <p:nvPr/>
+          </p:nvCxnSpPr>
+          <p:spPr>
+            <a:xfrm flipV="1">
+              <a:off x="5012072" y="1346257"/>
+              <a:ext cx="247302" cy="5940"/>
+            </a:xfrm>
+            <a:prstGeom prst="straightConnector1">
+              <a:avLst/>
+            </a:prstGeom>
+            <a:ln w="12700">
+              <a:solidFill>
+                <a:schemeClr val="tx1"/>
+              </a:solidFill>
+              <a:tailEnd type="triangle"/>
+            </a:ln>
+          </p:spPr>
+          <p:style>
+            <a:lnRef idx="1">
+              <a:schemeClr val="accent1"/>
+            </a:lnRef>
+            <a:fillRef idx="0">
+              <a:schemeClr val="accent1"/>
+            </a:fillRef>
+            <a:effectRef idx="0">
+              <a:schemeClr val="accent1"/>
+            </a:effectRef>
+            <a:fontRef idx="minor">
+              <a:schemeClr val="tx1"/>
+            </a:fontRef>
+          </p:style>
+        </p:cxnSp>
+        <p:cxnSp>
+          <p:nvCxnSpPr>
+            <p:cNvPr id="61" name="直線矢印コネクタ 60"/>
+            <p:cNvCxnSpPr>
+              <a:stCxn id="90" idx="3"/>
+              <a:endCxn id="91" idx="1"/>
+            </p:cNvCxnSpPr>
+            <p:nvPr/>
+          </p:nvCxnSpPr>
+          <p:spPr>
+            <a:xfrm>
+              <a:off x="6255706" y="1346257"/>
+              <a:ext cx="228621" cy="6590"/>
+            </a:xfrm>
+            <a:prstGeom prst="straightConnector1">
+              <a:avLst/>
+            </a:prstGeom>
+            <a:ln w="12700">
+              <a:solidFill>
+                <a:schemeClr val="tx1"/>
+              </a:solidFill>
+              <a:tailEnd type="triangle"/>
+            </a:ln>
+          </p:spPr>
+          <p:style>
+            <a:lnRef idx="1">
+              <a:schemeClr val="accent1"/>
+            </a:lnRef>
+            <a:fillRef idx="0">
+              <a:schemeClr val="accent1"/>
+            </a:fillRef>
+            <a:effectRef idx="0">
+              <a:schemeClr val="accent1"/>
+            </a:effectRef>
+            <a:fontRef idx="minor">
+              <a:schemeClr val="tx1"/>
+            </a:fontRef>
+          </p:style>
+        </p:cxnSp>
+        <p:cxnSp>
+          <p:nvCxnSpPr>
+            <p:cNvPr id="64" name="直線矢印コネクタ 63"/>
+            <p:cNvCxnSpPr>
+              <a:stCxn id="91" idx="3"/>
+              <a:endCxn id="92" idx="1"/>
+            </p:cNvCxnSpPr>
+            <p:nvPr/>
+          </p:nvCxnSpPr>
+          <p:spPr>
+            <a:xfrm flipV="1">
+              <a:off x="7480659" y="1352846"/>
+              <a:ext cx="266721" cy="1"/>
+            </a:xfrm>
+            <a:prstGeom prst="straightConnector1">
+              <a:avLst/>
+            </a:prstGeom>
+            <a:ln w="12700">
+              <a:solidFill>
+                <a:schemeClr val="tx1"/>
+              </a:solidFill>
+              <a:tailEnd type="triangle"/>
+            </a:ln>
+          </p:spPr>
+          <p:style>
+            <a:lnRef idx="1">
+              <a:schemeClr val="accent1"/>
+            </a:lnRef>
+            <a:fillRef idx="0">
+              <a:schemeClr val="accent1"/>
+            </a:fillRef>
+            <a:effectRef idx="0">
+              <a:schemeClr val="accent1"/>
+            </a:effectRef>
+            <a:fontRef idx="minor">
+              <a:schemeClr val="tx1"/>
+            </a:fontRef>
+          </p:style>
+        </p:cxnSp>
+        <p:sp>
+          <p:nvSpPr>
+            <p:cNvPr id="90" name="正方形/長方形 89"/>
+            <p:cNvSpPr/>
+            <p:nvPr/>
+          </p:nvSpPr>
+          <p:spPr>
+            <a:xfrm>
+              <a:off x="5259374" y="983954"/>
+              <a:ext cx="996332" cy="724605"/>
+            </a:xfrm>
+            <a:prstGeom prst="rect">
+              <a:avLst/>
+            </a:prstGeom>
+            <a:solidFill>
+              <a:schemeClr val="bg1"/>
+            </a:solidFill>
+          </p:spPr>
+          <p:style>
+            <a:lnRef idx="2">
+              <a:schemeClr val="dk1">
+                <a:shade val="50000"/>
+              </a:schemeClr>
+            </a:lnRef>
+            <a:fillRef idx="1">
+              <a:schemeClr val="dk1"/>
+            </a:fillRef>
+            <a:effectRef idx="0">
+              <a:schemeClr val="dk1"/>
+            </a:effectRef>
+            <a:fontRef idx="minor">
+              <a:schemeClr val="lt1"/>
+            </a:fontRef>
+          </p:style>
+          <p:txBody>
+            <a:bodyPr rtlCol="0" anchor="ctr"/>
+            <a:lstStyle/>
+            <a:p>
+              <a:pPr algn="ctr"/>
+              <a:r>
+                <a:rPr lang="en-US" sz="1400" dirty="0" smtClean="0">
+                  <a:solidFill>
+                    <a:schemeClr val="tx1"/>
+                  </a:solidFill>
+                </a:rPr>
+                <a:t>Behavior</a:t>
+              </a:r>
+            </a:p>
+            <a:p>
+              <a:pPr algn="ctr"/>
+              <a:r>
+                <a:rPr lang="en-US" sz="1400" dirty="0" smtClean="0">
+                  <a:solidFill>
+                    <a:schemeClr val="tx1"/>
+                  </a:solidFill>
+                </a:rPr>
+                <a:t>Program</a:t>
+              </a:r>
+              <a:endParaRPr lang="en-US" sz="1400" dirty="0">
+                <a:solidFill>
+                  <a:schemeClr val="tx1"/>
+                </a:solidFill>
+              </a:endParaRPr>
+            </a:p>
+          </p:txBody>
+        </p:sp>
+        <p:sp>
+          <p:nvSpPr>
+            <p:cNvPr id="91" name="正方形/長方形 90"/>
+            <p:cNvSpPr/>
+            <p:nvPr/>
+          </p:nvSpPr>
+          <p:spPr>
+            <a:xfrm>
+              <a:off x="6484327" y="990544"/>
+              <a:ext cx="996332" cy="724605"/>
+            </a:xfrm>
+            <a:prstGeom prst="rect">
+              <a:avLst/>
+            </a:prstGeom>
+            <a:solidFill>
+              <a:schemeClr val="bg1"/>
+            </a:solidFill>
+          </p:spPr>
+          <p:style>
+            <a:lnRef idx="2">
+              <a:schemeClr val="dk1">
+                <a:shade val="50000"/>
+              </a:schemeClr>
+            </a:lnRef>
+            <a:fillRef idx="1">
+              <a:schemeClr val="dk1"/>
+            </a:fillRef>
+            <a:effectRef idx="0">
+              <a:schemeClr val="dk1"/>
+            </a:effectRef>
+            <a:fontRef idx="minor">
+              <a:schemeClr val="lt1"/>
+            </a:fontRef>
+          </p:style>
+          <p:txBody>
+            <a:bodyPr rtlCol="0" anchor="ctr"/>
+            <a:lstStyle/>
+            <a:p>
+              <a:pPr algn="ctr"/>
+              <a:r>
+                <a:rPr lang="en-US" sz="1400" dirty="0" smtClean="0">
+                  <a:solidFill>
+                    <a:schemeClr val="tx1"/>
+                  </a:solidFill>
+                </a:rPr>
+                <a:t>Behavior Execution Context</a:t>
+              </a:r>
+              <a:endParaRPr lang="en-US" sz="1400" dirty="0">
+                <a:solidFill>
+                  <a:schemeClr val="tx1"/>
+                </a:solidFill>
+              </a:endParaRPr>
+            </a:p>
+          </p:txBody>
+        </p:sp>
+        <p:sp>
+          <p:nvSpPr>
+            <p:cNvPr id="92" name="正方形/長方形 91"/>
+            <p:cNvSpPr/>
+            <p:nvPr/>
+          </p:nvSpPr>
+          <p:spPr>
+            <a:xfrm>
+              <a:off x="7747380" y="990543"/>
+              <a:ext cx="1030860" cy="724605"/>
+            </a:xfrm>
+            <a:prstGeom prst="rect">
+              <a:avLst/>
+            </a:prstGeom>
+            <a:solidFill>
+              <a:schemeClr val="bg1"/>
+            </a:solidFill>
+          </p:spPr>
+          <p:style>
+            <a:lnRef idx="2">
+              <a:schemeClr val="dk1">
+                <a:shade val="50000"/>
+              </a:schemeClr>
+            </a:lnRef>
+            <a:fillRef idx="1">
+              <a:schemeClr val="dk1"/>
+            </a:fillRef>
+            <a:effectRef idx="0">
+              <a:schemeClr val="dk1"/>
+            </a:effectRef>
+            <a:fontRef idx="minor">
+              <a:schemeClr val="lt1"/>
+            </a:fontRef>
+          </p:style>
+          <p:txBody>
+            <a:bodyPr rtlCol="0" anchor="ctr"/>
+            <a:lstStyle/>
+            <a:p>
+              <a:pPr algn="ctr"/>
+              <a:r>
+                <a:rPr lang="en-US" sz="1400" dirty="0" smtClean="0">
+                  <a:solidFill>
+                    <a:schemeClr val="tx1"/>
+                  </a:solidFill>
+                </a:rPr>
+                <a:t>Application Context</a:t>
+              </a:r>
+              <a:endParaRPr lang="en-US" sz="1400" dirty="0">
+                <a:solidFill>
+                  <a:schemeClr val="tx1"/>
+                </a:solidFill>
+              </a:endParaRPr>
+            </a:p>
+          </p:txBody>
+        </p:sp>
+      </p:grpSp>
+      <p:grpSp>
+        <p:nvGrpSpPr>
+          <p:cNvPr id="146" name="グループ化 145"/>
+          <p:cNvGrpSpPr/>
+          <p:nvPr/>
+        </p:nvGrpSpPr>
+        <p:grpSpPr>
+          <a:xfrm>
+            <a:off x="2750820" y="2414834"/>
+            <a:ext cx="5440680" cy="1633927"/>
+            <a:chOff x="2750820" y="2414834"/>
+            <a:chExt cx="5440680" cy="1633927"/>
+          </a:xfrm>
+        </p:grpSpPr>
+        <p:grpSp>
+          <p:nvGrpSpPr>
+            <p:cNvPr id="100" name="グループ化 99"/>
+            <p:cNvGrpSpPr/>
+            <p:nvPr/>
+          </p:nvGrpSpPr>
+          <p:grpSpPr>
+            <a:xfrm>
+              <a:off x="4015740" y="2414834"/>
+              <a:ext cx="4175760" cy="725255"/>
+              <a:chOff x="4015740" y="989894"/>
+              <a:chExt cx="4175760" cy="725255"/>
+            </a:xfrm>
+          </p:grpSpPr>
+          <p:sp>
+            <p:nvSpPr>
+              <p:cNvPr id="101" name="正方形/長方形 100"/>
+              <p:cNvSpPr/>
+              <p:nvPr/>
+            </p:nvSpPr>
+            <p:spPr>
+              <a:xfrm>
+                <a:off x="4015740" y="989894"/>
+                <a:ext cx="996332" cy="724605"/>
+              </a:xfrm>
+              <a:prstGeom prst="rect">
+                <a:avLst/>
+              </a:prstGeom>
+              <a:solidFill>
+                <a:schemeClr val="bg1"/>
+              </a:solidFill>
+            </p:spPr>
+            <p:style>
+              <a:lnRef idx="2">
+                <a:schemeClr val="dk1">
+                  <a:shade val="50000"/>
+                </a:schemeClr>
+              </a:lnRef>
+              <a:fillRef idx="1">
+                <a:schemeClr val="dk1"/>
+              </a:fillRef>
+              <a:effectRef idx="0">
+                <a:schemeClr val="dk1"/>
+              </a:effectRef>
+              <a:fontRef idx="minor">
+                <a:schemeClr val="lt1"/>
+              </a:fontRef>
+            </p:style>
+            <p:txBody>
+              <a:bodyPr rtlCol="0" anchor="ctr"/>
+              <a:lstStyle/>
+              <a:p>
+                <a:pPr algn="ctr"/>
+                <a:r>
+                  <a:rPr lang="en-US" sz="1400" dirty="0" smtClean="0">
+                    <a:solidFill>
+                      <a:schemeClr val="tx1"/>
+                    </a:solidFill>
+                  </a:rPr>
+                  <a:t>Visual Gesture Builder</a:t>
+                </a:r>
+                <a:endParaRPr lang="en-US" sz="1400" dirty="0">
+                  <a:solidFill>
+                    <a:schemeClr val="tx1"/>
+                  </a:solidFill>
+                </a:endParaRPr>
+              </a:p>
+            </p:txBody>
+          </p:sp>
+          <p:cxnSp>
+            <p:nvCxnSpPr>
+              <p:cNvPr id="102" name="直線矢印コネクタ 101"/>
+              <p:cNvCxnSpPr>
+                <a:stCxn id="101" idx="3"/>
+                <a:endCxn id="108" idx="2"/>
+              </p:cNvCxnSpPr>
+              <p:nvPr/>
+            </p:nvCxnSpPr>
+            <p:spPr>
+              <a:xfrm>
+                <a:off x="5012072" y="1352197"/>
+                <a:ext cx="321592" cy="10268"/>
+              </a:xfrm>
+              <a:prstGeom prst="straightConnector1">
+                <a:avLst/>
+              </a:prstGeom>
+              <a:ln w="12700">
+                <a:solidFill>
+                  <a:schemeClr val="tx1"/>
+                </a:solidFill>
+                <a:tailEnd type="triangle"/>
+              </a:ln>
+            </p:spPr>
+            <p:style>
+              <a:lnRef idx="1">
+                <a:schemeClr val="accent1"/>
+              </a:lnRef>
+              <a:fillRef idx="0">
+                <a:schemeClr val="accent1"/>
+              </a:fillRef>
+              <a:effectRef idx="0">
+                <a:schemeClr val="accent1"/>
+              </a:effectRef>
+              <a:fontRef idx="minor">
+                <a:schemeClr val="tx1"/>
+              </a:fontRef>
+            </p:style>
+          </p:cxnSp>
+          <p:cxnSp>
+            <p:nvCxnSpPr>
+              <p:cNvPr id="103" name="直線矢印コネクタ 102"/>
+              <p:cNvCxnSpPr>
+                <a:stCxn id="108" idx="4"/>
+                <a:endCxn id="106" idx="1"/>
+              </p:cNvCxnSpPr>
+              <p:nvPr/>
+            </p:nvCxnSpPr>
+            <p:spPr>
+              <a:xfrm flipV="1">
+                <a:off x="6233160" y="1352847"/>
+                <a:ext cx="464527" cy="9618"/>
+              </a:xfrm>
+              <a:prstGeom prst="straightConnector1">
+                <a:avLst/>
+              </a:prstGeom>
+              <a:ln w="12700">
+                <a:solidFill>
+                  <a:schemeClr val="tx1"/>
+                </a:solidFill>
+                <a:prstDash val="sysDot"/>
+                <a:tailEnd type="triangle"/>
+              </a:ln>
+            </p:spPr>
+            <p:style>
+              <a:lnRef idx="1">
+                <a:schemeClr val="accent1"/>
+              </a:lnRef>
+              <a:fillRef idx="0">
+                <a:schemeClr val="accent1"/>
+              </a:fillRef>
+              <a:effectRef idx="0">
+                <a:schemeClr val="accent1"/>
+              </a:effectRef>
+              <a:fontRef idx="minor">
+                <a:schemeClr val="tx1"/>
+              </a:fontRef>
+            </p:style>
+          </p:cxnSp>
+          <p:sp>
+            <p:nvSpPr>
+              <p:cNvPr id="106" name="正方形/長方形 105"/>
+              <p:cNvSpPr/>
+              <p:nvPr/>
+            </p:nvSpPr>
+            <p:spPr>
+              <a:xfrm>
+                <a:off x="6697687" y="990544"/>
+                <a:ext cx="467381" cy="724605"/>
+              </a:xfrm>
+              <a:prstGeom prst="rect">
+                <a:avLst/>
+              </a:prstGeom>
+              <a:solidFill>
+                <a:schemeClr val="bg1"/>
+              </a:solidFill>
+            </p:spPr>
+            <p:style>
+              <a:lnRef idx="2">
+                <a:schemeClr val="dk1">
+                  <a:shade val="50000"/>
+                </a:schemeClr>
+              </a:lnRef>
+              <a:fillRef idx="1">
+                <a:schemeClr val="dk1"/>
+              </a:fillRef>
+              <a:effectRef idx="0">
+                <a:schemeClr val="dk1"/>
+              </a:effectRef>
+              <a:fontRef idx="minor">
+                <a:schemeClr val="lt1"/>
+              </a:fontRef>
+            </p:style>
+            <p:txBody>
+              <a:bodyPr vert="vert270" rtlCol="0" anchor="ctr"/>
+              <a:lstStyle/>
+              <a:p>
+                <a:pPr algn="ctr"/>
+                <a:r>
+                  <a:rPr lang="en-US" sz="1400" dirty="0" smtClean="0">
+                    <a:solidFill>
+                      <a:schemeClr val="tx1"/>
+                    </a:solidFill>
+                  </a:rPr>
+                  <a:t>Gesture Runtime</a:t>
+                </a:r>
+                <a:endParaRPr lang="en-US" sz="1400" dirty="0">
+                  <a:solidFill>
+                    <a:schemeClr val="tx1"/>
+                  </a:solidFill>
+                </a:endParaRPr>
+              </a:p>
+            </p:txBody>
+          </p:sp>
+          <p:sp>
+            <p:nvSpPr>
+              <p:cNvPr id="107" name="正方形/長方形 106"/>
+              <p:cNvSpPr/>
+              <p:nvPr/>
+            </p:nvSpPr>
+            <p:spPr>
+              <a:xfrm>
+                <a:off x="7160640" y="990543"/>
+                <a:ext cx="1030860" cy="724605"/>
+              </a:xfrm>
+              <a:prstGeom prst="rect">
+                <a:avLst/>
+              </a:prstGeom>
+              <a:solidFill>
+                <a:schemeClr val="bg1"/>
+              </a:solidFill>
+            </p:spPr>
+            <p:style>
+              <a:lnRef idx="2">
+                <a:schemeClr val="dk1">
+                  <a:shade val="50000"/>
+                </a:schemeClr>
+              </a:lnRef>
+              <a:fillRef idx="1">
+                <a:schemeClr val="dk1"/>
+              </a:fillRef>
+              <a:effectRef idx="0">
+                <a:schemeClr val="dk1"/>
+              </a:effectRef>
+              <a:fontRef idx="minor">
+                <a:schemeClr val="lt1"/>
+              </a:fontRef>
+            </p:style>
+            <p:txBody>
+              <a:bodyPr rtlCol="0" anchor="ctr"/>
+              <a:lstStyle/>
+              <a:p>
+                <a:pPr algn="ctr"/>
+                <a:r>
+                  <a:rPr lang="en-US" sz="1400" dirty="0" smtClean="0">
+                    <a:solidFill>
+                      <a:schemeClr val="tx1"/>
+                    </a:solidFill>
+                  </a:rPr>
+                  <a:t>Application</a:t>
+                </a:r>
+                <a:endParaRPr lang="en-US" sz="1400" dirty="0">
+                  <a:solidFill>
+                    <a:schemeClr val="tx1"/>
+                  </a:solidFill>
+                </a:endParaRPr>
+              </a:p>
+            </p:txBody>
+          </p:sp>
+        </p:grpSp>
+        <p:sp>
+          <p:nvSpPr>
+            <p:cNvPr id="108" name="円柱 107"/>
+            <p:cNvSpPr/>
+            <p:nvPr/>
+          </p:nvSpPr>
+          <p:spPr>
+            <a:xfrm>
+              <a:off x="5333664" y="2488711"/>
+              <a:ext cx="899496" cy="597387"/>
+            </a:xfrm>
+            <a:prstGeom prst="can">
+              <a:avLst/>
+            </a:prstGeom>
+            <a:noFill/>
+          </p:spPr>
+          <p:style>
+            <a:lnRef idx="2">
+              <a:schemeClr val="dk1">
+                <a:shade val="50000"/>
+              </a:schemeClr>
+            </a:lnRef>
+            <a:fillRef idx="1">
+              <a:schemeClr val="dk1"/>
+            </a:fillRef>
+            <a:effectRef idx="0">
+              <a:schemeClr val="dk1"/>
+            </a:effectRef>
+            <a:fontRef idx="minor">
+              <a:schemeClr val="lt1"/>
+            </a:fontRef>
+          </p:style>
+          <p:txBody>
+            <a:bodyPr rtlCol="0" anchor="ctr"/>
+            <a:lstStyle/>
+            <a:p>
+              <a:pPr algn="ctr"/>
+              <a:r>
+                <a:rPr lang="en-US" sz="1400" dirty="0" smtClean="0">
+                  <a:solidFill>
+                    <a:schemeClr val="tx1"/>
+                  </a:solidFill>
+                </a:rPr>
+                <a:t>Gesture</a:t>
+              </a:r>
+            </a:p>
+            <a:p>
+              <a:pPr algn="ctr"/>
+              <a:r>
+                <a:rPr lang="en-US" sz="1400" dirty="0" smtClean="0">
+                  <a:solidFill>
+                    <a:schemeClr val="tx1"/>
+                  </a:solidFill>
+                </a:rPr>
+                <a:t>Database</a:t>
+              </a:r>
+              <a:endParaRPr lang="en-US" sz="1400" dirty="0">
+                <a:solidFill>
+                  <a:schemeClr val="tx1"/>
+                </a:solidFill>
+              </a:endParaRPr>
+            </a:p>
+          </p:txBody>
+        </p:sp>
+        <p:sp>
+          <p:nvSpPr>
+            <p:cNvPr id="124" name="正方形/長方形 123"/>
+            <p:cNvSpPr/>
+            <p:nvPr/>
+          </p:nvSpPr>
+          <p:spPr>
+            <a:xfrm>
+              <a:off x="4015740" y="3324156"/>
+              <a:ext cx="996332" cy="724605"/>
+            </a:xfrm>
+            <a:prstGeom prst="rect">
+              <a:avLst/>
+            </a:prstGeom>
+            <a:solidFill>
+              <a:schemeClr val="bg1"/>
+            </a:solidFill>
+          </p:spPr>
+          <p:style>
+            <a:lnRef idx="2">
+              <a:schemeClr val="dk1">
+                <a:shade val="50000"/>
+              </a:schemeClr>
+            </a:lnRef>
+            <a:fillRef idx="1">
+              <a:schemeClr val="dk1"/>
+            </a:fillRef>
+            <a:effectRef idx="0">
+              <a:schemeClr val="dk1"/>
+            </a:effectRef>
+            <a:fontRef idx="minor">
+              <a:schemeClr val="lt1"/>
+            </a:fontRef>
+          </p:style>
+          <p:txBody>
+            <a:bodyPr rtlCol="0" anchor="ctr"/>
+            <a:lstStyle/>
+            <a:p>
+              <a:pPr algn="ctr"/>
+              <a:r>
+                <a:rPr lang="en-US" sz="1400" dirty="0" smtClean="0">
+                  <a:solidFill>
+                    <a:schemeClr val="tx1"/>
+                  </a:solidFill>
+                </a:rPr>
+                <a:t>Recorded Clips</a:t>
+              </a:r>
+            </a:p>
+          </p:txBody>
+        </p:sp>
+        <p:sp>
+          <p:nvSpPr>
+            <p:cNvPr id="125" name="正方形/長方形 124"/>
+            <p:cNvSpPr/>
+            <p:nvPr/>
+          </p:nvSpPr>
+          <p:spPr>
+            <a:xfrm>
+              <a:off x="2750820" y="3324155"/>
+              <a:ext cx="996332" cy="724605"/>
+            </a:xfrm>
+            <a:prstGeom prst="rect">
+              <a:avLst/>
+            </a:prstGeom>
+            <a:solidFill>
+              <a:schemeClr val="bg1"/>
+            </a:solidFill>
+          </p:spPr>
+          <p:style>
+            <a:lnRef idx="2">
+              <a:schemeClr val="dk1">
+                <a:shade val="50000"/>
+              </a:schemeClr>
+            </a:lnRef>
+            <a:fillRef idx="1">
+              <a:schemeClr val="dk1"/>
+            </a:fillRef>
+            <a:effectRef idx="0">
+              <a:schemeClr val="dk1"/>
+            </a:effectRef>
+            <a:fontRef idx="minor">
+              <a:schemeClr val="lt1"/>
+            </a:fontRef>
+          </p:style>
+          <p:txBody>
+            <a:bodyPr rtlCol="0" anchor="ctr"/>
+            <a:lstStyle/>
+            <a:p>
+              <a:pPr algn="ctr"/>
+              <a:r>
+                <a:rPr lang="en-US" sz="1400" dirty="0" smtClean="0">
+                  <a:solidFill>
+                    <a:schemeClr val="tx1"/>
+                  </a:solidFill>
+                </a:rPr>
+                <a:t>Kinect Studio</a:t>
+              </a:r>
+              <a:endParaRPr lang="en-US" sz="1400" dirty="0">
+                <a:solidFill>
+                  <a:schemeClr val="tx1"/>
+                </a:solidFill>
+              </a:endParaRPr>
+            </a:p>
+          </p:txBody>
+        </p:sp>
+        <p:pic>
+          <p:nvPicPr>
+            <p:cNvPr id="130" name="図 129"/>
+            <p:cNvPicPr>
+              <a:picLocks noChangeAspect="1"/>
+            </p:cNvPicPr>
+            <p:nvPr/>
+          </p:nvPicPr>
+          <p:blipFill rotWithShape="1">
+            <a:blip r:embed="rId2" cstate="print">
+              <a:extLst>
+                <a:ext uri="{28A0092B-C50C-407E-A947-70E740481C1C}">
+                  <a14:useLocalDpi xmlns:a14="http://schemas.microsoft.com/office/drawing/2010/main" val="0"/>
+                </a:ext>
+              </a:extLst>
+            </a:blip>
+            <a:srcRect l="25441" r="28059"/>
+            <a:stretch/>
+          </p:blipFill>
+          <p:spPr>
+            <a:xfrm>
+              <a:off x="3009900" y="2420618"/>
+              <a:ext cx="472440" cy="711200"/>
+            </a:xfrm>
+            <a:prstGeom prst="rect">
+              <a:avLst/>
+            </a:prstGeom>
+            <a:solidFill>
+              <a:schemeClr val="tx1"/>
+            </a:solidFill>
+            <a:ln>
+              <a:solidFill>
+                <a:schemeClr val="tx1"/>
+              </a:solidFill>
+            </a:ln>
+            <a:effectLst/>
+          </p:spPr>
+        </p:pic>
+        <p:cxnSp>
+          <p:nvCxnSpPr>
+            <p:cNvPr id="126" name="直線矢印コネクタ 125"/>
+            <p:cNvCxnSpPr>
+              <a:stCxn id="130" idx="3"/>
+              <a:endCxn id="101" idx="1"/>
+            </p:cNvCxnSpPr>
+            <p:nvPr/>
+          </p:nvCxnSpPr>
+          <p:spPr>
+            <a:xfrm>
+              <a:off x="3482340" y="2776218"/>
+              <a:ext cx="533400" cy="919"/>
+            </a:xfrm>
+            <a:prstGeom prst="straightConnector1">
+              <a:avLst/>
+            </a:prstGeom>
+            <a:ln w="12700">
+              <a:solidFill>
+                <a:schemeClr val="tx1"/>
+              </a:solidFill>
+              <a:tailEnd type="triangle"/>
+            </a:ln>
+          </p:spPr>
+          <p:style>
+            <a:lnRef idx="1">
+              <a:schemeClr val="accent1"/>
+            </a:lnRef>
+            <a:fillRef idx="0">
+              <a:schemeClr val="accent1"/>
+            </a:fillRef>
+            <a:effectRef idx="0">
+              <a:schemeClr val="accent1"/>
+            </a:effectRef>
+            <a:fontRef idx="minor">
+              <a:schemeClr val="tx1"/>
+            </a:fontRef>
+          </p:style>
+        </p:cxnSp>
+        <p:cxnSp>
+          <p:nvCxnSpPr>
+            <p:cNvPr id="131" name="直線矢印コネクタ 130"/>
+            <p:cNvCxnSpPr>
+              <a:stCxn id="130" idx="2"/>
+              <a:endCxn id="125" idx="0"/>
+            </p:cNvCxnSpPr>
+            <p:nvPr/>
+          </p:nvCxnSpPr>
+          <p:spPr>
+            <a:xfrm>
+              <a:off x="3246120" y="3131818"/>
+              <a:ext cx="2866" cy="192337"/>
+            </a:xfrm>
+            <a:prstGeom prst="straightConnector1">
+              <a:avLst/>
+            </a:prstGeom>
+            <a:ln w="12700">
+              <a:solidFill>
+                <a:schemeClr val="tx1"/>
+              </a:solidFill>
+              <a:tailEnd type="triangle"/>
+            </a:ln>
+          </p:spPr>
+          <p:style>
+            <a:lnRef idx="1">
+              <a:schemeClr val="accent1"/>
+            </a:lnRef>
+            <a:fillRef idx="0">
+              <a:schemeClr val="accent1"/>
+            </a:fillRef>
+            <a:effectRef idx="0">
+              <a:schemeClr val="accent1"/>
+            </a:effectRef>
+            <a:fontRef idx="minor">
+              <a:schemeClr val="tx1"/>
+            </a:fontRef>
+          </p:style>
+        </p:cxnSp>
+        <p:cxnSp>
+          <p:nvCxnSpPr>
+            <p:cNvPr id="137" name="直線矢印コネクタ 136"/>
+            <p:cNvCxnSpPr>
+              <a:stCxn id="125" idx="3"/>
+              <a:endCxn id="124" idx="1"/>
+            </p:cNvCxnSpPr>
+            <p:nvPr/>
+          </p:nvCxnSpPr>
+          <p:spPr>
+            <a:xfrm>
+              <a:off x="3747152" y="3686458"/>
+              <a:ext cx="268588" cy="1"/>
+            </a:xfrm>
+            <a:prstGeom prst="straightConnector1">
+              <a:avLst/>
+            </a:prstGeom>
+            <a:ln w="12700">
+              <a:solidFill>
+                <a:schemeClr val="tx1"/>
+              </a:solidFill>
+              <a:prstDash val="sysDot"/>
+              <a:tailEnd type="triangle"/>
+            </a:ln>
+          </p:spPr>
+          <p:style>
+            <a:lnRef idx="1">
+              <a:schemeClr val="accent1"/>
+            </a:lnRef>
+            <a:fillRef idx="0">
+              <a:schemeClr val="accent1"/>
+            </a:fillRef>
+            <a:effectRef idx="0">
+              <a:schemeClr val="accent1"/>
+            </a:effectRef>
+            <a:fontRef idx="minor">
+              <a:schemeClr val="tx1"/>
+            </a:fontRef>
+          </p:style>
+        </p:cxnSp>
+        <p:cxnSp>
+          <p:nvCxnSpPr>
+            <p:cNvPr id="143" name="直線矢印コネクタ 142"/>
+            <p:cNvCxnSpPr>
+              <a:stCxn id="124" idx="0"/>
+              <a:endCxn id="101" idx="2"/>
+            </p:cNvCxnSpPr>
+            <p:nvPr/>
+          </p:nvCxnSpPr>
+          <p:spPr>
+            <a:xfrm flipV="1">
+              <a:off x="4513906" y="3139439"/>
+              <a:ext cx="0" cy="184717"/>
+            </a:xfrm>
+            <a:prstGeom prst="straightConnector1">
+              <a:avLst/>
+            </a:prstGeom>
+            <a:ln w="12700">
+              <a:solidFill>
+                <a:schemeClr val="tx1"/>
+              </a:solidFill>
+              <a:tailEnd type="triangle"/>
+            </a:ln>
+          </p:spPr>
+          <p:style>
+            <a:lnRef idx="1">
+              <a:schemeClr val="accent1"/>
+            </a:lnRef>
+            <a:fillRef idx="0">
+              <a:schemeClr val="accent1"/>
+            </a:fillRef>
+            <a:effectRef idx="0">
+              <a:schemeClr val="accent1"/>
+            </a:effectRef>
+            <a:fontRef idx="minor">
+              <a:schemeClr val="tx1"/>
+            </a:fontRef>
+          </p:style>
+        </p:cxnSp>
+      </p:grpSp>
+    </p:spTree>
+    <p:extLst>
+      <p:ext uri="{BB962C8B-B14F-4D97-AF65-F5344CB8AC3E}">
+        <p14:creationId xmlns:p14="http://schemas.microsoft.com/office/powerpoint/2010/main" val="2272480992"/>
       </p:ext>
     </p:extLst>
   </p:cSld>

--- a/docs/Misc/Pictures.pptx
+++ b/docs/Misc/Pictures.pptx
@@ -9,6 +9,7 @@
     <p:sldId id="257" r:id="rId3"/>
     <p:sldId id="258" r:id="rId4"/>
     <p:sldId id="259" r:id="rId5"/>
+    <p:sldId id="260" r:id="rId6"/>
   </p:sldIdLst>
   <p:sldSz cx="12192000" cy="6858000"/>
   <p:notesSz cx="6858000" cy="9144000"/>
@@ -246,7 +247,7 @@
           <a:p>
             <a:fld id="{E42984CD-48CE-4FC7-9122-241A3FDBD299}" type="datetimeFigureOut">
               <a:rPr lang="en-US" smtClean="0"/>
-              <a:t>6/24/2015</a:t>
+              <a:t>6/30/2015</a:t>
             </a:fld>
             <a:endParaRPr lang="en-US"/>
           </a:p>
@@ -448,7 +449,7 @@
           <a:p>
             <a:fld id="{E42984CD-48CE-4FC7-9122-241A3FDBD299}" type="datetimeFigureOut">
               <a:rPr lang="en-US" smtClean="0"/>
-              <a:t>6/24/2015</a:t>
+              <a:t>6/30/2015</a:t>
             </a:fld>
             <a:endParaRPr lang="en-US"/>
           </a:p>
@@ -660,7 +661,7 @@
           <a:p>
             <a:fld id="{E42984CD-48CE-4FC7-9122-241A3FDBD299}" type="datetimeFigureOut">
               <a:rPr lang="en-US" smtClean="0"/>
-              <a:t>6/24/2015</a:t>
+              <a:t>6/30/2015</a:t>
             </a:fld>
             <a:endParaRPr lang="en-US"/>
           </a:p>
@@ -862,7 +863,7 @@
           <a:p>
             <a:fld id="{E42984CD-48CE-4FC7-9122-241A3FDBD299}" type="datetimeFigureOut">
               <a:rPr lang="en-US" smtClean="0"/>
-              <a:t>6/24/2015</a:t>
+              <a:t>6/30/2015</a:t>
             </a:fld>
             <a:endParaRPr lang="en-US"/>
           </a:p>
@@ -1108,7 +1109,7 @@
           <a:p>
             <a:fld id="{E42984CD-48CE-4FC7-9122-241A3FDBD299}" type="datetimeFigureOut">
               <a:rPr lang="en-US" smtClean="0"/>
-              <a:t>6/24/2015</a:t>
+              <a:t>6/30/2015</a:t>
             </a:fld>
             <a:endParaRPr lang="en-US"/>
           </a:p>
@@ -1404,7 +1405,7 @@
           <a:p>
             <a:fld id="{E42984CD-48CE-4FC7-9122-241A3FDBD299}" type="datetimeFigureOut">
               <a:rPr lang="en-US" smtClean="0"/>
-              <a:t>6/24/2015</a:t>
+              <a:t>6/30/2015</a:t>
             </a:fld>
             <a:endParaRPr lang="en-US"/>
           </a:p>
@@ -1835,7 +1836,7 @@
           <a:p>
             <a:fld id="{E42984CD-48CE-4FC7-9122-241A3FDBD299}" type="datetimeFigureOut">
               <a:rPr lang="en-US" smtClean="0"/>
-              <a:t>6/24/2015</a:t>
+              <a:t>6/30/2015</a:t>
             </a:fld>
             <a:endParaRPr lang="en-US"/>
           </a:p>
@@ -1953,7 +1954,7 @@
           <a:p>
             <a:fld id="{E42984CD-48CE-4FC7-9122-241A3FDBD299}" type="datetimeFigureOut">
               <a:rPr lang="en-US" smtClean="0"/>
-              <a:t>6/24/2015</a:t>
+              <a:t>6/30/2015</a:t>
             </a:fld>
             <a:endParaRPr lang="en-US"/>
           </a:p>
@@ -2048,7 +2049,7 @@
           <a:p>
             <a:fld id="{E42984CD-48CE-4FC7-9122-241A3FDBD299}" type="datetimeFigureOut">
               <a:rPr lang="en-US" smtClean="0"/>
-              <a:t>6/24/2015</a:t>
+              <a:t>6/30/2015</a:t>
             </a:fld>
             <a:endParaRPr lang="en-US"/>
           </a:p>
@@ -2357,7 +2358,7 @@
           <a:p>
             <a:fld id="{E42984CD-48CE-4FC7-9122-241A3FDBD299}" type="datetimeFigureOut">
               <a:rPr lang="en-US" smtClean="0"/>
-              <a:t>6/24/2015</a:t>
+              <a:t>6/30/2015</a:t>
             </a:fld>
             <a:endParaRPr lang="en-US"/>
           </a:p>
@@ -2610,7 +2611,7 @@
           <a:p>
             <a:fld id="{E42984CD-48CE-4FC7-9122-241A3FDBD299}" type="datetimeFigureOut">
               <a:rPr lang="en-US" smtClean="0"/>
-              <a:t>6/24/2015</a:t>
+              <a:t>6/30/2015</a:t>
             </a:fld>
             <a:endParaRPr lang="en-US"/>
           </a:p>
@@ -2855,7 +2856,7 @@
           <a:p>
             <a:fld id="{E42984CD-48CE-4FC7-9122-241A3FDBD299}" type="datetimeFigureOut">
               <a:rPr lang="en-US" smtClean="0"/>
-              <a:t>6/24/2015</a:t>
+              <a:t>6/30/2015</a:t>
             </a:fld>
             <a:endParaRPr lang="en-US"/>
           </a:p>
@@ -5373,7 +5374,7 @@
           <p:nvPr/>
         </p:nvPicPr>
         <p:blipFill>
-          <a:blip r:embed="rId3" cstate="print">
+          <a:blip r:embed="rId2" cstate="print">
             <a:extLst>
               <a:ext uri="{28A0092B-C50C-407E-A947-70E740481C1C}">
                 <a14:useLocalDpi xmlns:a14="http://schemas.microsoft.com/office/drawing/2010/main" val="0"/>
@@ -7948,6 +7949,579 @@
 </p:sld>
 </file>
 
+<file path=ppt/slides/slide5.xml><?xml version="1.0" encoding="utf-8"?>
+<p:sld xmlns:a="http://schemas.openxmlformats.org/drawingml/2006/main" xmlns:r="http://schemas.openxmlformats.org/officeDocument/2006/relationships" xmlns:p="http://schemas.openxmlformats.org/presentationml/2006/main">
+  <p:cSld>
+    <p:spTree>
+      <p:nvGrpSpPr>
+        <p:cNvPr id="1" name=""/>
+        <p:cNvGrpSpPr/>
+        <p:nvPr/>
+      </p:nvGrpSpPr>
+      <p:grpSpPr>
+        <a:xfrm>
+          <a:off x="0" y="0"/>
+          <a:ext cx="0" cy="0"/>
+          <a:chOff x="0" y="0"/>
+          <a:chExt cx="0" cy="0"/>
+        </a:xfrm>
+      </p:grpSpPr>
+      <p:sp>
+        <p:nvSpPr>
+          <p:cNvPr id="45" name="正方形/長方形 44"/>
+          <p:cNvSpPr/>
+          <p:nvPr/>
+        </p:nvSpPr>
+        <p:spPr>
+          <a:xfrm>
+            <a:off x="3912761" y="1358315"/>
+            <a:ext cx="1804297" cy="1829728"/>
+          </a:xfrm>
+          <a:prstGeom prst="rect">
+            <a:avLst/>
+          </a:prstGeom>
+          <a:solidFill>
+            <a:schemeClr val="bg1"/>
+          </a:solidFill>
+        </p:spPr>
+        <p:style>
+          <a:lnRef idx="2">
+            <a:schemeClr val="dk1">
+              <a:shade val="50000"/>
+            </a:schemeClr>
+          </a:lnRef>
+          <a:fillRef idx="1">
+            <a:schemeClr val="dk1"/>
+          </a:fillRef>
+          <a:effectRef idx="0">
+            <a:schemeClr val="dk1"/>
+          </a:effectRef>
+          <a:fontRef idx="minor">
+            <a:schemeClr val="lt1"/>
+          </a:fontRef>
+        </p:style>
+        <p:txBody>
+          <a:bodyPr rtlCol="0" anchor="ctr"/>
+          <a:lstStyle/>
+          <a:p>
+            <a:pPr algn="ctr"/>
+            <a:endParaRPr lang="en-US" sz="1400" dirty="0">
+              <a:solidFill>
+                <a:schemeClr val="tx1"/>
+              </a:solidFill>
+            </a:endParaRPr>
+          </a:p>
+        </p:txBody>
+      </p:sp>
+      <p:grpSp>
+        <p:nvGrpSpPr>
+          <p:cNvPr id="4" name="グループ化 3"/>
+          <p:cNvGrpSpPr/>
+          <p:nvPr/>
+        </p:nvGrpSpPr>
+        <p:grpSpPr>
+          <a:xfrm>
+            <a:off x="4262875" y="594478"/>
+            <a:ext cx="1165860" cy="2450739"/>
+            <a:chOff x="4015740" y="989894"/>
+            <a:chExt cx="1165860" cy="2450739"/>
+          </a:xfrm>
+        </p:grpSpPr>
+        <p:sp>
+          <p:nvSpPr>
+            <p:cNvPr id="5" name="正方形/長方形 4"/>
+            <p:cNvSpPr/>
+            <p:nvPr/>
+          </p:nvSpPr>
+          <p:spPr>
+            <a:xfrm>
+              <a:off x="4015740" y="989894"/>
+              <a:ext cx="1165860" cy="451727"/>
+            </a:xfrm>
+            <a:prstGeom prst="rect">
+              <a:avLst/>
+            </a:prstGeom>
+            <a:solidFill>
+              <a:schemeClr val="bg1"/>
+            </a:solidFill>
+          </p:spPr>
+          <p:style>
+            <a:lnRef idx="2">
+              <a:schemeClr val="dk1">
+                <a:shade val="50000"/>
+              </a:schemeClr>
+            </a:lnRef>
+            <a:fillRef idx="1">
+              <a:schemeClr val="dk1"/>
+            </a:fillRef>
+            <a:effectRef idx="0">
+              <a:schemeClr val="dk1"/>
+            </a:effectRef>
+            <a:fontRef idx="minor">
+              <a:schemeClr val="lt1"/>
+            </a:fontRef>
+          </p:style>
+          <p:txBody>
+            <a:bodyPr rtlCol="0" anchor="ctr"/>
+            <a:lstStyle/>
+            <a:p>
+              <a:pPr algn="ctr"/>
+              <a:r>
+                <a:rPr lang="en-US" sz="1400" dirty="0" smtClean="0">
+                  <a:solidFill>
+                    <a:schemeClr val="tx1"/>
+                  </a:solidFill>
+                </a:rPr>
+                <a:t>Audio input/ Frontend</a:t>
+              </a:r>
+              <a:endParaRPr lang="en-US" sz="1400" dirty="0">
+                <a:solidFill>
+                  <a:schemeClr val="tx1"/>
+                </a:solidFill>
+              </a:endParaRPr>
+            </a:p>
+          </p:txBody>
+        </p:sp>
+        <p:cxnSp>
+          <p:nvCxnSpPr>
+            <p:cNvPr id="6" name="直線矢印コネクタ 5"/>
+            <p:cNvCxnSpPr>
+              <a:stCxn id="5" idx="2"/>
+              <a:endCxn id="9" idx="0"/>
+            </p:cNvCxnSpPr>
+            <p:nvPr/>
+          </p:nvCxnSpPr>
+          <p:spPr>
+            <a:xfrm>
+              <a:off x="4598670" y="1441621"/>
+              <a:ext cx="0" cy="448496"/>
+            </a:xfrm>
+            <a:prstGeom prst="straightConnector1">
+              <a:avLst/>
+            </a:prstGeom>
+            <a:ln w="12700">
+              <a:solidFill>
+                <a:schemeClr val="tx1"/>
+              </a:solidFill>
+              <a:tailEnd type="triangle"/>
+            </a:ln>
+          </p:spPr>
+          <p:style>
+            <a:lnRef idx="1">
+              <a:schemeClr val="accent1"/>
+            </a:lnRef>
+            <a:fillRef idx="0">
+              <a:schemeClr val="accent1"/>
+            </a:fillRef>
+            <a:effectRef idx="0">
+              <a:schemeClr val="accent1"/>
+            </a:effectRef>
+            <a:fontRef idx="minor">
+              <a:schemeClr val="tx1"/>
+            </a:fontRef>
+          </p:style>
+        </p:cxnSp>
+        <p:cxnSp>
+          <p:nvCxnSpPr>
+            <p:cNvPr id="7" name="直線矢印コネクタ 6"/>
+            <p:cNvCxnSpPr>
+              <a:stCxn id="9" idx="2"/>
+              <a:endCxn id="10" idx="0"/>
+            </p:cNvCxnSpPr>
+            <p:nvPr/>
+          </p:nvCxnSpPr>
+          <p:spPr>
+            <a:xfrm>
+              <a:off x="4598670" y="2331309"/>
+              <a:ext cx="0" cy="146435"/>
+            </a:xfrm>
+            <a:prstGeom prst="straightConnector1">
+              <a:avLst/>
+            </a:prstGeom>
+            <a:ln w="12700">
+              <a:solidFill>
+                <a:schemeClr val="tx1"/>
+              </a:solidFill>
+              <a:tailEnd type="triangle"/>
+            </a:ln>
+          </p:spPr>
+          <p:style>
+            <a:lnRef idx="1">
+              <a:schemeClr val="accent1"/>
+            </a:lnRef>
+            <a:fillRef idx="0">
+              <a:schemeClr val="accent1"/>
+            </a:fillRef>
+            <a:effectRef idx="0">
+              <a:schemeClr val="accent1"/>
+            </a:effectRef>
+            <a:fontRef idx="minor">
+              <a:schemeClr val="tx1"/>
+            </a:fontRef>
+          </p:style>
+        </p:cxnSp>
+        <p:cxnSp>
+          <p:nvCxnSpPr>
+            <p:cNvPr id="8" name="直線矢印コネクタ 7"/>
+            <p:cNvCxnSpPr>
+              <a:stCxn id="10" idx="2"/>
+              <a:endCxn id="11" idx="0"/>
+            </p:cNvCxnSpPr>
+            <p:nvPr/>
+          </p:nvCxnSpPr>
+          <p:spPr>
+            <a:xfrm>
+              <a:off x="4598670" y="2803597"/>
+              <a:ext cx="0" cy="146435"/>
+            </a:xfrm>
+            <a:prstGeom prst="straightConnector1">
+              <a:avLst/>
+            </a:prstGeom>
+            <a:ln w="12700">
+              <a:solidFill>
+                <a:schemeClr val="tx1"/>
+              </a:solidFill>
+              <a:tailEnd type="triangle"/>
+            </a:ln>
+          </p:spPr>
+          <p:style>
+            <a:lnRef idx="1">
+              <a:schemeClr val="accent1"/>
+            </a:lnRef>
+            <a:fillRef idx="0">
+              <a:schemeClr val="accent1"/>
+            </a:fillRef>
+            <a:effectRef idx="0">
+              <a:schemeClr val="accent1"/>
+            </a:effectRef>
+            <a:fontRef idx="minor">
+              <a:schemeClr val="tx1"/>
+            </a:fontRef>
+          </p:style>
+        </p:cxnSp>
+        <p:sp>
+          <p:nvSpPr>
+            <p:cNvPr id="9" name="正方形/長方形 8"/>
+            <p:cNvSpPr/>
+            <p:nvPr/>
+          </p:nvSpPr>
+          <p:spPr>
+            <a:xfrm>
+              <a:off x="4015740" y="1890117"/>
+              <a:ext cx="1165860" cy="441192"/>
+            </a:xfrm>
+            <a:prstGeom prst="rect">
+              <a:avLst/>
+            </a:prstGeom>
+            <a:solidFill>
+              <a:schemeClr val="bg1"/>
+            </a:solidFill>
+          </p:spPr>
+          <p:style>
+            <a:lnRef idx="2">
+              <a:schemeClr val="dk1">
+                <a:shade val="50000"/>
+              </a:schemeClr>
+            </a:lnRef>
+            <a:fillRef idx="1">
+              <a:schemeClr val="dk1"/>
+            </a:fillRef>
+            <a:effectRef idx="0">
+              <a:schemeClr val="dk1"/>
+            </a:effectRef>
+            <a:fontRef idx="minor">
+              <a:schemeClr val="lt1"/>
+            </a:fontRef>
+          </p:style>
+          <p:txBody>
+            <a:bodyPr rtlCol="0" anchor="ctr"/>
+            <a:lstStyle/>
+            <a:p>
+              <a:pPr algn="ctr"/>
+              <a:r>
+                <a:rPr lang="en-US" sz="1400" dirty="0" smtClean="0">
+                  <a:solidFill>
+                    <a:schemeClr val="tx1"/>
+                  </a:solidFill>
+                </a:rPr>
+                <a:t>Acoustic model</a:t>
+              </a:r>
+              <a:endParaRPr lang="en-US" sz="1400" dirty="0">
+                <a:solidFill>
+                  <a:schemeClr val="tx1"/>
+                </a:solidFill>
+              </a:endParaRPr>
+            </a:p>
+          </p:txBody>
+        </p:sp>
+        <p:sp>
+          <p:nvSpPr>
+            <p:cNvPr id="10" name="正方形/長方形 9"/>
+            <p:cNvSpPr/>
+            <p:nvPr/>
+          </p:nvSpPr>
+          <p:spPr>
+            <a:xfrm>
+              <a:off x="4015740" y="2477744"/>
+              <a:ext cx="1165860" cy="325853"/>
+            </a:xfrm>
+            <a:prstGeom prst="rect">
+              <a:avLst/>
+            </a:prstGeom>
+            <a:solidFill>
+              <a:schemeClr val="bg1"/>
+            </a:solidFill>
+          </p:spPr>
+          <p:style>
+            <a:lnRef idx="2">
+              <a:schemeClr val="dk1">
+                <a:shade val="50000"/>
+              </a:schemeClr>
+            </a:lnRef>
+            <a:fillRef idx="1">
+              <a:schemeClr val="dk1"/>
+            </a:fillRef>
+            <a:effectRef idx="0">
+              <a:schemeClr val="dk1"/>
+            </a:effectRef>
+            <a:fontRef idx="minor">
+              <a:schemeClr val="lt1"/>
+            </a:fontRef>
+          </p:style>
+          <p:txBody>
+            <a:bodyPr rtlCol="0" anchor="ctr"/>
+            <a:lstStyle/>
+            <a:p>
+              <a:pPr algn="ctr"/>
+              <a:r>
+                <a:rPr lang="en-US" sz="1400" dirty="0" smtClean="0">
+                  <a:solidFill>
+                    <a:schemeClr val="tx1"/>
+                  </a:solidFill>
+                </a:rPr>
+                <a:t>Grammars</a:t>
+              </a:r>
+              <a:endParaRPr lang="en-US" sz="1400" dirty="0">
+                <a:solidFill>
+                  <a:schemeClr val="tx1"/>
+                </a:solidFill>
+              </a:endParaRPr>
+            </a:p>
+          </p:txBody>
+        </p:sp>
+        <p:sp>
+          <p:nvSpPr>
+            <p:cNvPr id="11" name="正方形/長方形 10"/>
+            <p:cNvSpPr/>
+            <p:nvPr/>
+          </p:nvSpPr>
+          <p:spPr>
+            <a:xfrm>
+              <a:off x="4015740" y="2950032"/>
+              <a:ext cx="1165860" cy="490601"/>
+            </a:xfrm>
+            <a:prstGeom prst="rect">
+              <a:avLst/>
+            </a:prstGeom>
+            <a:solidFill>
+              <a:schemeClr val="bg1"/>
+            </a:solidFill>
+          </p:spPr>
+          <p:style>
+            <a:lnRef idx="2">
+              <a:schemeClr val="dk1">
+                <a:shade val="50000"/>
+              </a:schemeClr>
+            </a:lnRef>
+            <a:fillRef idx="1">
+              <a:schemeClr val="dk1"/>
+            </a:fillRef>
+            <a:effectRef idx="0">
+              <a:schemeClr val="dk1"/>
+            </a:effectRef>
+            <a:fontRef idx="minor">
+              <a:schemeClr val="lt1"/>
+            </a:fontRef>
+          </p:style>
+          <p:txBody>
+            <a:bodyPr rtlCol="0" anchor="ctr"/>
+            <a:lstStyle/>
+            <a:p>
+              <a:pPr algn="ctr"/>
+              <a:r>
+                <a:rPr lang="en-US" sz="1400" dirty="0" smtClean="0">
+                  <a:solidFill>
+                    <a:schemeClr val="tx1"/>
+                  </a:solidFill>
+                </a:rPr>
+                <a:t>Recognition</a:t>
+              </a:r>
+              <a:r>
+                <a:rPr lang="en-US" sz="1400" dirty="0">
+                  <a:solidFill>
+                    <a:schemeClr val="tx1"/>
+                  </a:solidFill>
+                </a:rPr>
+                <a:t> </a:t>
+              </a:r>
+              <a:r>
+                <a:rPr lang="en-US" sz="1400" dirty="0" smtClean="0">
+                  <a:solidFill>
+                    <a:schemeClr val="tx1"/>
+                  </a:solidFill>
+                </a:rPr>
+                <a:t>algorithms</a:t>
+              </a:r>
+              <a:endParaRPr lang="en-US" sz="1400" dirty="0" smtClean="0">
+                <a:solidFill>
+                  <a:schemeClr val="tx1"/>
+                </a:solidFill>
+              </a:endParaRPr>
+            </a:p>
+          </p:txBody>
+        </p:sp>
+      </p:grpSp>
+      <p:sp>
+        <p:nvSpPr>
+          <p:cNvPr id="38" name="テキスト ボックス 37"/>
+          <p:cNvSpPr txBox="1"/>
+          <p:nvPr/>
+        </p:nvSpPr>
+        <p:spPr>
+          <a:xfrm>
+            <a:off x="4854042" y="1052835"/>
+            <a:ext cx="1523494" cy="307777"/>
+          </a:xfrm>
+          <a:prstGeom prst="rect">
+            <a:avLst/>
+          </a:prstGeom>
+          <a:noFill/>
+        </p:spPr>
+        <p:txBody>
+          <a:bodyPr wrap="none" rtlCol="0">
+            <a:spAutoFit/>
+          </a:bodyPr>
+          <a:lstStyle/>
+          <a:p>
+            <a:r>
+              <a:rPr lang="en-US" sz="1400" dirty="0" smtClean="0"/>
+              <a:t>Feature extraction</a:t>
+            </a:r>
+            <a:endParaRPr lang="en-US" sz="1400" dirty="0"/>
+          </a:p>
+        </p:txBody>
+      </p:sp>
+      <p:cxnSp>
+        <p:nvCxnSpPr>
+          <p:cNvPr id="46" name="直線矢印コネクタ 45"/>
+          <p:cNvCxnSpPr>
+            <a:stCxn id="11" idx="2"/>
+          </p:cNvCxnSpPr>
+          <p:nvPr/>
+        </p:nvCxnSpPr>
+        <p:spPr>
+          <a:xfrm>
+            <a:off x="4845805" y="3045217"/>
+            <a:ext cx="0" cy="357010"/>
+          </a:xfrm>
+          <a:prstGeom prst="straightConnector1">
+            <a:avLst/>
+          </a:prstGeom>
+          <a:ln w="12700">
+            <a:solidFill>
+              <a:schemeClr val="tx1"/>
+            </a:solidFill>
+            <a:tailEnd type="triangle"/>
+          </a:ln>
+        </p:spPr>
+        <p:style>
+          <a:lnRef idx="1">
+            <a:schemeClr val="accent1"/>
+          </a:lnRef>
+          <a:fillRef idx="0">
+            <a:schemeClr val="accent1"/>
+          </a:fillRef>
+          <a:effectRef idx="0">
+            <a:schemeClr val="accent1"/>
+          </a:effectRef>
+          <a:fontRef idx="minor">
+            <a:schemeClr val="tx1"/>
+          </a:fontRef>
+        </p:style>
+      </p:cxnSp>
+      <p:sp>
+        <p:nvSpPr>
+          <p:cNvPr id="49" name="テキスト ボックス 48"/>
+          <p:cNvSpPr txBox="1"/>
+          <p:nvPr/>
+        </p:nvSpPr>
+        <p:spPr>
+          <a:xfrm>
+            <a:off x="4845805" y="3168243"/>
+            <a:ext cx="1508170" cy="307777"/>
+          </a:xfrm>
+          <a:prstGeom prst="rect">
+            <a:avLst/>
+          </a:prstGeom>
+          <a:noFill/>
+        </p:spPr>
+        <p:txBody>
+          <a:bodyPr wrap="none" rtlCol="0">
+            <a:spAutoFit/>
+          </a:bodyPr>
+          <a:lstStyle/>
+          <a:p>
+            <a:r>
+              <a:rPr lang="en-US" sz="1400" dirty="0" smtClean="0"/>
+              <a:t>Recognition result</a:t>
+            </a:r>
+            <a:endParaRPr lang="en-US" sz="1400" dirty="0"/>
+          </a:p>
+        </p:txBody>
+      </p:sp>
+      <p:sp>
+        <p:nvSpPr>
+          <p:cNvPr id="50" name="テキスト ボックス 49"/>
+          <p:cNvSpPr txBox="1"/>
+          <p:nvPr/>
+        </p:nvSpPr>
+        <p:spPr>
+          <a:xfrm>
+            <a:off x="3826268" y="1851915"/>
+            <a:ext cx="461665" cy="881588"/>
+          </a:xfrm>
+          <a:prstGeom prst="rect">
+            <a:avLst/>
+          </a:prstGeom>
+          <a:noFill/>
+        </p:spPr>
+        <p:txBody>
+          <a:bodyPr vert="vert270" wrap="none" rtlCol="0">
+            <a:spAutoFit/>
+          </a:bodyPr>
+          <a:lstStyle/>
+          <a:p>
+            <a:r>
+              <a:rPr lang="en-US" dirty="0" smtClean="0"/>
+              <a:t>Backend</a:t>
+            </a:r>
+            <a:endParaRPr lang="en-US" dirty="0"/>
+          </a:p>
+        </p:txBody>
+      </p:sp>
+    </p:spTree>
+    <p:extLst>
+      <p:ext uri="{BB962C8B-B14F-4D97-AF65-F5344CB8AC3E}">
+        <p14:creationId xmlns:p14="http://schemas.microsoft.com/office/powerpoint/2010/main" val="2189289424"/>
+      </p:ext>
+    </p:extLst>
+  </p:cSld>
+  <p:clrMapOvr>
+    <a:masterClrMapping/>
+  </p:clrMapOvr>
+</p:sld>
+</file>
+
 <file path=ppt/theme/theme1.xml><?xml version="1.0" encoding="utf-8"?>
 <a:theme xmlns:a="http://schemas.openxmlformats.org/drawingml/2006/main" name="Office テーマ">
   <a:themeElements>

--- a/docs/Misc/Pictures.pptx
+++ b/docs/Misc/Pictures.pptx
@@ -10,6 +10,7 @@
     <p:sldId id="258" r:id="rId4"/>
     <p:sldId id="259" r:id="rId5"/>
     <p:sldId id="260" r:id="rId6"/>
+    <p:sldId id="261" r:id="rId7"/>
   </p:sldIdLst>
   <p:sldSz cx="12192000" cy="6858000"/>
   <p:notesSz cx="6858000" cy="9144000"/>
@@ -7966,77 +7967,685 @@
           <a:chExt cx="0" cy="0"/>
         </a:xfrm>
       </p:grpSpPr>
-      <p:sp>
-        <p:nvSpPr>
-          <p:cNvPr id="45" name="正方形/長方形 44"/>
-          <p:cNvSpPr/>
-          <p:nvPr/>
-        </p:nvSpPr>
-        <p:spPr>
-          <a:xfrm>
-            <a:off x="3912761" y="1358315"/>
-            <a:ext cx="1804297" cy="1829728"/>
-          </a:xfrm>
-          <a:prstGeom prst="rect">
-            <a:avLst/>
-          </a:prstGeom>
-          <a:solidFill>
-            <a:schemeClr val="bg1"/>
-          </a:solidFill>
-        </p:spPr>
-        <p:style>
-          <a:lnRef idx="2">
-            <a:schemeClr val="dk1">
-              <a:shade val="50000"/>
-            </a:schemeClr>
-          </a:lnRef>
-          <a:fillRef idx="1">
-            <a:schemeClr val="dk1"/>
-          </a:fillRef>
-          <a:effectRef idx="0">
-            <a:schemeClr val="dk1"/>
-          </a:effectRef>
-          <a:fontRef idx="minor">
-            <a:schemeClr val="lt1"/>
-          </a:fontRef>
-        </p:style>
-        <p:txBody>
-          <a:bodyPr rtlCol="0" anchor="ctr"/>
-          <a:lstStyle/>
-          <a:p>
-            <a:pPr algn="ctr"/>
-            <a:endParaRPr lang="en-US" sz="1400" dirty="0">
-              <a:solidFill>
-                <a:schemeClr val="tx1"/>
-              </a:solidFill>
-            </a:endParaRPr>
-          </a:p>
-        </p:txBody>
-      </p:sp>
       <p:grpSp>
         <p:nvGrpSpPr>
-          <p:cNvPr id="4" name="グループ化 3"/>
+          <p:cNvPr id="51" name="グループ化 50"/>
           <p:cNvGrpSpPr/>
           <p:nvPr/>
         </p:nvGrpSpPr>
         <p:grpSpPr>
           <a:xfrm>
-            <a:off x="4262875" y="594478"/>
-            <a:ext cx="1165860" cy="2450739"/>
-            <a:chOff x="4015740" y="989894"/>
-            <a:chExt cx="1165860" cy="2450739"/>
+            <a:off x="3826268" y="594478"/>
+            <a:ext cx="2551268" cy="2881542"/>
+            <a:chOff x="3826268" y="594478"/>
+            <a:chExt cx="2551268" cy="2881542"/>
           </a:xfrm>
         </p:grpSpPr>
         <p:sp>
           <p:nvSpPr>
-            <p:cNvPr id="5" name="正方形/長方形 4"/>
+            <p:cNvPr id="45" name="正方形/長方形 44"/>
             <p:cNvSpPr/>
             <p:nvPr/>
           </p:nvSpPr>
           <p:spPr>
             <a:xfrm>
-              <a:off x="4015740" y="989894"/>
-              <a:ext cx="1165860" cy="451727"/>
+              <a:off x="3912761" y="1358315"/>
+              <a:ext cx="1804297" cy="1829728"/>
+            </a:xfrm>
+            <a:prstGeom prst="rect">
+              <a:avLst/>
+            </a:prstGeom>
+            <a:solidFill>
+              <a:schemeClr val="bg1"/>
+            </a:solidFill>
+          </p:spPr>
+          <p:style>
+            <a:lnRef idx="2">
+              <a:schemeClr val="dk1">
+                <a:shade val="50000"/>
+              </a:schemeClr>
+            </a:lnRef>
+            <a:fillRef idx="1">
+              <a:schemeClr val="dk1"/>
+            </a:fillRef>
+            <a:effectRef idx="0">
+              <a:schemeClr val="dk1"/>
+            </a:effectRef>
+            <a:fontRef idx="minor">
+              <a:schemeClr val="lt1"/>
+            </a:fontRef>
+          </p:style>
+          <p:txBody>
+            <a:bodyPr rtlCol="0" anchor="ctr"/>
+            <a:lstStyle/>
+            <a:p>
+              <a:pPr algn="ctr"/>
+              <a:endParaRPr lang="en-US" sz="1400" dirty="0">
+                <a:solidFill>
+                  <a:schemeClr val="tx1"/>
+                </a:solidFill>
+              </a:endParaRPr>
+            </a:p>
+          </p:txBody>
+        </p:sp>
+        <p:grpSp>
+          <p:nvGrpSpPr>
+            <p:cNvPr id="4" name="グループ化 3"/>
+            <p:cNvGrpSpPr/>
+            <p:nvPr/>
+          </p:nvGrpSpPr>
+          <p:grpSpPr>
+            <a:xfrm>
+              <a:off x="4262875" y="594478"/>
+              <a:ext cx="1165860" cy="2450739"/>
+              <a:chOff x="4015740" y="989894"/>
+              <a:chExt cx="1165860" cy="2450739"/>
+            </a:xfrm>
+          </p:grpSpPr>
+          <p:sp>
+            <p:nvSpPr>
+              <p:cNvPr id="5" name="正方形/長方形 4"/>
+              <p:cNvSpPr/>
+              <p:nvPr/>
+            </p:nvSpPr>
+            <p:spPr>
+              <a:xfrm>
+                <a:off x="4015740" y="989894"/>
+                <a:ext cx="1165860" cy="451727"/>
+              </a:xfrm>
+              <a:prstGeom prst="rect">
+                <a:avLst/>
+              </a:prstGeom>
+              <a:solidFill>
+                <a:schemeClr val="bg1"/>
+              </a:solidFill>
+            </p:spPr>
+            <p:style>
+              <a:lnRef idx="2">
+                <a:schemeClr val="dk1">
+                  <a:shade val="50000"/>
+                </a:schemeClr>
+              </a:lnRef>
+              <a:fillRef idx="1">
+                <a:schemeClr val="dk1"/>
+              </a:fillRef>
+              <a:effectRef idx="0">
+                <a:schemeClr val="dk1"/>
+              </a:effectRef>
+              <a:fontRef idx="minor">
+                <a:schemeClr val="lt1"/>
+              </a:fontRef>
+            </p:style>
+            <p:txBody>
+              <a:bodyPr rtlCol="0" anchor="ctr"/>
+              <a:lstStyle/>
+              <a:p>
+                <a:pPr algn="ctr"/>
+                <a:r>
+                  <a:rPr lang="en-US" sz="1400" dirty="0" smtClean="0">
+                    <a:solidFill>
+                      <a:schemeClr val="tx1"/>
+                    </a:solidFill>
+                  </a:rPr>
+                  <a:t>Audio input/ Frontend</a:t>
+                </a:r>
+                <a:endParaRPr lang="en-US" sz="1400" dirty="0">
+                  <a:solidFill>
+                    <a:schemeClr val="tx1"/>
+                  </a:solidFill>
+                </a:endParaRPr>
+              </a:p>
+            </p:txBody>
+          </p:sp>
+          <p:cxnSp>
+            <p:nvCxnSpPr>
+              <p:cNvPr id="6" name="直線矢印コネクタ 5"/>
+              <p:cNvCxnSpPr>
+                <a:stCxn id="5" idx="2"/>
+                <a:endCxn id="9" idx="0"/>
+              </p:cNvCxnSpPr>
+              <p:nvPr/>
+            </p:nvCxnSpPr>
+            <p:spPr>
+              <a:xfrm>
+                <a:off x="4598670" y="1441621"/>
+                <a:ext cx="0" cy="448496"/>
+              </a:xfrm>
+              <a:prstGeom prst="straightConnector1">
+                <a:avLst/>
+              </a:prstGeom>
+              <a:ln w="12700">
+                <a:solidFill>
+                  <a:schemeClr val="tx1"/>
+                </a:solidFill>
+                <a:tailEnd type="triangle"/>
+              </a:ln>
+            </p:spPr>
+            <p:style>
+              <a:lnRef idx="1">
+                <a:schemeClr val="accent1"/>
+              </a:lnRef>
+              <a:fillRef idx="0">
+                <a:schemeClr val="accent1"/>
+              </a:fillRef>
+              <a:effectRef idx="0">
+                <a:schemeClr val="accent1"/>
+              </a:effectRef>
+              <a:fontRef idx="minor">
+                <a:schemeClr val="tx1"/>
+              </a:fontRef>
+            </p:style>
+          </p:cxnSp>
+          <p:cxnSp>
+            <p:nvCxnSpPr>
+              <p:cNvPr id="7" name="直線矢印コネクタ 6"/>
+              <p:cNvCxnSpPr>
+                <a:stCxn id="9" idx="2"/>
+                <a:endCxn id="10" idx="0"/>
+              </p:cNvCxnSpPr>
+              <p:nvPr/>
+            </p:nvCxnSpPr>
+            <p:spPr>
+              <a:xfrm>
+                <a:off x="4598670" y="2331309"/>
+                <a:ext cx="0" cy="146435"/>
+              </a:xfrm>
+              <a:prstGeom prst="straightConnector1">
+                <a:avLst/>
+              </a:prstGeom>
+              <a:ln w="12700">
+                <a:solidFill>
+                  <a:schemeClr val="tx1"/>
+                </a:solidFill>
+                <a:tailEnd type="triangle"/>
+              </a:ln>
+            </p:spPr>
+            <p:style>
+              <a:lnRef idx="1">
+                <a:schemeClr val="accent1"/>
+              </a:lnRef>
+              <a:fillRef idx="0">
+                <a:schemeClr val="accent1"/>
+              </a:fillRef>
+              <a:effectRef idx="0">
+                <a:schemeClr val="accent1"/>
+              </a:effectRef>
+              <a:fontRef idx="minor">
+                <a:schemeClr val="tx1"/>
+              </a:fontRef>
+            </p:style>
+          </p:cxnSp>
+          <p:cxnSp>
+            <p:nvCxnSpPr>
+              <p:cNvPr id="8" name="直線矢印コネクタ 7"/>
+              <p:cNvCxnSpPr>
+                <a:stCxn id="10" idx="2"/>
+                <a:endCxn id="11" idx="0"/>
+              </p:cNvCxnSpPr>
+              <p:nvPr/>
+            </p:nvCxnSpPr>
+            <p:spPr>
+              <a:xfrm>
+                <a:off x="4598670" y="2803597"/>
+                <a:ext cx="0" cy="146435"/>
+              </a:xfrm>
+              <a:prstGeom prst="straightConnector1">
+                <a:avLst/>
+              </a:prstGeom>
+              <a:ln w="12700">
+                <a:solidFill>
+                  <a:schemeClr val="tx1"/>
+                </a:solidFill>
+                <a:tailEnd type="triangle"/>
+              </a:ln>
+            </p:spPr>
+            <p:style>
+              <a:lnRef idx="1">
+                <a:schemeClr val="accent1"/>
+              </a:lnRef>
+              <a:fillRef idx="0">
+                <a:schemeClr val="accent1"/>
+              </a:fillRef>
+              <a:effectRef idx="0">
+                <a:schemeClr val="accent1"/>
+              </a:effectRef>
+              <a:fontRef idx="minor">
+                <a:schemeClr val="tx1"/>
+              </a:fontRef>
+            </p:style>
+          </p:cxnSp>
+          <p:sp>
+            <p:nvSpPr>
+              <p:cNvPr id="9" name="正方形/長方形 8"/>
+              <p:cNvSpPr/>
+              <p:nvPr/>
+            </p:nvSpPr>
+            <p:spPr>
+              <a:xfrm>
+                <a:off x="4015740" y="1890117"/>
+                <a:ext cx="1165860" cy="441192"/>
+              </a:xfrm>
+              <a:prstGeom prst="rect">
+                <a:avLst/>
+              </a:prstGeom>
+              <a:solidFill>
+                <a:schemeClr val="bg1"/>
+              </a:solidFill>
+            </p:spPr>
+            <p:style>
+              <a:lnRef idx="2">
+                <a:schemeClr val="dk1">
+                  <a:shade val="50000"/>
+                </a:schemeClr>
+              </a:lnRef>
+              <a:fillRef idx="1">
+                <a:schemeClr val="dk1"/>
+              </a:fillRef>
+              <a:effectRef idx="0">
+                <a:schemeClr val="dk1"/>
+              </a:effectRef>
+              <a:fontRef idx="minor">
+                <a:schemeClr val="lt1"/>
+              </a:fontRef>
+            </p:style>
+            <p:txBody>
+              <a:bodyPr rtlCol="0" anchor="ctr"/>
+              <a:lstStyle/>
+              <a:p>
+                <a:pPr algn="ctr"/>
+                <a:r>
+                  <a:rPr lang="en-US" sz="1400" dirty="0" smtClean="0">
+                    <a:solidFill>
+                      <a:schemeClr val="tx1"/>
+                    </a:solidFill>
+                  </a:rPr>
+                  <a:t>Acoustic model</a:t>
+                </a:r>
+                <a:endParaRPr lang="en-US" sz="1400" dirty="0">
+                  <a:solidFill>
+                    <a:schemeClr val="tx1"/>
+                  </a:solidFill>
+                </a:endParaRPr>
+              </a:p>
+            </p:txBody>
+          </p:sp>
+          <p:sp>
+            <p:nvSpPr>
+              <p:cNvPr id="10" name="正方形/長方形 9"/>
+              <p:cNvSpPr/>
+              <p:nvPr/>
+            </p:nvSpPr>
+            <p:spPr>
+              <a:xfrm>
+                <a:off x="4015740" y="2477744"/>
+                <a:ext cx="1165860" cy="325853"/>
+              </a:xfrm>
+              <a:prstGeom prst="rect">
+                <a:avLst/>
+              </a:prstGeom>
+              <a:solidFill>
+                <a:schemeClr val="bg1"/>
+              </a:solidFill>
+            </p:spPr>
+            <p:style>
+              <a:lnRef idx="2">
+                <a:schemeClr val="dk1">
+                  <a:shade val="50000"/>
+                </a:schemeClr>
+              </a:lnRef>
+              <a:fillRef idx="1">
+                <a:schemeClr val="dk1"/>
+              </a:fillRef>
+              <a:effectRef idx="0">
+                <a:schemeClr val="dk1"/>
+              </a:effectRef>
+              <a:fontRef idx="minor">
+                <a:schemeClr val="lt1"/>
+              </a:fontRef>
+            </p:style>
+            <p:txBody>
+              <a:bodyPr rtlCol="0" anchor="ctr"/>
+              <a:lstStyle/>
+              <a:p>
+                <a:pPr algn="ctr"/>
+                <a:r>
+                  <a:rPr lang="en-US" sz="1400" dirty="0" smtClean="0">
+                    <a:solidFill>
+                      <a:schemeClr val="tx1"/>
+                    </a:solidFill>
+                  </a:rPr>
+                  <a:t>Grammars</a:t>
+                </a:r>
+                <a:endParaRPr lang="en-US" sz="1400" dirty="0">
+                  <a:solidFill>
+                    <a:schemeClr val="tx1"/>
+                  </a:solidFill>
+                </a:endParaRPr>
+              </a:p>
+            </p:txBody>
+          </p:sp>
+          <p:sp>
+            <p:nvSpPr>
+              <p:cNvPr id="11" name="正方形/長方形 10"/>
+              <p:cNvSpPr/>
+              <p:nvPr/>
+            </p:nvSpPr>
+            <p:spPr>
+              <a:xfrm>
+                <a:off x="4015740" y="2950032"/>
+                <a:ext cx="1165860" cy="490601"/>
+              </a:xfrm>
+              <a:prstGeom prst="rect">
+                <a:avLst/>
+              </a:prstGeom>
+              <a:solidFill>
+                <a:schemeClr val="bg1"/>
+              </a:solidFill>
+            </p:spPr>
+            <p:style>
+              <a:lnRef idx="2">
+                <a:schemeClr val="dk1">
+                  <a:shade val="50000"/>
+                </a:schemeClr>
+              </a:lnRef>
+              <a:fillRef idx="1">
+                <a:schemeClr val="dk1"/>
+              </a:fillRef>
+              <a:effectRef idx="0">
+                <a:schemeClr val="dk1"/>
+              </a:effectRef>
+              <a:fontRef idx="minor">
+                <a:schemeClr val="lt1"/>
+              </a:fontRef>
+            </p:style>
+            <p:txBody>
+              <a:bodyPr rtlCol="0" anchor="ctr"/>
+              <a:lstStyle/>
+              <a:p>
+                <a:pPr algn="ctr"/>
+                <a:r>
+                  <a:rPr lang="en-US" sz="1400" dirty="0" smtClean="0">
+                    <a:solidFill>
+                      <a:schemeClr val="tx1"/>
+                    </a:solidFill>
+                  </a:rPr>
+                  <a:t>Recognition</a:t>
+                </a:r>
+                <a:r>
+                  <a:rPr lang="en-US" sz="1400" dirty="0">
+                    <a:solidFill>
+                      <a:schemeClr val="tx1"/>
+                    </a:solidFill>
+                  </a:rPr>
+                  <a:t> </a:t>
+                </a:r>
+                <a:r>
+                  <a:rPr lang="en-US" sz="1400" dirty="0" smtClean="0">
+                    <a:solidFill>
+                      <a:schemeClr val="tx1"/>
+                    </a:solidFill>
+                  </a:rPr>
+                  <a:t>algorithms</a:t>
+                </a:r>
+                <a:endParaRPr lang="en-US" sz="1400" dirty="0" smtClean="0">
+                  <a:solidFill>
+                    <a:schemeClr val="tx1"/>
+                  </a:solidFill>
+                </a:endParaRPr>
+              </a:p>
+            </p:txBody>
+          </p:sp>
+        </p:grpSp>
+        <p:sp>
+          <p:nvSpPr>
+            <p:cNvPr id="38" name="テキスト ボックス 37"/>
+            <p:cNvSpPr txBox="1"/>
+            <p:nvPr/>
+          </p:nvSpPr>
+          <p:spPr>
+            <a:xfrm>
+              <a:off x="4854042" y="1052835"/>
+              <a:ext cx="1523494" cy="307777"/>
+            </a:xfrm>
+            <a:prstGeom prst="rect">
+              <a:avLst/>
+            </a:prstGeom>
+            <a:noFill/>
+          </p:spPr>
+          <p:txBody>
+            <a:bodyPr wrap="none" rtlCol="0">
+              <a:spAutoFit/>
+            </a:bodyPr>
+            <a:lstStyle/>
+            <a:p>
+              <a:r>
+                <a:rPr lang="en-US" sz="1400" dirty="0" smtClean="0"/>
+                <a:t>Feature extraction</a:t>
+              </a:r>
+              <a:endParaRPr lang="en-US" sz="1400" dirty="0"/>
+            </a:p>
+          </p:txBody>
+        </p:sp>
+        <p:cxnSp>
+          <p:nvCxnSpPr>
+            <p:cNvPr id="46" name="直線矢印コネクタ 45"/>
+            <p:cNvCxnSpPr>
+              <a:stCxn id="11" idx="2"/>
+            </p:cNvCxnSpPr>
+            <p:nvPr/>
+          </p:nvCxnSpPr>
+          <p:spPr>
+            <a:xfrm>
+              <a:off x="4845805" y="3045217"/>
+              <a:ext cx="0" cy="357010"/>
+            </a:xfrm>
+            <a:prstGeom prst="straightConnector1">
+              <a:avLst/>
+            </a:prstGeom>
+            <a:ln w="12700">
+              <a:solidFill>
+                <a:schemeClr val="tx1"/>
+              </a:solidFill>
+              <a:tailEnd type="triangle"/>
+            </a:ln>
+          </p:spPr>
+          <p:style>
+            <a:lnRef idx="1">
+              <a:schemeClr val="accent1"/>
+            </a:lnRef>
+            <a:fillRef idx="0">
+              <a:schemeClr val="accent1"/>
+            </a:fillRef>
+            <a:effectRef idx="0">
+              <a:schemeClr val="accent1"/>
+            </a:effectRef>
+            <a:fontRef idx="minor">
+              <a:schemeClr val="tx1"/>
+            </a:fontRef>
+          </p:style>
+        </p:cxnSp>
+        <p:sp>
+          <p:nvSpPr>
+            <p:cNvPr id="49" name="テキスト ボックス 48"/>
+            <p:cNvSpPr txBox="1"/>
+            <p:nvPr/>
+          </p:nvSpPr>
+          <p:spPr>
+            <a:xfrm>
+              <a:off x="4845805" y="3168243"/>
+              <a:ext cx="1508170" cy="307777"/>
+            </a:xfrm>
+            <a:prstGeom prst="rect">
+              <a:avLst/>
+            </a:prstGeom>
+            <a:noFill/>
+          </p:spPr>
+          <p:txBody>
+            <a:bodyPr wrap="none" rtlCol="0">
+              <a:spAutoFit/>
+            </a:bodyPr>
+            <a:lstStyle/>
+            <a:p>
+              <a:r>
+                <a:rPr lang="en-US" sz="1400" dirty="0" smtClean="0"/>
+                <a:t>Recognition result</a:t>
+              </a:r>
+              <a:endParaRPr lang="en-US" sz="1400" dirty="0"/>
+            </a:p>
+          </p:txBody>
+        </p:sp>
+        <p:sp>
+          <p:nvSpPr>
+            <p:cNvPr id="50" name="テキスト ボックス 49"/>
+            <p:cNvSpPr txBox="1"/>
+            <p:nvPr/>
+          </p:nvSpPr>
+          <p:spPr>
+            <a:xfrm>
+              <a:off x="3826268" y="1851915"/>
+              <a:ext cx="461665" cy="881588"/>
+            </a:xfrm>
+            <a:prstGeom prst="rect">
+              <a:avLst/>
+            </a:prstGeom>
+            <a:noFill/>
+          </p:spPr>
+          <p:txBody>
+            <a:bodyPr vert="vert270" wrap="none" rtlCol="0">
+              <a:spAutoFit/>
+            </a:bodyPr>
+            <a:lstStyle/>
+            <a:p>
+              <a:r>
+                <a:rPr lang="en-US" dirty="0" smtClean="0"/>
+                <a:t>Backend</a:t>
+              </a:r>
+              <a:endParaRPr lang="en-US" dirty="0"/>
+            </a:p>
+          </p:txBody>
+        </p:sp>
+      </p:grpSp>
+    </p:spTree>
+    <p:extLst>
+      <p:ext uri="{BB962C8B-B14F-4D97-AF65-F5344CB8AC3E}">
+        <p14:creationId xmlns:p14="http://schemas.microsoft.com/office/powerpoint/2010/main" val="2189289424"/>
+      </p:ext>
+    </p:extLst>
+  </p:cSld>
+  <p:clrMapOvr>
+    <a:masterClrMapping/>
+  </p:clrMapOvr>
+</p:sld>
+</file>
+
+<file path=ppt/slides/slide6.xml><?xml version="1.0" encoding="utf-8"?>
+<p:sld xmlns:a="http://schemas.openxmlformats.org/drawingml/2006/main" xmlns:r="http://schemas.openxmlformats.org/officeDocument/2006/relationships" xmlns:p="http://schemas.openxmlformats.org/presentationml/2006/main">
+  <p:cSld>
+    <p:spTree>
+      <p:nvGrpSpPr>
+        <p:cNvPr id="1" name=""/>
+        <p:cNvGrpSpPr/>
+        <p:nvPr/>
+      </p:nvGrpSpPr>
+      <p:grpSpPr>
+        <a:xfrm>
+          <a:off x="0" y="0"/>
+          <a:ext cx="0" cy="0"/>
+          <a:chOff x="0" y="0"/>
+          <a:chExt cx="0" cy="0"/>
+        </a:xfrm>
+      </p:grpSpPr>
+      <p:pic>
+        <p:nvPicPr>
+          <p:cNvPr id="4" name="図 3"/>
+          <p:cNvPicPr>
+            <a:picLocks noChangeAspect="1"/>
+          </p:cNvPicPr>
+          <p:nvPr/>
+        </p:nvPicPr>
+        <p:blipFill>
+          <a:blip r:embed="rId2"/>
+          <a:stretch>
+            <a:fillRect/>
+          </a:stretch>
+        </p:blipFill>
+        <p:spPr>
+          <a:xfrm>
+            <a:off x="482556" y="356544"/>
+            <a:ext cx="4867275" cy="5238750"/>
+          </a:xfrm>
+          <a:prstGeom prst="rect">
+            <a:avLst/>
+          </a:prstGeom>
+        </p:spPr>
+      </p:pic>
+      <p:grpSp>
+        <p:nvGrpSpPr>
+          <p:cNvPr id="56" name="グループ化 55"/>
+          <p:cNvGrpSpPr/>
+          <p:nvPr/>
+        </p:nvGrpSpPr>
+        <p:grpSpPr>
+          <a:xfrm>
+            <a:off x="6590923" y="1401805"/>
+            <a:ext cx="3730027" cy="645306"/>
+            <a:chOff x="6590923" y="1401804"/>
+            <a:chExt cx="3730027" cy="752921"/>
+          </a:xfrm>
+        </p:grpSpPr>
+        <p:sp>
+          <p:nvSpPr>
+            <p:cNvPr id="8" name="正方形/長方形 7"/>
+            <p:cNvSpPr/>
+            <p:nvPr/>
+          </p:nvSpPr>
+          <p:spPr>
+            <a:xfrm>
+              <a:off x="6590923" y="1401804"/>
+              <a:ext cx="3730027" cy="752921"/>
+            </a:xfrm>
+            <a:prstGeom prst="rect">
+              <a:avLst/>
+            </a:prstGeom>
+            <a:solidFill>
+              <a:schemeClr val="bg1"/>
+            </a:solidFill>
+          </p:spPr>
+          <p:style>
+            <a:lnRef idx="2">
+              <a:schemeClr val="dk1">
+                <a:shade val="50000"/>
+              </a:schemeClr>
+            </a:lnRef>
+            <a:fillRef idx="1">
+              <a:schemeClr val="dk1"/>
+            </a:fillRef>
+            <a:effectRef idx="0">
+              <a:schemeClr val="dk1"/>
+            </a:effectRef>
+            <a:fontRef idx="minor">
+              <a:schemeClr val="lt1"/>
+            </a:fontRef>
+          </p:style>
+          <p:txBody>
+            <a:bodyPr rtlCol="0" anchor="ctr"/>
+            <a:lstStyle/>
+            <a:p>
+              <a:pPr algn="ctr"/>
+              <a:endParaRPr lang="en-US" dirty="0"/>
+            </a:p>
+          </p:txBody>
+        </p:sp>
+        <p:sp>
+          <p:nvSpPr>
+            <p:cNvPr id="40" name="正方形/長方形 39"/>
+            <p:cNvSpPr/>
+            <p:nvPr/>
+          </p:nvSpPr>
+          <p:spPr>
+            <a:xfrm>
+              <a:off x="7672174" y="1487292"/>
+              <a:ext cx="1126807" cy="571165"/>
             </a:xfrm>
             <a:prstGeom prst="rect">
               <a:avLst/>
@@ -8072,7 +8681,7 @@
                     <a:schemeClr val="tx1"/>
                   </a:solidFill>
                 </a:rPr>
-                <a:t>Audio input/ Frontend</a:t>
+                <a:t>Behavior designer</a:t>
               </a:r>
               <a:endParaRPr lang="en-US" sz="1400" dirty="0">
                 <a:solidFill>
@@ -8082,133 +8691,16 @@
             </a:p>
           </p:txBody>
         </p:sp>
-        <p:cxnSp>
-          <p:nvCxnSpPr>
-            <p:cNvPr id="6" name="直線矢印コネクタ 5"/>
-            <p:cNvCxnSpPr>
-              <a:stCxn id="5" idx="2"/>
-              <a:endCxn id="9" idx="0"/>
-            </p:cNvCxnSpPr>
-            <p:nvPr/>
-          </p:nvCxnSpPr>
-          <p:spPr>
-            <a:xfrm>
-              <a:off x="4598670" y="1441621"/>
-              <a:ext cx="0" cy="448496"/>
-            </a:xfrm>
-            <a:prstGeom prst="straightConnector1">
-              <a:avLst/>
-            </a:prstGeom>
-            <a:ln w="12700">
-              <a:solidFill>
-                <a:schemeClr val="tx1"/>
-              </a:solidFill>
-              <a:tailEnd type="triangle"/>
-            </a:ln>
-          </p:spPr>
-          <p:style>
-            <a:lnRef idx="1">
-              <a:schemeClr val="accent1"/>
-            </a:lnRef>
-            <a:fillRef idx="0">
-              <a:schemeClr val="accent1"/>
-            </a:fillRef>
-            <a:effectRef idx="0">
-              <a:schemeClr val="accent1"/>
-            </a:effectRef>
-            <a:fontRef idx="minor">
-              <a:schemeClr val="tx1"/>
-            </a:fontRef>
-          </p:style>
-        </p:cxnSp>
-        <p:cxnSp>
-          <p:nvCxnSpPr>
-            <p:cNvPr id="7" name="直線矢印コネクタ 6"/>
-            <p:cNvCxnSpPr>
-              <a:stCxn id="9" idx="2"/>
-              <a:endCxn id="10" idx="0"/>
-            </p:cNvCxnSpPr>
-            <p:nvPr/>
-          </p:nvCxnSpPr>
-          <p:spPr>
-            <a:xfrm>
-              <a:off x="4598670" y="2331309"/>
-              <a:ext cx="0" cy="146435"/>
-            </a:xfrm>
-            <a:prstGeom prst="straightConnector1">
-              <a:avLst/>
-            </a:prstGeom>
-            <a:ln w="12700">
-              <a:solidFill>
-                <a:schemeClr val="tx1"/>
-              </a:solidFill>
-              <a:tailEnd type="triangle"/>
-            </a:ln>
-          </p:spPr>
-          <p:style>
-            <a:lnRef idx="1">
-              <a:schemeClr val="accent1"/>
-            </a:lnRef>
-            <a:fillRef idx="0">
-              <a:schemeClr val="accent1"/>
-            </a:fillRef>
-            <a:effectRef idx="0">
-              <a:schemeClr val="accent1"/>
-            </a:effectRef>
-            <a:fontRef idx="minor">
-              <a:schemeClr val="tx1"/>
-            </a:fontRef>
-          </p:style>
-        </p:cxnSp>
-        <p:cxnSp>
-          <p:nvCxnSpPr>
-            <p:cNvPr id="8" name="直線矢印コネクタ 7"/>
-            <p:cNvCxnSpPr>
-              <a:stCxn id="10" idx="2"/>
-              <a:endCxn id="11" idx="0"/>
-            </p:cNvCxnSpPr>
-            <p:nvPr/>
-          </p:nvCxnSpPr>
-          <p:spPr>
-            <a:xfrm>
-              <a:off x="4598670" y="2803597"/>
-              <a:ext cx="0" cy="146435"/>
-            </a:xfrm>
-            <a:prstGeom prst="straightConnector1">
-              <a:avLst/>
-            </a:prstGeom>
-            <a:ln w="12700">
-              <a:solidFill>
-                <a:schemeClr val="tx1"/>
-              </a:solidFill>
-              <a:tailEnd type="triangle"/>
-            </a:ln>
-          </p:spPr>
-          <p:style>
-            <a:lnRef idx="1">
-              <a:schemeClr val="accent1"/>
-            </a:lnRef>
-            <a:fillRef idx="0">
-              <a:schemeClr val="accent1"/>
-            </a:fillRef>
-            <a:effectRef idx="0">
-              <a:schemeClr val="accent1"/>
-            </a:effectRef>
-            <a:fontRef idx="minor">
-              <a:schemeClr val="tx1"/>
-            </a:fontRef>
-          </p:style>
-        </p:cxnSp>
         <p:sp>
           <p:nvSpPr>
-            <p:cNvPr id="9" name="正方形/長方形 8"/>
+            <p:cNvPr id="50" name="正方形/長方形 49"/>
             <p:cNvSpPr/>
             <p:nvPr/>
           </p:nvSpPr>
           <p:spPr>
             <a:xfrm>
-              <a:off x="4015740" y="1890117"/>
-              <a:ext cx="1165860" cy="441192"/>
+              <a:off x="8876847" y="1487292"/>
+              <a:ext cx="1163226" cy="571165"/>
             </a:xfrm>
             <a:prstGeom prst="rect">
               <a:avLst/>
@@ -8244,7 +8736,7 @@
                     <a:schemeClr val="tx1"/>
                   </a:solidFill>
                 </a:rPr>
-                <a:t>Acoustic model</a:t>
+                <a:t>Visualization</a:t>
               </a:r>
               <a:endParaRPr lang="en-US" sz="1400" dirty="0">
                 <a:solidFill>
@@ -8256,14 +8748,178 @@
         </p:sp>
         <p:sp>
           <p:nvSpPr>
-            <p:cNvPr id="10" name="正方形/長方形 9"/>
+            <p:cNvPr id="51" name="テキスト ボックス 50"/>
+            <p:cNvSpPr txBox="1"/>
+            <p:nvPr/>
+          </p:nvSpPr>
+          <p:spPr>
+            <a:xfrm>
+              <a:off x="6650228" y="1455098"/>
+              <a:ext cx="836383" cy="523220"/>
+            </a:xfrm>
+            <a:prstGeom prst="rect">
+              <a:avLst/>
+            </a:prstGeom>
+            <a:noFill/>
+          </p:spPr>
+          <p:txBody>
+            <a:bodyPr wrap="none" rtlCol="0">
+              <a:spAutoFit/>
+            </a:bodyPr>
+            <a:lstStyle/>
+            <a:p>
+              <a:r>
+                <a:rPr lang="en-US" sz="1400" dirty="0" smtClean="0"/>
+                <a:t>Web</a:t>
+              </a:r>
+            </a:p>
+            <a:p>
+              <a:r>
+                <a:rPr lang="en-US" sz="1400" dirty="0" smtClean="0"/>
+                <a:t>Interface</a:t>
+              </a:r>
+              <a:endParaRPr lang="en-US" sz="1400" dirty="0"/>
+            </a:p>
+          </p:txBody>
+        </p:sp>
+      </p:grpSp>
+      <p:cxnSp>
+        <p:nvCxnSpPr>
+          <p:cNvPr id="62" name="直線矢印コネクタ 61"/>
+          <p:cNvCxnSpPr>
+            <a:stCxn id="8" idx="2"/>
+            <a:endCxn id="52" idx="0"/>
+          </p:cNvCxnSpPr>
+          <p:nvPr/>
+        </p:nvCxnSpPr>
+        <p:spPr>
+          <a:xfrm>
+            <a:off x="8455937" y="2047111"/>
+            <a:ext cx="0" cy="179314"/>
+          </a:xfrm>
+          <a:prstGeom prst="straightConnector1">
+            <a:avLst/>
+          </a:prstGeom>
+          <a:ln>
+            <a:solidFill>
+              <a:schemeClr val="tx1"/>
+            </a:solidFill>
+            <a:headEnd type="stealth"/>
+            <a:tailEnd type="triangle"/>
+          </a:ln>
+        </p:spPr>
+        <p:style>
+          <a:lnRef idx="1">
+            <a:schemeClr val="accent1"/>
+          </a:lnRef>
+          <a:fillRef idx="0">
+            <a:schemeClr val="accent1"/>
+          </a:fillRef>
+          <a:effectRef idx="0">
+            <a:schemeClr val="accent1"/>
+          </a:effectRef>
+          <a:fontRef idx="minor">
+            <a:schemeClr val="tx1"/>
+          </a:fontRef>
+        </p:style>
+      </p:cxnSp>
+      <p:sp>
+        <p:nvSpPr>
+          <p:cNvPr id="63" name="テキスト ボックス 62"/>
+          <p:cNvSpPr txBox="1"/>
+          <p:nvPr/>
+        </p:nvSpPr>
+        <p:spPr>
+          <a:xfrm>
+            <a:off x="8492148" y="2000337"/>
+            <a:ext cx="568617" cy="307777"/>
+          </a:xfrm>
+          <a:prstGeom prst="rect">
+            <a:avLst/>
+          </a:prstGeom>
+          <a:noFill/>
+        </p:spPr>
+        <p:txBody>
+          <a:bodyPr wrap="none" rtlCol="0">
+            <a:spAutoFit/>
+          </a:bodyPr>
+          <a:lstStyle/>
+          <a:p>
+            <a:r>
+              <a:rPr lang="en-US" sz="1400" dirty="0" smtClean="0"/>
+              <a:t>HTTP</a:t>
+            </a:r>
+            <a:endParaRPr lang="en-US" sz="1400" dirty="0"/>
+          </a:p>
+        </p:txBody>
+      </p:sp>
+      <p:grpSp>
+        <p:nvGrpSpPr>
+          <p:cNvPr id="79" name="グループ化 78"/>
+          <p:cNvGrpSpPr/>
+          <p:nvPr/>
+        </p:nvGrpSpPr>
+        <p:grpSpPr>
+          <a:xfrm>
+            <a:off x="6590923" y="2226425"/>
+            <a:ext cx="3730027" cy="1584919"/>
+            <a:chOff x="6590923" y="2226425"/>
+            <a:chExt cx="3730027" cy="1584919"/>
+          </a:xfrm>
+        </p:grpSpPr>
+        <p:sp>
+          <p:nvSpPr>
+            <p:cNvPr id="52" name="正方形/長方形 51"/>
             <p:cNvSpPr/>
             <p:nvPr/>
           </p:nvSpPr>
           <p:spPr>
             <a:xfrm>
-              <a:off x="4015740" y="2477744"/>
-              <a:ext cx="1165860" cy="325853"/>
+              <a:off x="6590923" y="2226425"/>
+              <a:ext cx="3730027" cy="1557924"/>
+            </a:xfrm>
+            <a:prstGeom prst="rect">
+              <a:avLst/>
+            </a:prstGeom>
+            <a:solidFill>
+              <a:schemeClr val="bg1"/>
+            </a:solidFill>
+          </p:spPr>
+          <p:style>
+            <a:lnRef idx="2">
+              <a:schemeClr val="dk1">
+                <a:shade val="50000"/>
+              </a:schemeClr>
+            </a:lnRef>
+            <a:fillRef idx="1">
+              <a:schemeClr val="dk1"/>
+            </a:fillRef>
+            <a:effectRef idx="0">
+              <a:schemeClr val="dk1"/>
+            </a:effectRef>
+            <a:fontRef idx="minor">
+              <a:schemeClr val="lt1"/>
+            </a:fontRef>
+          </p:style>
+          <p:txBody>
+            <a:bodyPr rtlCol="0" anchor="ctr"/>
+            <a:lstStyle/>
+            <a:p>
+              <a:pPr algn="ctr"/>
+              <a:endParaRPr lang="en-US" dirty="0"/>
+            </a:p>
+          </p:txBody>
+        </p:sp>
+        <p:sp>
+          <p:nvSpPr>
+            <p:cNvPr id="53" name="正方形/長方形 52"/>
+            <p:cNvSpPr/>
+            <p:nvPr/>
+          </p:nvSpPr>
+          <p:spPr>
+            <a:xfrm>
+              <a:off x="7988202" y="2333540"/>
+              <a:ext cx="1126807" cy="454927"/>
             </a:xfrm>
             <a:prstGeom prst="rect">
               <a:avLst/>
@@ -8299,9 +8955,25 @@
                     <a:schemeClr val="tx1"/>
                   </a:solidFill>
                 </a:rPr>
-                <a:t>Grammars</a:t>
+                <a:t>Application</a:t>
               </a:r>
-              <a:endParaRPr lang="en-US" sz="1400" dirty="0">
+              <a:r>
+                <a:rPr lang="en-US" sz="1400" dirty="0">
+                  <a:solidFill>
+                    <a:schemeClr val="tx1"/>
+                  </a:solidFill>
+                </a:rPr>
+                <a:t> </a:t>
+              </a:r>
+              <a:r>
+                <a:rPr lang="en-US" sz="1400" dirty="0" smtClean="0">
+                  <a:solidFill>
+                    <a:schemeClr val="tx1"/>
+                  </a:solidFill>
+                </a:rPr>
+                <a:t>Context</a:t>
+              </a:r>
+              <a:endParaRPr lang="en-US" sz="1400" dirty="0" smtClean="0">
                 <a:solidFill>
                   <a:schemeClr val="tx1"/>
                 </a:solidFill>
@@ -8311,14 +8983,14 @@
         </p:sp>
         <p:sp>
           <p:nvSpPr>
-            <p:cNvPr id="11" name="正方形/長方形 10"/>
+            <p:cNvPr id="54" name="正方形/長方形 53"/>
             <p:cNvSpPr/>
             <p:nvPr/>
           </p:nvSpPr>
           <p:spPr>
             <a:xfrm>
-              <a:off x="4015740" y="2950032"/>
-              <a:ext cx="1165860" cy="490601"/>
+              <a:off x="9299638" y="2333540"/>
+              <a:ext cx="941025" cy="454927"/>
             </a:xfrm>
             <a:prstGeom prst="rect">
               <a:avLst/>
@@ -8354,15 +9026,172 @@
                     <a:schemeClr val="tx1"/>
                   </a:solidFill>
                 </a:rPr>
-                <a:t>Recognition</a:t>
+                <a:t>Parameter Server</a:t>
               </a:r>
+              <a:endParaRPr lang="en-US" sz="1400" dirty="0">
+                <a:solidFill>
+                  <a:schemeClr val="tx1"/>
+                </a:solidFill>
+              </a:endParaRPr>
+            </a:p>
+          </p:txBody>
+        </p:sp>
+        <p:sp>
+          <p:nvSpPr>
+            <p:cNvPr id="57" name="正方形/長方形 56"/>
+            <p:cNvSpPr/>
+            <p:nvPr/>
+          </p:nvSpPr>
+          <p:spPr>
+            <a:xfrm>
+              <a:off x="9415604" y="3029151"/>
+              <a:ext cx="859853" cy="454927"/>
+            </a:xfrm>
+            <a:prstGeom prst="rect">
+              <a:avLst/>
+            </a:prstGeom>
+            <a:solidFill>
+              <a:schemeClr val="bg2"/>
+            </a:solidFill>
+          </p:spPr>
+          <p:style>
+            <a:lnRef idx="2">
+              <a:schemeClr val="dk1">
+                <a:shade val="50000"/>
+              </a:schemeClr>
+            </a:lnRef>
+            <a:fillRef idx="1">
+              <a:schemeClr val="dk1"/>
+            </a:fillRef>
+            <a:effectRef idx="0">
+              <a:schemeClr val="dk1"/>
+            </a:effectRef>
+            <a:fontRef idx="minor">
+              <a:schemeClr val="lt1"/>
+            </a:fontRef>
+          </p:style>
+          <p:txBody>
+            <a:bodyPr rtlCol="0" anchor="ctr"/>
+            <a:lstStyle/>
+            <a:p>
+              <a:pPr algn="ctr"/>
               <a:r>
-                <a:rPr lang="en-US" sz="1400" dirty="0">
+                <a:rPr lang="en-US" sz="1400" dirty="0" smtClean="0">
                   <a:solidFill>
                     <a:schemeClr val="tx1"/>
                   </a:solidFill>
                 </a:rPr>
-                <a:t> </a:t>
+                <a:t>Behavior program</a:t>
+              </a:r>
+              <a:endParaRPr lang="en-US" sz="1400" dirty="0">
+                <a:solidFill>
+                  <a:schemeClr val="tx1"/>
+                </a:solidFill>
+              </a:endParaRPr>
+            </a:p>
+          </p:txBody>
+        </p:sp>
+        <p:sp>
+          <p:nvSpPr>
+            <p:cNvPr id="58" name="正方形/長方形 57"/>
+            <p:cNvSpPr/>
+            <p:nvPr/>
+          </p:nvSpPr>
+          <p:spPr>
+            <a:xfrm>
+              <a:off x="7816183" y="3029151"/>
+              <a:ext cx="1485519" cy="454927"/>
+            </a:xfrm>
+            <a:prstGeom prst="rect">
+              <a:avLst/>
+            </a:prstGeom>
+            <a:solidFill>
+              <a:schemeClr val="bg1"/>
+            </a:solidFill>
+          </p:spPr>
+          <p:style>
+            <a:lnRef idx="2">
+              <a:schemeClr val="dk1">
+                <a:shade val="50000"/>
+              </a:schemeClr>
+            </a:lnRef>
+            <a:fillRef idx="1">
+              <a:schemeClr val="dk1"/>
+            </a:fillRef>
+            <a:effectRef idx="0">
+              <a:schemeClr val="dk1"/>
+            </a:effectRef>
+            <a:fontRef idx="minor">
+              <a:schemeClr val="lt1"/>
+            </a:fontRef>
+          </p:style>
+          <p:txBody>
+            <a:bodyPr rtlCol="0" anchor="ctr"/>
+            <a:lstStyle/>
+            <a:p>
+              <a:pPr algn="ctr"/>
+              <a:r>
+                <a:rPr lang="en-US" sz="1400" dirty="0" smtClean="0">
+                  <a:solidFill>
+                    <a:schemeClr val="tx1"/>
+                  </a:solidFill>
+                </a:rPr>
+                <a:t>Behavior execution engine</a:t>
+              </a:r>
+              <a:endParaRPr lang="en-US" sz="1400" dirty="0">
+                <a:solidFill>
+                  <a:schemeClr val="tx1"/>
+                </a:solidFill>
+              </a:endParaRPr>
+            </a:p>
+          </p:txBody>
+        </p:sp>
+        <p:sp>
+          <p:nvSpPr>
+            <p:cNvPr id="59" name="正方形/長方形 58"/>
+            <p:cNvSpPr/>
+            <p:nvPr/>
+          </p:nvSpPr>
+          <p:spPr>
+            <a:xfrm>
+              <a:off x="6618048" y="3034440"/>
+              <a:ext cx="1120445" cy="454927"/>
+            </a:xfrm>
+            <a:prstGeom prst="rect">
+              <a:avLst/>
+            </a:prstGeom>
+            <a:solidFill>
+              <a:schemeClr val="bg1"/>
+            </a:solidFill>
+          </p:spPr>
+          <p:style>
+            <a:lnRef idx="2">
+              <a:schemeClr val="dk1">
+                <a:shade val="50000"/>
+              </a:schemeClr>
+            </a:lnRef>
+            <a:fillRef idx="1">
+              <a:schemeClr val="dk1"/>
+            </a:fillRef>
+            <a:effectRef idx="0">
+              <a:schemeClr val="dk1"/>
+            </a:effectRef>
+            <a:fontRef idx="minor">
+              <a:schemeClr val="lt1"/>
+            </a:fontRef>
+          </p:style>
+          <p:txBody>
+            <a:bodyPr rtlCol="0" anchor="ctr"/>
+            <a:lstStyle/>
+            <a:p>
+              <a:pPr algn="ctr"/>
+              <a:r>
+                <a:rPr lang="en-US" sz="1400" dirty="0" smtClean="0">
+                  <a:solidFill>
+                    <a:schemeClr val="tx1"/>
+                  </a:solidFill>
+                </a:rPr>
+                <a:t>Contex</a:t>
               </a:r>
               <a:r>
                 <a:rPr lang="en-US" sz="1400" dirty="0" smtClean="0">
@@ -8370,9 +9199,9 @@
                     <a:schemeClr val="tx1"/>
                   </a:solidFill>
                 </a:rPr>
-                <a:t>algorithms</a:t>
+                <a:t>t orchestrator</a:t>
               </a:r>
-              <a:endParaRPr lang="en-US" sz="1400" dirty="0" smtClean="0">
+              <a:endParaRPr lang="en-US" sz="1400" dirty="0">
                 <a:solidFill>
                   <a:schemeClr val="tx1"/>
                 </a:solidFill>
@@ -8380,139 +9209,567 @@
             </a:p>
           </p:txBody>
         </p:sp>
+        <p:sp>
+          <p:nvSpPr>
+            <p:cNvPr id="60" name="正方形/長方形 59"/>
+            <p:cNvSpPr/>
+            <p:nvPr/>
+          </p:nvSpPr>
+          <p:spPr>
+            <a:xfrm>
+              <a:off x="6619523" y="2322814"/>
+              <a:ext cx="1165945" cy="465653"/>
+            </a:xfrm>
+            <a:prstGeom prst="rect">
+              <a:avLst/>
+            </a:prstGeom>
+            <a:solidFill>
+              <a:schemeClr val="bg1"/>
+            </a:solidFill>
+          </p:spPr>
+          <p:style>
+            <a:lnRef idx="2">
+              <a:schemeClr val="dk1">
+                <a:shade val="50000"/>
+              </a:schemeClr>
+            </a:lnRef>
+            <a:fillRef idx="1">
+              <a:schemeClr val="dk1"/>
+            </a:fillRef>
+            <a:effectRef idx="0">
+              <a:schemeClr val="dk1"/>
+            </a:effectRef>
+            <a:fontRef idx="minor">
+              <a:schemeClr val="lt1"/>
+            </a:fontRef>
+          </p:style>
+          <p:txBody>
+            <a:bodyPr rtlCol="0" anchor="ctr"/>
+            <a:lstStyle/>
+            <a:p>
+              <a:pPr algn="ctr"/>
+              <a:r>
+                <a:rPr lang="en-US" sz="1400" dirty="0" smtClean="0">
+                  <a:solidFill>
+                    <a:schemeClr val="tx1"/>
+                  </a:solidFill>
+                </a:rPr>
+                <a:t>Embedded web server</a:t>
+              </a:r>
+              <a:endParaRPr lang="en-US" sz="1400" dirty="0">
+                <a:solidFill>
+                  <a:schemeClr val="tx1"/>
+                </a:solidFill>
+              </a:endParaRPr>
+            </a:p>
+          </p:txBody>
+        </p:sp>
+        <p:sp>
+          <p:nvSpPr>
+            <p:cNvPr id="64" name="テキスト ボックス 63"/>
+            <p:cNvSpPr txBox="1"/>
+            <p:nvPr/>
+          </p:nvSpPr>
+          <p:spPr>
+            <a:xfrm>
+              <a:off x="7571144" y="3503567"/>
+              <a:ext cx="1960921" cy="307777"/>
+            </a:xfrm>
+            <a:prstGeom prst="rect">
+              <a:avLst/>
+            </a:prstGeom>
+            <a:noFill/>
+          </p:spPr>
+          <p:txBody>
+            <a:bodyPr wrap="none" rtlCol="0">
+              <a:spAutoFit/>
+            </a:bodyPr>
+            <a:lstStyle/>
+            <a:p>
+              <a:r>
+                <a:rPr lang="en-US" sz="1400" dirty="0" smtClean="0"/>
+                <a:t>Application components</a:t>
+              </a:r>
+              <a:endParaRPr lang="en-US" sz="1400" dirty="0"/>
+            </a:p>
+          </p:txBody>
+        </p:sp>
+        <p:cxnSp>
+          <p:nvCxnSpPr>
+            <p:cNvPr id="66" name="直線矢印コネクタ 65"/>
+            <p:cNvCxnSpPr>
+              <a:stCxn id="54" idx="1"/>
+              <a:endCxn id="53" idx="3"/>
+            </p:cNvCxnSpPr>
+            <p:nvPr/>
+          </p:nvCxnSpPr>
+          <p:spPr>
+            <a:xfrm flipH="1">
+              <a:off x="9115009" y="2561004"/>
+              <a:ext cx="184629" cy="0"/>
+            </a:xfrm>
+            <a:prstGeom prst="straightConnector1">
+              <a:avLst/>
+            </a:prstGeom>
+            <a:ln>
+              <a:solidFill>
+                <a:schemeClr val="tx1"/>
+              </a:solidFill>
+              <a:headEnd type="stealth"/>
+              <a:tailEnd type="triangle"/>
+            </a:ln>
+          </p:spPr>
+          <p:style>
+            <a:lnRef idx="1">
+              <a:schemeClr val="accent1"/>
+            </a:lnRef>
+            <a:fillRef idx="0">
+              <a:schemeClr val="accent1"/>
+            </a:fillRef>
+            <a:effectRef idx="0">
+              <a:schemeClr val="accent1"/>
+            </a:effectRef>
+            <a:fontRef idx="minor">
+              <a:schemeClr val="tx1"/>
+            </a:fontRef>
+          </p:style>
+        </p:cxnSp>
+        <p:cxnSp>
+          <p:nvCxnSpPr>
+            <p:cNvPr id="70" name="直線矢印コネクタ 69"/>
+            <p:cNvCxnSpPr>
+              <a:stCxn id="53" idx="1"/>
+              <a:endCxn id="60" idx="3"/>
+            </p:cNvCxnSpPr>
+            <p:nvPr/>
+          </p:nvCxnSpPr>
+          <p:spPr>
+            <a:xfrm flipH="1" flipV="1">
+              <a:off x="7785468" y="2555641"/>
+              <a:ext cx="202734" cy="5363"/>
+            </a:xfrm>
+            <a:prstGeom prst="straightConnector1">
+              <a:avLst/>
+            </a:prstGeom>
+            <a:ln>
+              <a:solidFill>
+                <a:schemeClr val="tx1"/>
+              </a:solidFill>
+              <a:headEnd type="stealth"/>
+              <a:tailEnd type="triangle"/>
+            </a:ln>
+          </p:spPr>
+          <p:style>
+            <a:lnRef idx="1">
+              <a:schemeClr val="accent1"/>
+            </a:lnRef>
+            <a:fillRef idx="0">
+              <a:schemeClr val="accent1"/>
+            </a:fillRef>
+            <a:effectRef idx="0">
+              <a:schemeClr val="accent1"/>
+            </a:effectRef>
+            <a:fontRef idx="minor">
+              <a:schemeClr val="tx1"/>
+            </a:fontRef>
+          </p:style>
+        </p:cxnSp>
+        <p:cxnSp>
+          <p:nvCxnSpPr>
+            <p:cNvPr id="75" name="カギ線コネクタ 74"/>
+            <p:cNvCxnSpPr>
+              <a:stCxn id="59" idx="0"/>
+              <a:endCxn id="53" idx="2"/>
+            </p:cNvCxnSpPr>
+            <p:nvPr/>
+          </p:nvCxnSpPr>
+          <p:spPr>
+            <a:xfrm rot="5400000" flipH="1" flipV="1">
+              <a:off x="7741952" y="2224787"/>
+              <a:ext cx="245973" cy="1373335"/>
+            </a:xfrm>
+            <a:prstGeom prst="bentConnector3">
+              <a:avLst/>
+            </a:prstGeom>
+            <a:ln>
+              <a:solidFill>
+                <a:schemeClr val="tx1"/>
+              </a:solidFill>
+              <a:tailEnd type="triangle"/>
+            </a:ln>
+          </p:spPr>
+          <p:style>
+            <a:lnRef idx="1">
+              <a:schemeClr val="accent1"/>
+            </a:lnRef>
+            <a:fillRef idx="0">
+              <a:schemeClr val="accent1"/>
+            </a:fillRef>
+            <a:effectRef idx="0">
+              <a:schemeClr val="accent1"/>
+            </a:effectRef>
+            <a:fontRef idx="minor">
+              <a:schemeClr val="tx1"/>
+            </a:fontRef>
+          </p:style>
+        </p:cxnSp>
+        <p:cxnSp>
+          <p:nvCxnSpPr>
+            <p:cNvPr id="78" name="直線矢印コネクタ 77"/>
+            <p:cNvCxnSpPr>
+              <a:endCxn id="57" idx="1"/>
+            </p:cNvCxnSpPr>
+            <p:nvPr/>
+          </p:nvCxnSpPr>
+          <p:spPr>
+            <a:xfrm>
+              <a:off x="9299638" y="3256614"/>
+              <a:ext cx="115966" cy="1"/>
+            </a:xfrm>
+            <a:prstGeom prst="straightConnector1">
+              <a:avLst/>
+            </a:prstGeom>
+            <a:ln>
+              <a:solidFill>
+                <a:schemeClr val="tx1"/>
+              </a:solidFill>
+              <a:tailEnd type="triangle"/>
+            </a:ln>
+          </p:spPr>
+          <p:style>
+            <a:lnRef idx="1">
+              <a:schemeClr val="accent1"/>
+            </a:lnRef>
+            <a:fillRef idx="0">
+              <a:schemeClr val="accent1"/>
+            </a:fillRef>
+            <a:effectRef idx="0">
+              <a:schemeClr val="accent1"/>
+            </a:effectRef>
+            <a:fontRef idx="minor">
+              <a:schemeClr val="tx1"/>
+            </a:fontRef>
+          </p:style>
+        </p:cxnSp>
+      </p:grpSp>
+      <p:grpSp>
+        <p:nvGrpSpPr>
+          <p:cNvPr id="80" name="グループ化 79"/>
+          <p:cNvGrpSpPr/>
+          <p:nvPr/>
+        </p:nvGrpSpPr>
+        <p:grpSpPr>
+          <a:xfrm>
+            <a:off x="5552185" y="3891464"/>
+            <a:ext cx="4768764" cy="1426620"/>
+            <a:chOff x="5552186" y="1401804"/>
+            <a:chExt cx="4768764" cy="1664532"/>
+          </a:xfrm>
+        </p:grpSpPr>
+        <p:sp>
+          <p:nvSpPr>
+            <p:cNvPr id="81" name="正方形/長方形 80"/>
+            <p:cNvSpPr/>
+            <p:nvPr/>
+          </p:nvSpPr>
+          <p:spPr>
+            <a:xfrm>
+              <a:off x="6590923" y="1401804"/>
+              <a:ext cx="3730027" cy="752921"/>
+            </a:xfrm>
+            <a:prstGeom prst="rect">
+              <a:avLst/>
+            </a:prstGeom>
+            <a:solidFill>
+              <a:schemeClr val="bg1"/>
+            </a:solidFill>
+          </p:spPr>
+          <p:style>
+            <a:lnRef idx="2">
+              <a:schemeClr val="dk1">
+                <a:shade val="50000"/>
+              </a:schemeClr>
+            </a:lnRef>
+            <a:fillRef idx="1">
+              <a:schemeClr val="dk1"/>
+            </a:fillRef>
+            <a:effectRef idx="0">
+              <a:schemeClr val="dk1"/>
+            </a:effectRef>
+            <a:fontRef idx="minor">
+              <a:schemeClr val="lt1"/>
+            </a:fontRef>
+          </p:style>
+          <p:txBody>
+            <a:bodyPr rtlCol="0" anchor="ctr"/>
+            <a:lstStyle/>
+            <a:p>
+              <a:pPr algn="ctr"/>
+              <a:endParaRPr lang="en-US" dirty="0"/>
+            </a:p>
+          </p:txBody>
+        </p:sp>
+        <p:sp>
+          <p:nvSpPr>
+            <p:cNvPr id="82" name="正方形/長方形 81"/>
+            <p:cNvSpPr/>
+            <p:nvPr/>
+          </p:nvSpPr>
+          <p:spPr>
+            <a:xfrm>
+              <a:off x="7738494" y="1660944"/>
+              <a:ext cx="1060487" cy="397513"/>
+            </a:xfrm>
+            <a:prstGeom prst="rect">
+              <a:avLst/>
+            </a:prstGeom>
+            <a:solidFill>
+              <a:schemeClr val="bg1"/>
+            </a:solidFill>
+          </p:spPr>
+          <p:style>
+            <a:lnRef idx="2">
+              <a:schemeClr val="dk1">
+                <a:shade val="50000"/>
+              </a:schemeClr>
+            </a:lnRef>
+            <a:fillRef idx="1">
+              <a:schemeClr val="dk1"/>
+            </a:fillRef>
+            <a:effectRef idx="0">
+              <a:schemeClr val="dk1"/>
+            </a:effectRef>
+            <a:fontRef idx="minor">
+              <a:schemeClr val="lt1"/>
+            </a:fontRef>
+          </p:style>
+          <p:txBody>
+            <a:bodyPr rtlCol="0" anchor="ctr"/>
+            <a:lstStyle/>
+            <a:p>
+              <a:pPr algn="ctr"/>
+              <a:r>
+                <a:rPr lang="en-US" sz="1400" dirty="0" smtClean="0">
+                  <a:solidFill>
+                    <a:schemeClr val="tx1"/>
+                  </a:solidFill>
+                </a:rPr>
+                <a:t>Localization</a:t>
+              </a:r>
+              <a:endParaRPr lang="en-US" sz="1400" dirty="0">
+                <a:solidFill>
+                  <a:schemeClr val="tx1"/>
+                </a:solidFill>
+              </a:endParaRPr>
+            </a:p>
+          </p:txBody>
+        </p:sp>
+        <p:sp>
+          <p:nvSpPr>
+            <p:cNvPr id="83" name="正方形/長方形 82"/>
+            <p:cNvSpPr/>
+            <p:nvPr/>
+          </p:nvSpPr>
+          <p:spPr>
+            <a:xfrm>
+              <a:off x="8876847" y="1487292"/>
+              <a:ext cx="882790" cy="571165"/>
+            </a:xfrm>
+            <a:prstGeom prst="rect">
+              <a:avLst/>
+            </a:prstGeom>
+            <a:solidFill>
+              <a:schemeClr val="bg1"/>
+            </a:solidFill>
+          </p:spPr>
+          <p:style>
+            <a:lnRef idx="2">
+              <a:schemeClr val="dk1">
+                <a:shade val="50000"/>
+              </a:schemeClr>
+            </a:lnRef>
+            <a:fillRef idx="1">
+              <a:schemeClr val="dk1"/>
+            </a:fillRef>
+            <a:effectRef idx="0">
+              <a:schemeClr val="dk1"/>
+            </a:effectRef>
+            <a:fontRef idx="minor">
+              <a:schemeClr val="lt1"/>
+            </a:fontRef>
+          </p:style>
+          <p:txBody>
+            <a:bodyPr rtlCol="0" anchor="ctr"/>
+            <a:lstStyle/>
+            <a:p>
+              <a:pPr algn="ctr"/>
+              <a:r>
+                <a:rPr lang="en-US" sz="1400" dirty="0" smtClean="0">
+                  <a:solidFill>
+                    <a:schemeClr val="tx1"/>
+                  </a:solidFill>
+                </a:rPr>
+                <a:t>Robot interface</a:t>
+              </a:r>
+              <a:endParaRPr lang="en-US" sz="1400" dirty="0">
+                <a:solidFill>
+                  <a:schemeClr val="tx1"/>
+                </a:solidFill>
+              </a:endParaRPr>
+            </a:p>
+          </p:txBody>
+        </p:sp>
+        <p:sp>
+          <p:nvSpPr>
+            <p:cNvPr id="84" name="テキスト ボックス 83"/>
+            <p:cNvSpPr txBox="1"/>
+            <p:nvPr/>
+          </p:nvSpPr>
+          <p:spPr>
+            <a:xfrm>
+              <a:off x="5552186" y="2543116"/>
+              <a:ext cx="836383" cy="523220"/>
+            </a:xfrm>
+            <a:prstGeom prst="rect">
+              <a:avLst/>
+            </a:prstGeom>
+            <a:noFill/>
+          </p:spPr>
+          <p:txBody>
+            <a:bodyPr wrap="none" rtlCol="0">
+              <a:spAutoFit/>
+            </a:bodyPr>
+            <a:lstStyle/>
+            <a:p>
+              <a:r>
+                <a:rPr lang="en-US" sz="1400" dirty="0" smtClean="0"/>
+                <a:t>Web</a:t>
+              </a:r>
+            </a:p>
+            <a:p>
+              <a:r>
+                <a:rPr lang="en-US" sz="1400" dirty="0" smtClean="0"/>
+                <a:t>Interface</a:t>
+              </a:r>
+              <a:endParaRPr lang="en-US" sz="1400" dirty="0"/>
+            </a:p>
+          </p:txBody>
+        </p:sp>
       </p:grpSp>
       <p:sp>
         <p:nvSpPr>
-          <p:cNvPr id="38" name="テキスト ボックス 37"/>
-          <p:cNvSpPr txBox="1"/>
+          <p:cNvPr id="85" name="正方形/長方形 84"/>
+          <p:cNvSpPr/>
           <p:nvPr/>
         </p:nvSpPr>
         <p:spPr>
           <a:xfrm>
-            <a:off x="4854042" y="1052835"/>
-            <a:ext cx="1523494" cy="307777"/>
+            <a:off x="6650228" y="3977078"/>
+            <a:ext cx="1032710" cy="489528"/>
           </a:xfrm>
           <a:prstGeom prst="rect">
             <a:avLst/>
           </a:prstGeom>
-          <a:noFill/>
+          <a:solidFill>
+            <a:schemeClr val="bg1"/>
+          </a:solidFill>
         </p:spPr>
+        <p:style>
+          <a:lnRef idx="2">
+            <a:schemeClr val="dk1">
+              <a:shade val="50000"/>
+            </a:schemeClr>
+          </a:lnRef>
+          <a:fillRef idx="1">
+            <a:schemeClr val="dk1"/>
+          </a:fillRef>
+          <a:effectRef idx="0">
+            <a:schemeClr val="dk1"/>
+          </a:effectRef>
+          <a:fontRef idx="minor">
+            <a:schemeClr val="lt1"/>
+          </a:fontRef>
+        </p:style>
         <p:txBody>
-          <a:bodyPr wrap="none" rtlCol="0">
-            <a:spAutoFit/>
-          </a:bodyPr>
+          <a:bodyPr rtlCol="0" anchor="ctr"/>
           <a:lstStyle/>
           <a:p>
-            <a:r>
-              <a:rPr lang="en-US" sz="1400" dirty="0" smtClean="0"/>
-              <a:t>Feature extraction</a:t>
-            </a:r>
-            <a:endParaRPr lang="en-US" sz="1400" dirty="0"/>
+            <a:pPr algn="ctr"/>
+            <a:r>
+              <a:rPr lang="en-US" sz="1400" dirty="0" smtClean="0">
+                <a:solidFill>
+                  <a:schemeClr val="tx1"/>
+                </a:solidFill>
+              </a:rPr>
+              <a:t>Motion recognition</a:t>
+            </a:r>
+            <a:endParaRPr lang="en-US" sz="1400" dirty="0">
+              <a:solidFill>
+                <a:schemeClr val="tx1"/>
+              </a:solidFill>
+            </a:endParaRPr>
           </a:p>
         </p:txBody>
       </p:sp>
-      <p:cxnSp>
-        <p:nvCxnSpPr>
-          <p:cNvPr id="46" name="直線矢印コネクタ 45"/>
-          <p:cNvCxnSpPr>
-            <a:stCxn id="11" idx="2"/>
-          </p:cNvCxnSpPr>
-          <p:nvPr/>
-        </p:nvCxnSpPr>
-        <p:spPr>
-          <a:xfrm>
-            <a:off x="4845805" y="3045217"/>
-            <a:ext cx="0" cy="357010"/>
-          </a:xfrm>
-          <a:prstGeom prst="straightConnector1">
-            <a:avLst/>
-          </a:prstGeom>
-          <a:ln w="12700">
-            <a:solidFill>
-              <a:schemeClr val="tx1"/>
-            </a:solidFill>
-            <a:tailEnd type="triangle"/>
-          </a:ln>
-        </p:spPr>
-        <p:style>
-          <a:lnRef idx="1">
-            <a:schemeClr val="accent1"/>
-          </a:lnRef>
-          <a:fillRef idx="0">
-            <a:schemeClr val="accent1"/>
-          </a:fillRef>
-          <a:effectRef idx="0">
-            <a:schemeClr val="accent1"/>
-          </a:effectRef>
-          <a:fontRef idx="minor">
-            <a:schemeClr val="tx1"/>
-          </a:fontRef>
-        </p:style>
-      </p:cxnSp>
       <p:sp>
         <p:nvSpPr>
-          <p:cNvPr id="49" name="テキスト ボックス 48"/>
-          <p:cNvSpPr txBox="1"/>
+          <p:cNvPr id="86" name="正方形/長方形 85"/>
+          <p:cNvSpPr/>
           <p:nvPr/>
         </p:nvSpPr>
         <p:spPr>
           <a:xfrm>
-            <a:off x="4845805" y="3168243"/>
-            <a:ext cx="1508170" cy="307777"/>
+            <a:off x="7651847" y="4849102"/>
+            <a:ext cx="1032710" cy="489528"/>
           </a:xfrm>
           <a:prstGeom prst="rect">
             <a:avLst/>
           </a:prstGeom>
-          <a:noFill/>
+          <a:solidFill>
+            <a:schemeClr val="bg1"/>
+          </a:solidFill>
         </p:spPr>
+        <p:style>
+          <a:lnRef idx="2">
+            <a:schemeClr val="dk1">
+              <a:shade val="50000"/>
+            </a:schemeClr>
+          </a:lnRef>
+          <a:fillRef idx="1">
+            <a:schemeClr val="dk1"/>
+          </a:fillRef>
+          <a:effectRef idx="0">
+            <a:schemeClr val="dk1"/>
+          </a:effectRef>
+          <a:fontRef idx="minor">
+            <a:schemeClr val="lt1"/>
+          </a:fontRef>
+        </p:style>
         <p:txBody>
-          <a:bodyPr wrap="none" rtlCol="0">
-            <a:spAutoFit/>
-          </a:bodyPr>
+          <a:bodyPr rtlCol="0" anchor="ctr"/>
           <a:lstStyle/>
           <a:p>
-            <a:r>
-              <a:rPr lang="en-US" sz="1400" dirty="0" smtClean="0"/>
-              <a:t>Recognition result</a:t>
-            </a:r>
-            <a:endParaRPr lang="en-US" sz="1400" dirty="0"/>
-          </a:p>
-        </p:txBody>
-      </p:sp>
-      <p:sp>
-        <p:nvSpPr>
-          <p:cNvPr id="50" name="テキスト ボックス 49"/>
-          <p:cNvSpPr txBox="1"/>
-          <p:nvPr/>
-        </p:nvSpPr>
-        <p:spPr>
-          <a:xfrm>
-            <a:off x="3826268" y="1851915"/>
-            <a:ext cx="461665" cy="881588"/>
-          </a:xfrm>
-          <a:prstGeom prst="rect">
-            <a:avLst/>
-          </a:prstGeom>
-          <a:noFill/>
-        </p:spPr>
-        <p:txBody>
-          <a:bodyPr vert="vert270" wrap="none" rtlCol="0">
-            <a:spAutoFit/>
-          </a:bodyPr>
-          <a:lstStyle/>
-          <a:p>
-            <a:r>
-              <a:rPr lang="en-US" dirty="0" smtClean="0"/>
-              <a:t>Backend</a:t>
-            </a:r>
-            <a:endParaRPr lang="en-US" dirty="0"/>
+            <a:pPr algn="ctr"/>
+            <a:r>
+              <a:rPr lang="en-US" sz="1400" dirty="0" smtClean="0">
+                <a:solidFill>
+                  <a:schemeClr val="tx1"/>
+                </a:solidFill>
+              </a:rPr>
+              <a:t>Speech recognition</a:t>
+            </a:r>
+            <a:endParaRPr lang="en-US" sz="1400" dirty="0">
+              <a:solidFill>
+                <a:schemeClr val="tx1"/>
+              </a:solidFill>
+            </a:endParaRPr>
           </a:p>
         </p:txBody>
       </p:sp>
     </p:spTree>
     <p:extLst>
       <p:ext uri="{BB962C8B-B14F-4D97-AF65-F5344CB8AC3E}">
-        <p14:creationId xmlns:p14="http://schemas.microsoft.com/office/powerpoint/2010/main" val="2189289424"/>
+        <p14:creationId xmlns:p14="http://schemas.microsoft.com/office/powerpoint/2010/main" val="3665536212"/>
       </p:ext>
     </p:extLst>
   </p:cSld>

--- a/docs/Misc/Pictures.pptx
+++ b/docs/Misc/Pictures.pptx
@@ -8581,47 +8581,1957 @@
       </p:pic>
       <p:grpSp>
         <p:nvGrpSpPr>
-          <p:cNvPr id="56" name="グループ化 55"/>
+          <p:cNvPr id="130" name="グループ化 129"/>
           <p:cNvGrpSpPr/>
           <p:nvPr/>
         </p:nvGrpSpPr>
         <p:grpSpPr>
           <a:xfrm>
-            <a:off x="6590923" y="1401805"/>
-            <a:ext cx="3730027" cy="645306"/>
-            <a:chOff x="6590923" y="1401804"/>
-            <a:chExt cx="3730027" cy="752921"/>
+            <a:off x="5803271" y="588475"/>
+            <a:ext cx="3874883" cy="4771176"/>
+            <a:chOff x="5803271" y="588475"/>
+            <a:chExt cx="3874883" cy="4771176"/>
           </a:xfrm>
         </p:grpSpPr>
+        <p:grpSp>
+          <p:nvGrpSpPr>
+            <p:cNvPr id="127" name="グループ化 126"/>
+            <p:cNvGrpSpPr/>
+            <p:nvPr/>
+          </p:nvGrpSpPr>
+          <p:grpSpPr>
+            <a:xfrm>
+              <a:off x="5875698" y="669230"/>
+              <a:ext cx="3730028" cy="4613377"/>
+              <a:chOff x="6590922" y="1401805"/>
+              <a:chExt cx="3730028" cy="4613377"/>
+            </a:xfrm>
+          </p:grpSpPr>
+          <p:grpSp>
+            <p:nvGrpSpPr>
+              <p:cNvPr id="56" name="グループ化 55"/>
+              <p:cNvGrpSpPr/>
+              <p:nvPr/>
+            </p:nvGrpSpPr>
+            <p:grpSpPr>
+              <a:xfrm>
+                <a:off x="6590923" y="1401805"/>
+                <a:ext cx="3730027" cy="645306"/>
+                <a:chOff x="6590923" y="1401804"/>
+                <a:chExt cx="3730027" cy="752921"/>
+              </a:xfrm>
+            </p:grpSpPr>
+            <p:sp>
+              <p:nvSpPr>
+                <p:cNvPr id="8" name="正方形/長方形 7"/>
+                <p:cNvSpPr/>
+                <p:nvPr/>
+              </p:nvSpPr>
+              <p:spPr>
+                <a:xfrm>
+                  <a:off x="6590923" y="1401804"/>
+                  <a:ext cx="3730027" cy="752921"/>
+                </a:xfrm>
+                <a:prstGeom prst="rect">
+                  <a:avLst/>
+                </a:prstGeom>
+                <a:solidFill>
+                  <a:schemeClr val="bg1"/>
+                </a:solidFill>
+              </p:spPr>
+              <p:style>
+                <a:lnRef idx="2">
+                  <a:schemeClr val="dk1">
+                    <a:shade val="50000"/>
+                  </a:schemeClr>
+                </a:lnRef>
+                <a:fillRef idx="1">
+                  <a:schemeClr val="dk1"/>
+                </a:fillRef>
+                <a:effectRef idx="0">
+                  <a:schemeClr val="dk1"/>
+                </a:effectRef>
+                <a:fontRef idx="minor">
+                  <a:schemeClr val="lt1"/>
+                </a:fontRef>
+              </p:style>
+              <p:txBody>
+                <a:bodyPr rtlCol="0" anchor="ctr"/>
+                <a:lstStyle/>
+                <a:p>
+                  <a:pPr algn="ctr"/>
+                  <a:endParaRPr lang="en-US" dirty="0"/>
+                </a:p>
+              </p:txBody>
+            </p:sp>
+            <p:sp>
+              <p:nvSpPr>
+                <p:cNvPr id="40" name="正方形/長方形 39"/>
+                <p:cNvSpPr/>
+                <p:nvPr/>
+              </p:nvSpPr>
+              <p:spPr>
+                <a:xfrm>
+                  <a:off x="7672174" y="1487292"/>
+                  <a:ext cx="1126807" cy="571165"/>
+                </a:xfrm>
+                <a:prstGeom prst="rect">
+                  <a:avLst/>
+                </a:prstGeom>
+                <a:solidFill>
+                  <a:schemeClr val="bg1"/>
+                </a:solidFill>
+              </p:spPr>
+              <p:style>
+                <a:lnRef idx="2">
+                  <a:schemeClr val="dk1">
+                    <a:shade val="50000"/>
+                  </a:schemeClr>
+                </a:lnRef>
+                <a:fillRef idx="1">
+                  <a:schemeClr val="dk1"/>
+                </a:fillRef>
+                <a:effectRef idx="0">
+                  <a:schemeClr val="dk1"/>
+                </a:effectRef>
+                <a:fontRef idx="minor">
+                  <a:schemeClr val="lt1"/>
+                </a:fontRef>
+              </p:style>
+              <p:txBody>
+                <a:bodyPr rtlCol="0" anchor="ctr"/>
+                <a:lstStyle/>
+                <a:p>
+                  <a:pPr algn="ctr"/>
+                  <a:r>
+                    <a:rPr lang="en-US" sz="1400" dirty="0" smtClean="0">
+                      <a:solidFill>
+                        <a:schemeClr val="tx1"/>
+                      </a:solidFill>
+                    </a:rPr>
+                    <a:t>Behavior designer</a:t>
+                  </a:r>
+                  <a:endParaRPr lang="en-US" sz="1400" dirty="0">
+                    <a:solidFill>
+                      <a:schemeClr val="tx1"/>
+                    </a:solidFill>
+                  </a:endParaRPr>
+                </a:p>
+              </p:txBody>
+            </p:sp>
+            <p:sp>
+              <p:nvSpPr>
+                <p:cNvPr id="50" name="正方形/長方形 49"/>
+                <p:cNvSpPr/>
+                <p:nvPr/>
+              </p:nvSpPr>
+              <p:spPr>
+                <a:xfrm>
+                  <a:off x="8876847" y="1487292"/>
+                  <a:ext cx="1163226" cy="571165"/>
+                </a:xfrm>
+                <a:prstGeom prst="rect">
+                  <a:avLst/>
+                </a:prstGeom>
+                <a:solidFill>
+                  <a:schemeClr val="bg1"/>
+                </a:solidFill>
+              </p:spPr>
+              <p:style>
+                <a:lnRef idx="2">
+                  <a:schemeClr val="dk1">
+                    <a:shade val="50000"/>
+                  </a:schemeClr>
+                </a:lnRef>
+                <a:fillRef idx="1">
+                  <a:schemeClr val="dk1"/>
+                </a:fillRef>
+                <a:effectRef idx="0">
+                  <a:schemeClr val="dk1"/>
+                </a:effectRef>
+                <a:fontRef idx="minor">
+                  <a:schemeClr val="lt1"/>
+                </a:fontRef>
+              </p:style>
+              <p:txBody>
+                <a:bodyPr rtlCol="0" anchor="ctr"/>
+                <a:lstStyle/>
+                <a:p>
+                  <a:pPr algn="ctr"/>
+                  <a:r>
+                    <a:rPr lang="en-US" sz="1400" dirty="0" smtClean="0">
+                      <a:solidFill>
+                        <a:schemeClr val="tx1"/>
+                      </a:solidFill>
+                    </a:rPr>
+                    <a:t>Visualization</a:t>
+                  </a:r>
+                  <a:endParaRPr lang="en-US" sz="1400" dirty="0">
+                    <a:solidFill>
+                      <a:schemeClr val="tx1"/>
+                    </a:solidFill>
+                  </a:endParaRPr>
+                </a:p>
+              </p:txBody>
+            </p:sp>
+            <p:sp>
+              <p:nvSpPr>
+                <p:cNvPr id="51" name="テキスト ボックス 50"/>
+                <p:cNvSpPr txBox="1"/>
+                <p:nvPr/>
+              </p:nvSpPr>
+              <p:spPr>
+                <a:xfrm>
+                  <a:off x="6650228" y="1455098"/>
+                  <a:ext cx="836383" cy="523220"/>
+                </a:xfrm>
+                <a:prstGeom prst="rect">
+                  <a:avLst/>
+                </a:prstGeom>
+                <a:noFill/>
+              </p:spPr>
+              <p:txBody>
+                <a:bodyPr wrap="none" rtlCol="0">
+                  <a:spAutoFit/>
+                </a:bodyPr>
+                <a:lstStyle/>
+                <a:p>
+                  <a:r>
+                    <a:rPr lang="en-US" sz="1400" dirty="0" smtClean="0"/>
+                    <a:t>Web</a:t>
+                  </a:r>
+                </a:p>
+                <a:p>
+                  <a:r>
+                    <a:rPr lang="en-US" sz="1400" dirty="0" smtClean="0"/>
+                    <a:t>Interface</a:t>
+                  </a:r>
+                  <a:endParaRPr lang="en-US" sz="1400" dirty="0"/>
+                </a:p>
+              </p:txBody>
+            </p:sp>
+          </p:grpSp>
+          <p:cxnSp>
+            <p:nvCxnSpPr>
+              <p:cNvPr id="62" name="直線矢印コネクタ 61"/>
+              <p:cNvCxnSpPr>
+                <a:stCxn id="8" idx="2"/>
+                <a:endCxn id="52" idx="0"/>
+              </p:cNvCxnSpPr>
+              <p:nvPr/>
+            </p:nvCxnSpPr>
+            <p:spPr>
+              <a:xfrm>
+                <a:off x="8455937" y="2047111"/>
+                <a:ext cx="0" cy="179314"/>
+              </a:xfrm>
+              <a:prstGeom prst="straightConnector1">
+                <a:avLst/>
+              </a:prstGeom>
+              <a:ln>
+                <a:solidFill>
+                  <a:schemeClr val="tx1"/>
+                </a:solidFill>
+                <a:headEnd type="stealth"/>
+                <a:tailEnd type="triangle"/>
+              </a:ln>
+            </p:spPr>
+            <p:style>
+              <a:lnRef idx="1">
+                <a:schemeClr val="accent1"/>
+              </a:lnRef>
+              <a:fillRef idx="0">
+                <a:schemeClr val="accent1"/>
+              </a:fillRef>
+              <a:effectRef idx="0">
+                <a:schemeClr val="accent1"/>
+              </a:effectRef>
+              <a:fontRef idx="minor">
+                <a:schemeClr val="tx1"/>
+              </a:fontRef>
+            </p:style>
+          </p:cxnSp>
+          <p:sp>
+            <p:nvSpPr>
+              <p:cNvPr id="63" name="テキスト ボックス 62"/>
+              <p:cNvSpPr txBox="1"/>
+              <p:nvPr/>
+            </p:nvSpPr>
+            <p:spPr>
+              <a:xfrm>
+                <a:off x="8492148" y="2000337"/>
+                <a:ext cx="568617" cy="307777"/>
+              </a:xfrm>
+              <a:prstGeom prst="rect">
+                <a:avLst/>
+              </a:prstGeom>
+              <a:noFill/>
+            </p:spPr>
+            <p:txBody>
+              <a:bodyPr wrap="none" rtlCol="0">
+                <a:spAutoFit/>
+              </a:bodyPr>
+              <a:lstStyle/>
+              <a:p>
+                <a:r>
+                  <a:rPr lang="en-US" sz="1400" dirty="0" smtClean="0"/>
+                  <a:t>HTTP</a:t>
+                </a:r>
+                <a:endParaRPr lang="en-US" sz="1400" dirty="0"/>
+              </a:p>
+            </p:txBody>
+          </p:sp>
+          <p:grpSp>
+            <p:nvGrpSpPr>
+              <p:cNvPr id="79" name="グループ化 78"/>
+              <p:cNvGrpSpPr/>
+              <p:nvPr/>
+            </p:nvGrpSpPr>
+            <p:grpSpPr>
+              <a:xfrm>
+                <a:off x="6590923" y="2226425"/>
+                <a:ext cx="3730027" cy="1575799"/>
+                <a:chOff x="6590923" y="2226425"/>
+                <a:chExt cx="3730027" cy="1575799"/>
+              </a:xfrm>
+            </p:grpSpPr>
+            <p:sp>
+              <p:nvSpPr>
+                <p:cNvPr id="52" name="正方形/長方形 51"/>
+                <p:cNvSpPr/>
+                <p:nvPr/>
+              </p:nvSpPr>
+              <p:spPr>
+                <a:xfrm>
+                  <a:off x="6590923" y="2226425"/>
+                  <a:ext cx="3730027" cy="1557924"/>
+                </a:xfrm>
+                <a:prstGeom prst="rect">
+                  <a:avLst/>
+                </a:prstGeom>
+                <a:solidFill>
+                  <a:schemeClr val="bg1"/>
+                </a:solidFill>
+              </p:spPr>
+              <p:style>
+                <a:lnRef idx="2">
+                  <a:schemeClr val="dk1">
+                    <a:shade val="50000"/>
+                  </a:schemeClr>
+                </a:lnRef>
+                <a:fillRef idx="1">
+                  <a:schemeClr val="dk1"/>
+                </a:fillRef>
+                <a:effectRef idx="0">
+                  <a:schemeClr val="dk1"/>
+                </a:effectRef>
+                <a:fontRef idx="minor">
+                  <a:schemeClr val="lt1"/>
+                </a:fontRef>
+              </p:style>
+              <p:txBody>
+                <a:bodyPr rtlCol="0" anchor="ctr"/>
+                <a:lstStyle/>
+                <a:p>
+                  <a:pPr algn="ctr"/>
+                  <a:endParaRPr lang="en-US" dirty="0"/>
+                </a:p>
+              </p:txBody>
+            </p:sp>
+            <p:sp>
+              <p:nvSpPr>
+                <p:cNvPr id="53" name="正方形/長方形 52"/>
+                <p:cNvSpPr/>
+                <p:nvPr/>
+              </p:nvSpPr>
+              <p:spPr>
+                <a:xfrm>
+                  <a:off x="8006308" y="2333540"/>
+                  <a:ext cx="1126807" cy="454927"/>
+                </a:xfrm>
+                <a:prstGeom prst="rect">
+                  <a:avLst/>
+                </a:prstGeom>
+                <a:solidFill>
+                  <a:schemeClr val="bg1"/>
+                </a:solidFill>
+              </p:spPr>
+              <p:style>
+                <a:lnRef idx="2">
+                  <a:schemeClr val="dk1">
+                    <a:shade val="50000"/>
+                  </a:schemeClr>
+                </a:lnRef>
+                <a:fillRef idx="1">
+                  <a:schemeClr val="dk1"/>
+                </a:fillRef>
+                <a:effectRef idx="0">
+                  <a:schemeClr val="dk1"/>
+                </a:effectRef>
+                <a:fontRef idx="minor">
+                  <a:schemeClr val="lt1"/>
+                </a:fontRef>
+              </p:style>
+              <p:txBody>
+                <a:bodyPr rtlCol="0" anchor="ctr"/>
+                <a:lstStyle/>
+                <a:p>
+                  <a:pPr algn="ctr"/>
+                  <a:r>
+                    <a:rPr lang="en-US" sz="1400" dirty="0" smtClean="0">
+                      <a:solidFill>
+                        <a:schemeClr val="tx1"/>
+                      </a:solidFill>
+                    </a:rPr>
+                    <a:t>Application</a:t>
+                  </a:r>
+                  <a:r>
+                    <a:rPr lang="en-US" sz="1400" dirty="0">
+                      <a:solidFill>
+                        <a:schemeClr val="tx1"/>
+                      </a:solidFill>
+                    </a:rPr>
+                    <a:t> </a:t>
+                  </a:r>
+                  <a:r>
+                    <a:rPr lang="en-US" sz="1400" dirty="0" smtClean="0">
+                      <a:solidFill>
+                        <a:schemeClr val="tx1"/>
+                      </a:solidFill>
+                    </a:rPr>
+                    <a:t>Context</a:t>
+                  </a:r>
+                  <a:endParaRPr lang="en-US" sz="1400" dirty="0" smtClean="0">
+                    <a:solidFill>
+                      <a:schemeClr val="tx1"/>
+                    </a:solidFill>
+                  </a:endParaRPr>
+                </a:p>
+              </p:txBody>
+            </p:sp>
+            <p:sp>
+              <p:nvSpPr>
+                <p:cNvPr id="54" name="正方形/長方形 53"/>
+                <p:cNvSpPr/>
+                <p:nvPr/>
+              </p:nvSpPr>
+              <p:spPr>
+                <a:xfrm>
+                  <a:off x="9317744" y="2333540"/>
+                  <a:ext cx="941025" cy="454927"/>
+                </a:xfrm>
+                <a:prstGeom prst="rect">
+                  <a:avLst/>
+                </a:prstGeom>
+                <a:solidFill>
+                  <a:schemeClr val="bg1"/>
+                </a:solidFill>
+              </p:spPr>
+              <p:style>
+                <a:lnRef idx="2">
+                  <a:schemeClr val="dk1">
+                    <a:shade val="50000"/>
+                  </a:schemeClr>
+                </a:lnRef>
+                <a:fillRef idx="1">
+                  <a:schemeClr val="dk1"/>
+                </a:fillRef>
+                <a:effectRef idx="0">
+                  <a:schemeClr val="dk1"/>
+                </a:effectRef>
+                <a:fontRef idx="minor">
+                  <a:schemeClr val="lt1"/>
+                </a:fontRef>
+              </p:style>
+              <p:txBody>
+                <a:bodyPr rtlCol="0" anchor="ctr"/>
+                <a:lstStyle/>
+                <a:p>
+                  <a:pPr algn="ctr"/>
+                  <a:r>
+                    <a:rPr lang="en-US" sz="1400" dirty="0" smtClean="0">
+                      <a:solidFill>
+                        <a:schemeClr val="tx1"/>
+                      </a:solidFill>
+                    </a:rPr>
+                    <a:t>Parameter Server</a:t>
+                  </a:r>
+                  <a:endParaRPr lang="en-US" sz="1400" dirty="0">
+                    <a:solidFill>
+                      <a:schemeClr val="tx1"/>
+                    </a:solidFill>
+                  </a:endParaRPr>
+                </a:p>
+              </p:txBody>
+            </p:sp>
+            <p:sp>
+              <p:nvSpPr>
+                <p:cNvPr id="57" name="正方形/長方形 56"/>
+                <p:cNvSpPr/>
+                <p:nvPr/>
+              </p:nvSpPr>
+              <p:spPr>
+                <a:xfrm>
+                  <a:off x="9397498" y="3029151"/>
+                  <a:ext cx="859853" cy="454927"/>
+                </a:xfrm>
+                <a:prstGeom prst="rect">
+                  <a:avLst/>
+                </a:prstGeom>
+                <a:solidFill>
+                  <a:schemeClr val="bg2"/>
+                </a:solidFill>
+              </p:spPr>
+              <p:style>
+                <a:lnRef idx="2">
+                  <a:schemeClr val="dk1">
+                    <a:shade val="50000"/>
+                  </a:schemeClr>
+                </a:lnRef>
+                <a:fillRef idx="1">
+                  <a:schemeClr val="dk1"/>
+                </a:fillRef>
+                <a:effectRef idx="0">
+                  <a:schemeClr val="dk1"/>
+                </a:effectRef>
+                <a:fontRef idx="minor">
+                  <a:schemeClr val="lt1"/>
+                </a:fontRef>
+              </p:style>
+              <p:txBody>
+                <a:bodyPr rtlCol="0" anchor="ctr"/>
+                <a:lstStyle/>
+                <a:p>
+                  <a:pPr algn="ctr"/>
+                  <a:r>
+                    <a:rPr lang="en-US" sz="1400" dirty="0" smtClean="0">
+                      <a:solidFill>
+                        <a:schemeClr val="tx1"/>
+                      </a:solidFill>
+                    </a:rPr>
+                    <a:t>Behavior program</a:t>
+                  </a:r>
+                  <a:endParaRPr lang="en-US" sz="1400" dirty="0">
+                    <a:solidFill>
+                      <a:schemeClr val="tx1"/>
+                    </a:solidFill>
+                  </a:endParaRPr>
+                </a:p>
+              </p:txBody>
+            </p:sp>
+            <p:sp>
+              <p:nvSpPr>
+                <p:cNvPr id="58" name="正方形/長方形 57"/>
+                <p:cNvSpPr/>
+                <p:nvPr/>
+              </p:nvSpPr>
+              <p:spPr>
+                <a:xfrm>
+                  <a:off x="7816184" y="3029151"/>
+                  <a:ext cx="1437962" cy="454927"/>
+                </a:xfrm>
+                <a:prstGeom prst="rect">
+                  <a:avLst/>
+                </a:prstGeom>
+                <a:solidFill>
+                  <a:schemeClr val="bg1"/>
+                </a:solidFill>
+              </p:spPr>
+              <p:style>
+                <a:lnRef idx="2">
+                  <a:schemeClr val="dk1">
+                    <a:shade val="50000"/>
+                  </a:schemeClr>
+                </a:lnRef>
+                <a:fillRef idx="1">
+                  <a:schemeClr val="dk1"/>
+                </a:fillRef>
+                <a:effectRef idx="0">
+                  <a:schemeClr val="dk1"/>
+                </a:effectRef>
+                <a:fontRef idx="minor">
+                  <a:schemeClr val="lt1"/>
+                </a:fontRef>
+              </p:style>
+              <p:txBody>
+                <a:bodyPr rtlCol="0" anchor="ctr"/>
+                <a:lstStyle/>
+                <a:p>
+                  <a:pPr algn="ctr"/>
+                  <a:r>
+                    <a:rPr lang="en-US" sz="1400" dirty="0" smtClean="0">
+                      <a:solidFill>
+                        <a:schemeClr val="tx1"/>
+                      </a:solidFill>
+                    </a:rPr>
+                    <a:t>Behavior execution engine</a:t>
+                  </a:r>
+                  <a:endParaRPr lang="en-US" sz="1400" dirty="0">
+                    <a:solidFill>
+                      <a:schemeClr val="tx1"/>
+                    </a:solidFill>
+                  </a:endParaRPr>
+                </a:p>
+              </p:txBody>
+            </p:sp>
+            <p:sp>
+              <p:nvSpPr>
+                <p:cNvPr id="59" name="正方形/長方形 58"/>
+                <p:cNvSpPr/>
+                <p:nvPr/>
+              </p:nvSpPr>
+              <p:spPr>
+                <a:xfrm>
+                  <a:off x="6650228" y="3034440"/>
+                  <a:ext cx="1088265" cy="454927"/>
+                </a:xfrm>
+                <a:prstGeom prst="rect">
+                  <a:avLst/>
+                </a:prstGeom>
+                <a:solidFill>
+                  <a:schemeClr val="bg1"/>
+                </a:solidFill>
+              </p:spPr>
+              <p:style>
+                <a:lnRef idx="2">
+                  <a:schemeClr val="dk1">
+                    <a:shade val="50000"/>
+                  </a:schemeClr>
+                </a:lnRef>
+                <a:fillRef idx="1">
+                  <a:schemeClr val="dk1"/>
+                </a:fillRef>
+                <a:effectRef idx="0">
+                  <a:schemeClr val="dk1"/>
+                </a:effectRef>
+                <a:fontRef idx="minor">
+                  <a:schemeClr val="lt1"/>
+                </a:fontRef>
+              </p:style>
+              <p:txBody>
+                <a:bodyPr rtlCol="0" anchor="ctr"/>
+                <a:lstStyle/>
+                <a:p>
+                  <a:pPr algn="ctr"/>
+                  <a:r>
+                    <a:rPr lang="en-US" sz="1400" dirty="0" smtClean="0">
+                      <a:solidFill>
+                        <a:schemeClr val="tx1"/>
+                      </a:solidFill>
+                    </a:rPr>
+                    <a:t>Contex</a:t>
+                  </a:r>
+                  <a:r>
+                    <a:rPr lang="en-US" sz="1400" dirty="0" smtClean="0">
+                      <a:solidFill>
+                        <a:schemeClr val="tx1"/>
+                      </a:solidFill>
+                    </a:rPr>
+                    <a:t>t orchestrator</a:t>
+                  </a:r>
+                  <a:endParaRPr lang="en-US" sz="1400" dirty="0">
+                    <a:solidFill>
+                      <a:schemeClr val="tx1"/>
+                    </a:solidFill>
+                  </a:endParaRPr>
+                </a:p>
+              </p:txBody>
+            </p:sp>
+            <p:sp>
+              <p:nvSpPr>
+                <p:cNvPr id="60" name="正方形/長方形 59"/>
+                <p:cNvSpPr/>
+                <p:nvPr/>
+              </p:nvSpPr>
+              <p:spPr>
+                <a:xfrm>
+                  <a:off x="6655735" y="2322814"/>
+                  <a:ext cx="1165945" cy="465653"/>
+                </a:xfrm>
+                <a:prstGeom prst="rect">
+                  <a:avLst/>
+                </a:prstGeom>
+                <a:solidFill>
+                  <a:schemeClr val="bg1"/>
+                </a:solidFill>
+              </p:spPr>
+              <p:style>
+                <a:lnRef idx="2">
+                  <a:schemeClr val="dk1">
+                    <a:shade val="50000"/>
+                  </a:schemeClr>
+                </a:lnRef>
+                <a:fillRef idx="1">
+                  <a:schemeClr val="dk1"/>
+                </a:fillRef>
+                <a:effectRef idx="0">
+                  <a:schemeClr val="dk1"/>
+                </a:effectRef>
+                <a:fontRef idx="minor">
+                  <a:schemeClr val="lt1"/>
+                </a:fontRef>
+              </p:style>
+              <p:txBody>
+                <a:bodyPr rtlCol="0" anchor="ctr"/>
+                <a:lstStyle/>
+                <a:p>
+                  <a:pPr algn="ctr"/>
+                  <a:r>
+                    <a:rPr lang="en-US" sz="1400" dirty="0" smtClean="0">
+                      <a:solidFill>
+                        <a:schemeClr val="tx1"/>
+                      </a:solidFill>
+                    </a:rPr>
+                    <a:t>Embedded web server</a:t>
+                  </a:r>
+                  <a:endParaRPr lang="en-US" sz="1400" dirty="0">
+                    <a:solidFill>
+                      <a:schemeClr val="tx1"/>
+                    </a:solidFill>
+                  </a:endParaRPr>
+                </a:p>
+              </p:txBody>
+            </p:sp>
+            <p:sp>
+              <p:nvSpPr>
+                <p:cNvPr id="64" name="テキスト ボックス 63"/>
+                <p:cNvSpPr txBox="1"/>
+                <p:nvPr/>
+              </p:nvSpPr>
+              <p:spPr>
+                <a:xfrm>
+                  <a:off x="7554825" y="3494447"/>
+                  <a:ext cx="1960921" cy="307777"/>
+                </a:xfrm>
+                <a:prstGeom prst="rect">
+                  <a:avLst/>
+                </a:prstGeom>
+                <a:noFill/>
+              </p:spPr>
+              <p:txBody>
+                <a:bodyPr wrap="none" rtlCol="0">
+                  <a:spAutoFit/>
+                </a:bodyPr>
+                <a:lstStyle/>
+                <a:p>
+                  <a:r>
+                    <a:rPr lang="en-US" sz="1400" dirty="0" smtClean="0"/>
+                    <a:t>Application components</a:t>
+                  </a:r>
+                  <a:endParaRPr lang="en-US" sz="1400" dirty="0"/>
+                </a:p>
+              </p:txBody>
+            </p:sp>
+            <p:cxnSp>
+              <p:nvCxnSpPr>
+                <p:cNvPr id="66" name="直線矢印コネクタ 65"/>
+                <p:cNvCxnSpPr>
+                  <a:stCxn id="54" idx="1"/>
+                  <a:endCxn id="53" idx="3"/>
+                </p:cNvCxnSpPr>
+                <p:nvPr/>
+              </p:nvCxnSpPr>
+              <p:spPr>
+                <a:xfrm flipH="1">
+                  <a:off x="9133115" y="2561004"/>
+                  <a:ext cx="184629" cy="0"/>
+                </a:xfrm>
+                <a:prstGeom prst="straightConnector1">
+                  <a:avLst/>
+                </a:prstGeom>
+                <a:ln>
+                  <a:solidFill>
+                    <a:schemeClr val="tx1"/>
+                  </a:solidFill>
+                  <a:headEnd type="stealth"/>
+                  <a:tailEnd type="triangle"/>
+                </a:ln>
+              </p:spPr>
+              <p:style>
+                <a:lnRef idx="1">
+                  <a:schemeClr val="accent1"/>
+                </a:lnRef>
+                <a:fillRef idx="0">
+                  <a:schemeClr val="accent1"/>
+                </a:fillRef>
+                <a:effectRef idx="0">
+                  <a:schemeClr val="accent1"/>
+                </a:effectRef>
+                <a:fontRef idx="minor">
+                  <a:schemeClr val="tx1"/>
+                </a:fontRef>
+              </p:style>
+            </p:cxnSp>
+            <p:cxnSp>
+              <p:nvCxnSpPr>
+                <p:cNvPr id="70" name="直線矢印コネクタ 69"/>
+                <p:cNvCxnSpPr>
+                  <a:stCxn id="53" idx="1"/>
+                  <a:endCxn id="60" idx="3"/>
+                </p:cNvCxnSpPr>
+                <p:nvPr/>
+              </p:nvCxnSpPr>
+              <p:spPr>
+                <a:xfrm flipH="1" flipV="1">
+                  <a:off x="7821680" y="2555641"/>
+                  <a:ext cx="184628" cy="5363"/>
+                </a:xfrm>
+                <a:prstGeom prst="straightConnector1">
+                  <a:avLst/>
+                </a:prstGeom>
+                <a:ln>
+                  <a:solidFill>
+                    <a:schemeClr val="tx1"/>
+                  </a:solidFill>
+                  <a:headEnd type="stealth"/>
+                  <a:tailEnd type="triangle"/>
+                </a:ln>
+              </p:spPr>
+              <p:style>
+                <a:lnRef idx="1">
+                  <a:schemeClr val="accent1"/>
+                </a:lnRef>
+                <a:fillRef idx="0">
+                  <a:schemeClr val="accent1"/>
+                </a:fillRef>
+                <a:effectRef idx="0">
+                  <a:schemeClr val="accent1"/>
+                </a:effectRef>
+                <a:fontRef idx="minor">
+                  <a:schemeClr val="tx1"/>
+                </a:fontRef>
+              </p:style>
+            </p:cxnSp>
+            <p:cxnSp>
+              <p:nvCxnSpPr>
+                <p:cNvPr id="75" name="カギ線コネクタ 74"/>
+                <p:cNvCxnSpPr>
+                  <a:stCxn id="59" idx="0"/>
+                  <a:endCxn id="53" idx="2"/>
+                </p:cNvCxnSpPr>
+                <p:nvPr/>
+              </p:nvCxnSpPr>
+              <p:spPr>
+                <a:xfrm rot="5400000" flipH="1" flipV="1">
+                  <a:off x="7759050" y="2223779"/>
+                  <a:ext cx="245973" cy="1375351"/>
+                </a:xfrm>
+                <a:prstGeom prst="bentConnector3">
+                  <a:avLst/>
+                </a:prstGeom>
+                <a:ln>
+                  <a:solidFill>
+                    <a:schemeClr val="tx1"/>
+                  </a:solidFill>
+                  <a:tailEnd type="triangle"/>
+                </a:ln>
+              </p:spPr>
+              <p:style>
+                <a:lnRef idx="1">
+                  <a:schemeClr val="accent1"/>
+                </a:lnRef>
+                <a:fillRef idx="0">
+                  <a:schemeClr val="accent1"/>
+                </a:fillRef>
+                <a:effectRef idx="0">
+                  <a:schemeClr val="accent1"/>
+                </a:effectRef>
+                <a:fontRef idx="minor">
+                  <a:schemeClr val="tx1"/>
+                </a:fontRef>
+              </p:style>
+            </p:cxnSp>
+            <p:cxnSp>
+              <p:nvCxnSpPr>
+                <p:cNvPr id="78" name="直線矢印コネクタ 77"/>
+                <p:cNvCxnSpPr>
+                  <a:stCxn id="58" idx="3"/>
+                  <a:endCxn id="57" idx="1"/>
+                </p:cNvCxnSpPr>
+                <p:nvPr/>
+              </p:nvCxnSpPr>
+              <p:spPr>
+                <a:xfrm>
+                  <a:off x="9254146" y="3256615"/>
+                  <a:ext cx="143352" cy="0"/>
+                </a:xfrm>
+                <a:prstGeom prst="straightConnector1">
+                  <a:avLst/>
+                </a:prstGeom>
+                <a:ln>
+                  <a:solidFill>
+                    <a:schemeClr val="tx1"/>
+                  </a:solidFill>
+                  <a:tailEnd type="triangle"/>
+                </a:ln>
+              </p:spPr>
+              <p:style>
+                <a:lnRef idx="1">
+                  <a:schemeClr val="accent1"/>
+                </a:lnRef>
+                <a:fillRef idx="0">
+                  <a:schemeClr val="accent1"/>
+                </a:fillRef>
+                <a:effectRef idx="0">
+                  <a:schemeClr val="accent1"/>
+                </a:effectRef>
+                <a:fontRef idx="minor">
+                  <a:schemeClr val="tx1"/>
+                </a:fontRef>
+              </p:style>
+            </p:cxnSp>
+          </p:grpSp>
+          <p:grpSp>
+            <p:nvGrpSpPr>
+              <p:cNvPr id="114" name="グループ化 113"/>
+              <p:cNvGrpSpPr/>
+              <p:nvPr/>
+            </p:nvGrpSpPr>
+            <p:grpSpPr>
+              <a:xfrm>
+                <a:off x="6590922" y="3997467"/>
+                <a:ext cx="3730027" cy="1208346"/>
+                <a:chOff x="6590922" y="3997467"/>
+                <a:chExt cx="3730027" cy="1208346"/>
+              </a:xfrm>
+            </p:grpSpPr>
+            <p:sp>
+              <p:nvSpPr>
+                <p:cNvPr id="81" name="正方形/長方形 80"/>
+                <p:cNvSpPr/>
+                <p:nvPr/>
+              </p:nvSpPr>
+              <p:spPr>
+                <a:xfrm>
+                  <a:off x="6590922" y="3997467"/>
+                  <a:ext cx="3730027" cy="1208346"/>
+                </a:xfrm>
+                <a:prstGeom prst="rect">
+                  <a:avLst/>
+                </a:prstGeom>
+                <a:solidFill>
+                  <a:schemeClr val="bg1"/>
+                </a:solidFill>
+              </p:spPr>
+              <p:style>
+                <a:lnRef idx="2">
+                  <a:schemeClr val="dk1">
+                    <a:shade val="50000"/>
+                  </a:schemeClr>
+                </a:lnRef>
+                <a:fillRef idx="1">
+                  <a:schemeClr val="dk1"/>
+                </a:fillRef>
+                <a:effectRef idx="0">
+                  <a:schemeClr val="dk1"/>
+                </a:effectRef>
+                <a:fontRef idx="minor">
+                  <a:schemeClr val="lt1"/>
+                </a:fontRef>
+              </p:style>
+              <p:txBody>
+                <a:bodyPr rtlCol="0" anchor="ctr"/>
+                <a:lstStyle/>
+                <a:p>
+                  <a:pPr algn="ctr"/>
+                  <a:endParaRPr lang="en-US" dirty="0"/>
+                </a:p>
+              </p:txBody>
+            </p:sp>
+            <p:sp>
+              <p:nvSpPr>
+                <p:cNvPr id="84" name="テキスト ボックス 83"/>
+                <p:cNvSpPr txBox="1"/>
+                <p:nvPr/>
+              </p:nvSpPr>
+              <p:spPr>
+                <a:xfrm>
+                  <a:off x="6685276" y="4779877"/>
+                  <a:ext cx="649537" cy="307777"/>
+                </a:xfrm>
+                <a:prstGeom prst="rect">
+                  <a:avLst/>
+                </a:prstGeom>
+                <a:noFill/>
+              </p:spPr>
+              <p:txBody>
+                <a:bodyPr wrap="none" rtlCol="0">
+                  <a:spAutoFit/>
+                </a:bodyPr>
+                <a:lstStyle/>
+                <a:p>
+                  <a:r>
+                    <a:rPr lang="en-US" sz="1400" dirty="0" smtClean="0"/>
+                    <a:t>Nodes</a:t>
+                  </a:r>
+                  <a:endParaRPr lang="en-US" sz="1400" dirty="0"/>
+                </a:p>
+              </p:txBody>
+            </p:sp>
+            <p:grpSp>
+              <p:nvGrpSpPr>
+                <p:cNvPr id="92" name="グループ化 91"/>
+                <p:cNvGrpSpPr/>
+                <p:nvPr/>
+              </p:nvGrpSpPr>
+              <p:grpSpPr>
+                <a:xfrm>
+                  <a:off x="6776870" y="4091612"/>
+                  <a:ext cx="1096613" cy="558922"/>
+                  <a:chOff x="6785920" y="3973923"/>
+                  <a:chExt cx="1096613" cy="558922"/>
+                </a:xfrm>
+              </p:grpSpPr>
+              <p:sp>
+                <p:nvSpPr>
+                  <p:cNvPr id="87" name="正方形/長方形 86"/>
+                  <p:cNvSpPr/>
+                  <p:nvPr/>
+                </p:nvSpPr>
+                <p:spPr>
+                  <a:xfrm>
+                    <a:off x="6849823" y="4043317"/>
+                    <a:ext cx="1032710" cy="489528"/>
+                  </a:xfrm>
+                  <a:prstGeom prst="rect">
+                    <a:avLst/>
+                  </a:prstGeom>
+                  <a:solidFill>
+                    <a:schemeClr val="bg1"/>
+                  </a:solidFill>
+                </p:spPr>
+                <p:style>
+                  <a:lnRef idx="2">
+                    <a:schemeClr val="dk1">
+                      <a:shade val="50000"/>
+                    </a:schemeClr>
+                  </a:lnRef>
+                  <a:fillRef idx="1">
+                    <a:schemeClr val="dk1"/>
+                  </a:fillRef>
+                  <a:effectRef idx="0">
+                    <a:schemeClr val="dk1"/>
+                  </a:effectRef>
+                  <a:fontRef idx="minor">
+                    <a:schemeClr val="lt1"/>
+                  </a:fontRef>
+                </p:style>
+                <p:txBody>
+                  <a:bodyPr rtlCol="0" anchor="ctr"/>
+                  <a:lstStyle/>
+                  <a:p>
+                    <a:pPr algn="ctr"/>
+                    <a:endParaRPr lang="en-US" sz="1400" dirty="0">
+                      <a:solidFill>
+                        <a:schemeClr val="tx1"/>
+                      </a:solidFill>
+                    </a:endParaRPr>
+                  </a:p>
+                </p:txBody>
+              </p:sp>
+              <p:sp>
+                <p:nvSpPr>
+                  <p:cNvPr id="85" name="正方形/長方形 84"/>
+                  <p:cNvSpPr/>
+                  <p:nvPr/>
+                </p:nvSpPr>
+                <p:spPr>
+                  <a:xfrm>
+                    <a:off x="6785920" y="3973923"/>
+                    <a:ext cx="1032710" cy="489528"/>
+                  </a:xfrm>
+                  <a:prstGeom prst="rect">
+                    <a:avLst/>
+                  </a:prstGeom>
+                  <a:solidFill>
+                    <a:schemeClr val="bg1"/>
+                  </a:solidFill>
+                </p:spPr>
+                <p:style>
+                  <a:lnRef idx="2">
+                    <a:schemeClr val="dk1">
+                      <a:shade val="50000"/>
+                    </a:schemeClr>
+                  </a:lnRef>
+                  <a:fillRef idx="1">
+                    <a:schemeClr val="dk1"/>
+                  </a:fillRef>
+                  <a:effectRef idx="0">
+                    <a:schemeClr val="dk1"/>
+                  </a:effectRef>
+                  <a:fontRef idx="minor">
+                    <a:schemeClr val="lt1"/>
+                  </a:fontRef>
+                </p:style>
+                <p:txBody>
+                  <a:bodyPr rtlCol="0" anchor="ctr"/>
+                  <a:lstStyle/>
+                  <a:p>
+                    <a:pPr algn="ctr"/>
+                    <a:r>
+                      <a:rPr lang="en-US" sz="1400" dirty="0" smtClean="0">
+                        <a:solidFill>
+                          <a:schemeClr val="tx1"/>
+                        </a:solidFill>
+                      </a:rPr>
+                      <a:t>Motion recognition</a:t>
+                    </a:r>
+                    <a:endParaRPr lang="en-US" sz="1400" dirty="0">
+                      <a:solidFill>
+                        <a:schemeClr val="tx1"/>
+                      </a:solidFill>
+                    </a:endParaRPr>
+                  </a:p>
+                </p:txBody>
+              </p:sp>
+            </p:grpSp>
+            <p:grpSp>
+              <p:nvGrpSpPr>
+                <p:cNvPr id="91" name="グループ化 90"/>
+                <p:cNvGrpSpPr/>
+                <p:nvPr/>
+              </p:nvGrpSpPr>
+              <p:grpSpPr>
+                <a:xfrm>
+                  <a:off x="7955634" y="4091612"/>
+                  <a:ext cx="1096007" cy="560364"/>
+                  <a:chOff x="7964684" y="3973923"/>
+                  <a:chExt cx="1096007" cy="560364"/>
+                </a:xfrm>
+              </p:grpSpPr>
+              <p:sp>
+                <p:nvSpPr>
+                  <p:cNvPr id="88" name="正方形/長方形 87"/>
+                  <p:cNvSpPr/>
+                  <p:nvPr/>
+                </p:nvSpPr>
+                <p:spPr>
+                  <a:xfrm>
+                    <a:off x="8027981" y="4044759"/>
+                    <a:ext cx="1032710" cy="489528"/>
+                  </a:xfrm>
+                  <a:prstGeom prst="rect">
+                    <a:avLst/>
+                  </a:prstGeom>
+                  <a:solidFill>
+                    <a:schemeClr val="bg1"/>
+                  </a:solidFill>
+                </p:spPr>
+                <p:style>
+                  <a:lnRef idx="2">
+                    <a:schemeClr val="dk1">
+                      <a:shade val="50000"/>
+                    </a:schemeClr>
+                  </a:lnRef>
+                  <a:fillRef idx="1">
+                    <a:schemeClr val="dk1"/>
+                  </a:fillRef>
+                  <a:effectRef idx="0">
+                    <a:schemeClr val="dk1"/>
+                  </a:effectRef>
+                  <a:fontRef idx="minor">
+                    <a:schemeClr val="lt1"/>
+                  </a:fontRef>
+                </p:style>
+                <p:txBody>
+                  <a:bodyPr rtlCol="0" anchor="ctr"/>
+                  <a:lstStyle/>
+                  <a:p>
+                    <a:pPr algn="ctr"/>
+                    <a:endParaRPr lang="en-US" sz="1400" dirty="0">
+                      <a:solidFill>
+                        <a:schemeClr val="tx1"/>
+                      </a:solidFill>
+                    </a:endParaRPr>
+                  </a:p>
+                </p:txBody>
+              </p:sp>
+              <p:sp>
+                <p:nvSpPr>
+                  <p:cNvPr id="86" name="正方形/長方形 85"/>
+                  <p:cNvSpPr/>
+                  <p:nvPr/>
+                </p:nvSpPr>
+                <p:spPr>
+                  <a:xfrm>
+                    <a:off x="7964684" y="3973923"/>
+                    <a:ext cx="1032710" cy="489528"/>
+                  </a:xfrm>
+                  <a:prstGeom prst="rect">
+                    <a:avLst/>
+                  </a:prstGeom>
+                  <a:solidFill>
+                    <a:schemeClr val="bg1"/>
+                  </a:solidFill>
+                </p:spPr>
+                <p:style>
+                  <a:lnRef idx="2">
+                    <a:schemeClr val="dk1">
+                      <a:shade val="50000"/>
+                    </a:schemeClr>
+                  </a:lnRef>
+                  <a:fillRef idx="1">
+                    <a:schemeClr val="dk1"/>
+                  </a:fillRef>
+                  <a:effectRef idx="0">
+                    <a:schemeClr val="dk1"/>
+                  </a:effectRef>
+                  <a:fontRef idx="minor">
+                    <a:schemeClr val="lt1"/>
+                  </a:fontRef>
+                </p:style>
+                <p:txBody>
+                  <a:bodyPr rtlCol="0" anchor="ctr"/>
+                  <a:lstStyle/>
+                  <a:p>
+                    <a:pPr algn="ctr"/>
+                    <a:r>
+                      <a:rPr lang="en-US" sz="1400" dirty="0" smtClean="0">
+                        <a:solidFill>
+                          <a:schemeClr val="tx1"/>
+                        </a:solidFill>
+                      </a:rPr>
+                      <a:t>Speech recognition</a:t>
+                    </a:r>
+                    <a:endParaRPr lang="en-US" sz="1400" dirty="0">
+                      <a:solidFill>
+                        <a:schemeClr val="tx1"/>
+                      </a:solidFill>
+                    </a:endParaRPr>
+                  </a:p>
+                </p:txBody>
+              </p:sp>
+            </p:grpSp>
+            <p:grpSp>
+              <p:nvGrpSpPr>
+                <p:cNvPr id="90" name="グループ化 89"/>
+                <p:cNvGrpSpPr/>
+                <p:nvPr/>
+              </p:nvGrpSpPr>
+              <p:grpSpPr>
+                <a:xfrm>
+                  <a:off x="9133792" y="4091612"/>
+                  <a:ext cx="951312" cy="557645"/>
+                  <a:chOff x="9289351" y="3973923"/>
+                  <a:chExt cx="951312" cy="557645"/>
+                </a:xfrm>
+              </p:grpSpPr>
+              <p:sp>
+                <p:nvSpPr>
+                  <p:cNvPr id="89" name="正方形/長方形 88"/>
+                  <p:cNvSpPr/>
+                  <p:nvPr/>
+                </p:nvSpPr>
+                <p:spPr>
+                  <a:xfrm>
+                    <a:off x="9352648" y="4042040"/>
+                    <a:ext cx="888015" cy="489528"/>
+                  </a:xfrm>
+                  <a:prstGeom prst="rect">
+                    <a:avLst/>
+                  </a:prstGeom>
+                  <a:solidFill>
+                    <a:schemeClr val="bg1"/>
+                  </a:solidFill>
+                </p:spPr>
+                <p:style>
+                  <a:lnRef idx="2">
+                    <a:schemeClr val="dk1">
+                      <a:shade val="50000"/>
+                    </a:schemeClr>
+                  </a:lnRef>
+                  <a:fillRef idx="1">
+                    <a:schemeClr val="dk1"/>
+                  </a:fillRef>
+                  <a:effectRef idx="0">
+                    <a:schemeClr val="dk1"/>
+                  </a:effectRef>
+                  <a:fontRef idx="minor">
+                    <a:schemeClr val="lt1"/>
+                  </a:fontRef>
+                </p:style>
+                <p:txBody>
+                  <a:bodyPr rtlCol="0" anchor="ctr"/>
+                  <a:lstStyle/>
+                  <a:p>
+                    <a:pPr algn="ctr"/>
+                    <a:endParaRPr lang="en-US" sz="1400" dirty="0">
+                      <a:solidFill>
+                        <a:schemeClr val="tx1"/>
+                      </a:solidFill>
+                    </a:endParaRPr>
+                  </a:p>
+                </p:txBody>
+              </p:sp>
+              <p:sp>
+                <p:nvSpPr>
+                  <p:cNvPr id="83" name="正方形/長方形 82"/>
+                  <p:cNvSpPr/>
+                  <p:nvPr/>
+                </p:nvSpPr>
+                <p:spPr>
+                  <a:xfrm>
+                    <a:off x="9289351" y="3973923"/>
+                    <a:ext cx="882790" cy="489528"/>
+                  </a:xfrm>
+                  <a:prstGeom prst="rect">
+                    <a:avLst/>
+                  </a:prstGeom>
+                  <a:solidFill>
+                    <a:schemeClr val="bg1"/>
+                  </a:solidFill>
+                </p:spPr>
+                <p:style>
+                  <a:lnRef idx="2">
+                    <a:schemeClr val="dk1">
+                      <a:shade val="50000"/>
+                    </a:schemeClr>
+                  </a:lnRef>
+                  <a:fillRef idx="1">
+                    <a:schemeClr val="dk1"/>
+                  </a:fillRef>
+                  <a:effectRef idx="0">
+                    <a:schemeClr val="dk1"/>
+                  </a:effectRef>
+                  <a:fontRef idx="minor">
+                    <a:schemeClr val="lt1"/>
+                  </a:fontRef>
+                </p:style>
+                <p:txBody>
+                  <a:bodyPr rtlCol="0" anchor="ctr"/>
+                  <a:lstStyle/>
+                  <a:p>
+                    <a:pPr algn="ctr"/>
+                    <a:r>
+                      <a:rPr lang="en-US" sz="1400" dirty="0" smtClean="0">
+                        <a:solidFill>
+                          <a:schemeClr val="tx1"/>
+                        </a:solidFill>
+                      </a:rPr>
+                      <a:t>Robot interface</a:t>
+                    </a:r>
+                    <a:endParaRPr lang="en-US" sz="1400" dirty="0">
+                      <a:solidFill>
+                        <a:schemeClr val="tx1"/>
+                      </a:solidFill>
+                    </a:endParaRPr>
+                  </a:p>
+                </p:txBody>
+              </p:sp>
+            </p:grpSp>
+            <p:grpSp>
+              <p:nvGrpSpPr>
+                <p:cNvPr id="94" name="グループ化 93"/>
+                <p:cNvGrpSpPr/>
+                <p:nvPr/>
+              </p:nvGrpSpPr>
+              <p:grpSpPr>
+                <a:xfrm>
+                  <a:off x="7960054" y="4725878"/>
+                  <a:ext cx="1109092" cy="421354"/>
+                  <a:chOff x="8621654" y="5373240"/>
+                  <a:chExt cx="1109092" cy="421354"/>
+                </a:xfrm>
+              </p:grpSpPr>
+              <p:sp>
+                <p:nvSpPr>
+                  <p:cNvPr id="82" name="正方形/長方形 81"/>
+                  <p:cNvSpPr/>
+                  <p:nvPr/>
+                </p:nvSpPr>
+                <p:spPr>
+                  <a:xfrm>
+                    <a:off x="8670259" y="5441358"/>
+                    <a:ext cx="1060487" cy="353236"/>
+                  </a:xfrm>
+                  <a:prstGeom prst="rect">
+                    <a:avLst/>
+                  </a:prstGeom>
+                  <a:solidFill>
+                    <a:schemeClr val="bg1"/>
+                  </a:solidFill>
+                </p:spPr>
+                <p:style>
+                  <a:lnRef idx="2">
+                    <a:schemeClr val="dk1">
+                      <a:shade val="50000"/>
+                    </a:schemeClr>
+                  </a:lnRef>
+                  <a:fillRef idx="1">
+                    <a:schemeClr val="dk1"/>
+                  </a:fillRef>
+                  <a:effectRef idx="0">
+                    <a:schemeClr val="dk1"/>
+                  </a:effectRef>
+                  <a:fontRef idx="minor">
+                    <a:schemeClr val="lt1"/>
+                  </a:fontRef>
+                </p:style>
+                <p:txBody>
+                  <a:bodyPr rtlCol="0" anchor="ctr"/>
+                  <a:lstStyle/>
+                  <a:p>
+                    <a:pPr algn="ctr"/>
+                    <a:endParaRPr lang="en-US" sz="1400" dirty="0">
+                      <a:solidFill>
+                        <a:schemeClr val="tx1"/>
+                      </a:solidFill>
+                    </a:endParaRPr>
+                  </a:p>
+                </p:txBody>
+              </p:sp>
+              <p:sp>
+                <p:nvSpPr>
+                  <p:cNvPr id="93" name="正方形/長方形 92"/>
+                  <p:cNvSpPr/>
+                  <p:nvPr/>
+                </p:nvSpPr>
+                <p:spPr>
+                  <a:xfrm>
+                    <a:off x="8621654" y="5373240"/>
+                    <a:ext cx="1060487" cy="353236"/>
+                  </a:xfrm>
+                  <a:prstGeom prst="rect">
+                    <a:avLst/>
+                  </a:prstGeom>
+                  <a:solidFill>
+                    <a:schemeClr val="bg1"/>
+                  </a:solidFill>
+                </p:spPr>
+                <p:style>
+                  <a:lnRef idx="2">
+                    <a:schemeClr val="dk1">
+                      <a:shade val="50000"/>
+                    </a:schemeClr>
+                  </a:lnRef>
+                  <a:fillRef idx="1">
+                    <a:schemeClr val="dk1"/>
+                  </a:fillRef>
+                  <a:effectRef idx="0">
+                    <a:schemeClr val="dk1"/>
+                  </a:effectRef>
+                  <a:fontRef idx="minor">
+                    <a:schemeClr val="lt1"/>
+                  </a:fontRef>
+                </p:style>
+                <p:txBody>
+                  <a:bodyPr rtlCol="0" anchor="ctr"/>
+                  <a:lstStyle/>
+                  <a:p>
+                    <a:pPr algn="ctr"/>
+                    <a:r>
+                      <a:rPr lang="en-US" sz="1400" dirty="0" smtClean="0">
+                        <a:solidFill>
+                          <a:schemeClr val="tx1"/>
+                        </a:solidFill>
+                      </a:rPr>
+                      <a:t>Localization</a:t>
+                    </a:r>
+                    <a:endParaRPr lang="en-US" sz="1400" dirty="0">
+                      <a:solidFill>
+                        <a:schemeClr val="tx1"/>
+                      </a:solidFill>
+                    </a:endParaRPr>
+                  </a:p>
+                </p:txBody>
+              </p:sp>
+            </p:grpSp>
+          </p:grpSp>
+          <p:cxnSp>
+            <p:nvCxnSpPr>
+              <p:cNvPr id="105" name="直線矢印コネクタ 104"/>
+              <p:cNvCxnSpPr>
+                <a:stCxn id="52" idx="2"/>
+                <a:endCxn id="81" idx="0"/>
+              </p:cNvCxnSpPr>
+              <p:nvPr/>
+            </p:nvCxnSpPr>
+            <p:spPr>
+              <a:xfrm flipH="1">
+                <a:off x="8455936" y="3784349"/>
+                <a:ext cx="1" cy="213118"/>
+              </a:xfrm>
+              <a:prstGeom prst="straightConnector1">
+                <a:avLst/>
+              </a:prstGeom>
+              <a:ln>
+                <a:solidFill>
+                  <a:schemeClr val="tx1"/>
+                </a:solidFill>
+                <a:headEnd type="stealth"/>
+                <a:tailEnd type="triangle"/>
+              </a:ln>
+            </p:spPr>
+            <p:style>
+              <a:lnRef idx="1">
+                <a:schemeClr val="accent1"/>
+              </a:lnRef>
+              <a:fillRef idx="0">
+                <a:schemeClr val="accent1"/>
+              </a:fillRef>
+              <a:effectRef idx="0">
+                <a:schemeClr val="accent1"/>
+              </a:effectRef>
+              <a:fontRef idx="minor">
+                <a:schemeClr val="tx1"/>
+              </a:fontRef>
+            </p:style>
+          </p:cxnSp>
+          <p:sp>
+            <p:nvSpPr>
+              <p:cNvPr id="106" name="テキスト ボックス 105"/>
+              <p:cNvSpPr txBox="1"/>
+              <p:nvPr/>
+            </p:nvSpPr>
+            <p:spPr>
+              <a:xfrm>
+                <a:off x="8478163" y="3757049"/>
+                <a:ext cx="655629" cy="307777"/>
+              </a:xfrm>
+              <a:prstGeom prst="rect">
+                <a:avLst/>
+              </a:prstGeom>
+              <a:noFill/>
+            </p:spPr>
+            <p:txBody>
+              <a:bodyPr wrap="none" rtlCol="0">
+                <a:spAutoFit/>
+              </a:bodyPr>
+              <a:lstStyle/>
+              <a:p>
+                <a:r>
+                  <a:rPr lang="en-US" sz="1400" dirty="0" smtClean="0"/>
+                  <a:t>TCP/IP</a:t>
+                </a:r>
+                <a:endParaRPr lang="en-US" sz="1400" dirty="0"/>
+              </a:p>
+            </p:txBody>
+          </p:sp>
+          <p:cxnSp>
+            <p:nvCxnSpPr>
+              <p:cNvPr id="115" name="直線矢印コネクタ 114"/>
+              <p:cNvCxnSpPr>
+                <a:stCxn id="81" idx="2"/>
+                <a:endCxn id="98" idx="0"/>
+              </p:cNvCxnSpPr>
+              <p:nvPr/>
+            </p:nvCxnSpPr>
+            <p:spPr>
+              <a:xfrm>
+                <a:off x="8455936" y="5205813"/>
+                <a:ext cx="0" cy="206355"/>
+              </a:xfrm>
+              <a:prstGeom prst="straightConnector1">
+                <a:avLst/>
+              </a:prstGeom>
+              <a:ln>
+                <a:solidFill>
+                  <a:schemeClr val="tx1"/>
+                </a:solidFill>
+                <a:headEnd type="stealth"/>
+                <a:tailEnd type="triangle"/>
+              </a:ln>
+            </p:spPr>
+            <p:style>
+              <a:lnRef idx="1">
+                <a:schemeClr val="accent1"/>
+              </a:lnRef>
+              <a:fillRef idx="0">
+                <a:schemeClr val="accent1"/>
+              </a:fillRef>
+              <a:effectRef idx="0">
+                <a:schemeClr val="accent1"/>
+              </a:effectRef>
+              <a:fontRef idx="minor">
+                <a:schemeClr val="tx1"/>
+              </a:fontRef>
+            </p:style>
+          </p:cxnSp>
+          <p:sp>
+            <p:nvSpPr>
+              <p:cNvPr id="116" name="テキスト ボックス 115"/>
+              <p:cNvSpPr txBox="1"/>
+              <p:nvPr/>
+            </p:nvSpPr>
+            <p:spPr>
+              <a:xfrm>
+                <a:off x="8459380" y="5166785"/>
+                <a:ext cx="655629" cy="307777"/>
+              </a:xfrm>
+              <a:prstGeom prst="rect">
+                <a:avLst/>
+              </a:prstGeom>
+              <a:noFill/>
+            </p:spPr>
+            <p:txBody>
+              <a:bodyPr wrap="none" rtlCol="0">
+                <a:spAutoFit/>
+              </a:bodyPr>
+              <a:lstStyle/>
+              <a:p>
+                <a:r>
+                  <a:rPr lang="en-US" sz="1400" dirty="0" smtClean="0"/>
+                  <a:t>TCP/IP</a:t>
+                </a:r>
+                <a:endParaRPr lang="en-US" sz="1400" dirty="0"/>
+              </a:p>
+            </p:txBody>
+          </p:sp>
+          <p:grpSp>
+            <p:nvGrpSpPr>
+              <p:cNvPr id="126" name="グループ化 125"/>
+              <p:cNvGrpSpPr/>
+              <p:nvPr/>
+            </p:nvGrpSpPr>
+            <p:grpSpPr>
+              <a:xfrm>
+                <a:off x="6590922" y="5412168"/>
+                <a:ext cx="3730027" cy="603014"/>
+                <a:chOff x="6590922" y="5412168"/>
+                <a:chExt cx="3730027" cy="603014"/>
+              </a:xfrm>
+            </p:grpSpPr>
+            <p:sp>
+              <p:nvSpPr>
+                <p:cNvPr id="98" name="正方形/長方形 97"/>
+                <p:cNvSpPr/>
+                <p:nvPr/>
+              </p:nvSpPr>
+              <p:spPr>
+                <a:xfrm>
+                  <a:off x="6590922" y="5412168"/>
+                  <a:ext cx="3730027" cy="603014"/>
+                </a:xfrm>
+                <a:prstGeom prst="rect">
+                  <a:avLst/>
+                </a:prstGeom>
+                <a:solidFill>
+                  <a:schemeClr val="bg1"/>
+                </a:solidFill>
+              </p:spPr>
+              <p:style>
+                <a:lnRef idx="2">
+                  <a:schemeClr val="dk1">
+                    <a:shade val="50000"/>
+                  </a:schemeClr>
+                </a:lnRef>
+                <a:fillRef idx="1">
+                  <a:schemeClr val="dk1"/>
+                </a:fillRef>
+                <a:effectRef idx="0">
+                  <a:schemeClr val="dk1"/>
+                </a:effectRef>
+                <a:fontRef idx="minor">
+                  <a:schemeClr val="lt1"/>
+                </a:fontRef>
+              </p:style>
+              <p:txBody>
+                <a:bodyPr rtlCol="0" anchor="ctr"/>
+                <a:lstStyle/>
+                <a:p>
+                  <a:pPr algn="ctr"/>
+                  <a:endParaRPr lang="en-US" dirty="0"/>
+                </a:p>
+              </p:txBody>
+            </p:sp>
+            <p:grpSp>
+              <p:nvGrpSpPr>
+                <p:cNvPr id="102" name="グループ化 101"/>
+                <p:cNvGrpSpPr/>
+                <p:nvPr/>
+              </p:nvGrpSpPr>
+              <p:grpSpPr>
+                <a:xfrm>
+                  <a:off x="7648380" y="5508062"/>
+                  <a:ext cx="1109092" cy="421354"/>
+                  <a:chOff x="8621654" y="5373240"/>
+                  <a:chExt cx="1109092" cy="421354"/>
+                </a:xfrm>
+              </p:grpSpPr>
+              <p:sp>
+                <p:nvSpPr>
+                  <p:cNvPr id="103" name="正方形/長方形 102"/>
+                  <p:cNvSpPr/>
+                  <p:nvPr/>
+                </p:nvSpPr>
+                <p:spPr>
+                  <a:xfrm>
+                    <a:off x="8670259" y="5441358"/>
+                    <a:ext cx="1060487" cy="353236"/>
+                  </a:xfrm>
+                  <a:prstGeom prst="rect">
+                    <a:avLst/>
+                  </a:prstGeom>
+                  <a:solidFill>
+                    <a:schemeClr val="bg1"/>
+                  </a:solidFill>
+                </p:spPr>
+                <p:style>
+                  <a:lnRef idx="2">
+                    <a:schemeClr val="dk1">
+                      <a:shade val="50000"/>
+                    </a:schemeClr>
+                  </a:lnRef>
+                  <a:fillRef idx="1">
+                    <a:schemeClr val="dk1"/>
+                  </a:fillRef>
+                  <a:effectRef idx="0">
+                    <a:schemeClr val="dk1"/>
+                  </a:effectRef>
+                  <a:fontRef idx="minor">
+                    <a:schemeClr val="lt1"/>
+                  </a:fontRef>
+                </p:style>
+                <p:txBody>
+                  <a:bodyPr rtlCol="0" anchor="ctr"/>
+                  <a:lstStyle/>
+                  <a:p>
+                    <a:pPr algn="ctr"/>
+                    <a:endParaRPr lang="en-US" sz="1400" dirty="0">
+                      <a:solidFill>
+                        <a:schemeClr val="tx1"/>
+                      </a:solidFill>
+                    </a:endParaRPr>
+                  </a:p>
+                </p:txBody>
+              </p:sp>
+              <p:sp>
+                <p:nvSpPr>
+                  <p:cNvPr id="104" name="正方形/長方形 103"/>
+                  <p:cNvSpPr/>
+                  <p:nvPr/>
+                </p:nvSpPr>
+                <p:spPr>
+                  <a:xfrm>
+                    <a:off x="8621654" y="5373240"/>
+                    <a:ext cx="1060487" cy="353236"/>
+                  </a:xfrm>
+                  <a:prstGeom prst="rect">
+                    <a:avLst/>
+                  </a:prstGeom>
+                  <a:solidFill>
+                    <a:schemeClr val="bg1"/>
+                  </a:solidFill>
+                </p:spPr>
+                <p:style>
+                  <a:lnRef idx="2">
+                    <a:schemeClr val="dk1">
+                      <a:shade val="50000"/>
+                    </a:schemeClr>
+                  </a:lnRef>
+                  <a:fillRef idx="1">
+                    <a:schemeClr val="dk1"/>
+                  </a:fillRef>
+                  <a:effectRef idx="0">
+                    <a:schemeClr val="dk1"/>
+                  </a:effectRef>
+                  <a:fontRef idx="minor">
+                    <a:schemeClr val="lt1"/>
+                  </a:fontRef>
+                </p:style>
+                <p:txBody>
+                  <a:bodyPr rtlCol="0" anchor="ctr"/>
+                  <a:lstStyle/>
+                  <a:p>
+                    <a:pPr algn="ctr"/>
+                    <a:r>
+                      <a:rPr lang="en-US" sz="1400" dirty="0" smtClean="0">
+                        <a:solidFill>
+                          <a:schemeClr val="tx1"/>
+                        </a:solidFill>
+                      </a:rPr>
+                      <a:t>Sensor</a:t>
+                    </a:r>
+                    <a:endParaRPr lang="en-US" sz="1400" dirty="0">
+                      <a:solidFill>
+                        <a:schemeClr val="tx1"/>
+                      </a:solidFill>
+                    </a:endParaRPr>
+                  </a:p>
+                </p:txBody>
+              </p:sp>
+            </p:grpSp>
+            <p:grpSp>
+              <p:nvGrpSpPr>
+                <p:cNvPr id="122" name="グループ化 121"/>
+                <p:cNvGrpSpPr/>
+                <p:nvPr/>
+              </p:nvGrpSpPr>
+              <p:grpSpPr>
+                <a:xfrm>
+                  <a:off x="8953713" y="5508062"/>
+                  <a:ext cx="1109092" cy="421354"/>
+                  <a:chOff x="8621654" y="5373240"/>
+                  <a:chExt cx="1109092" cy="421354"/>
+                </a:xfrm>
+              </p:grpSpPr>
+              <p:sp>
+                <p:nvSpPr>
+                  <p:cNvPr id="123" name="正方形/長方形 122"/>
+                  <p:cNvSpPr/>
+                  <p:nvPr/>
+                </p:nvSpPr>
+                <p:spPr>
+                  <a:xfrm>
+                    <a:off x="8670259" y="5441358"/>
+                    <a:ext cx="1060487" cy="353236"/>
+                  </a:xfrm>
+                  <a:prstGeom prst="rect">
+                    <a:avLst/>
+                  </a:prstGeom>
+                  <a:solidFill>
+                    <a:schemeClr val="bg1"/>
+                  </a:solidFill>
+                </p:spPr>
+                <p:style>
+                  <a:lnRef idx="2">
+                    <a:schemeClr val="dk1">
+                      <a:shade val="50000"/>
+                    </a:schemeClr>
+                  </a:lnRef>
+                  <a:fillRef idx="1">
+                    <a:schemeClr val="dk1"/>
+                  </a:fillRef>
+                  <a:effectRef idx="0">
+                    <a:schemeClr val="dk1"/>
+                  </a:effectRef>
+                  <a:fontRef idx="minor">
+                    <a:schemeClr val="lt1"/>
+                  </a:fontRef>
+                </p:style>
+                <p:txBody>
+                  <a:bodyPr rtlCol="0" anchor="ctr"/>
+                  <a:lstStyle/>
+                  <a:p>
+                    <a:pPr algn="ctr"/>
+                    <a:endParaRPr lang="en-US" sz="1400" dirty="0">
+                      <a:solidFill>
+                        <a:schemeClr val="tx1"/>
+                      </a:solidFill>
+                    </a:endParaRPr>
+                  </a:p>
+                </p:txBody>
+              </p:sp>
+              <p:sp>
+                <p:nvSpPr>
+                  <p:cNvPr id="124" name="正方形/長方形 123"/>
+                  <p:cNvSpPr/>
+                  <p:nvPr/>
+                </p:nvSpPr>
+                <p:spPr>
+                  <a:xfrm>
+                    <a:off x="8621654" y="5373240"/>
+                    <a:ext cx="1060487" cy="353236"/>
+                  </a:xfrm>
+                  <a:prstGeom prst="rect">
+                    <a:avLst/>
+                  </a:prstGeom>
+                  <a:solidFill>
+                    <a:schemeClr val="bg1"/>
+                  </a:solidFill>
+                </p:spPr>
+                <p:style>
+                  <a:lnRef idx="2">
+                    <a:schemeClr val="dk1">
+                      <a:shade val="50000"/>
+                    </a:schemeClr>
+                  </a:lnRef>
+                  <a:fillRef idx="1">
+                    <a:schemeClr val="dk1"/>
+                  </a:fillRef>
+                  <a:effectRef idx="0">
+                    <a:schemeClr val="dk1"/>
+                  </a:effectRef>
+                  <a:fontRef idx="minor">
+                    <a:schemeClr val="lt1"/>
+                  </a:fontRef>
+                </p:style>
+                <p:txBody>
+                  <a:bodyPr rtlCol="0" anchor="ctr"/>
+                  <a:lstStyle/>
+                  <a:p>
+                    <a:pPr algn="ctr"/>
+                    <a:r>
+                      <a:rPr lang="en-US" sz="1400" dirty="0" smtClean="0">
+                        <a:solidFill>
+                          <a:schemeClr val="tx1"/>
+                        </a:solidFill>
+                      </a:rPr>
+                      <a:t>Robot</a:t>
+                    </a:r>
+                    <a:endParaRPr lang="en-US" sz="1400" dirty="0">
+                      <a:solidFill>
+                        <a:schemeClr val="tx1"/>
+                      </a:solidFill>
+                    </a:endParaRPr>
+                  </a:p>
+                </p:txBody>
+              </p:sp>
+            </p:grpSp>
+            <p:sp>
+              <p:nvSpPr>
+                <p:cNvPr id="125" name="テキスト ボックス 124"/>
+                <p:cNvSpPr txBox="1"/>
+                <p:nvPr/>
+              </p:nvSpPr>
+              <p:spPr>
+                <a:xfrm>
+                  <a:off x="6685275" y="5621639"/>
+                  <a:ext cx="900824" cy="307777"/>
+                </a:xfrm>
+                <a:prstGeom prst="rect">
+                  <a:avLst/>
+                </a:prstGeom>
+                <a:noFill/>
+              </p:spPr>
+              <p:txBody>
+                <a:bodyPr wrap="none" rtlCol="0">
+                  <a:spAutoFit/>
+                </a:bodyPr>
+                <a:lstStyle/>
+                <a:p>
+                  <a:r>
+                    <a:rPr lang="en-US" sz="1400" dirty="0" smtClean="0"/>
+                    <a:t>Hardware</a:t>
+                  </a:r>
+                  <a:endParaRPr lang="en-US" sz="1400" dirty="0"/>
+                </a:p>
+              </p:txBody>
+            </p:sp>
+          </p:grpSp>
+        </p:grpSp>
         <p:sp>
           <p:nvSpPr>
-            <p:cNvPr id="8" name="正方形/長方形 7"/>
+            <p:cNvPr id="129" name="正方形/長方形 128"/>
             <p:cNvSpPr/>
             <p:nvPr/>
           </p:nvSpPr>
           <p:spPr>
             <a:xfrm>
-              <a:off x="6590923" y="1401804"/>
-              <a:ext cx="3730027" cy="752921"/>
+              <a:off x="5803271" y="588475"/>
+              <a:ext cx="3874883" cy="4771176"/>
             </a:xfrm>
             <a:prstGeom prst="rect">
               <a:avLst/>
             </a:prstGeom>
-            <a:solidFill>
-              <a:schemeClr val="bg1"/>
-            </a:solidFill>
+            <a:noFill/>
+            <a:ln>
+              <a:solidFill>
+                <a:schemeClr val="tx1"/>
+              </a:solidFill>
+            </a:ln>
           </p:spPr>
           <p:style>
             <a:lnRef idx="2">
-              <a:schemeClr val="dk1">
+              <a:schemeClr val="accent1">
                 <a:shade val="50000"/>
               </a:schemeClr>
             </a:lnRef>
             <a:fillRef idx="1">
-              <a:schemeClr val="dk1"/>
+              <a:schemeClr val="accent1"/>
             </a:fillRef>
             <a:effectRef idx="0">
-              <a:schemeClr val="dk1"/>
+              <a:schemeClr val="accent1"/>
             </a:effectRef>
             <a:fontRef idx="minor">
               <a:schemeClr val="lt1"/>
@@ -8632,1140 +10542,11 @@
             <a:lstStyle/>
             <a:p>
               <a:pPr algn="ctr"/>
-              <a:endParaRPr lang="en-US" dirty="0"/>
-            </a:p>
-          </p:txBody>
-        </p:sp>
-        <p:sp>
-          <p:nvSpPr>
-            <p:cNvPr id="40" name="正方形/長方形 39"/>
-            <p:cNvSpPr/>
-            <p:nvPr/>
-          </p:nvSpPr>
-          <p:spPr>
-            <a:xfrm>
-              <a:off x="7672174" y="1487292"/>
-              <a:ext cx="1126807" cy="571165"/>
-            </a:xfrm>
-            <a:prstGeom prst="rect">
-              <a:avLst/>
-            </a:prstGeom>
-            <a:solidFill>
-              <a:schemeClr val="bg1"/>
-            </a:solidFill>
-          </p:spPr>
-          <p:style>
-            <a:lnRef idx="2">
-              <a:schemeClr val="dk1">
-                <a:shade val="50000"/>
-              </a:schemeClr>
-            </a:lnRef>
-            <a:fillRef idx="1">
-              <a:schemeClr val="dk1"/>
-            </a:fillRef>
-            <a:effectRef idx="0">
-              <a:schemeClr val="dk1"/>
-            </a:effectRef>
-            <a:fontRef idx="minor">
-              <a:schemeClr val="lt1"/>
-            </a:fontRef>
-          </p:style>
-          <p:txBody>
-            <a:bodyPr rtlCol="0" anchor="ctr"/>
-            <a:lstStyle/>
-            <a:p>
-              <a:pPr algn="ctr"/>
-              <a:r>
-                <a:rPr lang="en-US" sz="1400" dirty="0" smtClean="0">
-                  <a:solidFill>
-                    <a:schemeClr val="tx1"/>
-                  </a:solidFill>
-                </a:rPr>
-                <a:t>Behavior designer</a:t>
-              </a:r>
-              <a:endParaRPr lang="en-US" sz="1400" dirty="0">
-                <a:solidFill>
-                  <a:schemeClr val="tx1"/>
-                </a:solidFill>
-              </a:endParaRPr>
-            </a:p>
-          </p:txBody>
-        </p:sp>
-        <p:sp>
-          <p:nvSpPr>
-            <p:cNvPr id="50" name="正方形/長方形 49"/>
-            <p:cNvSpPr/>
-            <p:nvPr/>
-          </p:nvSpPr>
-          <p:spPr>
-            <a:xfrm>
-              <a:off x="8876847" y="1487292"/>
-              <a:ext cx="1163226" cy="571165"/>
-            </a:xfrm>
-            <a:prstGeom prst="rect">
-              <a:avLst/>
-            </a:prstGeom>
-            <a:solidFill>
-              <a:schemeClr val="bg1"/>
-            </a:solidFill>
-          </p:spPr>
-          <p:style>
-            <a:lnRef idx="2">
-              <a:schemeClr val="dk1">
-                <a:shade val="50000"/>
-              </a:schemeClr>
-            </a:lnRef>
-            <a:fillRef idx="1">
-              <a:schemeClr val="dk1"/>
-            </a:fillRef>
-            <a:effectRef idx="0">
-              <a:schemeClr val="dk1"/>
-            </a:effectRef>
-            <a:fontRef idx="minor">
-              <a:schemeClr val="lt1"/>
-            </a:fontRef>
-          </p:style>
-          <p:txBody>
-            <a:bodyPr rtlCol="0" anchor="ctr"/>
-            <a:lstStyle/>
-            <a:p>
-              <a:pPr algn="ctr"/>
-              <a:r>
-                <a:rPr lang="en-US" sz="1400" dirty="0" smtClean="0">
-                  <a:solidFill>
-                    <a:schemeClr val="tx1"/>
-                  </a:solidFill>
-                </a:rPr>
-                <a:t>Visualization</a:t>
-              </a:r>
-              <a:endParaRPr lang="en-US" sz="1400" dirty="0">
-                <a:solidFill>
-                  <a:schemeClr val="tx1"/>
-                </a:solidFill>
-              </a:endParaRPr>
-            </a:p>
-          </p:txBody>
-        </p:sp>
-        <p:sp>
-          <p:nvSpPr>
-            <p:cNvPr id="51" name="テキスト ボックス 50"/>
-            <p:cNvSpPr txBox="1"/>
-            <p:nvPr/>
-          </p:nvSpPr>
-          <p:spPr>
-            <a:xfrm>
-              <a:off x="6650228" y="1455098"/>
-              <a:ext cx="836383" cy="523220"/>
-            </a:xfrm>
-            <a:prstGeom prst="rect">
-              <a:avLst/>
-            </a:prstGeom>
-            <a:noFill/>
-          </p:spPr>
-          <p:txBody>
-            <a:bodyPr wrap="none" rtlCol="0">
-              <a:spAutoFit/>
-            </a:bodyPr>
-            <a:lstStyle/>
-            <a:p>
-              <a:r>
-                <a:rPr lang="en-US" sz="1400" dirty="0" smtClean="0"/>
-                <a:t>Web</a:t>
-              </a:r>
-            </a:p>
-            <a:p>
-              <a:r>
-                <a:rPr lang="en-US" sz="1400" dirty="0" smtClean="0"/>
-                <a:t>Interface</a:t>
-              </a:r>
-              <a:endParaRPr lang="en-US" sz="1400" dirty="0"/>
+              <a:endParaRPr lang="en-US"/>
             </a:p>
           </p:txBody>
         </p:sp>
       </p:grpSp>
-      <p:cxnSp>
-        <p:nvCxnSpPr>
-          <p:cNvPr id="62" name="直線矢印コネクタ 61"/>
-          <p:cNvCxnSpPr>
-            <a:stCxn id="8" idx="2"/>
-            <a:endCxn id="52" idx="0"/>
-          </p:cNvCxnSpPr>
-          <p:nvPr/>
-        </p:nvCxnSpPr>
-        <p:spPr>
-          <a:xfrm>
-            <a:off x="8455937" y="2047111"/>
-            <a:ext cx="0" cy="179314"/>
-          </a:xfrm>
-          <a:prstGeom prst="straightConnector1">
-            <a:avLst/>
-          </a:prstGeom>
-          <a:ln>
-            <a:solidFill>
-              <a:schemeClr val="tx1"/>
-            </a:solidFill>
-            <a:headEnd type="stealth"/>
-            <a:tailEnd type="triangle"/>
-          </a:ln>
-        </p:spPr>
-        <p:style>
-          <a:lnRef idx="1">
-            <a:schemeClr val="accent1"/>
-          </a:lnRef>
-          <a:fillRef idx="0">
-            <a:schemeClr val="accent1"/>
-          </a:fillRef>
-          <a:effectRef idx="0">
-            <a:schemeClr val="accent1"/>
-          </a:effectRef>
-          <a:fontRef idx="minor">
-            <a:schemeClr val="tx1"/>
-          </a:fontRef>
-        </p:style>
-      </p:cxnSp>
-      <p:sp>
-        <p:nvSpPr>
-          <p:cNvPr id="63" name="テキスト ボックス 62"/>
-          <p:cNvSpPr txBox="1"/>
-          <p:nvPr/>
-        </p:nvSpPr>
-        <p:spPr>
-          <a:xfrm>
-            <a:off x="8492148" y="2000337"/>
-            <a:ext cx="568617" cy="307777"/>
-          </a:xfrm>
-          <a:prstGeom prst="rect">
-            <a:avLst/>
-          </a:prstGeom>
-          <a:noFill/>
-        </p:spPr>
-        <p:txBody>
-          <a:bodyPr wrap="none" rtlCol="0">
-            <a:spAutoFit/>
-          </a:bodyPr>
-          <a:lstStyle/>
-          <a:p>
-            <a:r>
-              <a:rPr lang="en-US" sz="1400" dirty="0" smtClean="0"/>
-              <a:t>HTTP</a:t>
-            </a:r>
-            <a:endParaRPr lang="en-US" sz="1400" dirty="0"/>
-          </a:p>
-        </p:txBody>
-      </p:sp>
-      <p:grpSp>
-        <p:nvGrpSpPr>
-          <p:cNvPr id="79" name="グループ化 78"/>
-          <p:cNvGrpSpPr/>
-          <p:nvPr/>
-        </p:nvGrpSpPr>
-        <p:grpSpPr>
-          <a:xfrm>
-            <a:off x="6590923" y="2226425"/>
-            <a:ext cx="3730027" cy="1584919"/>
-            <a:chOff x="6590923" y="2226425"/>
-            <a:chExt cx="3730027" cy="1584919"/>
-          </a:xfrm>
-        </p:grpSpPr>
-        <p:sp>
-          <p:nvSpPr>
-            <p:cNvPr id="52" name="正方形/長方形 51"/>
-            <p:cNvSpPr/>
-            <p:nvPr/>
-          </p:nvSpPr>
-          <p:spPr>
-            <a:xfrm>
-              <a:off x="6590923" y="2226425"/>
-              <a:ext cx="3730027" cy="1557924"/>
-            </a:xfrm>
-            <a:prstGeom prst="rect">
-              <a:avLst/>
-            </a:prstGeom>
-            <a:solidFill>
-              <a:schemeClr val="bg1"/>
-            </a:solidFill>
-          </p:spPr>
-          <p:style>
-            <a:lnRef idx="2">
-              <a:schemeClr val="dk1">
-                <a:shade val="50000"/>
-              </a:schemeClr>
-            </a:lnRef>
-            <a:fillRef idx="1">
-              <a:schemeClr val="dk1"/>
-            </a:fillRef>
-            <a:effectRef idx="0">
-              <a:schemeClr val="dk1"/>
-            </a:effectRef>
-            <a:fontRef idx="minor">
-              <a:schemeClr val="lt1"/>
-            </a:fontRef>
-          </p:style>
-          <p:txBody>
-            <a:bodyPr rtlCol="0" anchor="ctr"/>
-            <a:lstStyle/>
-            <a:p>
-              <a:pPr algn="ctr"/>
-              <a:endParaRPr lang="en-US" dirty="0"/>
-            </a:p>
-          </p:txBody>
-        </p:sp>
-        <p:sp>
-          <p:nvSpPr>
-            <p:cNvPr id="53" name="正方形/長方形 52"/>
-            <p:cNvSpPr/>
-            <p:nvPr/>
-          </p:nvSpPr>
-          <p:spPr>
-            <a:xfrm>
-              <a:off x="7988202" y="2333540"/>
-              <a:ext cx="1126807" cy="454927"/>
-            </a:xfrm>
-            <a:prstGeom prst="rect">
-              <a:avLst/>
-            </a:prstGeom>
-            <a:solidFill>
-              <a:schemeClr val="bg1"/>
-            </a:solidFill>
-          </p:spPr>
-          <p:style>
-            <a:lnRef idx="2">
-              <a:schemeClr val="dk1">
-                <a:shade val="50000"/>
-              </a:schemeClr>
-            </a:lnRef>
-            <a:fillRef idx="1">
-              <a:schemeClr val="dk1"/>
-            </a:fillRef>
-            <a:effectRef idx="0">
-              <a:schemeClr val="dk1"/>
-            </a:effectRef>
-            <a:fontRef idx="minor">
-              <a:schemeClr val="lt1"/>
-            </a:fontRef>
-          </p:style>
-          <p:txBody>
-            <a:bodyPr rtlCol="0" anchor="ctr"/>
-            <a:lstStyle/>
-            <a:p>
-              <a:pPr algn="ctr"/>
-              <a:r>
-                <a:rPr lang="en-US" sz="1400" dirty="0" smtClean="0">
-                  <a:solidFill>
-                    <a:schemeClr val="tx1"/>
-                  </a:solidFill>
-                </a:rPr>
-                <a:t>Application</a:t>
-              </a:r>
-              <a:r>
-                <a:rPr lang="en-US" sz="1400" dirty="0">
-                  <a:solidFill>
-                    <a:schemeClr val="tx1"/>
-                  </a:solidFill>
-                </a:rPr>
-                <a:t> </a:t>
-              </a:r>
-              <a:r>
-                <a:rPr lang="en-US" sz="1400" dirty="0" smtClean="0">
-                  <a:solidFill>
-                    <a:schemeClr val="tx1"/>
-                  </a:solidFill>
-                </a:rPr>
-                <a:t>Context</a:t>
-              </a:r>
-              <a:endParaRPr lang="en-US" sz="1400" dirty="0" smtClean="0">
-                <a:solidFill>
-                  <a:schemeClr val="tx1"/>
-                </a:solidFill>
-              </a:endParaRPr>
-            </a:p>
-          </p:txBody>
-        </p:sp>
-        <p:sp>
-          <p:nvSpPr>
-            <p:cNvPr id="54" name="正方形/長方形 53"/>
-            <p:cNvSpPr/>
-            <p:nvPr/>
-          </p:nvSpPr>
-          <p:spPr>
-            <a:xfrm>
-              <a:off x="9299638" y="2333540"/>
-              <a:ext cx="941025" cy="454927"/>
-            </a:xfrm>
-            <a:prstGeom prst="rect">
-              <a:avLst/>
-            </a:prstGeom>
-            <a:solidFill>
-              <a:schemeClr val="bg1"/>
-            </a:solidFill>
-          </p:spPr>
-          <p:style>
-            <a:lnRef idx="2">
-              <a:schemeClr val="dk1">
-                <a:shade val="50000"/>
-              </a:schemeClr>
-            </a:lnRef>
-            <a:fillRef idx="1">
-              <a:schemeClr val="dk1"/>
-            </a:fillRef>
-            <a:effectRef idx="0">
-              <a:schemeClr val="dk1"/>
-            </a:effectRef>
-            <a:fontRef idx="minor">
-              <a:schemeClr val="lt1"/>
-            </a:fontRef>
-          </p:style>
-          <p:txBody>
-            <a:bodyPr rtlCol="0" anchor="ctr"/>
-            <a:lstStyle/>
-            <a:p>
-              <a:pPr algn="ctr"/>
-              <a:r>
-                <a:rPr lang="en-US" sz="1400" dirty="0" smtClean="0">
-                  <a:solidFill>
-                    <a:schemeClr val="tx1"/>
-                  </a:solidFill>
-                </a:rPr>
-                <a:t>Parameter Server</a:t>
-              </a:r>
-              <a:endParaRPr lang="en-US" sz="1400" dirty="0">
-                <a:solidFill>
-                  <a:schemeClr val="tx1"/>
-                </a:solidFill>
-              </a:endParaRPr>
-            </a:p>
-          </p:txBody>
-        </p:sp>
-        <p:sp>
-          <p:nvSpPr>
-            <p:cNvPr id="57" name="正方形/長方形 56"/>
-            <p:cNvSpPr/>
-            <p:nvPr/>
-          </p:nvSpPr>
-          <p:spPr>
-            <a:xfrm>
-              <a:off x="9415604" y="3029151"/>
-              <a:ext cx="859853" cy="454927"/>
-            </a:xfrm>
-            <a:prstGeom prst="rect">
-              <a:avLst/>
-            </a:prstGeom>
-            <a:solidFill>
-              <a:schemeClr val="bg2"/>
-            </a:solidFill>
-          </p:spPr>
-          <p:style>
-            <a:lnRef idx="2">
-              <a:schemeClr val="dk1">
-                <a:shade val="50000"/>
-              </a:schemeClr>
-            </a:lnRef>
-            <a:fillRef idx="1">
-              <a:schemeClr val="dk1"/>
-            </a:fillRef>
-            <a:effectRef idx="0">
-              <a:schemeClr val="dk1"/>
-            </a:effectRef>
-            <a:fontRef idx="minor">
-              <a:schemeClr val="lt1"/>
-            </a:fontRef>
-          </p:style>
-          <p:txBody>
-            <a:bodyPr rtlCol="0" anchor="ctr"/>
-            <a:lstStyle/>
-            <a:p>
-              <a:pPr algn="ctr"/>
-              <a:r>
-                <a:rPr lang="en-US" sz="1400" dirty="0" smtClean="0">
-                  <a:solidFill>
-                    <a:schemeClr val="tx1"/>
-                  </a:solidFill>
-                </a:rPr>
-                <a:t>Behavior program</a:t>
-              </a:r>
-              <a:endParaRPr lang="en-US" sz="1400" dirty="0">
-                <a:solidFill>
-                  <a:schemeClr val="tx1"/>
-                </a:solidFill>
-              </a:endParaRPr>
-            </a:p>
-          </p:txBody>
-        </p:sp>
-        <p:sp>
-          <p:nvSpPr>
-            <p:cNvPr id="58" name="正方形/長方形 57"/>
-            <p:cNvSpPr/>
-            <p:nvPr/>
-          </p:nvSpPr>
-          <p:spPr>
-            <a:xfrm>
-              <a:off x="7816183" y="3029151"/>
-              <a:ext cx="1485519" cy="454927"/>
-            </a:xfrm>
-            <a:prstGeom prst="rect">
-              <a:avLst/>
-            </a:prstGeom>
-            <a:solidFill>
-              <a:schemeClr val="bg1"/>
-            </a:solidFill>
-          </p:spPr>
-          <p:style>
-            <a:lnRef idx="2">
-              <a:schemeClr val="dk1">
-                <a:shade val="50000"/>
-              </a:schemeClr>
-            </a:lnRef>
-            <a:fillRef idx="1">
-              <a:schemeClr val="dk1"/>
-            </a:fillRef>
-            <a:effectRef idx="0">
-              <a:schemeClr val="dk1"/>
-            </a:effectRef>
-            <a:fontRef idx="minor">
-              <a:schemeClr val="lt1"/>
-            </a:fontRef>
-          </p:style>
-          <p:txBody>
-            <a:bodyPr rtlCol="0" anchor="ctr"/>
-            <a:lstStyle/>
-            <a:p>
-              <a:pPr algn="ctr"/>
-              <a:r>
-                <a:rPr lang="en-US" sz="1400" dirty="0" smtClean="0">
-                  <a:solidFill>
-                    <a:schemeClr val="tx1"/>
-                  </a:solidFill>
-                </a:rPr>
-                <a:t>Behavior execution engine</a:t>
-              </a:r>
-              <a:endParaRPr lang="en-US" sz="1400" dirty="0">
-                <a:solidFill>
-                  <a:schemeClr val="tx1"/>
-                </a:solidFill>
-              </a:endParaRPr>
-            </a:p>
-          </p:txBody>
-        </p:sp>
-        <p:sp>
-          <p:nvSpPr>
-            <p:cNvPr id="59" name="正方形/長方形 58"/>
-            <p:cNvSpPr/>
-            <p:nvPr/>
-          </p:nvSpPr>
-          <p:spPr>
-            <a:xfrm>
-              <a:off x="6618048" y="3034440"/>
-              <a:ext cx="1120445" cy="454927"/>
-            </a:xfrm>
-            <a:prstGeom prst="rect">
-              <a:avLst/>
-            </a:prstGeom>
-            <a:solidFill>
-              <a:schemeClr val="bg1"/>
-            </a:solidFill>
-          </p:spPr>
-          <p:style>
-            <a:lnRef idx="2">
-              <a:schemeClr val="dk1">
-                <a:shade val="50000"/>
-              </a:schemeClr>
-            </a:lnRef>
-            <a:fillRef idx="1">
-              <a:schemeClr val="dk1"/>
-            </a:fillRef>
-            <a:effectRef idx="0">
-              <a:schemeClr val="dk1"/>
-            </a:effectRef>
-            <a:fontRef idx="minor">
-              <a:schemeClr val="lt1"/>
-            </a:fontRef>
-          </p:style>
-          <p:txBody>
-            <a:bodyPr rtlCol="0" anchor="ctr"/>
-            <a:lstStyle/>
-            <a:p>
-              <a:pPr algn="ctr"/>
-              <a:r>
-                <a:rPr lang="en-US" sz="1400" dirty="0" smtClean="0">
-                  <a:solidFill>
-                    <a:schemeClr val="tx1"/>
-                  </a:solidFill>
-                </a:rPr>
-                <a:t>Contex</a:t>
-              </a:r>
-              <a:r>
-                <a:rPr lang="en-US" sz="1400" dirty="0" smtClean="0">
-                  <a:solidFill>
-                    <a:schemeClr val="tx1"/>
-                  </a:solidFill>
-                </a:rPr>
-                <a:t>t orchestrator</a:t>
-              </a:r>
-              <a:endParaRPr lang="en-US" sz="1400" dirty="0">
-                <a:solidFill>
-                  <a:schemeClr val="tx1"/>
-                </a:solidFill>
-              </a:endParaRPr>
-            </a:p>
-          </p:txBody>
-        </p:sp>
-        <p:sp>
-          <p:nvSpPr>
-            <p:cNvPr id="60" name="正方形/長方形 59"/>
-            <p:cNvSpPr/>
-            <p:nvPr/>
-          </p:nvSpPr>
-          <p:spPr>
-            <a:xfrm>
-              <a:off x="6619523" y="2322814"/>
-              <a:ext cx="1165945" cy="465653"/>
-            </a:xfrm>
-            <a:prstGeom prst="rect">
-              <a:avLst/>
-            </a:prstGeom>
-            <a:solidFill>
-              <a:schemeClr val="bg1"/>
-            </a:solidFill>
-          </p:spPr>
-          <p:style>
-            <a:lnRef idx="2">
-              <a:schemeClr val="dk1">
-                <a:shade val="50000"/>
-              </a:schemeClr>
-            </a:lnRef>
-            <a:fillRef idx="1">
-              <a:schemeClr val="dk1"/>
-            </a:fillRef>
-            <a:effectRef idx="0">
-              <a:schemeClr val="dk1"/>
-            </a:effectRef>
-            <a:fontRef idx="minor">
-              <a:schemeClr val="lt1"/>
-            </a:fontRef>
-          </p:style>
-          <p:txBody>
-            <a:bodyPr rtlCol="0" anchor="ctr"/>
-            <a:lstStyle/>
-            <a:p>
-              <a:pPr algn="ctr"/>
-              <a:r>
-                <a:rPr lang="en-US" sz="1400" dirty="0" smtClean="0">
-                  <a:solidFill>
-                    <a:schemeClr val="tx1"/>
-                  </a:solidFill>
-                </a:rPr>
-                <a:t>Embedded web server</a:t>
-              </a:r>
-              <a:endParaRPr lang="en-US" sz="1400" dirty="0">
-                <a:solidFill>
-                  <a:schemeClr val="tx1"/>
-                </a:solidFill>
-              </a:endParaRPr>
-            </a:p>
-          </p:txBody>
-        </p:sp>
-        <p:sp>
-          <p:nvSpPr>
-            <p:cNvPr id="64" name="テキスト ボックス 63"/>
-            <p:cNvSpPr txBox="1"/>
-            <p:nvPr/>
-          </p:nvSpPr>
-          <p:spPr>
-            <a:xfrm>
-              <a:off x="7571144" y="3503567"/>
-              <a:ext cx="1960921" cy="307777"/>
-            </a:xfrm>
-            <a:prstGeom prst="rect">
-              <a:avLst/>
-            </a:prstGeom>
-            <a:noFill/>
-          </p:spPr>
-          <p:txBody>
-            <a:bodyPr wrap="none" rtlCol="0">
-              <a:spAutoFit/>
-            </a:bodyPr>
-            <a:lstStyle/>
-            <a:p>
-              <a:r>
-                <a:rPr lang="en-US" sz="1400" dirty="0" smtClean="0"/>
-                <a:t>Application components</a:t>
-              </a:r>
-              <a:endParaRPr lang="en-US" sz="1400" dirty="0"/>
-            </a:p>
-          </p:txBody>
-        </p:sp>
-        <p:cxnSp>
-          <p:nvCxnSpPr>
-            <p:cNvPr id="66" name="直線矢印コネクタ 65"/>
-            <p:cNvCxnSpPr>
-              <a:stCxn id="54" idx="1"/>
-              <a:endCxn id="53" idx="3"/>
-            </p:cNvCxnSpPr>
-            <p:nvPr/>
-          </p:nvCxnSpPr>
-          <p:spPr>
-            <a:xfrm flipH="1">
-              <a:off x="9115009" y="2561004"/>
-              <a:ext cx="184629" cy="0"/>
-            </a:xfrm>
-            <a:prstGeom prst="straightConnector1">
-              <a:avLst/>
-            </a:prstGeom>
-            <a:ln>
-              <a:solidFill>
-                <a:schemeClr val="tx1"/>
-              </a:solidFill>
-              <a:headEnd type="stealth"/>
-              <a:tailEnd type="triangle"/>
-            </a:ln>
-          </p:spPr>
-          <p:style>
-            <a:lnRef idx="1">
-              <a:schemeClr val="accent1"/>
-            </a:lnRef>
-            <a:fillRef idx="0">
-              <a:schemeClr val="accent1"/>
-            </a:fillRef>
-            <a:effectRef idx="0">
-              <a:schemeClr val="accent1"/>
-            </a:effectRef>
-            <a:fontRef idx="minor">
-              <a:schemeClr val="tx1"/>
-            </a:fontRef>
-          </p:style>
-        </p:cxnSp>
-        <p:cxnSp>
-          <p:nvCxnSpPr>
-            <p:cNvPr id="70" name="直線矢印コネクタ 69"/>
-            <p:cNvCxnSpPr>
-              <a:stCxn id="53" idx="1"/>
-              <a:endCxn id="60" idx="3"/>
-            </p:cNvCxnSpPr>
-            <p:nvPr/>
-          </p:nvCxnSpPr>
-          <p:spPr>
-            <a:xfrm flipH="1" flipV="1">
-              <a:off x="7785468" y="2555641"/>
-              <a:ext cx="202734" cy="5363"/>
-            </a:xfrm>
-            <a:prstGeom prst="straightConnector1">
-              <a:avLst/>
-            </a:prstGeom>
-            <a:ln>
-              <a:solidFill>
-                <a:schemeClr val="tx1"/>
-              </a:solidFill>
-              <a:headEnd type="stealth"/>
-              <a:tailEnd type="triangle"/>
-            </a:ln>
-          </p:spPr>
-          <p:style>
-            <a:lnRef idx="1">
-              <a:schemeClr val="accent1"/>
-            </a:lnRef>
-            <a:fillRef idx="0">
-              <a:schemeClr val="accent1"/>
-            </a:fillRef>
-            <a:effectRef idx="0">
-              <a:schemeClr val="accent1"/>
-            </a:effectRef>
-            <a:fontRef idx="minor">
-              <a:schemeClr val="tx1"/>
-            </a:fontRef>
-          </p:style>
-        </p:cxnSp>
-        <p:cxnSp>
-          <p:nvCxnSpPr>
-            <p:cNvPr id="75" name="カギ線コネクタ 74"/>
-            <p:cNvCxnSpPr>
-              <a:stCxn id="59" idx="0"/>
-              <a:endCxn id="53" idx="2"/>
-            </p:cNvCxnSpPr>
-            <p:nvPr/>
-          </p:nvCxnSpPr>
-          <p:spPr>
-            <a:xfrm rot="5400000" flipH="1" flipV="1">
-              <a:off x="7741952" y="2224787"/>
-              <a:ext cx="245973" cy="1373335"/>
-            </a:xfrm>
-            <a:prstGeom prst="bentConnector3">
-              <a:avLst/>
-            </a:prstGeom>
-            <a:ln>
-              <a:solidFill>
-                <a:schemeClr val="tx1"/>
-              </a:solidFill>
-              <a:tailEnd type="triangle"/>
-            </a:ln>
-          </p:spPr>
-          <p:style>
-            <a:lnRef idx="1">
-              <a:schemeClr val="accent1"/>
-            </a:lnRef>
-            <a:fillRef idx="0">
-              <a:schemeClr val="accent1"/>
-            </a:fillRef>
-            <a:effectRef idx="0">
-              <a:schemeClr val="accent1"/>
-            </a:effectRef>
-            <a:fontRef idx="minor">
-              <a:schemeClr val="tx1"/>
-            </a:fontRef>
-          </p:style>
-        </p:cxnSp>
-        <p:cxnSp>
-          <p:nvCxnSpPr>
-            <p:cNvPr id="78" name="直線矢印コネクタ 77"/>
-            <p:cNvCxnSpPr>
-              <a:endCxn id="57" idx="1"/>
-            </p:cNvCxnSpPr>
-            <p:nvPr/>
-          </p:nvCxnSpPr>
-          <p:spPr>
-            <a:xfrm>
-              <a:off x="9299638" y="3256614"/>
-              <a:ext cx="115966" cy="1"/>
-            </a:xfrm>
-            <a:prstGeom prst="straightConnector1">
-              <a:avLst/>
-            </a:prstGeom>
-            <a:ln>
-              <a:solidFill>
-                <a:schemeClr val="tx1"/>
-              </a:solidFill>
-              <a:tailEnd type="triangle"/>
-            </a:ln>
-          </p:spPr>
-          <p:style>
-            <a:lnRef idx="1">
-              <a:schemeClr val="accent1"/>
-            </a:lnRef>
-            <a:fillRef idx="0">
-              <a:schemeClr val="accent1"/>
-            </a:fillRef>
-            <a:effectRef idx="0">
-              <a:schemeClr val="accent1"/>
-            </a:effectRef>
-            <a:fontRef idx="minor">
-              <a:schemeClr val="tx1"/>
-            </a:fontRef>
-          </p:style>
-        </p:cxnSp>
-      </p:grpSp>
-      <p:grpSp>
-        <p:nvGrpSpPr>
-          <p:cNvPr id="80" name="グループ化 79"/>
-          <p:cNvGrpSpPr/>
-          <p:nvPr/>
-        </p:nvGrpSpPr>
-        <p:grpSpPr>
-          <a:xfrm>
-            <a:off x="5552185" y="3891464"/>
-            <a:ext cx="4768764" cy="1426620"/>
-            <a:chOff x="5552186" y="1401804"/>
-            <a:chExt cx="4768764" cy="1664532"/>
-          </a:xfrm>
-        </p:grpSpPr>
-        <p:sp>
-          <p:nvSpPr>
-            <p:cNvPr id="81" name="正方形/長方形 80"/>
-            <p:cNvSpPr/>
-            <p:nvPr/>
-          </p:nvSpPr>
-          <p:spPr>
-            <a:xfrm>
-              <a:off x="6590923" y="1401804"/>
-              <a:ext cx="3730027" cy="752921"/>
-            </a:xfrm>
-            <a:prstGeom prst="rect">
-              <a:avLst/>
-            </a:prstGeom>
-            <a:solidFill>
-              <a:schemeClr val="bg1"/>
-            </a:solidFill>
-          </p:spPr>
-          <p:style>
-            <a:lnRef idx="2">
-              <a:schemeClr val="dk1">
-                <a:shade val="50000"/>
-              </a:schemeClr>
-            </a:lnRef>
-            <a:fillRef idx="1">
-              <a:schemeClr val="dk1"/>
-            </a:fillRef>
-            <a:effectRef idx="0">
-              <a:schemeClr val="dk1"/>
-            </a:effectRef>
-            <a:fontRef idx="minor">
-              <a:schemeClr val="lt1"/>
-            </a:fontRef>
-          </p:style>
-          <p:txBody>
-            <a:bodyPr rtlCol="0" anchor="ctr"/>
-            <a:lstStyle/>
-            <a:p>
-              <a:pPr algn="ctr"/>
-              <a:endParaRPr lang="en-US" dirty="0"/>
-            </a:p>
-          </p:txBody>
-        </p:sp>
-        <p:sp>
-          <p:nvSpPr>
-            <p:cNvPr id="82" name="正方形/長方形 81"/>
-            <p:cNvSpPr/>
-            <p:nvPr/>
-          </p:nvSpPr>
-          <p:spPr>
-            <a:xfrm>
-              <a:off x="7738494" y="1660944"/>
-              <a:ext cx="1060487" cy="397513"/>
-            </a:xfrm>
-            <a:prstGeom prst="rect">
-              <a:avLst/>
-            </a:prstGeom>
-            <a:solidFill>
-              <a:schemeClr val="bg1"/>
-            </a:solidFill>
-          </p:spPr>
-          <p:style>
-            <a:lnRef idx="2">
-              <a:schemeClr val="dk1">
-                <a:shade val="50000"/>
-              </a:schemeClr>
-            </a:lnRef>
-            <a:fillRef idx="1">
-              <a:schemeClr val="dk1"/>
-            </a:fillRef>
-            <a:effectRef idx="0">
-              <a:schemeClr val="dk1"/>
-            </a:effectRef>
-            <a:fontRef idx="minor">
-              <a:schemeClr val="lt1"/>
-            </a:fontRef>
-          </p:style>
-          <p:txBody>
-            <a:bodyPr rtlCol="0" anchor="ctr"/>
-            <a:lstStyle/>
-            <a:p>
-              <a:pPr algn="ctr"/>
-              <a:r>
-                <a:rPr lang="en-US" sz="1400" dirty="0" smtClean="0">
-                  <a:solidFill>
-                    <a:schemeClr val="tx1"/>
-                  </a:solidFill>
-                </a:rPr>
-                <a:t>Localization</a:t>
-              </a:r>
-              <a:endParaRPr lang="en-US" sz="1400" dirty="0">
-                <a:solidFill>
-                  <a:schemeClr val="tx1"/>
-                </a:solidFill>
-              </a:endParaRPr>
-            </a:p>
-          </p:txBody>
-        </p:sp>
-        <p:sp>
-          <p:nvSpPr>
-            <p:cNvPr id="83" name="正方形/長方形 82"/>
-            <p:cNvSpPr/>
-            <p:nvPr/>
-          </p:nvSpPr>
-          <p:spPr>
-            <a:xfrm>
-              <a:off x="8876847" y="1487292"/>
-              <a:ext cx="882790" cy="571165"/>
-            </a:xfrm>
-            <a:prstGeom prst="rect">
-              <a:avLst/>
-            </a:prstGeom>
-            <a:solidFill>
-              <a:schemeClr val="bg1"/>
-            </a:solidFill>
-          </p:spPr>
-          <p:style>
-            <a:lnRef idx="2">
-              <a:schemeClr val="dk1">
-                <a:shade val="50000"/>
-              </a:schemeClr>
-            </a:lnRef>
-            <a:fillRef idx="1">
-              <a:schemeClr val="dk1"/>
-            </a:fillRef>
-            <a:effectRef idx="0">
-              <a:schemeClr val="dk1"/>
-            </a:effectRef>
-            <a:fontRef idx="minor">
-              <a:schemeClr val="lt1"/>
-            </a:fontRef>
-          </p:style>
-          <p:txBody>
-            <a:bodyPr rtlCol="0" anchor="ctr"/>
-            <a:lstStyle/>
-            <a:p>
-              <a:pPr algn="ctr"/>
-              <a:r>
-                <a:rPr lang="en-US" sz="1400" dirty="0" smtClean="0">
-                  <a:solidFill>
-                    <a:schemeClr val="tx1"/>
-                  </a:solidFill>
-                </a:rPr>
-                <a:t>Robot interface</a:t>
-              </a:r>
-              <a:endParaRPr lang="en-US" sz="1400" dirty="0">
-                <a:solidFill>
-                  <a:schemeClr val="tx1"/>
-                </a:solidFill>
-              </a:endParaRPr>
-            </a:p>
-          </p:txBody>
-        </p:sp>
-        <p:sp>
-          <p:nvSpPr>
-            <p:cNvPr id="84" name="テキスト ボックス 83"/>
-            <p:cNvSpPr txBox="1"/>
-            <p:nvPr/>
-          </p:nvSpPr>
-          <p:spPr>
-            <a:xfrm>
-              <a:off x="5552186" y="2543116"/>
-              <a:ext cx="836383" cy="523220"/>
-            </a:xfrm>
-            <a:prstGeom prst="rect">
-              <a:avLst/>
-            </a:prstGeom>
-            <a:noFill/>
-          </p:spPr>
-          <p:txBody>
-            <a:bodyPr wrap="none" rtlCol="0">
-              <a:spAutoFit/>
-            </a:bodyPr>
-            <a:lstStyle/>
-            <a:p>
-              <a:r>
-                <a:rPr lang="en-US" sz="1400" dirty="0" smtClean="0"/>
-                <a:t>Web</a:t>
-              </a:r>
-            </a:p>
-            <a:p>
-              <a:r>
-                <a:rPr lang="en-US" sz="1400" dirty="0" smtClean="0"/>
-                <a:t>Interface</a:t>
-              </a:r>
-              <a:endParaRPr lang="en-US" sz="1400" dirty="0"/>
-            </a:p>
-          </p:txBody>
-        </p:sp>
-      </p:grpSp>
-      <p:sp>
-        <p:nvSpPr>
-          <p:cNvPr id="85" name="正方形/長方形 84"/>
-          <p:cNvSpPr/>
-          <p:nvPr/>
-        </p:nvSpPr>
-        <p:spPr>
-          <a:xfrm>
-            <a:off x="6650228" y="3977078"/>
-            <a:ext cx="1032710" cy="489528"/>
-          </a:xfrm>
-          <a:prstGeom prst="rect">
-            <a:avLst/>
-          </a:prstGeom>
-          <a:solidFill>
-            <a:schemeClr val="bg1"/>
-          </a:solidFill>
-        </p:spPr>
-        <p:style>
-          <a:lnRef idx="2">
-            <a:schemeClr val="dk1">
-              <a:shade val="50000"/>
-            </a:schemeClr>
-          </a:lnRef>
-          <a:fillRef idx="1">
-            <a:schemeClr val="dk1"/>
-          </a:fillRef>
-          <a:effectRef idx="0">
-            <a:schemeClr val="dk1"/>
-          </a:effectRef>
-          <a:fontRef idx="minor">
-            <a:schemeClr val="lt1"/>
-          </a:fontRef>
-        </p:style>
-        <p:txBody>
-          <a:bodyPr rtlCol="0" anchor="ctr"/>
-          <a:lstStyle/>
-          <a:p>
-            <a:pPr algn="ctr"/>
-            <a:r>
-              <a:rPr lang="en-US" sz="1400" dirty="0" smtClean="0">
-                <a:solidFill>
-                  <a:schemeClr val="tx1"/>
-                </a:solidFill>
-              </a:rPr>
-              <a:t>Motion recognition</a:t>
-            </a:r>
-            <a:endParaRPr lang="en-US" sz="1400" dirty="0">
-              <a:solidFill>
-                <a:schemeClr val="tx1"/>
-              </a:solidFill>
-            </a:endParaRPr>
-          </a:p>
-        </p:txBody>
-      </p:sp>
-      <p:sp>
-        <p:nvSpPr>
-          <p:cNvPr id="86" name="正方形/長方形 85"/>
-          <p:cNvSpPr/>
-          <p:nvPr/>
-        </p:nvSpPr>
-        <p:spPr>
-          <a:xfrm>
-            <a:off x="7651847" y="4849102"/>
-            <a:ext cx="1032710" cy="489528"/>
-          </a:xfrm>
-          <a:prstGeom prst="rect">
-            <a:avLst/>
-          </a:prstGeom>
-          <a:solidFill>
-            <a:schemeClr val="bg1"/>
-          </a:solidFill>
-        </p:spPr>
-        <p:style>
-          <a:lnRef idx="2">
-            <a:schemeClr val="dk1">
-              <a:shade val="50000"/>
-            </a:schemeClr>
-          </a:lnRef>
-          <a:fillRef idx="1">
-            <a:schemeClr val="dk1"/>
-          </a:fillRef>
-          <a:effectRef idx="0">
-            <a:schemeClr val="dk1"/>
-          </a:effectRef>
-          <a:fontRef idx="minor">
-            <a:schemeClr val="lt1"/>
-          </a:fontRef>
-        </p:style>
-        <p:txBody>
-          <a:bodyPr rtlCol="0" anchor="ctr"/>
-          <a:lstStyle/>
-          <a:p>
-            <a:pPr algn="ctr"/>
-            <a:r>
-              <a:rPr lang="en-US" sz="1400" dirty="0" smtClean="0">
-                <a:solidFill>
-                  <a:schemeClr val="tx1"/>
-                </a:solidFill>
-              </a:rPr>
-              <a:t>Speech recognition</a:t>
-            </a:r>
-            <a:endParaRPr lang="en-US" sz="1400" dirty="0">
-              <a:solidFill>
-                <a:schemeClr val="tx1"/>
-              </a:solidFill>
-            </a:endParaRPr>
-          </a:p>
-        </p:txBody>
-      </p:sp>
     </p:spTree>
     <p:extLst>
       <p:ext uri="{BB962C8B-B14F-4D97-AF65-F5344CB8AC3E}">

--- a/docs/Misc/Pictures.pptx
+++ b/docs/Misc/Pictures.pptx
@@ -11,6 +11,7 @@
     <p:sldId id="259" r:id="rId5"/>
     <p:sldId id="260" r:id="rId6"/>
     <p:sldId id="261" r:id="rId7"/>
+    <p:sldId id="262" r:id="rId8"/>
   </p:sldIdLst>
   <p:sldSz cx="12192000" cy="6858000"/>
   <p:notesSz cx="6858000" cy="9144000"/>
@@ -248,7 +249,7 @@
           <a:p>
             <a:fld id="{E42984CD-48CE-4FC7-9122-241A3FDBD299}" type="datetimeFigureOut">
               <a:rPr lang="en-US" smtClean="0"/>
-              <a:t>6/30/2015</a:t>
+              <a:t>7/1/2015</a:t>
             </a:fld>
             <a:endParaRPr lang="en-US"/>
           </a:p>
@@ -450,7 +451,7 @@
           <a:p>
             <a:fld id="{E42984CD-48CE-4FC7-9122-241A3FDBD299}" type="datetimeFigureOut">
               <a:rPr lang="en-US" smtClean="0"/>
-              <a:t>6/30/2015</a:t>
+              <a:t>7/1/2015</a:t>
             </a:fld>
             <a:endParaRPr lang="en-US"/>
           </a:p>
@@ -662,7 +663,7 @@
           <a:p>
             <a:fld id="{E42984CD-48CE-4FC7-9122-241A3FDBD299}" type="datetimeFigureOut">
               <a:rPr lang="en-US" smtClean="0"/>
-              <a:t>6/30/2015</a:t>
+              <a:t>7/1/2015</a:t>
             </a:fld>
             <a:endParaRPr lang="en-US"/>
           </a:p>
@@ -864,7 +865,7 @@
           <a:p>
             <a:fld id="{E42984CD-48CE-4FC7-9122-241A3FDBD299}" type="datetimeFigureOut">
               <a:rPr lang="en-US" smtClean="0"/>
-              <a:t>6/30/2015</a:t>
+              <a:t>7/1/2015</a:t>
             </a:fld>
             <a:endParaRPr lang="en-US"/>
           </a:p>
@@ -1110,7 +1111,7 @@
           <a:p>
             <a:fld id="{E42984CD-48CE-4FC7-9122-241A3FDBD299}" type="datetimeFigureOut">
               <a:rPr lang="en-US" smtClean="0"/>
-              <a:t>6/30/2015</a:t>
+              <a:t>7/1/2015</a:t>
             </a:fld>
             <a:endParaRPr lang="en-US"/>
           </a:p>
@@ -1406,7 +1407,7 @@
           <a:p>
             <a:fld id="{E42984CD-48CE-4FC7-9122-241A3FDBD299}" type="datetimeFigureOut">
               <a:rPr lang="en-US" smtClean="0"/>
-              <a:t>6/30/2015</a:t>
+              <a:t>7/1/2015</a:t>
             </a:fld>
             <a:endParaRPr lang="en-US"/>
           </a:p>
@@ -1837,7 +1838,7 @@
           <a:p>
             <a:fld id="{E42984CD-48CE-4FC7-9122-241A3FDBD299}" type="datetimeFigureOut">
               <a:rPr lang="en-US" smtClean="0"/>
-              <a:t>6/30/2015</a:t>
+              <a:t>7/1/2015</a:t>
             </a:fld>
             <a:endParaRPr lang="en-US"/>
           </a:p>
@@ -1955,7 +1956,7 @@
           <a:p>
             <a:fld id="{E42984CD-48CE-4FC7-9122-241A3FDBD299}" type="datetimeFigureOut">
               <a:rPr lang="en-US" smtClean="0"/>
-              <a:t>6/30/2015</a:t>
+              <a:t>7/1/2015</a:t>
             </a:fld>
             <a:endParaRPr lang="en-US"/>
           </a:p>
@@ -2050,7 +2051,7 @@
           <a:p>
             <a:fld id="{E42984CD-48CE-4FC7-9122-241A3FDBD299}" type="datetimeFigureOut">
               <a:rPr lang="en-US" smtClean="0"/>
-              <a:t>6/30/2015</a:t>
+              <a:t>7/1/2015</a:t>
             </a:fld>
             <a:endParaRPr lang="en-US"/>
           </a:p>
@@ -2359,7 +2360,7 @@
           <a:p>
             <a:fld id="{E42984CD-48CE-4FC7-9122-241A3FDBD299}" type="datetimeFigureOut">
               <a:rPr lang="en-US" smtClean="0"/>
-              <a:t>6/30/2015</a:t>
+              <a:t>7/1/2015</a:t>
             </a:fld>
             <a:endParaRPr lang="en-US"/>
           </a:p>
@@ -2612,7 +2613,7 @@
           <a:p>
             <a:fld id="{E42984CD-48CE-4FC7-9122-241A3FDBD299}" type="datetimeFigureOut">
               <a:rPr lang="en-US" smtClean="0"/>
-              <a:t>6/30/2015</a:t>
+              <a:t>7/1/2015</a:t>
             </a:fld>
             <a:endParaRPr lang="en-US"/>
           </a:p>
@@ -2857,7 +2858,7 @@
           <a:p>
             <a:fld id="{E42984CD-48CE-4FC7-9122-241A3FDBD299}" type="datetimeFigureOut">
               <a:rPr lang="en-US" smtClean="0"/>
-              <a:t>6/30/2015</a:t>
+              <a:t>7/1/2015</a:t>
             </a:fld>
             <a:endParaRPr lang="en-US"/>
           </a:p>
@@ -8387,11 +8388,6 @@
                   </a:rPr>
                   <a:t>algorithms</a:t>
                 </a:r>
-                <a:endParaRPr lang="en-US" sz="1400" dirty="0" smtClean="0">
-                  <a:solidFill>
-                    <a:schemeClr val="tx1"/>
-                  </a:solidFill>
-                </a:endParaRPr>
               </a:p>
             </p:txBody>
           </p:sp>
@@ -9001,11 +8997,6 @@
                     </a:rPr>
                     <a:t>Context</a:t>
                   </a:r>
-                  <a:endParaRPr lang="en-US" sz="1400" dirty="0" smtClean="0">
-                    <a:solidFill>
-                      <a:schemeClr val="tx1"/>
-                    </a:solidFill>
-                  </a:endParaRPr>
                 </a:p>
               </p:txBody>
             </p:sp>
@@ -9219,15 +9210,7 @@
                         <a:schemeClr val="tx1"/>
                       </a:solidFill>
                     </a:rPr>
-                    <a:t>Contex</a:t>
-                  </a:r>
-                  <a:r>
-                    <a:rPr lang="en-US" sz="1400" dirty="0" smtClean="0">
-                      <a:solidFill>
-                        <a:schemeClr val="tx1"/>
-                      </a:solidFill>
-                    </a:rPr>
-                    <a:t>t orchestrator</a:t>
+                    <a:t>Context orchestrator</a:t>
                   </a:r>
                   <a:endParaRPr lang="en-US" sz="1400" dirty="0">
                     <a:solidFill>
@@ -10560,6 +10543,99 @@
 </p:sld>
 </file>
 
+<file path=ppt/slides/slide7.xml><?xml version="1.0" encoding="utf-8"?>
+<p:sld xmlns:a="http://schemas.openxmlformats.org/drawingml/2006/main" xmlns:r="http://schemas.openxmlformats.org/officeDocument/2006/relationships" xmlns:p="http://schemas.openxmlformats.org/presentationml/2006/main">
+  <p:cSld>
+    <p:spTree>
+      <p:nvGrpSpPr>
+        <p:cNvPr id="1" name=""/>
+        <p:cNvGrpSpPr/>
+        <p:nvPr/>
+      </p:nvGrpSpPr>
+      <p:grpSpPr>
+        <a:xfrm>
+          <a:off x="0" y="0"/>
+          <a:ext cx="0" cy="0"/>
+          <a:chOff x="0" y="0"/>
+          <a:chExt cx="0" cy="0"/>
+        </a:xfrm>
+      </p:grpSpPr>
+      <p:grpSp>
+        <p:nvGrpSpPr>
+          <p:cNvPr id="6" name="グループ化 5"/>
+          <p:cNvGrpSpPr/>
+          <p:nvPr/>
+        </p:nvGrpSpPr>
+        <p:grpSpPr>
+          <a:xfrm>
+            <a:off x="914038" y="1215525"/>
+            <a:ext cx="10446301" cy="3821119"/>
+            <a:chOff x="914038" y="1215525"/>
+            <a:chExt cx="10446301" cy="3821119"/>
+          </a:xfrm>
+        </p:grpSpPr>
+        <p:pic>
+          <p:nvPicPr>
+            <p:cNvPr id="4" name="図 3"/>
+            <p:cNvPicPr>
+              <a:picLocks noChangeAspect="1"/>
+            </p:cNvPicPr>
+            <p:nvPr/>
+          </p:nvPicPr>
+          <p:blipFill>
+            <a:blip r:embed="rId2"/>
+            <a:stretch>
+              <a:fillRect/>
+            </a:stretch>
+          </p:blipFill>
+          <p:spPr>
+            <a:xfrm>
+              <a:off x="931926" y="3205311"/>
+              <a:ext cx="10410526" cy="1831333"/>
+            </a:xfrm>
+            <a:prstGeom prst="rect">
+              <a:avLst/>
+            </a:prstGeom>
+          </p:spPr>
+        </p:pic>
+        <p:pic>
+          <p:nvPicPr>
+            <p:cNvPr id="5" name="図 4"/>
+            <p:cNvPicPr>
+              <a:picLocks noChangeAspect="1"/>
+            </p:cNvPicPr>
+            <p:nvPr/>
+          </p:nvPicPr>
+          <p:blipFill>
+            <a:blip r:embed="rId3"/>
+            <a:stretch>
+              <a:fillRect/>
+            </a:stretch>
+          </p:blipFill>
+          <p:spPr>
+            <a:xfrm>
+              <a:off x="914038" y="1215525"/>
+              <a:ext cx="10446301" cy="1840267"/>
+            </a:xfrm>
+            <a:prstGeom prst="rect">
+              <a:avLst/>
+            </a:prstGeom>
+          </p:spPr>
+        </p:pic>
+      </p:grpSp>
+    </p:spTree>
+    <p:extLst>
+      <p:ext uri="{BB962C8B-B14F-4D97-AF65-F5344CB8AC3E}">
+        <p14:creationId xmlns:p14="http://schemas.microsoft.com/office/powerpoint/2010/main" val="364349445"/>
+      </p:ext>
+    </p:extLst>
+  </p:cSld>
+  <p:clrMapOvr>
+    <a:masterClrMapping/>
+  </p:clrMapOvr>
+</p:sld>
+</file>
+
 <file path=ppt/theme/theme1.xml><?xml version="1.0" encoding="utf-8"?>
 <a:theme xmlns:a="http://schemas.openxmlformats.org/drawingml/2006/main" name="Office テーマ">
   <a:themeElements>

--- a/docs/Misc/Pictures.pptx
+++ b/docs/Misc/Pictures.pptx
@@ -12,6 +12,7 @@
     <p:sldId id="260" r:id="rId6"/>
     <p:sldId id="261" r:id="rId7"/>
     <p:sldId id="262" r:id="rId8"/>
+    <p:sldId id="263" r:id="rId9"/>
   </p:sldIdLst>
   <p:sldSz cx="12192000" cy="6858000"/>
   <p:notesSz cx="6858000" cy="9144000"/>
@@ -249,7 +250,7 @@
           <a:p>
             <a:fld id="{E42984CD-48CE-4FC7-9122-241A3FDBD299}" type="datetimeFigureOut">
               <a:rPr lang="en-US" smtClean="0"/>
-              <a:t>7/1/2015</a:t>
+              <a:t>7/4/2015</a:t>
             </a:fld>
             <a:endParaRPr lang="en-US"/>
           </a:p>
@@ -451,7 +452,7 @@
           <a:p>
             <a:fld id="{E42984CD-48CE-4FC7-9122-241A3FDBD299}" type="datetimeFigureOut">
               <a:rPr lang="en-US" smtClean="0"/>
-              <a:t>7/1/2015</a:t>
+              <a:t>7/4/2015</a:t>
             </a:fld>
             <a:endParaRPr lang="en-US"/>
           </a:p>
@@ -663,7 +664,7 @@
           <a:p>
             <a:fld id="{E42984CD-48CE-4FC7-9122-241A3FDBD299}" type="datetimeFigureOut">
               <a:rPr lang="en-US" smtClean="0"/>
-              <a:t>7/1/2015</a:t>
+              <a:t>7/4/2015</a:t>
             </a:fld>
             <a:endParaRPr lang="en-US"/>
           </a:p>
@@ -865,7 +866,7 @@
           <a:p>
             <a:fld id="{E42984CD-48CE-4FC7-9122-241A3FDBD299}" type="datetimeFigureOut">
               <a:rPr lang="en-US" smtClean="0"/>
-              <a:t>7/1/2015</a:t>
+              <a:t>7/4/2015</a:t>
             </a:fld>
             <a:endParaRPr lang="en-US"/>
           </a:p>
@@ -1111,7 +1112,7 @@
           <a:p>
             <a:fld id="{E42984CD-48CE-4FC7-9122-241A3FDBD299}" type="datetimeFigureOut">
               <a:rPr lang="en-US" smtClean="0"/>
-              <a:t>7/1/2015</a:t>
+              <a:t>7/4/2015</a:t>
             </a:fld>
             <a:endParaRPr lang="en-US"/>
           </a:p>
@@ -1407,7 +1408,7 @@
           <a:p>
             <a:fld id="{E42984CD-48CE-4FC7-9122-241A3FDBD299}" type="datetimeFigureOut">
               <a:rPr lang="en-US" smtClean="0"/>
-              <a:t>7/1/2015</a:t>
+              <a:t>7/4/2015</a:t>
             </a:fld>
             <a:endParaRPr lang="en-US"/>
           </a:p>
@@ -1838,7 +1839,7 @@
           <a:p>
             <a:fld id="{E42984CD-48CE-4FC7-9122-241A3FDBD299}" type="datetimeFigureOut">
               <a:rPr lang="en-US" smtClean="0"/>
-              <a:t>7/1/2015</a:t>
+              <a:t>7/4/2015</a:t>
             </a:fld>
             <a:endParaRPr lang="en-US"/>
           </a:p>
@@ -1956,7 +1957,7 @@
           <a:p>
             <a:fld id="{E42984CD-48CE-4FC7-9122-241A3FDBD299}" type="datetimeFigureOut">
               <a:rPr lang="en-US" smtClean="0"/>
-              <a:t>7/1/2015</a:t>
+              <a:t>7/4/2015</a:t>
             </a:fld>
             <a:endParaRPr lang="en-US"/>
           </a:p>
@@ -2051,7 +2052,7 @@
           <a:p>
             <a:fld id="{E42984CD-48CE-4FC7-9122-241A3FDBD299}" type="datetimeFigureOut">
               <a:rPr lang="en-US" smtClean="0"/>
-              <a:t>7/1/2015</a:t>
+              <a:t>7/4/2015</a:t>
             </a:fld>
             <a:endParaRPr lang="en-US"/>
           </a:p>
@@ -2360,7 +2361,7 @@
           <a:p>
             <a:fld id="{E42984CD-48CE-4FC7-9122-241A3FDBD299}" type="datetimeFigureOut">
               <a:rPr lang="en-US" smtClean="0"/>
-              <a:t>7/1/2015</a:t>
+              <a:t>7/4/2015</a:t>
             </a:fld>
             <a:endParaRPr lang="en-US"/>
           </a:p>
@@ -2613,7 +2614,7 @@
           <a:p>
             <a:fld id="{E42984CD-48CE-4FC7-9122-241A3FDBD299}" type="datetimeFigureOut">
               <a:rPr lang="en-US" smtClean="0"/>
-              <a:t>7/1/2015</a:t>
+              <a:t>7/4/2015</a:t>
             </a:fld>
             <a:endParaRPr lang="en-US"/>
           </a:p>
@@ -2858,7 +2859,7 @@
           <a:p>
             <a:fld id="{E42984CD-48CE-4FC7-9122-241A3FDBD299}" type="datetimeFigureOut">
               <a:rPr lang="en-US" smtClean="0"/>
-              <a:t>7/1/2015</a:t>
+              <a:t>7/4/2015</a:t>
             </a:fld>
             <a:endParaRPr lang="en-US"/>
           </a:p>
@@ -10636,6 +10637,99 @@
 </p:sld>
 </file>
 
+<file path=ppt/slides/slide8.xml><?xml version="1.0" encoding="utf-8"?>
+<p:sld xmlns:a="http://schemas.openxmlformats.org/drawingml/2006/main" xmlns:r="http://schemas.openxmlformats.org/officeDocument/2006/relationships" xmlns:p="http://schemas.openxmlformats.org/presentationml/2006/main">
+  <p:cSld>
+    <p:spTree>
+      <p:nvGrpSpPr>
+        <p:cNvPr id="1" name=""/>
+        <p:cNvGrpSpPr/>
+        <p:nvPr/>
+      </p:nvGrpSpPr>
+      <p:grpSpPr>
+        <a:xfrm>
+          <a:off x="0" y="0"/>
+          <a:ext cx="0" cy="0"/>
+          <a:chOff x="0" y="0"/>
+          <a:chExt cx="0" cy="0"/>
+        </a:xfrm>
+      </p:grpSpPr>
+      <p:grpSp>
+        <p:nvGrpSpPr>
+          <p:cNvPr id="6" name="グループ化 5"/>
+          <p:cNvGrpSpPr/>
+          <p:nvPr/>
+        </p:nvGrpSpPr>
+        <p:grpSpPr>
+          <a:xfrm>
+            <a:off x="185876" y="1223018"/>
+            <a:ext cx="11764271" cy="4181064"/>
+            <a:chOff x="185876" y="1223018"/>
+            <a:chExt cx="11764271" cy="4181064"/>
+          </a:xfrm>
+        </p:grpSpPr>
+        <p:pic>
+          <p:nvPicPr>
+            <p:cNvPr id="4" name="図 3"/>
+            <p:cNvPicPr>
+              <a:picLocks noChangeAspect="1"/>
+            </p:cNvPicPr>
+            <p:nvPr/>
+          </p:nvPicPr>
+          <p:blipFill>
+            <a:blip r:embed="rId2"/>
+            <a:stretch>
+              <a:fillRect/>
+            </a:stretch>
+          </p:blipFill>
+          <p:spPr>
+            <a:xfrm>
+              <a:off x="205946" y="1223018"/>
+              <a:ext cx="11744201" cy="2064640"/>
+            </a:xfrm>
+            <a:prstGeom prst="rect">
+              <a:avLst/>
+            </a:prstGeom>
+          </p:spPr>
+        </p:pic>
+        <p:pic>
+          <p:nvPicPr>
+            <p:cNvPr id="5" name="図 4"/>
+            <p:cNvPicPr>
+              <a:picLocks noChangeAspect="1"/>
+            </p:cNvPicPr>
+            <p:nvPr/>
+          </p:nvPicPr>
+          <p:blipFill>
+            <a:blip r:embed="rId3"/>
+            <a:stretch>
+              <a:fillRect/>
+            </a:stretch>
+          </p:blipFill>
+          <p:spPr>
+            <a:xfrm>
+              <a:off x="185876" y="3352797"/>
+              <a:ext cx="11764271" cy="2051285"/>
+            </a:xfrm>
+            <a:prstGeom prst="rect">
+              <a:avLst/>
+            </a:prstGeom>
+          </p:spPr>
+        </p:pic>
+      </p:grpSp>
+    </p:spTree>
+    <p:extLst>
+      <p:ext uri="{BB962C8B-B14F-4D97-AF65-F5344CB8AC3E}">
+        <p14:creationId xmlns:p14="http://schemas.microsoft.com/office/powerpoint/2010/main" val="393832318"/>
+      </p:ext>
+    </p:extLst>
+  </p:cSld>
+  <p:clrMapOvr>
+    <a:masterClrMapping/>
+  </p:clrMapOvr>
+</p:sld>
+</file>
+
 <file path=ppt/theme/theme1.xml><?xml version="1.0" encoding="utf-8"?>
 <a:theme xmlns:a="http://schemas.openxmlformats.org/drawingml/2006/main" name="Office テーマ">
   <a:themeElements>

--- a/docs/Misc/Pictures.pptx
+++ b/docs/Misc/Pictures.pptx
@@ -13,6 +13,7 @@
     <p:sldId id="261" r:id="rId7"/>
     <p:sldId id="262" r:id="rId8"/>
     <p:sldId id="263" r:id="rId9"/>
+    <p:sldId id="264" r:id="rId10"/>
   </p:sldIdLst>
   <p:sldSz cx="12192000" cy="6858000"/>
   <p:notesSz cx="6858000" cy="9144000"/>
@@ -250,7 +251,7 @@
           <a:p>
             <a:fld id="{E42984CD-48CE-4FC7-9122-241A3FDBD299}" type="datetimeFigureOut">
               <a:rPr lang="en-US" smtClean="0"/>
-              <a:t>7/4/2015</a:t>
+              <a:t>7/6/2015</a:t>
             </a:fld>
             <a:endParaRPr lang="en-US"/>
           </a:p>
@@ -452,7 +453,7 @@
           <a:p>
             <a:fld id="{E42984CD-48CE-4FC7-9122-241A3FDBD299}" type="datetimeFigureOut">
               <a:rPr lang="en-US" smtClean="0"/>
-              <a:t>7/4/2015</a:t>
+              <a:t>7/6/2015</a:t>
             </a:fld>
             <a:endParaRPr lang="en-US"/>
           </a:p>
@@ -664,7 +665,7 @@
           <a:p>
             <a:fld id="{E42984CD-48CE-4FC7-9122-241A3FDBD299}" type="datetimeFigureOut">
               <a:rPr lang="en-US" smtClean="0"/>
-              <a:t>7/4/2015</a:t>
+              <a:t>7/6/2015</a:t>
             </a:fld>
             <a:endParaRPr lang="en-US"/>
           </a:p>
@@ -866,7 +867,7 @@
           <a:p>
             <a:fld id="{E42984CD-48CE-4FC7-9122-241A3FDBD299}" type="datetimeFigureOut">
               <a:rPr lang="en-US" smtClean="0"/>
-              <a:t>7/4/2015</a:t>
+              <a:t>7/6/2015</a:t>
             </a:fld>
             <a:endParaRPr lang="en-US"/>
           </a:p>
@@ -1112,7 +1113,7 @@
           <a:p>
             <a:fld id="{E42984CD-48CE-4FC7-9122-241A3FDBD299}" type="datetimeFigureOut">
               <a:rPr lang="en-US" smtClean="0"/>
-              <a:t>7/4/2015</a:t>
+              <a:t>7/6/2015</a:t>
             </a:fld>
             <a:endParaRPr lang="en-US"/>
           </a:p>
@@ -1408,7 +1409,7 @@
           <a:p>
             <a:fld id="{E42984CD-48CE-4FC7-9122-241A3FDBD299}" type="datetimeFigureOut">
               <a:rPr lang="en-US" smtClean="0"/>
-              <a:t>7/4/2015</a:t>
+              <a:t>7/6/2015</a:t>
             </a:fld>
             <a:endParaRPr lang="en-US"/>
           </a:p>
@@ -1839,7 +1840,7 @@
           <a:p>
             <a:fld id="{E42984CD-48CE-4FC7-9122-241A3FDBD299}" type="datetimeFigureOut">
               <a:rPr lang="en-US" smtClean="0"/>
-              <a:t>7/4/2015</a:t>
+              <a:t>7/6/2015</a:t>
             </a:fld>
             <a:endParaRPr lang="en-US"/>
           </a:p>
@@ -1957,7 +1958,7 @@
           <a:p>
             <a:fld id="{E42984CD-48CE-4FC7-9122-241A3FDBD299}" type="datetimeFigureOut">
               <a:rPr lang="en-US" smtClean="0"/>
-              <a:t>7/4/2015</a:t>
+              <a:t>7/6/2015</a:t>
             </a:fld>
             <a:endParaRPr lang="en-US"/>
           </a:p>
@@ -2052,7 +2053,7 @@
           <a:p>
             <a:fld id="{E42984CD-48CE-4FC7-9122-241A3FDBD299}" type="datetimeFigureOut">
               <a:rPr lang="en-US" smtClean="0"/>
-              <a:t>7/4/2015</a:t>
+              <a:t>7/6/2015</a:t>
             </a:fld>
             <a:endParaRPr lang="en-US"/>
           </a:p>
@@ -2361,7 +2362,7 @@
           <a:p>
             <a:fld id="{E42984CD-48CE-4FC7-9122-241A3FDBD299}" type="datetimeFigureOut">
               <a:rPr lang="en-US" smtClean="0"/>
-              <a:t>7/4/2015</a:t>
+              <a:t>7/6/2015</a:t>
             </a:fld>
             <a:endParaRPr lang="en-US"/>
           </a:p>
@@ -2614,7 +2615,7 @@
           <a:p>
             <a:fld id="{E42984CD-48CE-4FC7-9122-241A3FDBD299}" type="datetimeFigureOut">
               <a:rPr lang="en-US" smtClean="0"/>
-              <a:t>7/4/2015</a:t>
+              <a:t>7/6/2015</a:t>
             </a:fld>
             <a:endParaRPr lang="en-US"/>
           </a:p>
@@ -2859,7 +2860,7 @@
           <a:p>
             <a:fld id="{E42984CD-48CE-4FC7-9122-241A3FDBD299}" type="datetimeFigureOut">
               <a:rPr lang="en-US" smtClean="0"/>
-              <a:t>7/4/2015</a:t>
+              <a:t>7/6/2015</a:t>
             </a:fld>
             <a:endParaRPr lang="en-US"/>
           </a:p>
@@ -10730,6 +10731,480 @@
 </p:sld>
 </file>
 
+<file path=ppt/slides/slide9.xml><?xml version="1.0" encoding="utf-8"?>
+<p:sld xmlns:a="http://schemas.openxmlformats.org/drawingml/2006/main" xmlns:r="http://schemas.openxmlformats.org/officeDocument/2006/relationships" xmlns:p="http://schemas.openxmlformats.org/presentationml/2006/main">
+  <p:cSld>
+    <p:spTree>
+      <p:nvGrpSpPr>
+        <p:cNvPr id="1" name=""/>
+        <p:cNvGrpSpPr/>
+        <p:nvPr/>
+      </p:nvGrpSpPr>
+      <p:grpSpPr>
+        <a:xfrm>
+          <a:off x="0" y="0"/>
+          <a:ext cx="0" cy="0"/>
+          <a:chOff x="0" y="0"/>
+          <a:chExt cx="0" cy="0"/>
+        </a:xfrm>
+      </p:grpSpPr>
+      <p:grpSp>
+        <p:nvGrpSpPr>
+          <p:cNvPr id="53" name="グループ化 52"/>
+          <p:cNvGrpSpPr/>
+          <p:nvPr/>
+        </p:nvGrpSpPr>
+        <p:grpSpPr>
+          <a:xfrm>
+            <a:off x="2174788" y="2475644"/>
+            <a:ext cx="3534033" cy="2277588"/>
+            <a:chOff x="2174788" y="2475644"/>
+            <a:chExt cx="3534033" cy="2277588"/>
+          </a:xfrm>
+        </p:grpSpPr>
+        <p:sp>
+          <p:nvSpPr>
+            <p:cNvPr id="7" name="正方形/長方形 6"/>
+            <p:cNvSpPr/>
+            <p:nvPr/>
+          </p:nvSpPr>
+          <p:spPr>
+            <a:xfrm>
+              <a:off x="2174788" y="2475644"/>
+              <a:ext cx="3534033" cy="2277588"/>
+            </a:xfrm>
+            <a:prstGeom prst="rect">
+              <a:avLst/>
+            </a:prstGeom>
+            <a:solidFill>
+              <a:schemeClr val="bg1"/>
+            </a:solidFill>
+          </p:spPr>
+          <p:style>
+            <a:lnRef idx="2">
+              <a:schemeClr val="dk1">
+                <a:shade val="50000"/>
+              </a:schemeClr>
+            </a:lnRef>
+            <a:fillRef idx="1">
+              <a:schemeClr val="dk1"/>
+            </a:fillRef>
+            <a:effectRef idx="0">
+              <a:schemeClr val="dk1"/>
+            </a:effectRef>
+            <a:fontRef idx="minor">
+              <a:schemeClr val="lt1"/>
+            </a:fontRef>
+          </p:style>
+          <p:txBody>
+            <a:bodyPr rtlCol="0" anchor="ctr"/>
+            <a:lstStyle/>
+            <a:p>
+              <a:pPr algn="ctr"/>
+              <a:endParaRPr lang="en-US"/>
+            </a:p>
+          </p:txBody>
+        </p:sp>
+        <p:sp>
+          <p:nvSpPr>
+            <p:cNvPr id="33" name="正方形/長方形 32"/>
+            <p:cNvSpPr/>
+            <p:nvPr/>
+          </p:nvSpPr>
+          <p:spPr>
+            <a:xfrm>
+              <a:off x="2243137" y="3500005"/>
+              <a:ext cx="2313623" cy="1147653"/>
+            </a:xfrm>
+            <a:prstGeom prst="rect">
+              <a:avLst/>
+            </a:prstGeom>
+            <a:solidFill>
+              <a:schemeClr val="bg1"/>
+            </a:solidFill>
+          </p:spPr>
+          <p:style>
+            <a:lnRef idx="2">
+              <a:schemeClr val="dk1">
+                <a:shade val="50000"/>
+              </a:schemeClr>
+            </a:lnRef>
+            <a:fillRef idx="1">
+              <a:schemeClr val="dk1"/>
+            </a:fillRef>
+            <a:effectRef idx="0">
+              <a:schemeClr val="dk1"/>
+            </a:effectRef>
+            <a:fontRef idx="minor">
+              <a:schemeClr val="lt1"/>
+            </a:fontRef>
+          </p:style>
+          <p:txBody>
+            <a:bodyPr rtlCol="0" anchor="ctr"/>
+            <a:lstStyle/>
+            <a:p>
+              <a:pPr algn="ctr"/>
+              <a:endParaRPr lang="en-US"/>
+            </a:p>
+          </p:txBody>
+        </p:sp>
+        <p:sp>
+          <p:nvSpPr>
+            <p:cNvPr id="34" name="正方形/長方形 33"/>
+            <p:cNvSpPr/>
+            <p:nvPr/>
+          </p:nvSpPr>
+          <p:spPr>
+            <a:xfrm>
+              <a:off x="3429953" y="3500005"/>
+              <a:ext cx="2204728" cy="1147653"/>
+            </a:xfrm>
+            <a:prstGeom prst="rect">
+              <a:avLst/>
+            </a:prstGeom>
+            <a:solidFill>
+              <a:schemeClr val="bg1"/>
+            </a:solidFill>
+          </p:spPr>
+          <p:style>
+            <a:lnRef idx="2">
+              <a:schemeClr val="dk1">
+                <a:shade val="50000"/>
+              </a:schemeClr>
+            </a:lnRef>
+            <a:fillRef idx="1">
+              <a:schemeClr val="dk1"/>
+            </a:fillRef>
+            <a:effectRef idx="0">
+              <a:schemeClr val="dk1"/>
+            </a:effectRef>
+            <a:fontRef idx="minor">
+              <a:schemeClr val="lt1"/>
+            </a:fontRef>
+          </p:style>
+          <p:txBody>
+            <a:bodyPr rtlCol="0" anchor="ctr"/>
+            <a:lstStyle/>
+            <a:p>
+              <a:pPr algn="ctr"/>
+              <a:endParaRPr lang="en-US" dirty="0"/>
+            </a:p>
+          </p:txBody>
+        </p:sp>
+        <p:cxnSp>
+          <p:nvCxnSpPr>
+            <p:cNvPr id="35" name="直線コネクタ 34"/>
+            <p:cNvCxnSpPr/>
+            <p:nvPr/>
+          </p:nvCxnSpPr>
+          <p:spPr>
+            <a:xfrm>
+              <a:off x="3414713" y="3965232"/>
+              <a:ext cx="2219968" cy="18380"/>
+            </a:xfrm>
+            <a:prstGeom prst="line">
+              <a:avLst/>
+            </a:prstGeom>
+            <a:ln w="12700">
+              <a:solidFill>
+                <a:schemeClr val="tx1"/>
+              </a:solidFill>
+            </a:ln>
+          </p:spPr>
+          <p:style>
+            <a:lnRef idx="1">
+              <a:schemeClr val="accent1"/>
+            </a:lnRef>
+            <a:fillRef idx="0">
+              <a:schemeClr val="accent1"/>
+            </a:fillRef>
+            <a:effectRef idx="0">
+              <a:schemeClr val="accent1"/>
+            </a:effectRef>
+            <a:fontRef idx="minor">
+              <a:schemeClr val="tx1"/>
+            </a:fontRef>
+          </p:style>
+        </p:cxnSp>
+        <p:sp>
+          <p:nvSpPr>
+            <p:cNvPr id="36" name="テキスト ボックス 35"/>
+            <p:cNvSpPr txBox="1"/>
+            <p:nvPr/>
+          </p:nvSpPr>
+          <p:spPr>
+            <a:xfrm>
+              <a:off x="3592444" y="3469388"/>
+              <a:ext cx="1847301" cy="523220"/>
+            </a:xfrm>
+            <a:prstGeom prst="rect">
+              <a:avLst/>
+            </a:prstGeom>
+            <a:noFill/>
+          </p:spPr>
+          <p:txBody>
+            <a:bodyPr wrap="none" rtlCol="0">
+              <a:spAutoFit/>
+            </a:bodyPr>
+            <a:lstStyle/>
+            <a:p>
+              <a:r>
+                <a:rPr lang="en-US" sz="1400" dirty="0" smtClean="0"/>
+                <a:t>Approach human with </a:t>
+              </a:r>
+            </a:p>
+            <a:p>
+              <a:r>
+                <a:rPr lang="en-US" sz="1400" dirty="0" smtClean="0"/>
+                <a:t>distance 2.0 </a:t>
+              </a:r>
+              <a:r>
+                <a:rPr lang="en-US" sz="1400" dirty="0" err="1" smtClean="0"/>
+                <a:t>metres</a:t>
+              </a:r>
+              <a:endParaRPr lang="en-US" sz="1400" dirty="0"/>
+            </a:p>
+          </p:txBody>
+        </p:sp>
+        <p:sp>
+          <p:nvSpPr>
+            <p:cNvPr id="37" name="テキスト ボックス 36"/>
+            <p:cNvSpPr txBox="1"/>
+            <p:nvPr/>
+          </p:nvSpPr>
+          <p:spPr>
+            <a:xfrm>
+              <a:off x="3598056" y="3983612"/>
+              <a:ext cx="1436483" cy="307777"/>
+            </a:xfrm>
+            <a:prstGeom prst="rect">
+              <a:avLst/>
+            </a:prstGeom>
+            <a:noFill/>
+          </p:spPr>
+          <p:txBody>
+            <a:bodyPr wrap="none" rtlCol="0">
+              <a:spAutoFit/>
+            </a:bodyPr>
+            <a:lstStyle/>
+            <a:p>
+              <a:r>
+                <a:rPr lang="en-US" sz="1400" dirty="0" smtClean="0"/>
+                <a:t>Greet the human</a:t>
+              </a:r>
+              <a:endParaRPr lang="en-US" sz="1400" dirty="0"/>
+            </a:p>
+          </p:txBody>
+        </p:sp>
+        <p:sp>
+          <p:nvSpPr>
+            <p:cNvPr id="14" name="テキスト ボックス 13"/>
+            <p:cNvSpPr txBox="1"/>
+            <p:nvPr/>
+          </p:nvSpPr>
+          <p:spPr>
+            <a:xfrm>
+              <a:off x="2473305" y="3811870"/>
+              <a:ext cx="726481" cy="523220"/>
+            </a:xfrm>
+            <a:prstGeom prst="rect">
+              <a:avLst/>
+            </a:prstGeom>
+            <a:noFill/>
+          </p:spPr>
+          <p:txBody>
+            <a:bodyPr wrap="none" rtlCol="0">
+              <a:spAutoFit/>
+            </a:bodyPr>
+            <a:lstStyle/>
+            <a:p>
+              <a:pPr algn="ctr"/>
+              <a:r>
+                <a:rPr lang="en-US" sz="1400" dirty="0" smtClean="0"/>
+                <a:t>Robot</a:t>
+              </a:r>
+            </a:p>
+            <a:p>
+              <a:pPr algn="ctr"/>
+              <a:r>
+                <a:rPr lang="en-US" sz="1400" dirty="0" smtClean="0"/>
+                <a:t>Actions</a:t>
+              </a:r>
+              <a:endParaRPr lang="en-US" sz="1400" dirty="0"/>
+            </a:p>
+          </p:txBody>
+        </p:sp>
+        <p:sp>
+          <p:nvSpPr>
+            <p:cNvPr id="16" name="テキスト ボックス 15"/>
+            <p:cNvSpPr txBox="1"/>
+            <p:nvPr/>
+          </p:nvSpPr>
+          <p:spPr>
+            <a:xfrm>
+              <a:off x="2906555" y="2774425"/>
+              <a:ext cx="2054024" cy="738664"/>
+            </a:xfrm>
+            <a:prstGeom prst="rect">
+              <a:avLst/>
+            </a:prstGeom>
+            <a:noFill/>
+          </p:spPr>
+          <p:txBody>
+            <a:bodyPr wrap="none" rtlCol="0">
+              <a:spAutoFit/>
+            </a:bodyPr>
+            <a:lstStyle/>
+            <a:p>
+              <a:r>
+                <a:rPr lang="en-US" sz="1400" dirty="0" smtClean="0"/>
+                <a:t>Trigger  : </a:t>
+              </a:r>
+              <a:r>
+                <a:rPr lang="en-US" sz="1400" dirty="0" err="1" smtClean="0"/>
+                <a:t>HumanDetected</a:t>
+              </a:r>
+              <a:endParaRPr lang="en-US" sz="1400" dirty="0" smtClean="0"/>
+            </a:p>
+            <a:p>
+              <a:r>
+                <a:rPr lang="en-US" sz="1400" dirty="0" smtClean="0"/>
+                <a:t>Lifetime</a:t>
+              </a:r>
+              <a:r>
+                <a:rPr lang="en-US" sz="1400" dirty="0"/>
+                <a:t>: </a:t>
+              </a:r>
+              <a:r>
+                <a:rPr lang="en-US" sz="1400" dirty="0" smtClean="0"/>
+                <a:t>Once</a:t>
+              </a:r>
+            </a:p>
+            <a:p>
+              <a:r>
+                <a:rPr lang="en-US" sz="1400" dirty="0" smtClean="0"/>
+                <a:t>Priority</a:t>
+              </a:r>
+              <a:r>
+                <a:rPr lang="en-US" sz="1400" dirty="0" smtClean="0"/>
+                <a:t>: </a:t>
+              </a:r>
+              <a:r>
+                <a:rPr lang="en-US" sz="1400" dirty="0" smtClean="0"/>
+                <a:t>  Normal</a:t>
+              </a:r>
+              <a:endParaRPr lang="en-US" sz="1400" dirty="0"/>
+            </a:p>
+          </p:txBody>
+        </p:sp>
+        <p:sp>
+          <p:nvSpPr>
+            <p:cNvPr id="48" name="テキスト ボックス 47"/>
+            <p:cNvSpPr txBox="1"/>
+            <p:nvPr/>
+          </p:nvSpPr>
+          <p:spPr>
+            <a:xfrm>
+              <a:off x="3584653" y="4309769"/>
+              <a:ext cx="1862882" cy="307777"/>
+            </a:xfrm>
+            <a:prstGeom prst="rect">
+              <a:avLst/>
+            </a:prstGeom>
+            <a:noFill/>
+          </p:spPr>
+          <p:txBody>
+            <a:bodyPr wrap="none" rtlCol="0">
+              <a:spAutoFit/>
+            </a:bodyPr>
+            <a:lstStyle/>
+            <a:p>
+              <a:r>
+                <a:rPr lang="en-US" sz="1400" dirty="0" smtClean="0"/>
+                <a:t>Say about the museum</a:t>
+              </a:r>
+              <a:endParaRPr lang="en-US" sz="1400" dirty="0"/>
+            </a:p>
+          </p:txBody>
+        </p:sp>
+        <p:cxnSp>
+          <p:nvCxnSpPr>
+            <p:cNvPr id="50" name="直線コネクタ 49"/>
+            <p:cNvCxnSpPr/>
+            <p:nvPr/>
+          </p:nvCxnSpPr>
+          <p:spPr>
+            <a:xfrm>
+              <a:off x="3429953" y="4307746"/>
+              <a:ext cx="2219968" cy="18380"/>
+            </a:xfrm>
+            <a:prstGeom prst="line">
+              <a:avLst/>
+            </a:prstGeom>
+            <a:ln w="12700">
+              <a:solidFill>
+                <a:schemeClr val="tx1"/>
+              </a:solidFill>
+            </a:ln>
+          </p:spPr>
+          <p:style>
+            <a:lnRef idx="1">
+              <a:schemeClr val="accent1"/>
+            </a:lnRef>
+            <a:fillRef idx="0">
+              <a:schemeClr val="accent1"/>
+            </a:fillRef>
+            <a:effectRef idx="0">
+              <a:schemeClr val="accent1"/>
+            </a:effectRef>
+            <a:fontRef idx="minor">
+              <a:schemeClr val="tx1"/>
+            </a:fontRef>
+          </p:style>
+        </p:cxnSp>
+        <p:sp>
+          <p:nvSpPr>
+            <p:cNvPr id="52" name="正方形/長方形 51"/>
+            <p:cNvSpPr/>
+            <p:nvPr/>
+          </p:nvSpPr>
+          <p:spPr>
+            <a:xfrm>
+              <a:off x="3079968" y="2475644"/>
+              <a:ext cx="1707198" cy="369332"/>
+            </a:xfrm>
+            <a:prstGeom prst="rect">
+              <a:avLst/>
+            </a:prstGeom>
+          </p:spPr>
+          <p:txBody>
+            <a:bodyPr wrap="none">
+              <a:spAutoFit/>
+            </a:bodyPr>
+            <a:lstStyle/>
+            <a:p>
+              <a:pPr algn="ctr"/>
+              <a:r>
+                <a:rPr lang="en-US" dirty="0"/>
+                <a:t>Trigger behavior</a:t>
+              </a:r>
+            </a:p>
+          </p:txBody>
+        </p:sp>
+      </p:grpSp>
+    </p:spTree>
+    <p:extLst>
+      <p:ext uri="{BB962C8B-B14F-4D97-AF65-F5344CB8AC3E}">
+        <p14:creationId xmlns:p14="http://schemas.microsoft.com/office/powerpoint/2010/main" val="718747389"/>
+      </p:ext>
+    </p:extLst>
+  </p:cSld>
+  <p:clrMapOvr>
+    <a:masterClrMapping/>
+  </p:clrMapOvr>
+</p:sld>
+</file>
+
 <file path=ppt/theme/theme1.xml><?xml version="1.0" encoding="utf-8"?>
 <a:theme xmlns:a="http://schemas.openxmlformats.org/drawingml/2006/main" name="Office テーマ">
   <a:themeElements>

--- a/docs/Misc/Pictures.pptx
+++ b/docs/Misc/Pictures.pptx
@@ -14,6 +14,8 @@
     <p:sldId id="262" r:id="rId8"/>
     <p:sldId id="263" r:id="rId9"/>
     <p:sldId id="264" r:id="rId10"/>
+    <p:sldId id="265" r:id="rId11"/>
+    <p:sldId id="266" r:id="rId12"/>
   </p:sldIdLst>
   <p:sldSz cx="12192000" cy="6858000"/>
   <p:notesSz cx="6858000" cy="9144000"/>
@@ -113,11 +115,3730 @@
     </a:lvl9pPr>
   </p:defaultTextStyle>
   <p:extLst>
+    <p:ext uri="{521415D9-36F7-43E2-AB2F-B90AF26B5E84}">
+      <p14:sectionLst xmlns:p14="http://schemas.microsoft.com/office/powerpoint/2010/main">
+        <p14:section name="既定のセクション" id="{1BEFA9AE-E932-46B0-9850-DC3F5C90731B}">
+          <p14:sldIdLst>
+            <p14:sldId id="256"/>
+            <p14:sldId id="257"/>
+            <p14:sldId id="258"/>
+            <p14:sldId id="259"/>
+            <p14:sldId id="260"/>
+            <p14:sldId id="261"/>
+            <p14:sldId id="262"/>
+            <p14:sldId id="263"/>
+            <p14:sldId id="264"/>
+            <p14:sldId id="265"/>
+            <p14:sldId id="266"/>
+          </p14:sldIdLst>
+        </p14:section>
+      </p14:sectionLst>
+    </p:ext>
     <p:ext uri="{EFAFB233-063F-42B5-8137-9DF3F51BA10A}">
       <p15:sldGuideLst xmlns:p15="http://schemas.microsoft.com/office/powerpoint/2012/main"/>
     </p:ext>
   </p:extLst>
 </p:presentation>
+</file>
+
+<file path=ppt/charts/chart1.xml><?xml version="1.0" encoding="utf-8"?>
+<c:chartSpace xmlns:c="http://schemas.openxmlformats.org/drawingml/2006/chart" xmlns:a="http://schemas.openxmlformats.org/drawingml/2006/main" xmlns:r="http://schemas.openxmlformats.org/officeDocument/2006/relationships">
+  <c:date1904 val="0"/>
+  <c:lang val="ja-JP"/>
+  <c:roundedCorners val="0"/>
+  <mc:AlternateContent xmlns:mc="http://schemas.openxmlformats.org/markup-compatibility/2006">
+    <mc:Choice xmlns:c14="http://schemas.microsoft.com/office/drawing/2007/8/2/chart" Requires="c14">
+      <c14:style val="102"/>
+    </mc:Choice>
+    <mc:Fallback>
+      <c:style val="2"/>
+    </mc:Fallback>
+  </mc:AlternateContent>
+  <c:chart>
+    <c:title>
+      <c:tx>
+        <c:rich>
+          <a:bodyPr rot="0" spcFirstLastPara="1" vertOverflow="ellipsis" vert="horz" wrap="square" anchor="ctr" anchorCtr="1"/>
+          <a:lstStyle/>
+          <a:p>
+            <a:pPr>
+              <a:defRPr sz="1400" b="0" i="0" u="none" strike="noStrike" kern="1200" spc="0" baseline="0">
+                <a:solidFill>
+                  <a:schemeClr val="tx1"/>
+                </a:solidFill>
+                <a:latin typeface="+mn-lt"/>
+                <a:ea typeface="+mn-ea"/>
+                <a:cs typeface="+mn-cs"/>
+              </a:defRPr>
+            </a:pPr>
+            <a:r>
+              <a:rPr lang="en-US" altLang="ja-JP">
+                <a:solidFill>
+                  <a:schemeClr val="tx1"/>
+                </a:solidFill>
+              </a:rPr>
+              <a:t>Factor 3</a:t>
+            </a:r>
+            <a:endParaRPr lang="ja-JP" altLang="en-US">
+              <a:solidFill>
+                <a:schemeClr val="tx1"/>
+              </a:solidFill>
+            </a:endParaRPr>
+          </a:p>
+        </c:rich>
+      </c:tx>
+      <c:layout/>
+      <c:overlay val="0"/>
+      <c:spPr>
+        <a:noFill/>
+        <a:ln>
+          <a:noFill/>
+        </a:ln>
+        <a:effectLst/>
+      </c:spPr>
+      <c:txPr>
+        <a:bodyPr rot="0" spcFirstLastPara="1" vertOverflow="ellipsis" vert="horz" wrap="square" anchor="ctr" anchorCtr="1"/>
+        <a:lstStyle/>
+        <a:p>
+          <a:pPr>
+            <a:defRPr sz="1400" b="0" i="0" u="none" strike="noStrike" kern="1200" spc="0" baseline="0">
+              <a:solidFill>
+                <a:schemeClr val="tx1"/>
+              </a:solidFill>
+              <a:latin typeface="+mn-lt"/>
+              <a:ea typeface="+mn-ea"/>
+              <a:cs typeface="+mn-cs"/>
+            </a:defRPr>
+          </a:pPr>
+          <a:endParaRPr lang="en-US"/>
+        </a:p>
+      </c:txPr>
+    </c:title>
+    <c:autoTitleDeleted val="0"/>
+    <c:plotArea>
+      <c:layout/>
+      <c:barChart>
+        <c:barDir val="bar"/>
+        <c:grouping val="clustered"/>
+        <c:varyColors val="0"/>
+        <c:ser>
+          <c:idx val="0"/>
+          <c:order val="0"/>
+          <c:spPr>
+            <a:solidFill>
+              <a:schemeClr val="accent1"/>
+            </a:solidFill>
+            <a:ln>
+              <a:noFill/>
+            </a:ln>
+            <a:effectLst/>
+          </c:spPr>
+          <c:invertIfNegative val="0"/>
+          <c:errBars>
+            <c:errBarType val="both"/>
+            <c:errValType val="cust"/>
+            <c:noEndCap val="0"/>
+            <c:plus>
+              <c:numRef>
+                <c:f>(Sheet1!$G$17,Sheet1!$H$17,Sheet1!$I$17,Sheet1!$O$17)</c:f>
+                <c:numCache>
+                  <c:formatCode>General</c:formatCode>
+                  <c:ptCount val="4"/>
+                  <c:pt idx="0">
+                    <c:v>0.81649658092772603</c:v>
+                  </c:pt>
+                  <c:pt idx="1">
+                    <c:v>1.1547005383792515</c:v>
+                  </c:pt>
+                  <c:pt idx="2">
+                    <c:v>0.99442892601175314</c:v>
+                  </c:pt>
+                  <c:pt idx="3">
+                    <c:v>0.56764621219754663</c:v>
+                  </c:pt>
+                </c:numCache>
+              </c:numRef>
+            </c:plus>
+            <c:minus>
+              <c:numRef>
+                <c:f>(Sheet1!$G$17,Sheet1!$H$17,Sheet1!$I$17,Sheet1!$O$17)</c:f>
+                <c:numCache>
+                  <c:formatCode>General</c:formatCode>
+                  <c:ptCount val="4"/>
+                  <c:pt idx="0">
+                    <c:v>0.81649658092772603</c:v>
+                  </c:pt>
+                  <c:pt idx="1">
+                    <c:v>1.1547005383792515</c:v>
+                  </c:pt>
+                  <c:pt idx="2">
+                    <c:v>0.99442892601175314</c:v>
+                  </c:pt>
+                  <c:pt idx="3">
+                    <c:v>0.56764621219754663</c:v>
+                  </c:pt>
+                </c:numCache>
+              </c:numRef>
+            </c:minus>
+            <c:spPr>
+              <a:noFill/>
+              <a:ln w="19050" cap="flat" cmpd="sng" algn="ctr">
+                <a:solidFill>
+                  <a:schemeClr val="tx1"/>
+                </a:solidFill>
+                <a:round/>
+              </a:ln>
+              <a:effectLst/>
+            </c:spPr>
+          </c:errBars>
+          <c:cat>
+            <c:strRef>
+              <c:f>(Sheet1!$G$15,Sheet1!$H$15,Sheet1!$I$15,Sheet1!$O$15)</c:f>
+              <c:strCache>
+                <c:ptCount val="4"/>
+                <c:pt idx="0">
+                  <c:v>Scenario Creation</c:v>
+                </c:pt>
+                <c:pt idx="1">
+                  <c:v>Scenario Execution</c:v>
+                </c:pt>
+                <c:pt idx="2">
+                  <c:v>Situation awareness</c:v>
+                </c:pt>
+                <c:pt idx="3">
+                  <c:v>Satisfaction</c:v>
+                </c:pt>
+              </c:strCache>
+            </c:strRef>
+          </c:cat>
+          <c:val>
+            <c:numRef>
+              <c:f>(Sheet1!$G$16,Sheet1!$H$16,Sheet1!$I$16,Sheet1!$O$16)</c:f>
+              <c:numCache>
+                <c:formatCode>General</c:formatCode>
+                <c:ptCount val="4"/>
+                <c:pt idx="0">
+                  <c:v>2</c:v>
+                </c:pt>
+                <c:pt idx="1">
+                  <c:v>2</c:v>
+                </c:pt>
+                <c:pt idx="2">
+                  <c:v>2.1</c:v>
+                </c:pt>
+                <c:pt idx="3">
+                  <c:v>1.9</c:v>
+                </c:pt>
+              </c:numCache>
+            </c:numRef>
+          </c:val>
+        </c:ser>
+        <c:dLbls>
+          <c:showLegendKey val="0"/>
+          <c:showVal val="0"/>
+          <c:showCatName val="0"/>
+          <c:showSerName val="0"/>
+          <c:showPercent val="0"/>
+          <c:showBubbleSize val="0"/>
+        </c:dLbls>
+        <c:gapWidth val="182"/>
+        <c:axId val="436417840"/>
+        <c:axId val="436416272"/>
+      </c:barChart>
+      <c:catAx>
+        <c:axId val="436417840"/>
+        <c:scaling>
+          <c:orientation val="minMax"/>
+        </c:scaling>
+        <c:delete val="0"/>
+        <c:axPos val="l"/>
+        <c:numFmt formatCode="General" sourceLinked="1"/>
+        <c:majorTickMark val="none"/>
+        <c:minorTickMark val="none"/>
+        <c:tickLblPos val="nextTo"/>
+        <c:spPr>
+          <a:noFill/>
+          <a:ln w="9525" cap="flat" cmpd="sng" algn="ctr">
+            <a:solidFill>
+              <a:schemeClr val="tx1">
+                <a:lumMod val="15000"/>
+                <a:lumOff val="85000"/>
+              </a:schemeClr>
+            </a:solidFill>
+            <a:round/>
+          </a:ln>
+          <a:effectLst/>
+        </c:spPr>
+        <c:txPr>
+          <a:bodyPr rot="-60000000" spcFirstLastPara="1" vertOverflow="ellipsis" vert="horz" wrap="square" anchor="ctr" anchorCtr="1"/>
+          <a:lstStyle/>
+          <a:p>
+            <a:pPr>
+              <a:defRPr sz="900" b="0" i="0" u="none" strike="noStrike" kern="1200" baseline="0">
+                <a:solidFill>
+                  <a:schemeClr val="tx1"/>
+                </a:solidFill>
+                <a:latin typeface="+mn-lt"/>
+                <a:ea typeface="+mn-ea"/>
+                <a:cs typeface="+mn-cs"/>
+              </a:defRPr>
+            </a:pPr>
+            <a:endParaRPr lang="en-US"/>
+          </a:p>
+        </c:txPr>
+        <c:crossAx val="436416272"/>
+        <c:crosses val="autoZero"/>
+        <c:auto val="1"/>
+        <c:lblAlgn val="ctr"/>
+        <c:lblOffset val="100"/>
+        <c:noMultiLvlLbl val="0"/>
+      </c:catAx>
+      <c:valAx>
+        <c:axId val="436416272"/>
+        <c:scaling>
+          <c:orientation val="minMax"/>
+          <c:max val="4"/>
+          <c:min val="1"/>
+        </c:scaling>
+        <c:delete val="0"/>
+        <c:axPos val="b"/>
+        <c:majorGridlines>
+          <c:spPr>
+            <a:ln w="9525" cap="flat" cmpd="sng" algn="ctr">
+              <a:solidFill>
+                <a:schemeClr val="tx1">
+                  <a:lumMod val="15000"/>
+                  <a:lumOff val="85000"/>
+                </a:schemeClr>
+              </a:solidFill>
+              <a:round/>
+            </a:ln>
+            <a:effectLst/>
+          </c:spPr>
+        </c:majorGridlines>
+        <c:numFmt formatCode="General" sourceLinked="1"/>
+        <c:majorTickMark val="none"/>
+        <c:minorTickMark val="none"/>
+        <c:tickLblPos val="nextTo"/>
+        <c:spPr>
+          <a:solidFill>
+            <a:schemeClr val="bg1"/>
+          </a:solidFill>
+          <a:ln>
+            <a:noFill/>
+          </a:ln>
+          <a:effectLst/>
+        </c:spPr>
+        <c:txPr>
+          <a:bodyPr rot="-60000000" spcFirstLastPara="1" vertOverflow="ellipsis" vert="horz" wrap="square" anchor="ctr" anchorCtr="1"/>
+          <a:lstStyle/>
+          <a:p>
+            <a:pPr>
+              <a:defRPr sz="900" b="0" i="0" u="none" strike="noStrike" kern="1200" baseline="0">
+                <a:solidFill>
+                  <a:schemeClr val="tx1"/>
+                </a:solidFill>
+                <a:latin typeface="+mn-lt"/>
+                <a:ea typeface="+mn-ea"/>
+                <a:cs typeface="+mn-cs"/>
+              </a:defRPr>
+            </a:pPr>
+            <a:endParaRPr lang="en-US"/>
+          </a:p>
+        </c:txPr>
+        <c:crossAx val="436417840"/>
+        <c:crosses val="autoZero"/>
+        <c:crossBetween val="between"/>
+      </c:valAx>
+      <c:spPr>
+        <a:noFill/>
+        <a:ln>
+          <a:noFill/>
+        </a:ln>
+        <a:effectLst/>
+      </c:spPr>
+    </c:plotArea>
+    <c:plotVisOnly val="1"/>
+    <c:dispBlanksAs val="gap"/>
+    <c:showDLblsOverMax val="0"/>
+  </c:chart>
+  <c:spPr>
+    <a:noFill/>
+    <a:ln>
+      <a:noFill/>
+    </a:ln>
+    <a:effectLst/>
+  </c:spPr>
+  <c:txPr>
+    <a:bodyPr/>
+    <a:lstStyle/>
+    <a:p>
+      <a:pPr>
+        <a:defRPr/>
+      </a:pPr>
+      <a:endParaRPr lang="en-US"/>
+    </a:p>
+  </c:txPr>
+  <c:externalData r:id="rId3">
+    <c:autoUpdate val="0"/>
+  </c:externalData>
+</c:chartSpace>
+</file>
+
+<file path=ppt/charts/chart2.xml><?xml version="1.0" encoding="utf-8"?>
+<c:chartSpace xmlns:c="http://schemas.openxmlformats.org/drawingml/2006/chart" xmlns:a="http://schemas.openxmlformats.org/drawingml/2006/main" xmlns:r="http://schemas.openxmlformats.org/officeDocument/2006/relationships">
+  <c:date1904 val="0"/>
+  <c:lang val="ja-JP"/>
+  <c:roundedCorners val="0"/>
+  <mc:AlternateContent xmlns:mc="http://schemas.openxmlformats.org/markup-compatibility/2006">
+    <mc:Choice xmlns:c14="http://schemas.microsoft.com/office/drawing/2007/8/2/chart" Requires="c14">
+      <c14:style val="102"/>
+    </mc:Choice>
+    <mc:Fallback>
+      <c:style val="2"/>
+    </mc:Fallback>
+  </mc:AlternateContent>
+  <c:chart>
+    <c:title>
+      <c:tx>
+        <c:rich>
+          <a:bodyPr rot="0" spcFirstLastPara="1" vertOverflow="ellipsis" vert="horz" wrap="square" anchor="ctr" anchorCtr="1"/>
+          <a:lstStyle/>
+          <a:p>
+            <a:pPr>
+              <a:defRPr sz="1400" b="0" i="0" u="none" strike="noStrike" kern="1200" spc="0" baseline="0">
+                <a:solidFill>
+                  <a:schemeClr val="tx1"/>
+                </a:solidFill>
+                <a:latin typeface="+mn-lt"/>
+                <a:ea typeface="+mn-ea"/>
+                <a:cs typeface="+mn-cs"/>
+              </a:defRPr>
+            </a:pPr>
+            <a:r>
+              <a:rPr lang="en-US" altLang="ja-JP">
+                <a:solidFill>
+                  <a:schemeClr val="tx1"/>
+                </a:solidFill>
+              </a:rPr>
+              <a:t>Factor 1</a:t>
+            </a:r>
+            <a:endParaRPr lang="ja-JP" altLang="en-US">
+              <a:solidFill>
+                <a:schemeClr val="tx1"/>
+              </a:solidFill>
+            </a:endParaRPr>
+          </a:p>
+        </c:rich>
+      </c:tx>
+      <c:layout/>
+      <c:overlay val="0"/>
+      <c:spPr>
+        <a:noFill/>
+        <a:ln>
+          <a:noFill/>
+        </a:ln>
+        <a:effectLst/>
+      </c:spPr>
+      <c:txPr>
+        <a:bodyPr rot="0" spcFirstLastPara="1" vertOverflow="ellipsis" vert="horz" wrap="square" anchor="ctr" anchorCtr="1"/>
+        <a:lstStyle/>
+        <a:p>
+          <a:pPr>
+            <a:defRPr sz="1400" b="0" i="0" u="none" strike="noStrike" kern="1200" spc="0" baseline="0">
+              <a:solidFill>
+                <a:schemeClr val="tx1"/>
+              </a:solidFill>
+              <a:latin typeface="+mn-lt"/>
+              <a:ea typeface="+mn-ea"/>
+              <a:cs typeface="+mn-cs"/>
+            </a:defRPr>
+          </a:pPr>
+          <a:endParaRPr lang="en-US"/>
+        </a:p>
+      </c:txPr>
+    </c:title>
+    <c:autoTitleDeleted val="0"/>
+    <c:plotArea>
+      <c:layout/>
+      <c:barChart>
+        <c:barDir val="bar"/>
+        <c:grouping val="clustered"/>
+        <c:varyColors val="0"/>
+        <c:ser>
+          <c:idx val="0"/>
+          <c:order val="0"/>
+          <c:spPr>
+            <a:solidFill>
+              <a:schemeClr val="accent1"/>
+            </a:solidFill>
+            <a:ln>
+              <a:noFill/>
+            </a:ln>
+            <a:effectLst/>
+          </c:spPr>
+          <c:invertIfNegative val="0"/>
+          <c:errBars>
+            <c:errBarType val="both"/>
+            <c:errValType val="cust"/>
+            <c:noEndCap val="0"/>
+            <c:plus>
+              <c:numRef>
+                <c:f>(Sheet1!$B$17,Sheet1!$D$17,Sheet1!$E$17,Sheet1!$L$17,Sheet1!$M$17)</c:f>
+                <c:numCache>
+                  <c:formatCode>General</c:formatCode>
+                  <c:ptCount val="5"/>
+                  <c:pt idx="0">
+                    <c:v>0.316227766016838</c:v>
+                  </c:pt>
+                  <c:pt idx="1">
+                    <c:v>0.316227766016838</c:v>
+                  </c:pt>
+                  <c:pt idx="2">
+                    <c:v>0.42163702135578385</c:v>
+                  </c:pt>
+                  <c:pt idx="3">
+                    <c:v>0.42163702135578385</c:v>
+                  </c:pt>
+                  <c:pt idx="4">
+                    <c:v>0.42163702135578385</c:v>
+                  </c:pt>
+                </c:numCache>
+              </c:numRef>
+            </c:plus>
+            <c:minus>
+              <c:numRef>
+                <c:f>(Sheet1!$B$17,Sheet1!$D$17,Sheet1!$E$17,Sheet1!$L$17,Sheet1!$M$17)</c:f>
+                <c:numCache>
+                  <c:formatCode>General</c:formatCode>
+                  <c:ptCount val="5"/>
+                  <c:pt idx="0">
+                    <c:v>0.316227766016838</c:v>
+                  </c:pt>
+                  <c:pt idx="1">
+                    <c:v>0.316227766016838</c:v>
+                  </c:pt>
+                  <c:pt idx="2">
+                    <c:v>0.42163702135578385</c:v>
+                  </c:pt>
+                  <c:pt idx="3">
+                    <c:v>0.42163702135578385</c:v>
+                  </c:pt>
+                  <c:pt idx="4">
+                    <c:v>0.42163702135578385</c:v>
+                  </c:pt>
+                </c:numCache>
+              </c:numRef>
+            </c:minus>
+            <c:spPr>
+              <a:noFill/>
+              <a:ln w="19050" cap="flat" cmpd="sng" algn="ctr">
+                <a:solidFill>
+                  <a:schemeClr val="tx1"/>
+                </a:solidFill>
+                <a:round/>
+              </a:ln>
+              <a:effectLst/>
+            </c:spPr>
+          </c:errBars>
+          <c:cat>
+            <c:strRef>
+              <c:f>(Sheet1!$B$15,Sheet1!$D$15,Sheet1!$E$15,Sheet1!$L$15,Sheet1!$M$15)</c:f>
+              <c:strCache>
+                <c:ptCount val="5"/>
+                <c:pt idx="0">
+                  <c:v>Ease of use</c:v>
+                </c:pt>
+                <c:pt idx="1">
+                  <c:v>Learn to use</c:v>
+                </c:pt>
+                <c:pt idx="2">
+                  <c:v>Program structure</c:v>
+                </c:pt>
+                <c:pt idx="3">
+                  <c:v>Efficiency</c:v>
+                </c:pt>
+                <c:pt idx="4">
+                  <c:v>Interest towards system</c:v>
+                </c:pt>
+              </c:strCache>
+            </c:strRef>
+          </c:cat>
+          <c:val>
+            <c:numRef>
+              <c:f>(Sheet1!$B$16,Sheet1!$D$16,Sheet1!$E$16,Sheet1!$L$16,Sheet1!$M$16)</c:f>
+              <c:numCache>
+                <c:formatCode>General</c:formatCode>
+                <c:ptCount val="5"/>
+                <c:pt idx="0">
+                  <c:v>1.1000000000000001</c:v>
+                </c:pt>
+                <c:pt idx="1">
+                  <c:v>1.1000000000000001</c:v>
+                </c:pt>
+                <c:pt idx="2">
+                  <c:v>1.2</c:v>
+                </c:pt>
+                <c:pt idx="3">
+                  <c:v>1.2</c:v>
+                </c:pt>
+                <c:pt idx="4">
+                  <c:v>1.2</c:v>
+                </c:pt>
+              </c:numCache>
+            </c:numRef>
+          </c:val>
+        </c:ser>
+        <c:dLbls>
+          <c:showLegendKey val="0"/>
+          <c:showVal val="0"/>
+          <c:showCatName val="0"/>
+          <c:showSerName val="0"/>
+          <c:showPercent val="0"/>
+          <c:showBubbleSize val="0"/>
+        </c:dLbls>
+        <c:gapWidth val="182"/>
+        <c:axId val="436419800"/>
+        <c:axId val="479229688"/>
+      </c:barChart>
+      <c:catAx>
+        <c:axId val="436419800"/>
+        <c:scaling>
+          <c:orientation val="minMax"/>
+        </c:scaling>
+        <c:delete val="0"/>
+        <c:axPos val="l"/>
+        <c:numFmt formatCode="General" sourceLinked="1"/>
+        <c:majorTickMark val="none"/>
+        <c:minorTickMark val="none"/>
+        <c:tickLblPos val="nextTo"/>
+        <c:spPr>
+          <a:noFill/>
+          <a:ln w="9525" cap="flat" cmpd="sng" algn="ctr">
+            <a:solidFill>
+              <a:schemeClr val="tx1">
+                <a:lumMod val="15000"/>
+                <a:lumOff val="85000"/>
+              </a:schemeClr>
+            </a:solidFill>
+            <a:round/>
+          </a:ln>
+          <a:effectLst/>
+        </c:spPr>
+        <c:txPr>
+          <a:bodyPr rot="-60000000" spcFirstLastPara="1" vertOverflow="ellipsis" vert="horz" wrap="square" anchor="ctr" anchorCtr="1"/>
+          <a:lstStyle/>
+          <a:p>
+            <a:pPr>
+              <a:defRPr sz="900" b="0" i="0" u="none" strike="noStrike" kern="1200" baseline="0">
+                <a:solidFill>
+                  <a:schemeClr val="tx1"/>
+                </a:solidFill>
+                <a:latin typeface="+mn-lt"/>
+                <a:ea typeface="+mn-ea"/>
+                <a:cs typeface="+mn-cs"/>
+              </a:defRPr>
+            </a:pPr>
+            <a:endParaRPr lang="en-US"/>
+          </a:p>
+        </c:txPr>
+        <c:crossAx val="479229688"/>
+        <c:crosses val="autoZero"/>
+        <c:auto val="1"/>
+        <c:lblAlgn val="ctr"/>
+        <c:lblOffset val="100"/>
+        <c:noMultiLvlLbl val="0"/>
+      </c:catAx>
+      <c:valAx>
+        <c:axId val="479229688"/>
+        <c:scaling>
+          <c:orientation val="minMax"/>
+          <c:max val="4"/>
+          <c:min val="1"/>
+        </c:scaling>
+        <c:delete val="0"/>
+        <c:axPos val="b"/>
+        <c:majorGridlines>
+          <c:spPr>
+            <a:ln w="9525" cap="flat" cmpd="sng" algn="ctr">
+              <a:solidFill>
+                <a:schemeClr val="tx1">
+                  <a:lumMod val="15000"/>
+                  <a:lumOff val="85000"/>
+                </a:schemeClr>
+              </a:solidFill>
+              <a:round/>
+            </a:ln>
+            <a:effectLst/>
+          </c:spPr>
+        </c:majorGridlines>
+        <c:numFmt formatCode="General" sourceLinked="1"/>
+        <c:majorTickMark val="none"/>
+        <c:minorTickMark val="none"/>
+        <c:tickLblPos val="nextTo"/>
+        <c:spPr>
+          <a:noFill/>
+          <a:ln>
+            <a:noFill/>
+          </a:ln>
+          <a:effectLst/>
+        </c:spPr>
+        <c:txPr>
+          <a:bodyPr rot="-60000000" spcFirstLastPara="1" vertOverflow="ellipsis" vert="horz" wrap="square" anchor="ctr" anchorCtr="1"/>
+          <a:lstStyle/>
+          <a:p>
+            <a:pPr>
+              <a:defRPr sz="900" b="0" i="0" u="none" strike="noStrike" kern="1200" baseline="0">
+                <a:solidFill>
+                  <a:schemeClr val="tx1"/>
+                </a:solidFill>
+                <a:latin typeface="+mn-lt"/>
+                <a:ea typeface="+mn-ea"/>
+                <a:cs typeface="+mn-cs"/>
+              </a:defRPr>
+            </a:pPr>
+            <a:endParaRPr lang="en-US"/>
+          </a:p>
+        </c:txPr>
+        <c:crossAx val="436419800"/>
+        <c:crosses val="autoZero"/>
+        <c:crossBetween val="between"/>
+      </c:valAx>
+      <c:spPr>
+        <a:noFill/>
+        <a:ln>
+          <a:noFill/>
+        </a:ln>
+        <a:effectLst/>
+      </c:spPr>
+    </c:plotArea>
+    <c:plotVisOnly val="1"/>
+    <c:dispBlanksAs val="gap"/>
+    <c:showDLblsOverMax val="0"/>
+  </c:chart>
+  <c:spPr>
+    <a:noFill/>
+    <a:ln>
+      <a:noFill/>
+    </a:ln>
+    <a:effectLst/>
+  </c:spPr>
+  <c:txPr>
+    <a:bodyPr/>
+    <a:lstStyle/>
+    <a:p>
+      <a:pPr>
+        <a:defRPr/>
+      </a:pPr>
+      <a:endParaRPr lang="en-US"/>
+    </a:p>
+  </c:txPr>
+  <c:externalData r:id="rId3">
+    <c:autoUpdate val="0"/>
+  </c:externalData>
+</c:chartSpace>
+</file>
+
+<file path=ppt/charts/chart3.xml><?xml version="1.0" encoding="utf-8"?>
+<c:chartSpace xmlns:c="http://schemas.openxmlformats.org/drawingml/2006/chart" xmlns:a="http://schemas.openxmlformats.org/drawingml/2006/main" xmlns:r="http://schemas.openxmlformats.org/officeDocument/2006/relationships">
+  <c:date1904 val="0"/>
+  <c:lang val="ja-JP"/>
+  <c:roundedCorners val="0"/>
+  <mc:AlternateContent xmlns:mc="http://schemas.openxmlformats.org/markup-compatibility/2006">
+    <mc:Choice xmlns:c14="http://schemas.microsoft.com/office/drawing/2007/8/2/chart" Requires="c14">
+      <c14:style val="102"/>
+    </mc:Choice>
+    <mc:Fallback>
+      <c:style val="2"/>
+    </mc:Fallback>
+  </mc:AlternateContent>
+  <c:chart>
+    <c:title>
+      <c:tx>
+        <c:rich>
+          <a:bodyPr rot="0" spcFirstLastPara="1" vertOverflow="ellipsis" vert="horz" wrap="square" anchor="ctr" anchorCtr="1"/>
+          <a:lstStyle/>
+          <a:p>
+            <a:pPr>
+              <a:defRPr sz="1400" b="0" i="0" u="none" strike="noStrike" kern="1200" spc="0" baseline="0">
+                <a:solidFill>
+                  <a:schemeClr val="tx1">
+                    <a:lumMod val="65000"/>
+                    <a:lumOff val="35000"/>
+                  </a:schemeClr>
+                </a:solidFill>
+                <a:latin typeface="+mn-lt"/>
+                <a:ea typeface="+mn-ea"/>
+                <a:cs typeface="+mn-cs"/>
+              </a:defRPr>
+            </a:pPr>
+            <a:r>
+              <a:rPr lang="en-US" altLang="ja-JP">
+                <a:solidFill>
+                  <a:schemeClr val="tx1"/>
+                </a:solidFill>
+              </a:rPr>
+              <a:t>Factor 2</a:t>
+            </a:r>
+            <a:endParaRPr lang="ja-JP" altLang="en-US">
+              <a:solidFill>
+                <a:schemeClr val="tx1"/>
+              </a:solidFill>
+            </a:endParaRPr>
+          </a:p>
+        </c:rich>
+      </c:tx>
+      <c:layout/>
+      <c:overlay val="0"/>
+      <c:spPr>
+        <a:noFill/>
+        <a:ln>
+          <a:noFill/>
+        </a:ln>
+        <a:effectLst/>
+      </c:spPr>
+      <c:txPr>
+        <a:bodyPr rot="0" spcFirstLastPara="1" vertOverflow="ellipsis" vert="horz" wrap="square" anchor="ctr" anchorCtr="1"/>
+        <a:lstStyle/>
+        <a:p>
+          <a:pPr>
+            <a:defRPr sz="1400" b="0" i="0" u="none" strike="noStrike" kern="1200" spc="0" baseline="0">
+              <a:solidFill>
+                <a:schemeClr val="tx1">
+                  <a:lumMod val="65000"/>
+                  <a:lumOff val="35000"/>
+                </a:schemeClr>
+              </a:solidFill>
+              <a:latin typeface="+mn-lt"/>
+              <a:ea typeface="+mn-ea"/>
+              <a:cs typeface="+mn-cs"/>
+            </a:defRPr>
+          </a:pPr>
+          <a:endParaRPr lang="en-US"/>
+        </a:p>
+      </c:txPr>
+    </c:title>
+    <c:autoTitleDeleted val="0"/>
+    <c:plotArea>
+      <c:layout/>
+      <c:barChart>
+        <c:barDir val="bar"/>
+        <c:grouping val="clustered"/>
+        <c:varyColors val="0"/>
+        <c:ser>
+          <c:idx val="0"/>
+          <c:order val="0"/>
+          <c:spPr>
+            <a:solidFill>
+              <a:schemeClr val="accent1"/>
+            </a:solidFill>
+            <a:ln>
+              <a:noFill/>
+            </a:ln>
+            <a:effectLst/>
+          </c:spPr>
+          <c:invertIfNegative val="0"/>
+          <c:errBars>
+            <c:errBarType val="both"/>
+            <c:errValType val="cust"/>
+            <c:noEndCap val="0"/>
+            <c:plus>
+              <c:numRef>
+                <c:f>(Sheet1!$C$17,Sheet1!$F$17,Sheet1!$J$17,Sheet1!$Q$17)</c:f>
+                <c:numCache>
+                  <c:formatCode>General</c:formatCode>
+                  <c:ptCount val="4"/>
+                  <c:pt idx="0">
+                    <c:v>0.70710678118654757</c:v>
+                  </c:pt>
+                  <c:pt idx="1">
+                    <c:v>0.48304589153964811</c:v>
+                  </c:pt>
+                  <c:pt idx="2">
+                    <c:v>0.52704627669472992</c:v>
+                  </c:pt>
+                  <c:pt idx="3">
+                    <c:v>0.52704627669472992</c:v>
+                  </c:pt>
+                </c:numCache>
+              </c:numRef>
+            </c:plus>
+            <c:minus>
+              <c:numRef>
+                <c:f>(Sheet1!$C$17,Sheet1!$F$17,Sheet1!$J$17,Sheet1!$Q$17)</c:f>
+                <c:numCache>
+                  <c:formatCode>General</c:formatCode>
+                  <c:ptCount val="4"/>
+                  <c:pt idx="0">
+                    <c:v>0.70710678118654757</c:v>
+                  </c:pt>
+                  <c:pt idx="1">
+                    <c:v>0.48304589153964811</c:v>
+                  </c:pt>
+                  <c:pt idx="2">
+                    <c:v>0.52704627669472992</c:v>
+                  </c:pt>
+                  <c:pt idx="3">
+                    <c:v>0.52704627669472992</c:v>
+                  </c:pt>
+                </c:numCache>
+              </c:numRef>
+            </c:minus>
+            <c:spPr>
+              <a:noFill/>
+              <a:ln w="19050" cap="flat" cmpd="sng" algn="ctr">
+                <a:solidFill>
+                  <a:schemeClr val="tx1"/>
+                </a:solidFill>
+                <a:round/>
+              </a:ln>
+              <a:effectLst/>
+            </c:spPr>
+          </c:errBars>
+          <c:cat>
+            <c:strRef>
+              <c:f>(Sheet1!$C$15,Sheet1!$F$15,Sheet1!$J$15,Sheet1!$Q$15)</c:f>
+              <c:strCache>
+                <c:ptCount val="4"/>
+                <c:pt idx="0">
+                  <c:v>Convenience</c:v>
+                </c:pt>
+                <c:pt idx="1">
+                  <c:v>Block functions</c:v>
+                </c:pt>
+                <c:pt idx="2">
+                  <c:v>Reactiveness</c:v>
+                </c:pt>
+                <c:pt idx="3">
+                  <c:v>Overall rating</c:v>
+                </c:pt>
+              </c:strCache>
+            </c:strRef>
+          </c:cat>
+          <c:val>
+            <c:numRef>
+              <c:f>(Sheet1!$C$16,Sheet1!$F$16,Sheet1!$J$16,Sheet1!$Q$16)</c:f>
+              <c:numCache>
+                <c:formatCode>General</c:formatCode>
+                <c:ptCount val="4"/>
+                <c:pt idx="0">
+                  <c:v>1.5</c:v>
+                </c:pt>
+                <c:pt idx="1">
+                  <c:v>1.7</c:v>
+                </c:pt>
+                <c:pt idx="2">
+                  <c:v>1.5</c:v>
+                </c:pt>
+                <c:pt idx="3">
+                  <c:v>1.5</c:v>
+                </c:pt>
+              </c:numCache>
+            </c:numRef>
+          </c:val>
+        </c:ser>
+        <c:dLbls>
+          <c:showLegendKey val="0"/>
+          <c:showVal val="0"/>
+          <c:showCatName val="0"/>
+          <c:showSerName val="0"/>
+          <c:showPercent val="0"/>
+          <c:showBubbleSize val="0"/>
+        </c:dLbls>
+        <c:gapWidth val="182"/>
+        <c:axId val="479230864"/>
+        <c:axId val="479231256"/>
+      </c:barChart>
+      <c:catAx>
+        <c:axId val="479230864"/>
+        <c:scaling>
+          <c:orientation val="minMax"/>
+        </c:scaling>
+        <c:delete val="0"/>
+        <c:axPos val="l"/>
+        <c:numFmt formatCode="General" sourceLinked="1"/>
+        <c:majorTickMark val="none"/>
+        <c:minorTickMark val="none"/>
+        <c:tickLblPos val="nextTo"/>
+        <c:spPr>
+          <a:noFill/>
+          <a:ln w="9525" cap="flat" cmpd="sng" algn="ctr">
+            <a:solidFill>
+              <a:schemeClr val="tx1">
+                <a:lumMod val="15000"/>
+                <a:lumOff val="85000"/>
+              </a:schemeClr>
+            </a:solidFill>
+            <a:round/>
+          </a:ln>
+          <a:effectLst/>
+        </c:spPr>
+        <c:txPr>
+          <a:bodyPr rot="-60000000" spcFirstLastPara="1" vertOverflow="ellipsis" vert="horz" wrap="square" anchor="ctr" anchorCtr="1"/>
+          <a:lstStyle/>
+          <a:p>
+            <a:pPr>
+              <a:defRPr sz="900" b="0" i="0" u="none" strike="noStrike" kern="1200" baseline="0">
+                <a:solidFill>
+                  <a:schemeClr val="tx1"/>
+                </a:solidFill>
+                <a:latin typeface="+mn-lt"/>
+                <a:ea typeface="+mn-ea"/>
+                <a:cs typeface="+mn-cs"/>
+              </a:defRPr>
+            </a:pPr>
+            <a:endParaRPr lang="en-US"/>
+          </a:p>
+        </c:txPr>
+        <c:crossAx val="479231256"/>
+        <c:crosses val="autoZero"/>
+        <c:auto val="1"/>
+        <c:lblAlgn val="ctr"/>
+        <c:lblOffset val="100"/>
+        <c:noMultiLvlLbl val="0"/>
+      </c:catAx>
+      <c:valAx>
+        <c:axId val="479231256"/>
+        <c:scaling>
+          <c:orientation val="minMax"/>
+          <c:max val="4"/>
+          <c:min val="1"/>
+        </c:scaling>
+        <c:delete val="0"/>
+        <c:axPos val="b"/>
+        <c:majorGridlines>
+          <c:spPr>
+            <a:ln w="9525" cap="flat" cmpd="sng" algn="ctr">
+              <a:solidFill>
+                <a:schemeClr val="tx1">
+                  <a:lumMod val="15000"/>
+                  <a:lumOff val="85000"/>
+                </a:schemeClr>
+              </a:solidFill>
+              <a:round/>
+            </a:ln>
+            <a:effectLst/>
+          </c:spPr>
+        </c:majorGridlines>
+        <c:numFmt formatCode="General" sourceLinked="1"/>
+        <c:majorTickMark val="none"/>
+        <c:minorTickMark val="none"/>
+        <c:tickLblPos val="nextTo"/>
+        <c:spPr>
+          <a:noFill/>
+          <a:ln>
+            <a:noFill/>
+          </a:ln>
+          <a:effectLst/>
+        </c:spPr>
+        <c:txPr>
+          <a:bodyPr rot="-60000000" spcFirstLastPara="1" vertOverflow="ellipsis" vert="horz" wrap="square" anchor="ctr" anchorCtr="1"/>
+          <a:lstStyle/>
+          <a:p>
+            <a:pPr>
+              <a:defRPr sz="900" b="0" i="0" u="none" strike="noStrike" kern="1200" baseline="0">
+                <a:solidFill>
+                  <a:schemeClr val="tx1"/>
+                </a:solidFill>
+                <a:latin typeface="+mn-lt"/>
+                <a:ea typeface="+mn-ea"/>
+                <a:cs typeface="+mn-cs"/>
+              </a:defRPr>
+            </a:pPr>
+            <a:endParaRPr lang="en-US"/>
+          </a:p>
+        </c:txPr>
+        <c:crossAx val="479230864"/>
+        <c:crosses val="autoZero"/>
+        <c:crossBetween val="between"/>
+      </c:valAx>
+      <c:spPr>
+        <a:noFill/>
+        <a:ln>
+          <a:noFill/>
+        </a:ln>
+        <a:effectLst/>
+      </c:spPr>
+    </c:plotArea>
+    <c:plotVisOnly val="1"/>
+    <c:dispBlanksAs val="gap"/>
+    <c:showDLblsOverMax val="0"/>
+  </c:chart>
+  <c:spPr>
+    <a:noFill/>
+    <a:ln>
+      <a:noFill/>
+    </a:ln>
+    <a:effectLst/>
+  </c:spPr>
+  <c:txPr>
+    <a:bodyPr/>
+    <a:lstStyle/>
+    <a:p>
+      <a:pPr>
+        <a:defRPr/>
+      </a:pPr>
+      <a:endParaRPr lang="en-US"/>
+    </a:p>
+  </c:txPr>
+  <c:externalData r:id="rId3">
+    <c:autoUpdate val="0"/>
+  </c:externalData>
+</c:chartSpace>
+</file>
+
+<file path=ppt/charts/chart4.xml><?xml version="1.0" encoding="utf-8"?>
+<c:chartSpace xmlns:c="http://schemas.openxmlformats.org/drawingml/2006/chart" xmlns:a="http://schemas.openxmlformats.org/drawingml/2006/main" xmlns:r="http://schemas.openxmlformats.org/officeDocument/2006/relationships">
+  <c:date1904 val="0"/>
+  <c:lang val="ja-JP"/>
+  <c:roundedCorners val="0"/>
+  <mc:AlternateContent xmlns:mc="http://schemas.openxmlformats.org/markup-compatibility/2006">
+    <mc:Choice xmlns:c14="http://schemas.microsoft.com/office/drawing/2007/8/2/chart" Requires="c14">
+      <c14:style val="102"/>
+    </mc:Choice>
+    <mc:Fallback>
+      <c:style val="2"/>
+    </mc:Fallback>
+  </mc:AlternateContent>
+  <c:chart>
+    <c:title>
+      <c:tx>
+        <c:rich>
+          <a:bodyPr rot="0" spcFirstLastPara="1" vertOverflow="ellipsis" vert="horz" wrap="square" anchor="ctr" anchorCtr="1"/>
+          <a:lstStyle/>
+          <a:p>
+            <a:pPr>
+              <a:defRPr sz="1400" b="1" i="0" u="none" strike="noStrike" kern="1200" spc="0" baseline="0">
+                <a:solidFill>
+                  <a:schemeClr val="tx1">
+                    <a:lumMod val="65000"/>
+                    <a:lumOff val="35000"/>
+                  </a:schemeClr>
+                </a:solidFill>
+                <a:latin typeface="+mn-lt"/>
+                <a:ea typeface="+mn-ea"/>
+                <a:cs typeface="+mn-cs"/>
+              </a:defRPr>
+            </a:pPr>
+            <a:r>
+              <a:rPr lang="en-US" altLang="ja-JP" sz="1800" b="1">
+                <a:solidFill>
+                  <a:schemeClr val="tx1"/>
+                </a:solidFill>
+              </a:rPr>
+              <a:t>Usability metrics</a:t>
+            </a:r>
+            <a:endParaRPr lang="ja-JP" altLang="en-US" sz="1800" b="1">
+              <a:solidFill>
+                <a:schemeClr val="tx1"/>
+              </a:solidFill>
+            </a:endParaRPr>
+          </a:p>
+        </c:rich>
+      </c:tx>
+      <c:layout/>
+      <c:overlay val="0"/>
+      <c:spPr>
+        <a:noFill/>
+        <a:ln>
+          <a:noFill/>
+        </a:ln>
+        <a:effectLst/>
+      </c:spPr>
+      <c:txPr>
+        <a:bodyPr rot="0" spcFirstLastPara="1" vertOverflow="ellipsis" vert="horz" wrap="square" anchor="ctr" anchorCtr="1"/>
+        <a:lstStyle/>
+        <a:p>
+          <a:pPr>
+            <a:defRPr sz="1400" b="1" i="0" u="none" strike="noStrike" kern="1200" spc="0" baseline="0">
+              <a:solidFill>
+                <a:schemeClr val="tx1">
+                  <a:lumMod val="65000"/>
+                  <a:lumOff val="35000"/>
+                </a:schemeClr>
+              </a:solidFill>
+              <a:latin typeface="+mn-lt"/>
+              <a:ea typeface="+mn-ea"/>
+              <a:cs typeface="+mn-cs"/>
+            </a:defRPr>
+          </a:pPr>
+          <a:endParaRPr lang="en-US"/>
+        </a:p>
+      </c:txPr>
+    </c:title>
+    <c:autoTitleDeleted val="0"/>
+    <c:plotArea>
+      <c:layout/>
+      <c:barChart>
+        <c:barDir val="bar"/>
+        <c:grouping val="clustered"/>
+        <c:varyColors val="0"/>
+        <c:ser>
+          <c:idx val="0"/>
+          <c:order val="0"/>
+          <c:spPr>
+            <a:solidFill>
+              <a:schemeClr val="accent1"/>
+            </a:solidFill>
+            <a:ln>
+              <a:noFill/>
+            </a:ln>
+            <a:effectLst/>
+          </c:spPr>
+          <c:invertIfNegative val="0"/>
+          <c:errBars>
+            <c:errBarType val="both"/>
+            <c:errValType val="cust"/>
+            <c:noEndCap val="0"/>
+            <c:plus>
+              <c:numRef>
+                <c:f>Sheet2!$B$20:$N$20</c:f>
+                <c:numCache>
+                  <c:formatCode>General</c:formatCode>
+                  <c:ptCount val="13"/>
+                  <c:pt idx="0">
+                    <c:v>0.316227766016838</c:v>
+                  </c:pt>
+                  <c:pt idx="1">
+                    <c:v>0.316227766016838</c:v>
+                  </c:pt>
+                  <c:pt idx="2">
+                    <c:v>0.42163702135578385</c:v>
+                  </c:pt>
+                  <c:pt idx="3">
+                    <c:v>0.42163702135578385</c:v>
+                  </c:pt>
+                  <c:pt idx="4">
+                    <c:v>0.42163702135578385</c:v>
+                  </c:pt>
+                  <c:pt idx="5">
+                    <c:v>0.48304589153964811</c:v>
+                  </c:pt>
+                  <c:pt idx="6">
+                    <c:v>0.52704627669472992</c:v>
+                  </c:pt>
+                  <c:pt idx="7">
+                    <c:v>0.70710678118654757</c:v>
+                  </c:pt>
+                  <c:pt idx="8">
+                    <c:v>0.52704627669472992</c:v>
+                  </c:pt>
+                  <c:pt idx="9">
+                    <c:v>0.81649658092772603</c:v>
+                  </c:pt>
+                  <c:pt idx="10">
+                    <c:v>1.1547005383792515</c:v>
+                  </c:pt>
+                  <c:pt idx="11">
+                    <c:v>0.99442892601175314</c:v>
+                  </c:pt>
+                  <c:pt idx="12">
+                    <c:v>0.56764621219754663</c:v>
+                  </c:pt>
+                </c:numCache>
+              </c:numRef>
+            </c:plus>
+            <c:minus>
+              <c:numRef>
+                <c:f>Sheet2!$B$20:$N$20</c:f>
+                <c:numCache>
+                  <c:formatCode>General</c:formatCode>
+                  <c:ptCount val="13"/>
+                  <c:pt idx="0">
+                    <c:v>0.316227766016838</c:v>
+                  </c:pt>
+                  <c:pt idx="1">
+                    <c:v>0.316227766016838</c:v>
+                  </c:pt>
+                  <c:pt idx="2">
+                    <c:v>0.42163702135578385</c:v>
+                  </c:pt>
+                  <c:pt idx="3">
+                    <c:v>0.42163702135578385</c:v>
+                  </c:pt>
+                  <c:pt idx="4">
+                    <c:v>0.42163702135578385</c:v>
+                  </c:pt>
+                  <c:pt idx="5">
+                    <c:v>0.48304589153964811</c:v>
+                  </c:pt>
+                  <c:pt idx="6">
+                    <c:v>0.52704627669472992</c:v>
+                  </c:pt>
+                  <c:pt idx="7">
+                    <c:v>0.70710678118654757</c:v>
+                  </c:pt>
+                  <c:pt idx="8">
+                    <c:v>0.52704627669472992</c:v>
+                  </c:pt>
+                  <c:pt idx="9">
+                    <c:v>0.81649658092772603</c:v>
+                  </c:pt>
+                  <c:pt idx="10">
+                    <c:v>1.1547005383792515</c:v>
+                  </c:pt>
+                  <c:pt idx="11">
+                    <c:v>0.99442892601175314</c:v>
+                  </c:pt>
+                  <c:pt idx="12">
+                    <c:v>0.56764621219754663</c:v>
+                  </c:pt>
+                </c:numCache>
+              </c:numRef>
+            </c:minus>
+            <c:spPr>
+              <a:noFill/>
+              <a:ln w="19050" cap="flat" cmpd="sng" algn="ctr">
+                <a:solidFill>
+                  <a:schemeClr val="tx1"/>
+                </a:solidFill>
+                <a:round/>
+              </a:ln>
+              <a:effectLst/>
+            </c:spPr>
+          </c:errBars>
+          <c:cat>
+            <c:multiLvlStrRef>
+              <c:f>Sheet2!$B$17:$N$18</c:f>
+              <c:multiLvlStrCache>
+                <c:ptCount val="13"/>
+                <c:lvl>
+                  <c:pt idx="0">
+                    <c:v>Ease of use</c:v>
+                  </c:pt>
+                  <c:pt idx="1">
+                    <c:v>Learn to use</c:v>
+                  </c:pt>
+                  <c:pt idx="2">
+                    <c:v>Program structure</c:v>
+                  </c:pt>
+                  <c:pt idx="3">
+                    <c:v>Efficiency</c:v>
+                  </c:pt>
+                  <c:pt idx="4">
+                    <c:v>Interest towards system</c:v>
+                  </c:pt>
+                  <c:pt idx="5">
+                    <c:v>Block functions</c:v>
+                  </c:pt>
+                  <c:pt idx="6">
+                    <c:v>Reactiveness</c:v>
+                  </c:pt>
+                  <c:pt idx="7">
+                    <c:v>Convenience</c:v>
+                  </c:pt>
+                  <c:pt idx="8">
+                    <c:v>Overall rating</c:v>
+                  </c:pt>
+                  <c:pt idx="9">
+                    <c:v>Scenario Creation</c:v>
+                  </c:pt>
+                  <c:pt idx="10">
+                    <c:v>Scenario Execution</c:v>
+                  </c:pt>
+                  <c:pt idx="11">
+                    <c:v>Situation awareness</c:v>
+                  </c:pt>
+                  <c:pt idx="12">
+                    <c:v>Satisfaction</c:v>
+                  </c:pt>
+                </c:lvl>
+                <c:lvl>
+                  <c:pt idx="0">
+                    <c:v>Factor 1</c:v>
+                  </c:pt>
+                  <c:pt idx="5">
+                    <c:v>Factor 2</c:v>
+                  </c:pt>
+                  <c:pt idx="9">
+                    <c:v>Factor 3</c:v>
+                  </c:pt>
+                </c:lvl>
+              </c:multiLvlStrCache>
+            </c:multiLvlStrRef>
+          </c:cat>
+          <c:val>
+            <c:numRef>
+              <c:f>Sheet2!$B$19:$N$19</c:f>
+              <c:numCache>
+                <c:formatCode>General</c:formatCode>
+                <c:ptCount val="13"/>
+                <c:pt idx="0">
+                  <c:v>1.1000000000000001</c:v>
+                </c:pt>
+                <c:pt idx="1">
+                  <c:v>1.1000000000000001</c:v>
+                </c:pt>
+                <c:pt idx="2">
+                  <c:v>1.2</c:v>
+                </c:pt>
+                <c:pt idx="3">
+                  <c:v>1.2</c:v>
+                </c:pt>
+                <c:pt idx="4">
+                  <c:v>1.2</c:v>
+                </c:pt>
+                <c:pt idx="5">
+                  <c:v>1.7</c:v>
+                </c:pt>
+                <c:pt idx="6">
+                  <c:v>1.5</c:v>
+                </c:pt>
+                <c:pt idx="7">
+                  <c:v>1.5</c:v>
+                </c:pt>
+                <c:pt idx="8">
+                  <c:v>1.5</c:v>
+                </c:pt>
+                <c:pt idx="9">
+                  <c:v>2</c:v>
+                </c:pt>
+                <c:pt idx="10">
+                  <c:v>2</c:v>
+                </c:pt>
+                <c:pt idx="11">
+                  <c:v>2.1</c:v>
+                </c:pt>
+                <c:pt idx="12">
+                  <c:v>1.9</c:v>
+                </c:pt>
+              </c:numCache>
+            </c:numRef>
+          </c:val>
+        </c:ser>
+        <c:dLbls>
+          <c:showLegendKey val="0"/>
+          <c:showVal val="0"/>
+          <c:showCatName val="0"/>
+          <c:showSerName val="0"/>
+          <c:showPercent val="0"/>
+          <c:showBubbleSize val="0"/>
+        </c:dLbls>
+        <c:gapWidth val="182"/>
+        <c:axId val="429032456"/>
+        <c:axId val="429036376"/>
+      </c:barChart>
+      <c:catAx>
+        <c:axId val="429032456"/>
+        <c:scaling>
+          <c:orientation val="minMax"/>
+        </c:scaling>
+        <c:delete val="0"/>
+        <c:axPos val="l"/>
+        <c:numFmt formatCode="General" sourceLinked="1"/>
+        <c:majorTickMark val="none"/>
+        <c:minorTickMark val="none"/>
+        <c:tickLblPos val="nextTo"/>
+        <c:spPr>
+          <a:noFill/>
+          <a:ln w="9525" cap="flat" cmpd="sng" algn="ctr">
+            <a:solidFill>
+              <a:schemeClr val="tx1">
+                <a:lumMod val="15000"/>
+                <a:lumOff val="85000"/>
+              </a:schemeClr>
+            </a:solidFill>
+            <a:round/>
+          </a:ln>
+          <a:effectLst/>
+        </c:spPr>
+        <c:txPr>
+          <a:bodyPr rot="-60000000" spcFirstLastPara="1" vertOverflow="ellipsis" vert="horz" wrap="square" anchor="ctr" anchorCtr="1"/>
+          <a:lstStyle/>
+          <a:p>
+            <a:pPr>
+              <a:defRPr sz="1800" b="0" i="0" u="none" strike="noStrike" kern="1200" baseline="0">
+                <a:solidFill>
+                  <a:schemeClr val="tx1"/>
+                </a:solidFill>
+                <a:effectLst>
+                  <a:outerShdw sx="1000" sy="1000" algn="ctr" rotWithShape="0">
+                    <a:srgbClr val="000000"/>
+                  </a:outerShdw>
+                </a:effectLst>
+                <a:latin typeface="+mn-lt"/>
+                <a:ea typeface="+mn-ea"/>
+                <a:cs typeface="+mn-cs"/>
+              </a:defRPr>
+            </a:pPr>
+            <a:endParaRPr lang="en-US"/>
+          </a:p>
+        </c:txPr>
+        <c:crossAx val="429036376"/>
+        <c:crosses val="autoZero"/>
+        <c:auto val="1"/>
+        <c:lblAlgn val="ctr"/>
+        <c:lblOffset val="100"/>
+        <c:noMultiLvlLbl val="0"/>
+      </c:catAx>
+      <c:valAx>
+        <c:axId val="429036376"/>
+        <c:scaling>
+          <c:orientation val="minMax"/>
+          <c:max val="4"/>
+          <c:min val="1"/>
+        </c:scaling>
+        <c:delete val="0"/>
+        <c:axPos val="b"/>
+        <c:majorGridlines>
+          <c:spPr>
+            <a:ln w="9525" cap="flat" cmpd="sng" algn="ctr">
+              <a:solidFill>
+                <a:schemeClr val="tx1">
+                  <a:lumMod val="15000"/>
+                  <a:lumOff val="85000"/>
+                </a:schemeClr>
+              </a:solidFill>
+              <a:round/>
+            </a:ln>
+            <a:effectLst/>
+          </c:spPr>
+        </c:majorGridlines>
+        <c:numFmt formatCode="General" sourceLinked="1"/>
+        <c:majorTickMark val="none"/>
+        <c:minorTickMark val="none"/>
+        <c:tickLblPos val="nextTo"/>
+        <c:spPr>
+          <a:noFill/>
+          <a:ln>
+            <a:noFill/>
+          </a:ln>
+          <a:effectLst/>
+        </c:spPr>
+        <c:txPr>
+          <a:bodyPr rot="-60000000" spcFirstLastPara="1" vertOverflow="ellipsis" vert="horz" wrap="square" anchor="ctr" anchorCtr="1"/>
+          <a:lstStyle/>
+          <a:p>
+            <a:pPr>
+              <a:defRPr sz="1800" b="1" i="0" u="none" strike="noStrike" kern="1200" baseline="0">
+                <a:solidFill>
+                  <a:schemeClr val="tx1"/>
+                </a:solidFill>
+                <a:latin typeface="+mn-lt"/>
+                <a:ea typeface="+mn-ea"/>
+                <a:cs typeface="+mn-cs"/>
+              </a:defRPr>
+            </a:pPr>
+            <a:endParaRPr lang="en-US"/>
+          </a:p>
+        </c:txPr>
+        <c:crossAx val="429032456"/>
+        <c:crosses val="autoZero"/>
+        <c:crossBetween val="between"/>
+      </c:valAx>
+      <c:spPr>
+        <a:noFill/>
+        <a:ln>
+          <a:noFill/>
+        </a:ln>
+        <a:effectLst/>
+      </c:spPr>
+    </c:plotArea>
+    <c:plotVisOnly val="1"/>
+    <c:dispBlanksAs val="gap"/>
+    <c:showDLblsOverMax val="0"/>
+  </c:chart>
+  <c:spPr>
+    <a:noFill/>
+    <a:ln>
+      <a:noFill/>
+    </a:ln>
+    <a:effectLst/>
+  </c:spPr>
+  <c:txPr>
+    <a:bodyPr/>
+    <a:lstStyle/>
+    <a:p>
+      <a:pPr>
+        <a:defRPr/>
+      </a:pPr>
+      <a:endParaRPr lang="en-US"/>
+    </a:p>
+  </c:txPr>
+  <c:externalData r:id="rId3">
+    <c:autoUpdate val="0"/>
+  </c:externalData>
+</c:chartSpace>
+</file>
+
+<file path=ppt/charts/colors1.xml><?xml version="1.0" encoding="utf-8"?>
+<cs:colorStyle xmlns:cs="http://schemas.microsoft.com/office/drawing/2012/chartStyle" xmlns:a="http://schemas.openxmlformats.org/drawingml/2006/main" meth="cycle" id="10">
+  <a:schemeClr val="accent1"/>
+  <a:schemeClr val="accent2"/>
+  <a:schemeClr val="accent3"/>
+  <a:schemeClr val="accent4"/>
+  <a:schemeClr val="accent5"/>
+  <a:schemeClr val="accent6"/>
+  <cs:variation/>
+  <cs:variation>
+    <a:lumMod val="60000"/>
+  </cs:variation>
+  <cs:variation>
+    <a:lumMod val="80000"/>
+    <a:lumOff val="20000"/>
+  </cs:variation>
+  <cs:variation>
+    <a:lumMod val="80000"/>
+  </cs:variation>
+  <cs:variation>
+    <a:lumMod val="60000"/>
+    <a:lumOff val="40000"/>
+  </cs:variation>
+  <cs:variation>
+    <a:lumMod val="50000"/>
+  </cs:variation>
+  <cs:variation>
+    <a:lumMod val="70000"/>
+    <a:lumOff val="30000"/>
+  </cs:variation>
+  <cs:variation>
+    <a:lumMod val="70000"/>
+  </cs:variation>
+  <cs:variation>
+    <a:lumMod val="50000"/>
+    <a:lumOff val="50000"/>
+  </cs:variation>
+</cs:colorStyle>
+</file>
+
+<file path=ppt/charts/colors2.xml><?xml version="1.0" encoding="utf-8"?>
+<cs:colorStyle xmlns:cs="http://schemas.microsoft.com/office/drawing/2012/chartStyle" xmlns:a="http://schemas.openxmlformats.org/drawingml/2006/main" meth="cycle" id="10">
+  <a:schemeClr val="accent1"/>
+  <a:schemeClr val="accent2"/>
+  <a:schemeClr val="accent3"/>
+  <a:schemeClr val="accent4"/>
+  <a:schemeClr val="accent5"/>
+  <a:schemeClr val="accent6"/>
+  <cs:variation/>
+  <cs:variation>
+    <a:lumMod val="60000"/>
+  </cs:variation>
+  <cs:variation>
+    <a:lumMod val="80000"/>
+    <a:lumOff val="20000"/>
+  </cs:variation>
+  <cs:variation>
+    <a:lumMod val="80000"/>
+  </cs:variation>
+  <cs:variation>
+    <a:lumMod val="60000"/>
+    <a:lumOff val="40000"/>
+  </cs:variation>
+  <cs:variation>
+    <a:lumMod val="50000"/>
+  </cs:variation>
+  <cs:variation>
+    <a:lumMod val="70000"/>
+    <a:lumOff val="30000"/>
+  </cs:variation>
+  <cs:variation>
+    <a:lumMod val="70000"/>
+  </cs:variation>
+  <cs:variation>
+    <a:lumMod val="50000"/>
+    <a:lumOff val="50000"/>
+  </cs:variation>
+</cs:colorStyle>
+</file>
+
+<file path=ppt/charts/colors3.xml><?xml version="1.0" encoding="utf-8"?>
+<cs:colorStyle xmlns:cs="http://schemas.microsoft.com/office/drawing/2012/chartStyle" xmlns:a="http://schemas.openxmlformats.org/drawingml/2006/main" meth="cycle" id="10">
+  <a:schemeClr val="accent1"/>
+  <a:schemeClr val="accent2"/>
+  <a:schemeClr val="accent3"/>
+  <a:schemeClr val="accent4"/>
+  <a:schemeClr val="accent5"/>
+  <a:schemeClr val="accent6"/>
+  <cs:variation/>
+  <cs:variation>
+    <a:lumMod val="60000"/>
+  </cs:variation>
+  <cs:variation>
+    <a:lumMod val="80000"/>
+    <a:lumOff val="20000"/>
+  </cs:variation>
+  <cs:variation>
+    <a:lumMod val="80000"/>
+  </cs:variation>
+  <cs:variation>
+    <a:lumMod val="60000"/>
+    <a:lumOff val="40000"/>
+  </cs:variation>
+  <cs:variation>
+    <a:lumMod val="50000"/>
+  </cs:variation>
+  <cs:variation>
+    <a:lumMod val="70000"/>
+    <a:lumOff val="30000"/>
+  </cs:variation>
+  <cs:variation>
+    <a:lumMod val="70000"/>
+  </cs:variation>
+  <cs:variation>
+    <a:lumMod val="50000"/>
+    <a:lumOff val="50000"/>
+  </cs:variation>
+</cs:colorStyle>
+</file>
+
+<file path=ppt/charts/colors4.xml><?xml version="1.0" encoding="utf-8"?>
+<cs:colorStyle xmlns:cs="http://schemas.microsoft.com/office/drawing/2012/chartStyle" xmlns:a="http://schemas.openxmlformats.org/drawingml/2006/main" meth="cycle" id="10">
+  <a:schemeClr val="accent1"/>
+  <a:schemeClr val="accent2"/>
+  <a:schemeClr val="accent3"/>
+  <a:schemeClr val="accent4"/>
+  <a:schemeClr val="accent5"/>
+  <a:schemeClr val="accent6"/>
+  <cs:variation/>
+  <cs:variation>
+    <a:lumMod val="60000"/>
+  </cs:variation>
+  <cs:variation>
+    <a:lumMod val="80000"/>
+    <a:lumOff val="20000"/>
+  </cs:variation>
+  <cs:variation>
+    <a:lumMod val="80000"/>
+  </cs:variation>
+  <cs:variation>
+    <a:lumMod val="60000"/>
+    <a:lumOff val="40000"/>
+  </cs:variation>
+  <cs:variation>
+    <a:lumMod val="50000"/>
+  </cs:variation>
+  <cs:variation>
+    <a:lumMod val="70000"/>
+    <a:lumOff val="30000"/>
+  </cs:variation>
+  <cs:variation>
+    <a:lumMod val="70000"/>
+  </cs:variation>
+  <cs:variation>
+    <a:lumMod val="50000"/>
+    <a:lumOff val="50000"/>
+  </cs:variation>
+</cs:colorStyle>
+</file>
+
+<file path=ppt/charts/style1.xml><?xml version="1.0" encoding="utf-8"?>
+<cs:chartStyle xmlns:cs="http://schemas.microsoft.com/office/drawing/2012/chartStyle" xmlns:a="http://schemas.openxmlformats.org/drawingml/2006/main" id="216">
+  <cs:axisTitle>
+    <cs:lnRef idx="0"/>
+    <cs:fillRef idx="0"/>
+    <cs:effectRef idx="0"/>
+    <cs:fontRef idx="minor">
+      <a:schemeClr val="tx1">
+        <a:lumMod val="65000"/>
+        <a:lumOff val="35000"/>
+      </a:schemeClr>
+    </cs:fontRef>
+    <cs:defRPr sz="1000" kern="1200"/>
+  </cs:axisTitle>
+  <cs:categoryAxis>
+    <cs:lnRef idx="0"/>
+    <cs:fillRef idx="0"/>
+    <cs:effectRef idx="0"/>
+    <cs:fontRef idx="minor">
+      <a:schemeClr val="tx1">
+        <a:lumMod val="65000"/>
+        <a:lumOff val="35000"/>
+      </a:schemeClr>
+    </cs:fontRef>
+    <cs:spPr>
+      <a:ln w="9525" cap="flat" cmpd="sng" algn="ctr">
+        <a:solidFill>
+          <a:schemeClr val="tx1">
+            <a:lumMod val="15000"/>
+            <a:lumOff val="85000"/>
+          </a:schemeClr>
+        </a:solidFill>
+        <a:round/>
+      </a:ln>
+    </cs:spPr>
+    <cs:defRPr sz="900" kern="1200"/>
+  </cs:categoryAxis>
+  <cs:chartArea mods="allowNoFillOverride allowNoLineOverride">
+    <cs:lnRef idx="0"/>
+    <cs:fillRef idx="0"/>
+    <cs:effectRef idx="0"/>
+    <cs:fontRef idx="minor">
+      <a:schemeClr val="tx1"/>
+    </cs:fontRef>
+    <cs:spPr>
+      <a:solidFill>
+        <a:schemeClr val="bg1"/>
+      </a:solidFill>
+      <a:ln w="9525" cap="flat" cmpd="sng" algn="ctr">
+        <a:solidFill>
+          <a:schemeClr val="tx1">
+            <a:lumMod val="15000"/>
+            <a:lumOff val="85000"/>
+          </a:schemeClr>
+        </a:solidFill>
+        <a:round/>
+      </a:ln>
+    </cs:spPr>
+    <cs:defRPr sz="1000" kern="1200"/>
+  </cs:chartArea>
+  <cs:dataLabel>
+    <cs:lnRef idx="0"/>
+    <cs:fillRef idx="0"/>
+    <cs:effectRef idx="0"/>
+    <cs:fontRef idx="minor">
+      <a:schemeClr val="tx1">
+        <a:lumMod val="75000"/>
+        <a:lumOff val="25000"/>
+      </a:schemeClr>
+    </cs:fontRef>
+    <cs:defRPr sz="900" kern="1200"/>
+  </cs:dataLabel>
+  <cs:dataLabelCallout>
+    <cs:lnRef idx="0"/>
+    <cs:fillRef idx="0"/>
+    <cs:effectRef idx="0"/>
+    <cs:fontRef idx="minor">
+      <a:schemeClr val="dk1">
+        <a:lumMod val="65000"/>
+        <a:lumOff val="35000"/>
+      </a:schemeClr>
+    </cs:fontRef>
+    <cs:spPr>
+      <a:solidFill>
+        <a:schemeClr val="lt1"/>
+      </a:solidFill>
+      <a:ln>
+        <a:solidFill>
+          <a:schemeClr val="dk1">
+            <a:lumMod val="25000"/>
+            <a:lumOff val="75000"/>
+          </a:schemeClr>
+        </a:solidFill>
+      </a:ln>
+    </cs:spPr>
+    <cs:defRPr sz="900" kern="1200"/>
+    <cs:bodyPr rot="0" spcFirstLastPara="1" vertOverflow="clip" horzOverflow="clip" vert="horz" wrap="square" lIns="36576" tIns="18288" rIns="36576" bIns="18288" anchor="ctr" anchorCtr="1">
+      <a:spAutoFit/>
+    </cs:bodyPr>
+  </cs:dataLabelCallout>
+  <cs:dataPoint>
+    <cs:lnRef idx="0"/>
+    <cs:fillRef idx="1">
+      <cs:styleClr val="auto"/>
+    </cs:fillRef>
+    <cs:effectRef idx="0"/>
+    <cs:fontRef idx="minor">
+      <a:schemeClr val="tx1"/>
+    </cs:fontRef>
+  </cs:dataPoint>
+  <cs:dataPoint3D>
+    <cs:lnRef idx="0"/>
+    <cs:fillRef idx="1">
+      <cs:styleClr val="auto"/>
+    </cs:fillRef>
+    <cs:effectRef idx="0"/>
+    <cs:fontRef idx="minor">
+      <a:schemeClr val="tx1"/>
+    </cs:fontRef>
+  </cs:dataPoint3D>
+  <cs:dataPointLine>
+    <cs:lnRef idx="0">
+      <cs:styleClr val="auto"/>
+    </cs:lnRef>
+    <cs:fillRef idx="1"/>
+    <cs:effectRef idx="0"/>
+    <cs:fontRef idx="minor">
+      <a:schemeClr val="tx1"/>
+    </cs:fontRef>
+    <cs:spPr>
+      <a:ln w="28575" cap="rnd">
+        <a:solidFill>
+          <a:schemeClr val="phClr"/>
+        </a:solidFill>
+        <a:round/>
+      </a:ln>
+    </cs:spPr>
+  </cs:dataPointLine>
+  <cs:dataPointMarker>
+    <cs:lnRef idx="0">
+      <cs:styleClr val="auto"/>
+    </cs:lnRef>
+    <cs:fillRef idx="1">
+      <cs:styleClr val="auto"/>
+    </cs:fillRef>
+    <cs:effectRef idx="0"/>
+    <cs:fontRef idx="minor">
+      <a:schemeClr val="tx1"/>
+    </cs:fontRef>
+    <cs:spPr>
+      <a:ln w="9525">
+        <a:solidFill>
+          <a:schemeClr val="phClr"/>
+        </a:solidFill>
+      </a:ln>
+    </cs:spPr>
+  </cs:dataPointMarker>
+  <cs:dataPointMarkerLayout symbol="circle" size="5"/>
+  <cs:dataPointWireframe>
+    <cs:lnRef idx="0">
+      <cs:styleClr val="auto"/>
+    </cs:lnRef>
+    <cs:fillRef idx="1"/>
+    <cs:effectRef idx="0"/>
+    <cs:fontRef idx="minor">
+      <a:schemeClr val="tx1"/>
+    </cs:fontRef>
+    <cs:spPr>
+      <a:ln w="9525" cap="rnd">
+        <a:solidFill>
+          <a:schemeClr val="phClr"/>
+        </a:solidFill>
+        <a:round/>
+      </a:ln>
+    </cs:spPr>
+  </cs:dataPointWireframe>
+  <cs:dataTable>
+    <cs:lnRef idx="0"/>
+    <cs:fillRef idx="0"/>
+    <cs:effectRef idx="0"/>
+    <cs:fontRef idx="minor">
+      <a:schemeClr val="tx1">
+        <a:lumMod val="65000"/>
+        <a:lumOff val="35000"/>
+      </a:schemeClr>
+    </cs:fontRef>
+    <cs:spPr>
+      <a:noFill/>
+      <a:ln w="9525" cap="flat" cmpd="sng" algn="ctr">
+        <a:solidFill>
+          <a:schemeClr val="tx1">
+            <a:lumMod val="15000"/>
+            <a:lumOff val="85000"/>
+          </a:schemeClr>
+        </a:solidFill>
+        <a:round/>
+      </a:ln>
+    </cs:spPr>
+    <cs:defRPr sz="900" kern="1200"/>
+  </cs:dataTable>
+  <cs:downBar>
+    <cs:lnRef idx="0"/>
+    <cs:fillRef idx="0"/>
+    <cs:effectRef idx="0"/>
+    <cs:fontRef idx="minor">
+      <a:schemeClr val="tx1"/>
+    </cs:fontRef>
+    <cs:spPr>
+      <a:solidFill>
+        <a:schemeClr val="dk1">
+          <a:lumMod val="75000"/>
+          <a:lumOff val="25000"/>
+        </a:schemeClr>
+      </a:solidFill>
+      <a:ln w="9525" cap="flat" cmpd="sng" algn="ctr">
+        <a:solidFill>
+          <a:schemeClr val="tx1">
+            <a:lumMod val="65000"/>
+            <a:lumOff val="35000"/>
+          </a:schemeClr>
+        </a:solidFill>
+        <a:round/>
+      </a:ln>
+    </cs:spPr>
+  </cs:downBar>
+  <cs:dropLine>
+    <cs:lnRef idx="0"/>
+    <cs:fillRef idx="0"/>
+    <cs:effectRef idx="0"/>
+    <cs:fontRef idx="minor">
+      <a:schemeClr val="tx1"/>
+    </cs:fontRef>
+    <cs:spPr>
+      <a:ln w="9525" cap="flat" cmpd="sng" algn="ctr">
+        <a:solidFill>
+          <a:schemeClr val="tx1">
+            <a:lumMod val="35000"/>
+            <a:lumOff val="65000"/>
+          </a:schemeClr>
+        </a:solidFill>
+        <a:round/>
+      </a:ln>
+    </cs:spPr>
+  </cs:dropLine>
+  <cs:errorBar>
+    <cs:lnRef idx="0"/>
+    <cs:fillRef idx="0"/>
+    <cs:effectRef idx="0"/>
+    <cs:fontRef idx="minor">
+      <a:schemeClr val="tx1"/>
+    </cs:fontRef>
+    <cs:spPr>
+      <a:ln w="9525" cap="flat" cmpd="sng" algn="ctr">
+        <a:solidFill>
+          <a:schemeClr val="tx1">
+            <a:lumMod val="65000"/>
+            <a:lumOff val="35000"/>
+          </a:schemeClr>
+        </a:solidFill>
+        <a:round/>
+      </a:ln>
+    </cs:spPr>
+  </cs:errorBar>
+  <cs:floor>
+    <cs:lnRef idx="0"/>
+    <cs:fillRef idx="0"/>
+    <cs:effectRef idx="0"/>
+    <cs:fontRef idx="minor">
+      <a:schemeClr val="tx1"/>
+    </cs:fontRef>
+    <cs:spPr>
+      <a:noFill/>
+      <a:ln>
+        <a:noFill/>
+      </a:ln>
+    </cs:spPr>
+  </cs:floor>
+  <cs:gridlineMajor>
+    <cs:lnRef idx="0"/>
+    <cs:fillRef idx="0"/>
+    <cs:effectRef idx="0"/>
+    <cs:fontRef idx="minor">
+      <a:schemeClr val="tx1"/>
+    </cs:fontRef>
+    <cs:spPr>
+      <a:ln w="9525" cap="flat" cmpd="sng" algn="ctr">
+        <a:solidFill>
+          <a:schemeClr val="tx1">
+            <a:lumMod val="15000"/>
+            <a:lumOff val="85000"/>
+          </a:schemeClr>
+        </a:solidFill>
+        <a:round/>
+      </a:ln>
+    </cs:spPr>
+  </cs:gridlineMajor>
+  <cs:gridlineMinor>
+    <cs:lnRef idx="0"/>
+    <cs:fillRef idx="0"/>
+    <cs:effectRef idx="0"/>
+    <cs:fontRef idx="minor">
+      <a:schemeClr val="tx1"/>
+    </cs:fontRef>
+    <cs:spPr>
+      <a:ln w="9525" cap="flat" cmpd="sng" algn="ctr">
+        <a:solidFill>
+          <a:schemeClr val="tx1">
+            <a:lumMod val="5000"/>
+            <a:lumOff val="95000"/>
+          </a:schemeClr>
+        </a:solidFill>
+        <a:round/>
+      </a:ln>
+    </cs:spPr>
+  </cs:gridlineMinor>
+  <cs:hiLoLine>
+    <cs:lnRef idx="0"/>
+    <cs:fillRef idx="0"/>
+    <cs:effectRef idx="0"/>
+    <cs:fontRef idx="minor">
+      <a:schemeClr val="tx1"/>
+    </cs:fontRef>
+    <cs:spPr>
+      <a:ln w="9525" cap="flat" cmpd="sng" algn="ctr">
+        <a:solidFill>
+          <a:schemeClr val="tx1">
+            <a:lumMod val="50000"/>
+            <a:lumOff val="50000"/>
+          </a:schemeClr>
+        </a:solidFill>
+        <a:round/>
+      </a:ln>
+    </cs:spPr>
+  </cs:hiLoLine>
+  <cs:leaderLine>
+    <cs:lnRef idx="0"/>
+    <cs:fillRef idx="0"/>
+    <cs:effectRef idx="0"/>
+    <cs:fontRef idx="minor">
+      <a:schemeClr val="tx1"/>
+    </cs:fontRef>
+    <cs:spPr>
+      <a:ln w="9525" cap="flat" cmpd="sng" algn="ctr">
+        <a:solidFill>
+          <a:schemeClr val="tx1">
+            <a:lumMod val="35000"/>
+            <a:lumOff val="65000"/>
+          </a:schemeClr>
+        </a:solidFill>
+        <a:round/>
+      </a:ln>
+    </cs:spPr>
+  </cs:leaderLine>
+  <cs:legend>
+    <cs:lnRef idx="0"/>
+    <cs:fillRef idx="0"/>
+    <cs:effectRef idx="0"/>
+    <cs:fontRef idx="minor">
+      <a:schemeClr val="tx1">
+        <a:lumMod val="65000"/>
+        <a:lumOff val="35000"/>
+      </a:schemeClr>
+    </cs:fontRef>
+    <cs:defRPr sz="900" kern="1200"/>
+  </cs:legend>
+  <cs:plotArea mods="allowNoFillOverride allowNoLineOverride">
+    <cs:lnRef idx="0"/>
+    <cs:fillRef idx="0"/>
+    <cs:effectRef idx="0"/>
+    <cs:fontRef idx="minor">
+      <a:schemeClr val="tx1"/>
+    </cs:fontRef>
+  </cs:plotArea>
+  <cs:plotArea3D mods="allowNoFillOverride allowNoLineOverride">
+    <cs:lnRef idx="0"/>
+    <cs:fillRef idx="0"/>
+    <cs:effectRef idx="0"/>
+    <cs:fontRef idx="minor">
+      <a:schemeClr val="tx1"/>
+    </cs:fontRef>
+  </cs:plotArea3D>
+  <cs:seriesAxis>
+    <cs:lnRef idx="0"/>
+    <cs:fillRef idx="0"/>
+    <cs:effectRef idx="0"/>
+    <cs:fontRef idx="minor">
+      <a:schemeClr val="tx1">
+        <a:lumMod val="65000"/>
+        <a:lumOff val="35000"/>
+      </a:schemeClr>
+    </cs:fontRef>
+    <cs:defRPr sz="900" kern="1200"/>
+  </cs:seriesAxis>
+  <cs:seriesLine>
+    <cs:lnRef idx="0"/>
+    <cs:fillRef idx="0"/>
+    <cs:effectRef idx="0"/>
+    <cs:fontRef idx="minor">
+      <a:schemeClr val="tx1"/>
+    </cs:fontRef>
+    <cs:spPr>
+      <a:ln w="9525" cap="flat" cmpd="sng" algn="ctr">
+        <a:solidFill>
+          <a:schemeClr val="tx1">
+            <a:lumMod val="35000"/>
+            <a:lumOff val="65000"/>
+          </a:schemeClr>
+        </a:solidFill>
+        <a:round/>
+      </a:ln>
+    </cs:spPr>
+  </cs:seriesLine>
+  <cs:title>
+    <cs:lnRef idx="0"/>
+    <cs:fillRef idx="0"/>
+    <cs:effectRef idx="0"/>
+    <cs:fontRef idx="minor">
+      <a:schemeClr val="tx1">
+        <a:lumMod val="65000"/>
+        <a:lumOff val="35000"/>
+      </a:schemeClr>
+    </cs:fontRef>
+    <cs:defRPr sz="1400" b="0" kern="1200" spc="0" baseline="0"/>
+  </cs:title>
+  <cs:trendline>
+    <cs:lnRef idx="0">
+      <cs:styleClr val="auto"/>
+    </cs:lnRef>
+    <cs:fillRef idx="0"/>
+    <cs:effectRef idx="0"/>
+    <cs:fontRef idx="minor">
+      <a:schemeClr val="tx1"/>
+    </cs:fontRef>
+    <cs:spPr>
+      <a:ln w="19050" cap="rnd">
+        <a:solidFill>
+          <a:schemeClr val="phClr"/>
+        </a:solidFill>
+        <a:prstDash val="sysDot"/>
+      </a:ln>
+    </cs:spPr>
+  </cs:trendline>
+  <cs:trendlineLabel>
+    <cs:lnRef idx="0"/>
+    <cs:fillRef idx="0"/>
+    <cs:effectRef idx="0"/>
+    <cs:fontRef idx="minor">
+      <a:schemeClr val="tx1">
+        <a:lumMod val="65000"/>
+        <a:lumOff val="35000"/>
+      </a:schemeClr>
+    </cs:fontRef>
+    <cs:defRPr sz="900" kern="1200"/>
+  </cs:trendlineLabel>
+  <cs:upBar>
+    <cs:lnRef idx="0"/>
+    <cs:fillRef idx="0"/>
+    <cs:effectRef idx="0"/>
+    <cs:fontRef idx="minor">
+      <a:schemeClr val="tx1"/>
+    </cs:fontRef>
+    <cs:spPr>
+      <a:solidFill>
+        <a:schemeClr val="lt1"/>
+      </a:solidFill>
+      <a:ln w="9525" cap="flat" cmpd="sng" algn="ctr">
+        <a:solidFill>
+          <a:schemeClr val="tx1">
+            <a:lumMod val="65000"/>
+            <a:lumOff val="35000"/>
+          </a:schemeClr>
+        </a:solidFill>
+        <a:round/>
+      </a:ln>
+    </cs:spPr>
+  </cs:upBar>
+  <cs:valueAxis>
+    <cs:lnRef idx="0"/>
+    <cs:fillRef idx="0"/>
+    <cs:effectRef idx="0"/>
+    <cs:fontRef idx="minor">
+      <a:schemeClr val="tx1">
+        <a:lumMod val="65000"/>
+        <a:lumOff val="35000"/>
+      </a:schemeClr>
+    </cs:fontRef>
+    <cs:defRPr sz="900" kern="1200"/>
+  </cs:valueAxis>
+  <cs:wall>
+    <cs:lnRef idx="0"/>
+    <cs:fillRef idx="0"/>
+    <cs:effectRef idx="0"/>
+    <cs:fontRef idx="minor">
+      <a:schemeClr val="tx1"/>
+    </cs:fontRef>
+    <cs:spPr>
+      <a:noFill/>
+      <a:ln>
+        <a:noFill/>
+      </a:ln>
+    </cs:spPr>
+  </cs:wall>
+</cs:chartStyle>
+</file>
+
+<file path=ppt/charts/style2.xml><?xml version="1.0" encoding="utf-8"?>
+<cs:chartStyle xmlns:cs="http://schemas.microsoft.com/office/drawing/2012/chartStyle" xmlns:a="http://schemas.openxmlformats.org/drawingml/2006/main" id="216">
+  <cs:axisTitle>
+    <cs:lnRef idx="0"/>
+    <cs:fillRef idx="0"/>
+    <cs:effectRef idx="0"/>
+    <cs:fontRef idx="minor">
+      <a:schemeClr val="tx1">
+        <a:lumMod val="65000"/>
+        <a:lumOff val="35000"/>
+      </a:schemeClr>
+    </cs:fontRef>
+    <cs:defRPr sz="1000" kern="1200"/>
+  </cs:axisTitle>
+  <cs:categoryAxis>
+    <cs:lnRef idx="0"/>
+    <cs:fillRef idx="0"/>
+    <cs:effectRef idx="0"/>
+    <cs:fontRef idx="minor">
+      <a:schemeClr val="tx1">
+        <a:lumMod val="65000"/>
+        <a:lumOff val="35000"/>
+      </a:schemeClr>
+    </cs:fontRef>
+    <cs:spPr>
+      <a:ln w="9525" cap="flat" cmpd="sng" algn="ctr">
+        <a:solidFill>
+          <a:schemeClr val="tx1">
+            <a:lumMod val="15000"/>
+            <a:lumOff val="85000"/>
+          </a:schemeClr>
+        </a:solidFill>
+        <a:round/>
+      </a:ln>
+    </cs:spPr>
+    <cs:defRPr sz="900" kern="1200"/>
+  </cs:categoryAxis>
+  <cs:chartArea mods="allowNoFillOverride allowNoLineOverride">
+    <cs:lnRef idx="0"/>
+    <cs:fillRef idx="0"/>
+    <cs:effectRef idx="0"/>
+    <cs:fontRef idx="minor">
+      <a:schemeClr val="tx1"/>
+    </cs:fontRef>
+    <cs:spPr>
+      <a:solidFill>
+        <a:schemeClr val="bg1"/>
+      </a:solidFill>
+      <a:ln w="9525" cap="flat" cmpd="sng" algn="ctr">
+        <a:solidFill>
+          <a:schemeClr val="tx1">
+            <a:lumMod val="15000"/>
+            <a:lumOff val="85000"/>
+          </a:schemeClr>
+        </a:solidFill>
+        <a:round/>
+      </a:ln>
+    </cs:spPr>
+    <cs:defRPr sz="1000" kern="1200"/>
+  </cs:chartArea>
+  <cs:dataLabel>
+    <cs:lnRef idx="0"/>
+    <cs:fillRef idx="0"/>
+    <cs:effectRef idx="0"/>
+    <cs:fontRef idx="minor">
+      <a:schemeClr val="tx1">
+        <a:lumMod val="75000"/>
+        <a:lumOff val="25000"/>
+      </a:schemeClr>
+    </cs:fontRef>
+    <cs:defRPr sz="900" kern="1200"/>
+  </cs:dataLabel>
+  <cs:dataLabelCallout>
+    <cs:lnRef idx="0"/>
+    <cs:fillRef idx="0"/>
+    <cs:effectRef idx="0"/>
+    <cs:fontRef idx="minor">
+      <a:schemeClr val="dk1">
+        <a:lumMod val="65000"/>
+        <a:lumOff val="35000"/>
+      </a:schemeClr>
+    </cs:fontRef>
+    <cs:spPr>
+      <a:solidFill>
+        <a:schemeClr val="lt1"/>
+      </a:solidFill>
+      <a:ln>
+        <a:solidFill>
+          <a:schemeClr val="dk1">
+            <a:lumMod val="25000"/>
+            <a:lumOff val="75000"/>
+          </a:schemeClr>
+        </a:solidFill>
+      </a:ln>
+    </cs:spPr>
+    <cs:defRPr sz="900" kern="1200"/>
+    <cs:bodyPr rot="0" spcFirstLastPara="1" vertOverflow="clip" horzOverflow="clip" vert="horz" wrap="square" lIns="36576" tIns="18288" rIns="36576" bIns="18288" anchor="ctr" anchorCtr="1">
+      <a:spAutoFit/>
+    </cs:bodyPr>
+  </cs:dataLabelCallout>
+  <cs:dataPoint>
+    <cs:lnRef idx="0"/>
+    <cs:fillRef idx="1">
+      <cs:styleClr val="auto"/>
+    </cs:fillRef>
+    <cs:effectRef idx="0"/>
+    <cs:fontRef idx="minor">
+      <a:schemeClr val="tx1"/>
+    </cs:fontRef>
+  </cs:dataPoint>
+  <cs:dataPoint3D>
+    <cs:lnRef idx="0"/>
+    <cs:fillRef idx="1">
+      <cs:styleClr val="auto"/>
+    </cs:fillRef>
+    <cs:effectRef idx="0"/>
+    <cs:fontRef idx="minor">
+      <a:schemeClr val="tx1"/>
+    </cs:fontRef>
+  </cs:dataPoint3D>
+  <cs:dataPointLine>
+    <cs:lnRef idx="0">
+      <cs:styleClr val="auto"/>
+    </cs:lnRef>
+    <cs:fillRef idx="1"/>
+    <cs:effectRef idx="0"/>
+    <cs:fontRef idx="minor">
+      <a:schemeClr val="tx1"/>
+    </cs:fontRef>
+    <cs:spPr>
+      <a:ln w="28575" cap="rnd">
+        <a:solidFill>
+          <a:schemeClr val="phClr"/>
+        </a:solidFill>
+        <a:round/>
+      </a:ln>
+    </cs:spPr>
+  </cs:dataPointLine>
+  <cs:dataPointMarker>
+    <cs:lnRef idx="0">
+      <cs:styleClr val="auto"/>
+    </cs:lnRef>
+    <cs:fillRef idx="1">
+      <cs:styleClr val="auto"/>
+    </cs:fillRef>
+    <cs:effectRef idx="0"/>
+    <cs:fontRef idx="minor">
+      <a:schemeClr val="tx1"/>
+    </cs:fontRef>
+    <cs:spPr>
+      <a:ln w="9525">
+        <a:solidFill>
+          <a:schemeClr val="phClr"/>
+        </a:solidFill>
+      </a:ln>
+    </cs:spPr>
+  </cs:dataPointMarker>
+  <cs:dataPointMarkerLayout symbol="circle" size="5"/>
+  <cs:dataPointWireframe>
+    <cs:lnRef idx="0">
+      <cs:styleClr val="auto"/>
+    </cs:lnRef>
+    <cs:fillRef idx="1"/>
+    <cs:effectRef idx="0"/>
+    <cs:fontRef idx="minor">
+      <a:schemeClr val="tx1"/>
+    </cs:fontRef>
+    <cs:spPr>
+      <a:ln w="9525" cap="rnd">
+        <a:solidFill>
+          <a:schemeClr val="phClr"/>
+        </a:solidFill>
+        <a:round/>
+      </a:ln>
+    </cs:spPr>
+  </cs:dataPointWireframe>
+  <cs:dataTable>
+    <cs:lnRef idx="0"/>
+    <cs:fillRef idx="0"/>
+    <cs:effectRef idx="0"/>
+    <cs:fontRef idx="minor">
+      <a:schemeClr val="tx1">
+        <a:lumMod val="65000"/>
+        <a:lumOff val="35000"/>
+      </a:schemeClr>
+    </cs:fontRef>
+    <cs:spPr>
+      <a:noFill/>
+      <a:ln w="9525" cap="flat" cmpd="sng" algn="ctr">
+        <a:solidFill>
+          <a:schemeClr val="tx1">
+            <a:lumMod val="15000"/>
+            <a:lumOff val="85000"/>
+          </a:schemeClr>
+        </a:solidFill>
+        <a:round/>
+      </a:ln>
+    </cs:spPr>
+    <cs:defRPr sz="900" kern="1200"/>
+  </cs:dataTable>
+  <cs:downBar>
+    <cs:lnRef idx="0"/>
+    <cs:fillRef idx="0"/>
+    <cs:effectRef idx="0"/>
+    <cs:fontRef idx="minor">
+      <a:schemeClr val="tx1"/>
+    </cs:fontRef>
+    <cs:spPr>
+      <a:solidFill>
+        <a:schemeClr val="dk1">
+          <a:lumMod val="75000"/>
+          <a:lumOff val="25000"/>
+        </a:schemeClr>
+      </a:solidFill>
+      <a:ln w="9525" cap="flat" cmpd="sng" algn="ctr">
+        <a:solidFill>
+          <a:schemeClr val="tx1">
+            <a:lumMod val="65000"/>
+            <a:lumOff val="35000"/>
+          </a:schemeClr>
+        </a:solidFill>
+        <a:round/>
+      </a:ln>
+    </cs:spPr>
+  </cs:downBar>
+  <cs:dropLine>
+    <cs:lnRef idx="0"/>
+    <cs:fillRef idx="0"/>
+    <cs:effectRef idx="0"/>
+    <cs:fontRef idx="minor">
+      <a:schemeClr val="tx1"/>
+    </cs:fontRef>
+    <cs:spPr>
+      <a:ln w="9525" cap="flat" cmpd="sng" algn="ctr">
+        <a:solidFill>
+          <a:schemeClr val="tx1">
+            <a:lumMod val="35000"/>
+            <a:lumOff val="65000"/>
+          </a:schemeClr>
+        </a:solidFill>
+        <a:round/>
+      </a:ln>
+    </cs:spPr>
+  </cs:dropLine>
+  <cs:errorBar>
+    <cs:lnRef idx="0"/>
+    <cs:fillRef idx="0"/>
+    <cs:effectRef idx="0"/>
+    <cs:fontRef idx="minor">
+      <a:schemeClr val="tx1"/>
+    </cs:fontRef>
+    <cs:spPr>
+      <a:ln w="9525" cap="flat" cmpd="sng" algn="ctr">
+        <a:solidFill>
+          <a:schemeClr val="tx1">
+            <a:lumMod val="65000"/>
+            <a:lumOff val="35000"/>
+          </a:schemeClr>
+        </a:solidFill>
+        <a:round/>
+      </a:ln>
+    </cs:spPr>
+  </cs:errorBar>
+  <cs:floor>
+    <cs:lnRef idx="0"/>
+    <cs:fillRef idx="0"/>
+    <cs:effectRef idx="0"/>
+    <cs:fontRef idx="minor">
+      <a:schemeClr val="tx1"/>
+    </cs:fontRef>
+    <cs:spPr>
+      <a:noFill/>
+      <a:ln>
+        <a:noFill/>
+      </a:ln>
+    </cs:spPr>
+  </cs:floor>
+  <cs:gridlineMajor>
+    <cs:lnRef idx="0"/>
+    <cs:fillRef idx="0"/>
+    <cs:effectRef idx="0"/>
+    <cs:fontRef idx="minor">
+      <a:schemeClr val="tx1"/>
+    </cs:fontRef>
+    <cs:spPr>
+      <a:ln w="9525" cap="flat" cmpd="sng" algn="ctr">
+        <a:solidFill>
+          <a:schemeClr val="tx1">
+            <a:lumMod val="15000"/>
+            <a:lumOff val="85000"/>
+          </a:schemeClr>
+        </a:solidFill>
+        <a:round/>
+      </a:ln>
+    </cs:spPr>
+  </cs:gridlineMajor>
+  <cs:gridlineMinor>
+    <cs:lnRef idx="0"/>
+    <cs:fillRef idx="0"/>
+    <cs:effectRef idx="0"/>
+    <cs:fontRef idx="minor">
+      <a:schemeClr val="tx1"/>
+    </cs:fontRef>
+    <cs:spPr>
+      <a:ln w="9525" cap="flat" cmpd="sng" algn="ctr">
+        <a:solidFill>
+          <a:schemeClr val="tx1">
+            <a:lumMod val="5000"/>
+            <a:lumOff val="95000"/>
+          </a:schemeClr>
+        </a:solidFill>
+        <a:round/>
+      </a:ln>
+    </cs:spPr>
+  </cs:gridlineMinor>
+  <cs:hiLoLine>
+    <cs:lnRef idx="0"/>
+    <cs:fillRef idx="0"/>
+    <cs:effectRef idx="0"/>
+    <cs:fontRef idx="minor">
+      <a:schemeClr val="tx1"/>
+    </cs:fontRef>
+    <cs:spPr>
+      <a:ln w="9525" cap="flat" cmpd="sng" algn="ctr">
+        <a:solidFill>
+          <a:schemeClr val="tx1">
+            <a:lumMod val="50000"/>
+            <a:lumOff val="50000"/>
+          </a:schemeClr>
+        </a:solidFill>
+        <a:round/>
+      </a:ln>
+    </cs:spPr>
+  </cs:hiLoLine>
+  <cs:leaderLine>
+    <cs:lnRef idx="0"/>
+    <cs:fillRef idx="0"/>
+    <cs:effectRef idx="0"/>
+    <cs:fontRef idx="minor">
+      <a:schemeClr val="tx1"/>
+    </cs:fontRef>
+    <cs:spPr>
+      <a:ln w="9525" cap="flat" cmpd="sng" algn="ctr">
+        <a:solidFill>
+          <a:schemeClr val="tx1">
+            <a:lumMod val="35000"/>
+            <a:lumOff val="65000"/>
+          </a:schemeClr>
+        </a:solidFill>
+        <a:round/>
+      </a:ln>
+    </cs:spPr>
+  </cs:leaderLine>
+  <cs:legend>
+    <cs:lnRef idx="0"/>
+    <cs:fillRef idx="0"/>
+    <cs:effectRef idx="0"/>
+    <cs:fontRef idx="minor">
+      <a:schemeClr val="tx1">
+        <a:lumMod val="65000"/>
+        <a:lumOff val="35000"/>
+      </a:schemeClr>
+    </cs:fontRef>
+    <cs:defRPr sz="900" kern="1200"/>
+  </cs:legend>
+  <cs:plotArea mods="allowNoFillOverride allowNoLineOverride">
+    <cs:lnRef idx="0"/>
+    <cs:fillRef idx="0"/>
+    <cs:effectRef idx="0"/>
+    <cs:fontRef idx="minor">
+      <a:schemeClr val="tx1"/>
+    </cs:fontRef>
+  </cs:plotArea>
+  <cs:plotArea3D mods="allowNoFillOverride allowNoLineOverride">
+    <cs:lnRef idx="0"/>
+    <cs:fillRef idx="0"/>
+    <cs:effectRef idx="0"/>
+    <cs:fontRef idx="minor">
+      <a:schemeClr val="tx1"/>
+    </cs:fontRef>
+  </cs:plotArea3D>
+  <cs:seriesAxis>
+    <cs:lnRef idx="0"/>
+    <cs:fillRef idx="0"/>
+    <cs:effectRef idx="0"/>
+    <cs:fontRef idx="minor">
+      <a:schemeClr val="tx1">
+        <a:lumMod val="65000"/>
+        <a:lumOff val="35000"/>
+      </a:schemeClr>
+    </cs:fontRef>
+    <cs:defRPr sz="900" kern="1200"/>
+  </cs:seriesAxis>
+  <cs:seriesLine>
+    <cs:lnRef idx="0"/>
+    <cs:fillRef idx="0"/>
+    <cs:effectRef idx="0"/>
+    <cs:fontRef idx="minor">
+      <a:schemeClr val="tx1"/>
+    </cs:fontRef>
+    <cs:spPr>
+      <a:ln w="9525" cap="flat" cmpd="sng" algn="ctr">
+        <a:solidFill>
+          <a:schemeClr val="tx1">
+            <a:lumMod val="35000"/>
+            <a:lumOff val="65000"/>
+          </a:schemeClr>
+        </a:solidFill>
+        <a:round/>
+      </a:ln>
+    </cs:spPr>
+  </cs:seriesLine>
+  <cs:title>
+    <cs:lnRef idx="0"/>
+    <cs:fillRef idx="0"/>
+    <cs:effectRef idx="0"/>
+    <cs:fontRef idx="minor">
+      <a:schemeClr val="tx1">
+        <a:lumMod val="65000"/>
+        <a:lumOff val="35000"/>
+      </a:schemeClr>
+    </cs:fontRef>
+    <cs:defRPr sz="1400" b="0" kern="1200" spc="0" baseline="0"/>
+  </cs:title>
+  <cs:trendline>
+    <cs:lnRef idx="0">
+      <cs:styleClr val="auto"/>
+    </cs:lnRef>
+    <cs:fillRef idx="0"/>
+    <cs:effectRef idx="0"/>
+    <cs:fontRef idx="minor">
+      <a:schemeClr val="tx1"/>
+    </cs:fontRef>
+    <cs:spPr>
+      <a:ln w="19050" cap="rnd">
+        <a:solidFill>
+          <a:schemeClr val="phClr"/>
+        </a:solidFill>
+        <a:prstDash val="sysDot"/>
+      </a:ln>
+    </cs:spPr>
+  </cs:trendline>
+  <cs:trendlineLabel>
+    <cs:lnRef idx="0"/>
+    <cs:fillRef idx="0"/>
+    <cs:effectRef idx="0"/>
+    <cs:fontRef idx="minor">
+      <a:schemeClr val="tx1">
+        <a:lumMod val="65000"/>
+        <a:lumOff val="35000"/>
+      </a:schemeClr>
+    </cs:fontRef>
+    <cs:defRPr sz="900" kern="1200"/>
+  </cs:trendlineLabel>
+  <cs:upBar>
+    <cs:lnRef idx="0"/>
+    <cs:fillRef idx="0"/>
+    <cs:effectRef idx="0"/>
+    <cs:fontRef idx="minor">
+      <a:schemeClr val="tx1"/>
+    </cs:fontRef>
+    <cs:spPr>
+      <a:solidFill>
+        <a:schemeClr val="lt1"/>
+      </a:solidFill>
+      <a:ln w="9525" cap="flat" cmpd="sng" algn="ctr">
+        <a:solidFill>
+          <a:schemeClr val="tx1">
+            <a:lumMod val="65000"/>
+            <a:lumOff val="35000"/>
+          </a:schemeClr>
+        </a:solidFill>
+        <a:round/>
+      </a:ln>
+    </cs:spPr>
+  </cs:upBar>
+  <cs:valueAxis>
+    <cs:lnRef idx="0"/>
+    <cs:fillRef idx="0"/>
+    <cs:effectRef idx="0"/>
+    <cs:fontRef idx="minor">
+      <a:schemeClr val="tx1">
+        <a:lumMod val="65000"/>
+        <a:lumOff val="35000"/>
+      </a:schemeClr>
+    </cs:fontRef>
+    <cs:defRPr sz="900" kern="1200"/>
+  </cs:valueAxis>
+  <cs:wall>
+    <cs:lnRef idx="0"/>
+    <cs:fillRef idx="0"/>
+    <cs:effectRef idx="0"/>
+    <cs:fontRef idx="minor">
+      <a:schemeClr val="tx1"/>
+    </cs:fontRef>
+    <cs:spPr>
+      <a:noFill/>
+      <a:ln>
+        <a:noFill/>
+      </a:ln>
+    </cs:spPr>
+  </cs:wall>
+</cs:chartStyle>
+</file>
+
+<file path=ppt/charts/style3.xml><?xml version="1.0" encoding="utf-8"?>
+<cs:chartStyle xmlns:cs="http://schemas.microsoft.com/office/drawing/2012/chartStyle" xmlns:a="http://schemas.openxmlformats.org/drawingml/2006/main" id="216">
+  <cs:axisTitle>
+    <cs:lnRef idx="0"/>
+    <cs:fillRef idx="0"/>
+    <cs:effectRef idx="0"/>
+    <cs:fontRef idx="minor">
+      <a:schemeClr val="tx1">
+        <a:lumMod val="65000"/>
+        <a:lumOff val="35000"/>
+      </a:schemeClr>
+    </cs:fontRef>
+    <cs:defRPr sz="1000" kern="1200"/>
+  </cs:axisTitle>
+  <cs:categoryAxis>
+    <cs:lnRef idx="0"/>
+    <cs:fillRef idx="0"/>
+    <cs:effectRef idx="0"/>
+    <cs:fontRef idx="minor">
+      <a:schemeClr val="tx1">
+        <a:lumMod val="65000"/>
+        <a:lumOff val="35000"/>
+      </a:schemeClr>
+    </cs:fontRef>
+    <cs:spPr>
+      <a:ln w="9525" cap="flat" cmpd="sng" algn="ctr">
+        <a:solidFill>
+          <a:schemeClr val="tx1">
+            <a:lumMod val="15000"/>
+            <a:lumOff val="85000"/>
+          </a:schemeClr>
+        </a:solidFill>
+        <a:round/>
+      </a:ln>
+    </cs:spPr>
+    <cs:defRPr sz="900" kern="1200"/>
+  </cs:categoryAxis>
+  <cs:chartArea mods="allowNoFillOverride allowNoLineOverride">
+    <cs:lnRef idx="0"/>
+    <cs:fillRef idx="0"/>
+    <cs:effectRef idx="0"/>
+    <cs:fontRef idx="minor">
+      <a:schemeClr val="tx1"/>
+    </cs:fontRef>
+    <cs:spPr>
+      <a:solidFill>
+        <a:schemeClr val="bg1"/>
+      </a:solidFill>
+      <a:ln w="9525" cap="flat" cmpd="sng" algn="ctr">
+        <a:solidFill>
+          <a:schemeClr val="tx1">
+            <a:lumMod val="15000"/>
+            <a:lumOff val="85000"/>
+          </a:schemeClr>
+        </a:solidFill>
+        <a:round/>
+      </a:ln>
+    </cs:spPr>
+    <cs:defRPr sz="1000" kern="1200"/>
+  </cs:chartArea>
+  <cs:dataLabel>
+    <cs:lnRef idx="0"/>
+    <cs:fillRef idx="0"/>
+    <cs:effectRef idx="0"/>
+    <cs:fontRef idx="minor">
+      <a:schemeClr val="tx1">
+        <a:lumMod val="75000"/>
+        <a:lumOff val="25000"/>
+      </a:schemeClr>
+    </cs:fontRef>
+    <cs:defRPr sz="900" kern="1200"/>
+  </cs:dataLabel>
+  <cs:dataLabelCallout>
+    <cs:lnRef idx="0"/>
+    <cs:fillRef idx="0"/>
+    <cs:effectRef idx="0"/>
+    <cs:fontRef idx="minor">
+      <a:schemeClr val="dk1">
+        <a:lumMod val="65000"/>
+        <a:lumOff val="35000"/>
+      </a:schemeClr>
+    </cs:fontRef>
+    <cs:spPr>
+      <a:solidFill>
+        <a:schemeClr val="lt1"/>
+      </a:solidFill>
+      <a:ln>
+        <a:solidFill>
+          <a:schemeClr val="dk1">
+            <a:lumMod val="25000"/>
+            <a:lumOff val="75000"/>
+          </a:schemeClr>
+        </a:solidFill>
+      </a:ln>
+    </cs:spPr>
+    <cs:defRPr sz="900" kern="1200"/>
+    <cs:bodyPr rot="0" spcFirstLastPara="1" vertOverflow="clip" horzOverflow="clip" vert="horz" wrap="square" lIns="36576" tIns="18288" rIns="36576" bIns="18288" anchor="ctr" anchorCtr="1">
+      <a:spAutoFit/>
+    </cs:bodyPr>
+  </cs:dataLabelCallout>
+  <cs:dataPoint>
+    <cs:lnRef idx="0"/>
+    <cs:fillRef idx="1">
+      <cs:styleClr val="auto"/>
+    </cs:fillRef>
+    <cs:effectRef idx="0"/>
+    <cs:fontRef idx="minor">
+      <a:schemeClr val="tx1"/>
+    </cs:fontRef>
+  </cs:dataPoint>
+  <cs:dataPoint3D>
+    <cs:lnRef idx="0"/>
+    <cs:fillRef idx="1">
+      <cs:styleClr val="auto"/>
+    </cs:fillRef>
+    <cs:effectRef idx="0"/>
+    <cs:fontRef idx="minor">
+      <a:schemeClr val="tx1"/>
+    </cs:fontRef>
+  </cs:dataPoint3D>
+  <cs:dataPointLine>
+    <cs:lnRef idx="0">
+      <cs:styleClr val="auto"/>
+    </cs:lnRef>
+    <cs:fillRef idx="1"/>
+    <cs:effectRef idx="0"/>
+    <cs:fontRef idx="minor">
+      <a:schemeClr val="tx1"/>
+    </cs:fontRef>
+    <cs:spPr>
+      <a:ln w="28575" cap="rnd">
+        <a:solidFill>
+          <a:schemeClr val="phClr"/>
+        </a:solidFill>
+        <a:round/>
+      </a:ln>
+    </cs:spPr>
+  </cs:dataPointLine>
+  <cs:dataPointMarker>
+    <cs:lnRef idx="0">
+      <cs:styleClr val="auto"/>
+    </cs:lnRef>
+    <cs:fillRef idx="1">
+      <cs:styleClr val="auto"/>
+    </cs:fillRef>
+    <cs:effectRef idx="0"/>
+    <cs:fontRef idx="minor">
+      <a:schemeClr val="tx1"/>
+    </cs:fontRef>
+    <cs:spPr>
+      <a:ln w="9525">
+        <a:solidFill>
+          <a:schemeClr val="phClr"/>
+        </a:solidFill>
+      </a:ln>
+    </cs:spPr>
+  </cs:dataPointMarker>
+  <cs:dataPointMarkerLayout symbol="circle" size="5"/>
+  <cs:dataPointWireframe>
+    <cs:lnRef idx="0">
+      <cs:styleClr val="auto"/>
+    </cs:lnRef>
+    <cs:fillRef idx="1"/>
+    <cs:effectRef idx="0"/>
+    <cs:fontRef idx="minor">
+      <a:schemeClr val="tx1"/>
+    </cs:fontRef>
+    <cs:spPr>
+      <a:ln w="9525" cap="rnd">
+        <a:solidFill>
+          <a:schemeClr val="phClr"/>
+        </a:solidFill>
+        <a:round/>
+      </a:ln>
+    </cs:spPr>
+  </cs:dataPointWireframe>
+  <cs:dataTable>
+    <cs:lnRef idx="0"/>
+    <cs:fillRef idx="0"/>
+    <cs:effectRef idx="0"/>
+    <cs:fontRef idx="minor">
+      <a:schemeClr val="tx1">
+        <a:lumMod val="65000"/>
+        <a:lumOff val="35000"/>
+      </a:schemeClr>
+    </cs:fontRef>
+    <cs:spPr>
+      <a:noFill/>
+      <a:ln w="9525" cap="flat" cmpd="sng" algn="ctr">
+        <a:solidFill>
+          <a:schemeClr val="tx1">
+            <a:lumMod val="15000"/>
+            <a:lumOff val="85000"/>
+          </a:schemeClr>
+        </a:solidFill>
+        <a:round/>
+      </a:ln>
+    </cs:spPr>
+    <cs:defRPr sz="900" kern="1200"/>
+  </cs:dataTable>
+  <cs:downBar>
+    <cs:lnRef idx="0"/>
+    <cs:fillRef idx="0"/>
+    <cs:effectRef idx="0"/>
+    <cs:fontRef idx="minor">
+      <a:schemeClr val="tx1"/>
+    </cs:fontRef>
+    <cs:spPr>
+      <a:solidFill>
+        <a:schemeClr val="dk1">
+          <a:lumMod val="75000"/>
+          <a:lumOff val="25000"/>
+        </a:schemeClr>
+      </a:solidFill>
+      <a:ln w="9525" cap="flat" cmpd="sng" algn="ctr">
+        <a:solidFill>
+          <a:schemeClr val="tx1">
+            <a:lumMod val="65000"/>
+            <a:lumOff val="35000"/>
+          </a:schemeClr>
+        </a:solidFill>
+        <a:round/>
+      </a:ln>
+    </cs:spPr>
+  </cs:downBar>
+  <cs:dropLine>
+    <cs:lnRef idx="0"/>
+    <cs:fillRef idx="0"/>
+    <cs:effectRef idx="0"/>
+    <cs:fontRef idx="minor">
+      <a:schemeClr val="tx1"/>
+    </cs:fontRef>
+    <cs:spPr>
+      <a:ln w="9525" cap="flat" cmpd="sng" algn="ctr">
+        <a:solidFill>
+          <a:schemeClr val="tx1">
+            <a:lumMod val="35000"/>
+            <a:lumOff val="65000"/>
+          </a:schemeClr>
+        </a:solidFill>
+        <a:round/>
+      </a:ln>
+    </cs:spPr>
+  </cs:dropLine>
+  <cs:errorBar>
+    <cs:lnRef idx="0"/>
+    <cs:fillRef idx="0"/>
+    <cs:effectRef idx="0"/>
+    <cs:fontRef idx="minor">
+      <a:schemeClr val="tx1"/>
+    </cs:fontRef>
+    <cs:spPr>
+      <a:ln w="9525" cap="flat" cmpd="sng" algn="ctr">
+        <a:solidFill>
+          <a:schemeClr val="tx1">
+            <a:lumMod val="65000"/>
+            <a:lumOff val="35000"/>
+          </a:schemeClr>
+        </a:solidFill>
+        <a:round/>
+      </a:ln>
+    </cs:spPr>
+  </cs:errorBar>
+  <cs:floor>
+    <cs:lnRef idx="0"/>
+    <cs:fillRef idx="0"/>
+    <cs:effectRef idx="0"/>
+    <cs:fontRef idx="minor">
+      <a:schemeClr val="tx1"/>
+    </cs:fontRef>
+    <cs:spPr>
+      <a:noFill/>
+      <a:ln>
+        <a:noFill/>
+      </a:ln>
+    </cs:spPr>
+  </cs:floor>
+  <cs:gridlineMajor>
+    <cs:lnRef idx="0"/>
+    <cs:fillRef idx="0"/>
+    <cs:effectRef idx="0"/>
+    <cs:fontRef idx="minor">
+      <a:schemeClr val="tx1"/>
+    </cs:fontRef>
+    <cs:spPr>
+      <a:ln w="9525" cap="flat" cmpd="sng" algn="ctr">
+        <a:solidFill>
+          <a:schemeClr val="tx1">
+            <a:lumMod val="15000"/>
+            <a:lumOff val="85000"/>
+          </a:schemeClr>
+        </a:solidFill>
+        <a:round/>
+      </a:ln>
+    </cs:spPr>
+  </cs:gridlineMajor>
+  <cs:gridlineMinor>
+    <cs:lnRef idx="0"/>
+    <cs:fillRef idx="0"/>
+    <cs:effectRef idx="0"/>
+    <cs:fontRef idx="minor">
+      <a:schemeClr val="tx1"/>
+    </cs:fontRef>
+    <cs:spPr>
+      <a:ln w="9525" cap="flat" cmpd="sng" algn="ctr">
+        <a:solidFill>
+          <a:schemeClr val="tx1">
+            <a:lumMod val="5000"/>
+            <a:lumOff val="95000"/>
+          </a:schemeClr>
+        </a:solidFill>
+        <a:round/>
+      </a:ln>
+    </cs:spPr>
+  </cs:gridlineMinor>
+  <cs:hiLoLine>
+    <cs:lnRef idx="0"/>
+    <cs:fillRef idx="0"/>
+    <cs:effectRef idx="0"/>
+    <cs:fontRef idx="minor">
+      <a:schemeClr val="tx1"/>
+    </cs:fontRef>
+    <cs:spPr>
+      <a:ln w="9525" cap="flat" cmpd="sng" algn="ctr">
+        <a:solidFill>
+          <a:schemeClr val="tx1">
+            <a:lumMod val="50000"/>
+            <a:lumOff val="50000"/>
+          </a:schemeClr>
+        </a:solidFill>
+        <a:round/>
+      </a:ln>
+    </cs:spPr>
+  </cs:hiLoLine>
+  <cs:leaderLine>
+    <cs:lnRef idx="0"/>
+    <cs:fillRef idx="0"/>
+    <cs:effectRef idx="0"/>
+    <cs:fontRef idx="minor">
+      <a:schemeClr val="tx1"/>
+    </cs:fontRef>
+    <cs:spPr>
+      <a:ln w="9525" cap="flat" cmpd="sng" algn="ctr">
+        <a:solidFill>
+          <a:schemeClr val="tx1">
+            <a:lumMod val="35000"/>
+            <a:lumOff val="65000"/>
+          </a:schemeClr>
+        </a:solidFill>
+        <a:round/>
+      </a:ln>
+    </cs:spPr>
+  </cs:leaderLine>
+  <cs:legend>
+    <cs:lnRef idx="0"/>
+    <cs:fillRef idx="0"/>
+    <cs:effectRef idx="0"/>
+    <cs:fontRef idx="minor">
+      <a:schemeClr val="tx1">
+        <a:lumMod val="65000"/>
+        <a:lumOff val="35000"/>
+      </a:schemeClr>
+    </cs:fontRef>
+    <cs:defRPr sz="900" kern="1200"/>
+  </cs:legend>
+  <cs:plotArea mods="allowNoFillOverride allowNoLineOverride">
+    <cs:lnRef idx="0"/>
+    <cs:fillRef idx="0"/>
+    <cs:effectRef idx="0"/>
+    <cs:fontRef idx="minor">
+      <a:schemeClr val="tx1"/>
+    </cs:fontRef>
+  </cs:plotArea>
+  <cs:plotArea3D mods="allowNoFillOverride allowNoLineOverride">
+    <cs:lnRef idx="0"/>
+    <cs:fillRef idx="0"/>
+    <cs:effectRef idx="0"/>
+    <cs:fontRef idx="minor">
+      <a:schemeClr val="tx1"/>
+    </cs:fontRef>
+  </cs:plotArea3D>
+  <cs:seriesAxis>
+    <cs:lnRef idx="0"/>
+    <cs:fillRef idx="0"/>
+    <cs:effectRef idx="0"/>
+    <cs:fontRef idx="minor">
+      <a:schemeClr val="tx1">
+        <a:lumMod val="65000"/>
+        <a:lumOff val="35000"/>
+      </a:schemeClr>
+    </cs:fontRef>
+    <cs:defRPr sz="900" kern="1200"/>
+  </cs:seriesAxis>
+  <cs:seriesLine>
+    <cs:lnRef idx="0"/>
+    <cs:fillRef idx="0"/>
+    <cs:effectRef idx="0"/>
+    <cs:fontRef idx="minor">
+      <a:schemeClr val="tx1"/>
+    </cs:fontRef>
+    <cs:spPr>
+      <a:ln w="9525" cap="flat" cmpd="sng" algn="ctr">
+        <a:solidFill>
+          <a:schemeClr val="tx1">
+            <a:lumMod val="35000"/>
+            <a:lumOff val="65000"/>
+          </a:schemeClr>
+        </a:solidFill>
+        <a:round/>
+      </a:ln>
+    </cs:spPr>
+  </cs:seriesLine>
+  <cs:title>
+    <cs:lnRef idx="0"/>
+    <cs:fillRef idx="0"/>
+    <cs:effectRef idx="0"/>
+    <cs:fontRef idx="minor">
+      <a:schemeClr val="tx1">
+        <a:lumMod val="65000"/>
+        <a:lumOff val="35000"/>
+      </a:schemeClr>
+    </cs:fontRef>
+    <cs:defRPr sz="1400" b="0" kern="1200" spc="0" baseline="0"/>
+  </cs:title>
+  <cs:trendline>
+    <cs:lnRef idx="0">
+      <cs:styleClr val="auto"/>
+    </cs:lnRef>
+    <cs:fillRef idx="0"/>
+    <cs:effectRef idx="0"/>
+    <cs:fontRef idx="minor">
+      <a:schemeClr val="tx1"/>
+    </cs:fontRef>
+    <cs:spPr>
+      <a:ln w="19050" cap="rnd">
+        <a:solidFill>
+          <a:schemeClr val="phClr"/>
+        </a:solidFill>
+        <a:prstDash val="sysDot"/>
+      </a:ln>
+    </cs:spPr>
+  </cs:trendline>
+  <cs:trendlineLabel>
+    <cs:lnRef idx="0"/>
+    <cs:fillRef idx="0"/>
+    <cs:effectRef idx="0"/>
+    <cs:fontRef idx="minor">
+      <a:schemeClr val="tx1">
+        <a:lumMod val="65000"/>
+        <a:lumOff val="35000"/>
+      </a:schemeClr>
+    </cs:fontRef>
+    <cs:defRPr sz="900" kern="1200"/>
+  </cs:trendlineLabel>
+  <cs:upBar>
+    <cs:lnRef idx="0"/>
+    <cs:fillRef idx="0"/>
+    <cs:effectRef idx="0"/>
+    <cs:fontRef idx="minor">
+      <a:schemeClr val="tx1"/>
+    </cs:fontRef>
+    <cs:spPr>
+      <a:solidFill>
+        <a:schemeClr val="lt1"/>
+      </a:solidFill>
+      <a:ln w="9525" cap="flat" cmpd="sng" algn="ctr">
+        <a:solidFill>
+          <a:schemeClr val="tx1">
+            <a:lumMod val="65000"/>
+            <a:lumOff val="35000"/>
+          </a:schemeClr>
+        </a:solidFill>
+        <a:round/>
+      </a:ln>
+    </cs:spPr>
+  </cs:upBar>
+  <cs:valueAxis>
+    <cs:lnRef idx="0"/>
+    <cs:fillRef idx="0"/>
+    <cs:effectRef idx="0"/>
+    <cs:fontRef idx="minor">
+      <a:schemeClr val="tx1">
+        <a:lumMod val="65000"/>
+        <a:lumOff val="35000"/>
+      </a:schemeClr>
+    </cs:fontRef>
+    <cs:defRPr sz="900" kern="1200"/>
+  </cs:valueAxis>
+  <cs:wall>
+    <cs:lnRef idx="0"/>
+    <cs:fillRef idx="0"/>
+    <cs:effectRef idx="0"/>
+    <cs:fontRef idx="minor">
+      <a:schemeClr val="tx1"/>
+    </cs:fontRef>
+    <cs:spPr>
+      <a:noFill/>
+      <a:ln>
+        <a:noFill/>
+      </a:ln>
+    </cs:spPr>
+  </cs:wall>
+</cs:chartStyle>
+</file>
+
+<file path=ppt/charts/style4.xml><?xml version="1.0" encoding="utf-8"?>
+<cs:chartStyle xmlns:cs="http://schemas.microsoft.com/office/drawing/2012/chartStyle" xmlns:a="http://schemas.openxmlformats.org/drawingml/2006/main" id="216">
+  <cs:axisTitle>
+    <cs:lnRef idx="0"/>
+    <cs:fillRef idx="0"/>
+    <cs:effectRef idx="0"/>
+    <cs:fontRef idx="minor">
+      <a:schemeClr val="tx1">
+        <a:lumMod val="65000"/>
+        <a:lumOff val="35000"/>
+      </a:schemeClr>
+    </cs:fontRef>
+    <cs:defRPr sz="1000" kern="1200"/>
+  </cs:axisTitle>
+  <cs:categoryAxis>
+    <cs:lnRef idx="0"/>
+    <cs:fillRef idx="0"/>
+    <cs:effectRef idx="0"/>
+    <cs:fontRef idx="minor">
+      <a:schemeClr val="tx1">
+        <a:lumMod val="65000"/>
+        <a:lumOff val="35000"/>
+      </a:schemeClr>
+    </cs:fontRef>
+    <cs:spPr>
+      <a:ln w="9525" cap="flat" cmpd="sng" algn="ctr">
+        <a:solidFill>
+          <a:schemeClr val="tx1">
+            <a:lumMod val="15000"/>
+            <a:lumOff val="85000"/>
+          </a:schemeClr>
+        </a:solidFill>
+        <a:round/>
+      </a:ln>
+    </cs:spPr>
+    <cs:defRPr sz="900" kern="1200"/>
+  </cs:categoryAxis>
+  <cs:chartArea mods="allowNoFillOverride allowNoLineOverride">
+    <cs:lnRef idx="0"/>
+    <cs:fillRef idx="0"/>
+    <cs:effectRef idx="0"/>
+    <cs:fontRef idx="minor">
+      <a:schemeClr val="tx1"/>
+    </cs:fontRef>
+    <cs:spPr>
+      <a:solidFill>
+        <a:schemeClr val="bg1"/>
+      </a:solidFill>
+      <a:ln w="9525" cap="flat" cmpd="sng" algn="ctr">
+        <a:solidFill>
+          <a:schemeClr val="tx1">
+            <a:lumMod val="15000"/>
+            <a:lumOff val="85000"/>
+          </a:schemeClr>
+        </a:solidFill>
+        <a:round/>
+      </a:ln>
+    </cs:spPr>
+    <cs:defRPr sz="1000" kern="1200"/>
+  </cs:chartArea>
+  <cs:dataLabel>
+    <cs:lnRef idx="0"/>
+    <cs:fillRef idx="0"/>
+    <cs:effectRef idx="0"/>
+    <cs:fontRef idx="minor">
+      <a:schemeClr val="tx1">
+        <a:lumMod val="75000"/>
+        <a:lumOff val="25000"/>
+      </a:schemeClr>
+    </cs:fontRef>
+    <cs:defRPr sz="900" kern="1200"/>
+  </cs:dataLabel>
+  <cs:dataLabelCallout>
+    <cs:lnRef idx="0"/>
+    <cs:fillRef idx="0"/>
+    <cs:effectRef idx="0"/>
+    <cs:fontRef idx="minor">
+      <a:schemeClr val="dk1">
+        <a:lumMod val="65000"/>
+        <a:lumOff val="35000"/>
+      </a:schemeClr>
+    </cs:fontRef>
+    <cs:spPr>
+      <a:solidFill>
+        <a:schemeClr val="lt1"/>
+      </a:solidFill>
+      <a:ln>
+        <a:solidFill>
+          <a:schemeClr val="dk1">
+            <a:lumMod val="25000"/>
+            <a:lumOff val="75000"/>
+          </a:schemeClr>
+        </a:solidFill>
+      </a:ln>
+    </cs:spPr>
+    <cs:defRPr sz="900" kern="1200"/>
+    <cs:bodyPr rot="0" spcFirstLastPara="1" vertOverflow="clip" horzOverflow="clip" vert="horz" wrap="square" lIns="36576" tIns="18288" rIns="36576" bIns="18288" anchor="ctr" anchorCtr="1">
+      <a:spAutoFit/>
+    </cs:bodyPr>
+  </cs:dataLabelCallout>
+  <cs:dataPoint>
+    <cs:lnRef idx="0"/>
+    <cs:fillRef idx="1">
+      <cs:styleClr val="auto"/>
+    </cs:fillRef>
+    <cs:effectRef idx="0"/>
+    <cs:fontRef idx="minor">
+      <a:schemeClr val="tx1"/>
+    </cs:fontRef>
+  </cs:dataPoint>
+  <cs:dataPoint3D>
+    <cs:lnRef idx="0"/>
+    <cs:fillRef idx="1">
+      <cs:styleClr val="auto"/>
+    </cs:fillRef>
+    <cs:effectRef idx="0"/>
+    <cs:fontRef idx="minor">
+      <a:schemeClr val="tx1"/>
+    </cs:fontRef>
+  </cs:dataPoint3D>
+  <cs:dataPointLine>
+    <cs:lnRef idx="0">
+      <cs:styleClr val="auto"/>
+    </cs:lnRef>
+    <cs:fillRef idx="1"/>
+    <cs:effectRef idx="0"/>
+    <cs:fontRef idx="minor">
+      <a:schemeClr val="tx1"/>
+    </cs:fontRef>
+    <cs:spPr>
+      <a:ln w="28575" cap="rnd">
+        <a:solidFill>
+          <a:schemeClr val="phClr"/>
+        </a:solidFill>
+        <a:round/>
+      </a:ln>
+    </cs:spPr>
+  </cs:dataPointLine>
+  <cs:dataPointMarker>
+    <cs:lnRef idx="0">
+      <cs:styleClr val="auto"/>
+    </cs:lnRef>
+    <cs:fillRef idx="1">
+      <cs:styleClr val="auto"/>
+    </cs:fillRef>
+    <cs:effectRef idx="0"/>
+    <cs:fontRef idx="minor">
+      <a:schemeClr val="tx1"/>
+    </cs:fontRef>
+    <cs:spPr>
+      <a:ln w="9525">
+        <a:solidFill>
+          <a:schemeClr val="phClr"/>
+        </a:solidFill>
+      </a:ln>
+    </cs:spPr>
+  </cs:dataPointMarker>
+  <cs:dataPointMarkerLayout symbol="circle" size="5"/>
+  <cs:dataPointWireframe>
+    <cs:lnRef idx="0">
+      <cs:styleClr val="auto"/>
+    </cs:lnRef>
+    <cs:fillRef idx="1"/>
+    <cs:effectRef idx="0"/>
+    <cs:fontRef idx="minor">
+      <a:schemeClr val="tx1"/>
+    </cs:fontRef>
+    <cs:spPr>
+      <a:ln w="9525" cap="rnd">
+        <a:solidFill>
+          <a:schemeClr val="phClr"/>
+        </a:solidFill>
+        <a:round/>
+      </a:ln>
+    </cs:spPr>
+  </cs:dataPointWireframe>
+  <cs:dataTable>
+    <cs:lnRef idx="0"/>
+    <cs:fillRef idx="0"/>
+    <cs:effectRef idx="0"/>
+    <cs:fontRef idx="minor">
+      <a:schemeClr val="tx1">
+        <a:lumMod val="65000"/>
+        <a:lumOff val="35000"/>
+      </a:schemeClr>
+    </cs:fontRef>
+    <cs:spPr>
+      <a:noFill/>
+      <a:ln w="9525" cap="flat" cmpd="sng" algn="ctr">
+        <a:solidFill>
+          <a:schemeClr val="tx1">
+            <a:lumMod val="15000"/>
+            <a:lumOff val="85000"/>
+          </a:schemeClr>
+        </a:solidFill>
+        <a:round/>
+      </a:ln>
+    </cs:spPr>
+    <cs:defRPr sz="900" kern="1200"/>
+  </cs:dataTable>
+  <cs:downBar>
+    <cs:lnRef idx="0"/>
+    <cs:fillRef idx="0"/>
+    <cs:effectRef idx="0"/>
+    <cs:fontRef idx="minor">
+      <a:schemeClr val="tx1"/>
+    </cs:fontRef>
+    <cs:spPr>
+      <a:solidFill>
+        <a:schemeClr val="dk1">
+          <a:lumMod val="75000"/>
+          <a:lumOff val="25000"/>
+        </a:schemeClr>
+      </a:solidFill>
+      <a:ln w="9525" cap="flat" cmpd="sng" algn="ctr">
+        <a:solidFill>
+          <a:schemeClr val="tx1">
+            <a:lumMod val="65000"/>
+            <a:lumOff val="35000"/>
+          </a:schemeClr>
+        </a:solidFill>
+        <a:round/>
+      </a:ln>
+    </cs:spPr>
+  </cs:downBar>
+  <cs:dropLine>
+    <cs:lnRef idx="0"/>
+    <cs:fillRef idx="0"/>
+    <cs:effectRef idx="0"/>
+    <cs:fontRef idx="minor">
+      <a:schemeClr val="tx1"/>
+    </cs:fontRef>
+    <cs:spPr>
+      <a:ln w="9525" cap="flat" cmpd="sng" algn="ctr">
+        <a:solidFill>
+          <a:schemeClr val="tx1">
+            <a:lumMod val="35000"/>
+            <a:lumOff val="65000"/>
+          </a:schemeClr>
+        </a:solidFill>
+        <a:round/>
+      </a:ln>
+    </cs:spPr>
+  </cs:dropLine>
+  <cs:errorBar>
+    <cs:lnRef idx="0"/>
+    <cs:fillRef idx="0"/>
+    <cs:effectRef idx="0"/>
+    <cs:fontRef idx="minor">
+      <a:schemeClr val="tx1"/>
+    </cs:fontRef>
+    <cs:spPr>
+      <a:ln w="9525" cap="flat" cmpd="sng" algn="ctr">
+        <a:solidFill>
+          <a:schemeClr val="tx1">
+            <a:lumMod val="65000"/>
+            <a:lumOff val="35000"/>
+          </a:schemeClr>
+        </a:solidFill>
+        <a:round/>
+      </a:ln>
+    </cs:spPr>
+  </cs:errorBar>
+  <cs:floor>
+    <cs:lnRef idx="0"/>
+    <cs:fillRef idx="0"/>
+    <cs:effectRef idx="0"/>
+    <cs:fontRef idx="minor">
+      <a:schemeClr val="tx1"/>
+    </cs:fontRef>
+    <cs:spPr>
+      <a:noFill/>
+      <a:ln>
+        <a:noFill/>
+      </a:ln>
+    </cs:spPr>
+  </cs:floor>
+  <cs:gridlineMajor>
+    <cs:lnRef idx="0"/>
+    <cs:fillRef idx="0"/>
+    <cs:effectRef idx="0"/>
+    <cs:fontRef idx="minor">
+      <a:schemeClr val="tx1"/>
+    </cs:fontRef>
+    <cs:spPr>
+      <a:ln w="9525" cap="flat" cmpd="sng" algn="ctr">
+        <a:solidFill>
+          <a:schemeClr val="tx1">
+            <a:lumMod val="15000"/>
+            <a:lumOff val="85000"/>
+          </a:schemeClr>
+        </a:solidFill>
+        <a:round/>
+      </a:ln>
+    </cs:spPr>
+  </cs:gridlineMajor>
+  <cs:gridlineMinor>
+    <cs:lnRef idx="0"/>
+    <cs:fillRef idx="0"/>
+    <cs:effectRef idx="0"/>
+    <cs:fontRef idx="minor">
+      <a:schemeClr val="tx1"/>
+    </cs:fontRef>
+    <cs:spPr>
+      <a:ln w="9525" cap="flat" cmpd="sng" algn="ctr">
+        <a:solidFill>
+          <a:schemeClr val="tx1">
+            <a:lumMod val="5000"/>
+            <a:lumOff val="95000"/>
+          </a:schemeClr>
+        </a:solidFill>
+        <a:round/>
+      </a:ln>
+    </cs:spPr>
+  </cs:gridlineMinor>
+  <cs:hiLoLine>
+    <cs:lnRef idx="0"/>
+    <cs:fillRef idx="0"/>
+    <cs:effectRef idx="0"/>
+    <cs:fontRef idx="minor">
+      <a:schemeClr val="tx1"/>
+    </cs:fontRef>
+    <cs:spPr>
+      <a:ln w="9525" cap="flat" cmpd="sng" algn="ctr">
+        <a:solidFill>
+          <a:schemeClr val="tx1">
+            <a:lumMod val="50000"/>
+            <a:lumOff val="50000"/>
+          </a:schemeClr>
+        </a:solidFill>
+        <a:round/>
+      </a:ln>
+    </cs:spPr>
+  </cs:hiLoLine>
+  <cs:leaderLine>
+    <cs:lnRef idx="0"/>
+    <cs:fillRef idx="0"/>
+    <cs:effectRef idx="0"/>
+    <cs:fontRef idx="minor">
+      <a:schemeClr val="tx1"/>
+    </cs:fontRef>
+    <cs:spPr>
+      <a:ln w="9525" cap="flat" cmpd="sng" algn="ctr">
+        <a:solidFill>
+          <a:schemeClr val="tx1">
+            <a:lumMod val="35000"/>
+            <a:lumOff val="65000"/>
+          </a:schemeClr>
+        </a:solidFill>
+        <a:round/>
+      </a:ln>
+    </cs:spPr>
+  </cs:leaderLine>
+  <cs:legend>
+    <cs:lnRef idx="0"/>
+    <cs:fillRef idx="0"/>
+    <cs:effectRef idx="0"/>
+    <cs:fontRef idx="minor">
+      <a:schemeClr val="tx1">
+        <a:lumMod val="65000"/>
+        <a:lumOff val="35000"/>
+      </a:schemeClr>
+    </cs:fontRef>
+    <cs:defRPr sz="900" kern="1200"/>
+  </cs:legend>
+  <cs:plotArea mods="allowNoFillOverride allowNoLineOverride">
+    <cs:lnRef idx="0"/>
+    <cs:fillRef idx="0"/>
+    <cs:effectRef idx="0"/>
+    <cs:fontRef idx="minor">
+      <a:schemeClr val="tx1"/>
+    </cs:fontRef>
+  </cs:plotArea>
+  <cs:plotArea3D mods="allowNoFillOverride allowNoLineOverride">
+    <cs:lnRef idx="0"/>
+    <cs:fillRef idx="0"/>
+    <cs:effectRef idx="0"/>
+    <cs:fontRef idx="minor">
+      <a:schemeClr val="tx1"/>
+    </cs:fontRef>
+  </cs:plotArea3D>
+  <cs:seriesAxis>
+    <cs:lnRef idx="0"/>
+    <cs:fillRef idx="0"/>
+    <cs:effectRef idx="0"/>
+    <cs:fontRef idx="minor">
+      <a:schemeClr val="tx1">
+        <a:lumMod val="65000"/>
+        <a:lumOff val="35000"/>
+      </a:schemeClr>
+    </cs:fontRef>
+    <cs:defRPr sz="900" kern="1200"/>
+  </cs:seriesAxis>
+  <cs:seriesLine>
+    <cs:lnRef idx="0"/>
+    <cs:fillRef idx="0"/>
+    <cs:effectRef idx="0"/>
+    <cs:fontRef idx="minor">
+      <a:schemeClr val="tx1"/>
+    </cs:fontRef>
+    <cs:spPr>
+      <a:ln w="9525" cap="flat" cmpd="sng" algn="ctr">
+        <a:solidFill>
+          <a:schemeClr val="tx1">
+            <a:lumMod val="35000"/>
+            <a:lumOff val="65000"/>
+          </a:schemeClr>
+        </a:solidFill>
+        <a:round/>
+      </a:ln>
+    </cs:spPr>
+  </cs:seriesLine>
+  <cs:title>
+    <cs:lnRef idx="0"/>
+    <cs:fillRef idx="0"/>
+    <cs:effectRef idx="0"/>
+    <cs:fontRef idx="minor">
+      <a:schemeClr val="tx1">
+        <a:lumMod val="65000"/>
+        <a:lumOff val="35000"/>
+      </a:schemeClr>
+    </cs:fontRef>
+    <cs:defRPr sz="1400" b="0" kern="1200" spc="0" baseline="0"/>
+  </cs:title>
+  <cs:trendline>
+    <cs:lnRef idx="0">
+      <cs:styleClr val="auto"/>
+    </cs:lnRef>
+    <cs:fillRef idx="0"/>
+    <cs:effectRef idx="0"/>
+    <cs:fontRef idx="minor">
+      <a:schemeClr val="tx1"/>
+    </cs:fontRef>
+    <cs:spPr>
+      <a:ln w="19050" cap="rnd">
+        <a:solidFill>
+          <a:schemeClr val="phClr"/>
+        </a:solidFill>
+        <a:prstDash val="sysDot"/>
+      </a:ln>
+    </cs:spPr>
+  </cs:trendline>
+  <cs:trendlineLabel>
+    <cs:lnRef idx="0"/>
+    <cs:fillRef idx="0"/>
+    <cs:effectRef idx="0"/>
+    <cs:fontRef idx="minor">
+      <a:schemeClr val="tx1">
+        <a:lumMod val="65000"/>
+        <a:lumOff val="35000"/>
+      </a:schemeClr>
+    </cs:fontRef>
+    <cs:defRPr sz="900" kern="1200"/>
+  </cs:trendlineLabel>
+  <cs:upBar>
+    <cs:lnRef idx="0"/>
+    <cs:fillRef idx="0"/>
+    <cs:effectRef idx="0"/>
+    <cs:fontRef idx="minor">
+      <a:schemeClr val="tx1"/>
+    </cs:fontRef>
+    <cs:spPr>
+      <a:solidFill>
+        <a:schemeClr val="lt1"/>
+      </a:solidFill>
+      <a:ln w="9525" cap="flat" cmpd="sng" algn="ctr">
+        <a:solidFill>
+          <a:schemeClr val="tx1">
+            <a:lumMod val="65000"/>
+            <a:lumOff val="35000"/>
+          </a:schemeClr>
+        </a:solidFill>
+        <a:round/>
+      </a:ln>
+    </cs:spPr>
+  </cs:upBar>
+  <cs:valueAxis>
+    <cs:lnRef idx="0"/>
+    <cs:fillRef idx="0"/>
+    <cs:effectRef idx="0"/>
+    <cs:fontRef idx="minor">
+      <a:schemeClr val="tx1">
+        <a:lumMod val="65000"/>
+        <a:lumOff val="35000"/>
+      </a:schemeClr>
+    </cs:fontRef>
+    <cs:defRPr sz="900" kern="1200"/>
+  </cs:valueAxis>
+  <cs:wall>
+    <cs:lnRef idx="0"/>
+    <cs:fillRef idx="0"/>
+    <cs:effectRef idx="0"/>
+    <cs:fontRef idx="minor">
+      <a:schemeClr val="tx1"/>
+    </cs:fontRef>
+    <cs:spPr>
+      <a:noFill/>
+      <a:ln>
+        <a:noFill/>
+      </a:ln>
+    </cs:spPr>
+  </cs:wall>
+</cs:chartStyle>
 </file>
 
 <file path=ppt/slideLayouts/slideLayout1.xml><?xml version="1.0" encoding="utf-8"?>
@@ -251,7 +3972,7 @@
           <a:p>
             <a:fld id="{E42984CD-48CE-4FC7-9122-241A3FDBD299}" type="datetimeFigureOut">
               <a:rPr lang="en-US" smtClean="0"/>
-              <a:t>7/6/2015</a:t>
+              <a:t>7/7/2015</a:t>
             </a:fld>
             <a:endParaRPr lang="en-US"/>
           </a:p>
@@ -453,7 +4174,7 @@
           <a:p>
             <a:fld id="{E42984CD-48CE-4FC7-9122-241A3FDBD299}" type="datetimeFigureOut">
               <a:rPr lang="en-US" smtClean="0"/>
-              <a:t>7/6/2015</a:t>
+              <a:t>7/7/2015</a:t>
             </a:fld>
             <a:endParaRPr lang="en-US"/>
           </a:p>
@@ -665,7 +4386,7 @@
           <a:p>
             <a:fld id="{E42984CD-48CE-4FC7-9122-241A3FDBD299}" type="datetimeFigureOut">
               <a:rPr lang="en-US" smtClean="0"/>
-              <a:t>7/6/2015</a:t>
+              <a:t>7/7/2015</a:t>
             </a:fld>
             <a:endParaRPr lang="en-US"/>
           </a:p>
@@ -867,7 +4588,7 @@
           <a:p>
             <a:fld id="{E42984CD-48CE-4FC7-9122-241A3FDBD299}" type="datetimeFigureOut">
               <a:rPr lang="en-US" smtClean="0"/>
-              <a:t>7/6/2015</a:t>
+              <a:t>7/7/2015</a:t>
             </a:fld>
             <a:endParaRPr lang="en-US"/>
           </a:p>
@@ -1113,7 +4834,7 @@
           <a:p>
             <a:fld id="{E42984CD-48CE-4FC7-9122-241A3FDBD299}" type="datetimeFigureOut">
               <a:rPr lang="en-US" smtClean="0"/>
-              <a:t>7/6/2015</a:t>
+              <a:t>7/7/2015</a:t>
             </a:fld>
             <a:endParaRPr lang="en-US"/>
           </a:p>
@@ -1409,7 +5130,7 @@
           <a:p>
             <a:fld id="{E42984CD-48CE-4FC7-9122-241A3FDBD299}" type="datetimeFigureOut">
               <a:rPr lang="en-US" smtClean="0"/>
-              <a:t>7/6/2015</a:t>
+              <a:t>7/7/2015</a:t>
             </a:fld>
             <a:endParaRPr lang="en-US"/>
           </a:p>
@@ -1840,7 +5561,7 @@
           <a:p>
             <a:fld id="{E42984CD-48CE-4FC7-9122-241A3FDBD299}" type="datetimeFigureOut">
               <a:rPr lang="en-US" smtClean="0"/>
-              <a:t>7/6/2015</a:t>
+              <a:t>7/7/2015</a:t>
             </a:fld>
             <a:endParaRPr lang="en-US"/>
           </a:p>
@@ -1958,7 +5679,7 @@
           <a:p>
             <a:fld id="{E42984CD-48CE-4FC7-9122-241A3FDBD299}" type="datetimeFigureOut">
               <a:rPr lang="en-US" smtClean="0"/>
-              <a:t>7/6/2015</a:t>
+              <a:t>7/7/2015</a:t>
             </a:fld>
             <a:endParaRPr lang="en-US"/>
           </a:p>
@@ -2053,7 +5774,7 @@
           <a:p>
             <a:fld id="{E42984CD-48CE-4FC7-9122-241A3FDBD299}" type="datetimeFigureOut">
               <a:rPr lang="en-US" smtClean="0"/>
-              <a:t>7/6/2015</a:t>
+              <a:t>7/7/2015</a:t>
             </a:fld>
             <a:endParaRPr lang="en-US"/>
           </a:p>
@@ -2362,7 +6083,7 @@
           <a:p>
             <a:fld id="{E42984CD-48CE-4FC7-9122-241A3FDBD299}" type="datetimeFigureOut">
               <a:rPr lang="en-US" smtClean="0"/>
-              <a:t>7/6/2015</a:t>
+              <a:t>7/7/2015</a:t>
             </a:fld>
             <a:endParaRPr lang="en-US"/>
           </a:p>
@@ -2615,7 +6336,7 @@
           <a:p>
             <a:fld id="{E42984CD-48CE-4FC7-9122-241A3FDBD299}" type="datetimeFigureOut">
               <a:rPr lang="en-US" smtClean="0"/>
-              <a:t>7/6/2015</a:t>
+              <a:t>7/7/2015</a:t>
             </a:fld>
             <a:endParaRPr lang="en-US"/>
           </a:p>
@@ -2860,7 +6581,7 @@
           <a:p>
             <a:fld id="{E42984CD-48CE-4FC7-9122-241A3FDBD299}" type="datetimeFigureOut">
               <a:rPr lang="en-US" smtClean="0"/>
-              <a:t>7/6/2015</a:t>
+              <a:t>7/7/2015</a:t>
             </a:fld>
             <a:endParaRPr lang="en-US"/>
           </a:p>
@@ -3930,6 +7651,162 @@
     <p:extLst>
       <p:ext uri="{BB962C8B-B14F-4D97-AF65-F5344CB8AC3E}">
         <p14:creationId xmlns:p14="http://schemas.microsoft.com/office/powerpoint/2010/main" val="2085935853"/>
+      </p:ext>
+    </p:extLst>
+  </p:cSld>
+  <p:clrMapOvr>
+    <a:masterClrMapping/>
+  </p:clrMapOvr>
+</p:sld>
+</file>
+
+<file path=ppt/slides/slide10.xml><?xml version="1.0" encoding="utf-8"?>
+<p:sld xmlns:a="http://schemas.openxmlformats.org/drawingml/2006/main" xmlns:r="http://schemas.openxmlformats.org/officeDocument/2006/relationships" xmlns:p="http://schemas.openxmlformats.org/presentationml/2006/main">
+  <p:cSld>
+    <p:spTree>
+      <p:nvGrpSpPr>
+        <p:cNvPr id="1" name=""/>
+        <p:cNvGrpSpPr/>
+        <p:nvPr/>
+      </p:nvGrpSpPr>
+      <p:grpSpPr>
+        <a:xfrm>
+          <a:off x="0" y="0"/>
+          <a:ext cx="0" cy="0"/>
+          <a:chOff x="0" y="0"/>
+          <a:chExt cx="0" cy="0"/>
+        </a:xfrm>
+      </p:grpSpPr>
+      <p:graphicFrame>
+        <p:nvGraphicFramePr>
+          <p:cNvPr id="4" name="グラフ 3"/>
+          <p:cNvGraphicFramePr>
+            <a:graphicFrameLocks/>
+          </p:cNvGraphicFramePr>
+          <p:nvPr>
+            <p:extLst>
+              <p:ext uri="{D42A27DB-BD31-4B8C-83A1-F6EECF244321}">
+                <p14:modId xmlns:p14="http://schemas.microsoft.com/office/powerpoint/2010/main" val="2006186338"/>
+              </p:ext>
+            </p:extLst>
+          </p:nvPr>
+        </p:nvGraphicFramePr>
+        <p:xfrm>
+          <a:off x="3886457" y="3716095"/>
+          <a:ext cx="4572000" cy="2743200"/>
+        </p:xfrm>
+        <a:graphic>
+          <a:graphicData uri="http://schemas.openxmlformats.org/drawingml/2006/chart">
+            <c:chart xmlns:c="http://schemas.openxmlformats.org/drawingml/2006/chart" xmlns:r="http://schemas.openxmlformats.org/officeDocument/2006/relationships" r:id="rId2"/>
+          </a:graphicData>
+        </a:graphic>
+      </p:graphicFrame>
+      <p:graphicFrame>
+        <p:nvGraphicFramePr>
+          <p:cNvPr id="5" name="グラフ 4"/>
+          <p:cNvGraphicFramePr>
+            <a:graphicFrameLocks/>
+          </p:cNvGraphicFramePr>
+          <p:nvPr>
+            <p:extLst>
+              <p:ext uri="{D42A27DB-BD31-4B8C-83A1-F6EECF244321}">
+                <p14:modId xmlns:p14="http://schemas.microsoft.com/office/powerpoint/2010/main" val="305631647"/>
+              </p:ext>
+            </p:extLst>
+          </p:nvPr>
+        </p:nvGraphicFramePr>
+        <p:xfrm>
+          <a:off x="1877154" y="691295"/>
+          <a:ext cx="4572000" cy="2743200"/>
+        </p:xfrm>
+        <a:graphic>
+          <a:graphicData uri="http://schemas.openxmlformats.org/drawingml/2006/chart">
+            <c:chart xmlns:c="http://schemas.openxmlformats.org/drawingml/2006/chart" xmlns:r="http://schemas.openxmlformats.org/officeDocument/2006/relationships" r:id="rId3"/>
+          </a:graphicData>
+        </a:graphic>
+      </p:graphicFrame>
+      <p:graphicFrame>
+        <p:nvGraphicFramePr>
+          <p:cNvPr id="6" name="グラフ 5"/>
+          <p:cNvGraphicFramePr>
+            <a:graphicFrameLocks/>
+          </p:cNvGraphicFramePr>
+          <p:nvPr>
+            <p:extLst>
+              <p:ext uri="{D42A27DB-BD31-4B8C-83A1-F6EECF244321}">
+                <p14:modId xmlns:p14="http://schemas.microsoft.com/office/powerpoint/2010/main" val="1674015951"/>
+              </p:ext>
+            </p:extLst>
+          </p:nvPr>
+        </p:nvGraphicFramePr>
+        <p:xfrm>
+          <a:off x="6984817" y="790412"/>
+          <a:ext cx="4572000" cy="2743200"/>
+        </p:xfrm>
+        <a:graphic>
+          <a:graphicData uri="http://schemas.openxmlformats.org/drawingml/2006/chart">
+            <c:chart xmlns:c="http://schemas.openxmlformats.org/drawingml/2006/chart" xmlns:r="http://schemas.openxmlformats.org/officeDocument/2006/relationships" r:id="rId4"/>
+          </a:graphicData>
+        </a:graphic>
+      </p:graphicFrame>
+    </p:spTree>
+    <p:extLst>
+      <p:ext uri="{BB962C8B-B14F-4D97-AF65-F5344CB8AC3E}">
+        <p14:creationId xmlns:p14="http://schemas.microsoft.com/office/powerpoint/2010/main" val="3701341256"/>
+      </p:ext>
+    </p:extLst>
+  </p:cSld>
+  <p:clrMapOvr>
+    <a:masterClrMapping/>
+  </p:clrMapOvr>
+</p:sld>
+</file>
+
+<file path=ppt/slides/slide11.xml><?xml version="1.0" encoding="utf-8"?>
+<p:sld xmlns:a="http://schemas.openxmlformats.org/drawingml/2006/main" xmlns:r="http://schemas.openxmlformats.org/officeDocument/2006/relationships" xmlns:p="http://schemas.openxmlformats.org/presentationml/2006/main">
+  <p:cSld>
+    <p:spTree>
+      <p:nvGrpSpPr>
+        <p:cNvPr id="1" name=""/>
+        <p:cNvGrpSpPr/>
+        <p:nvPr/>
+      </p:nvGrpSpPr>
+      <p:grpSpPr>
+        <a:xfrm>
+          <a:off x="0" y="0"/>
+          <a:ext cx="0" cy="0"/>
+          <a:chOff x="0" y="0"/>
+          <a:chExt cx="0" cy="0"/>
+        </a:xfrm>
+      </p:grpSpPr>
+      <p:graphicFrame>
+        <p:nvGraphicFramePr>
+          <p:cNvPr id="5" name="グラフ 4"/>
+          <p:cNvGraphicFramePr>
+            <a:graphicFrameLocks/>
+          </p:cNvGraphicFramePr>
+          <p:nvPr>
+            <p:extLst>
+              <p:ext uri="{D42A27DB-BD31-4B8C-83A1-F6EECF244321}">
+                <p14:modId xmlns:p14="http://schemas.microsoft.com/office/powerpoint/2010/main" val="1235574464"/>
+              </p:ext>
+            </p:extLst>
+          </p:nvPr>
+        </p:nvGraphicFramePr>
+        <p:xfrm>
+          <a:off x="2140743" y="-347662"/>
+          <a:ext cx="7910513" cy="7553325"/>
+        </p:xfrm>
+        <a:graphic>
+          <a:graphicData uri="http://schemas.openxmlformats.org/drawingml/2006/chart">
+            <c:chart xmlns:c="http://schemas.openxmlformats.org/drawingml/2006/chart" xmlns:r="http://schemas.openxmlformats.org/officeDocument/2006/relationships" r:id="rId2"/>
+          </a:graphicData>
+        </a:graphic>
+      </p:graphicFrame>
+    </p:spTree>
+    <p:extLst>
+      <p:ext uri="{BB962C8B-B14F-4D97-AF65-F5344CB8AC3E}">
+        <p14:creationId xmlns:p14="http://schemas.microsoft.com/office/powerpoint/2010/main" val="111730159"/>
       </p:ext>
     </p:extLst>
   </p:cSld>
@@ -11083,15 +14960,7 @@
             <a:p>
               <a:r>
                 <a:rPr lang="en-US" sz="1400" dirty="0" smtClean="0"/>
-                <a:t>Priority</a:t>
-              </a:r>
-              <a:r>
-                <a:rPr lang="en-US" sz="1400" dirty="0" smtClean="0"/>
-                <a:t>: </a:t>
-              </a:r>
-              <a:r>
-                <a:rPr lang="en-US" sz="1400" dirty="0" smtClean="0"/>
-                <a:t>  Normal</a:t>
+                <a:t>Priority:   Normal</a:t>
               </a:r>
               <a:endParaRPr lang="en-US" sz="1400" dirty="0"/>
             </a:p>

--- a/docs/Misc/Pictures.pptx
+++ b/docs/Misc/Pictures.pptx
@@ -16,6 +16,7 @@
     <p:sldId id="264" r:id="rId10"/>
     <p:sldId id="265" r:id="rId11"/>
     <p:sldId id="266" r:id="rId12"/>
+    <p:sldId id="267" r:id="rId13"/>
   </p:sldIdLst>
   <p:sldSz cx="12192000" cy="6858000"/>
   <p:notesSz cx="6858000" cy="9144000"/>
@@ -130,6 +131,7 @@
             <p14:sldId id="264"/>
             <p14:sldId id="265"/>
             <p14:sldId id="266"/>
+            <p14:sldId id="267"/>
           </p14:sldIdLst>
         </p14:section>
       </p14:sectionLst>
@@ -342,11 +344,11 @@
           <c:showBubbleSize val="0"/>
         </c:dLbls>
         <c:gapWidth val="182"/>
-        <c:axId val="436417840"/>
-        <c:axId val="436416272"/>
+        <c:axId val="358634592"/>
+        <c:axId val="358634984"/>
       </c:barChart>
       <c:catAx>
-        <c:axId val="436417840"/>
+        <c:axId val="358634592"/>
         <c:scaling>
           <c:orientation val="minMax"/>
         </c:scaling>
@@ -386,7 +388,7 @@
             <a:endParaRPr lang="en-US"/>
           </a:p>
         </c:txPr>
-        <c:crossAx val="436416272"/>
+        <c:crossAx val="358634984"/>
         <c:crosses val="autoZero"/>
         <c:auto val="1"/>
         <c:lblAlgn val="ctr"/>
@@ -394,7 +396,7 @@
         <c:noMultiLvlLbl val="0"/>
       </c:catAx>
       <c:valAx>
-        <c:axId val="436416272"/>
+        <c:axId val="358634984"/>
         <c:scaling>
           <c:orientation val="minMax"/>
           <c:max val="4"/>
@@ -446,7 +448,7 @@
             <a:endParaRPr lang="en-US"/>
           </a:p>
         </c:txPr>
-        <c:crossAx val="436417840"/>
+        <c:crossAx val="358634592"/>
         <c:crosses val="autoZero"/>
         <c:crossBetween val="between"/>
       </c:valAx>
@@ -698,11 +700,11 @@
           <c:showBubbleSize val="0"/>
         </c:dLbls>
         <c:gapWidth val="182"/>
-        <c:axId val="436419800"/>
-        <c:axId val="479229688"/>
+        <c:axId val="425348328"/>
+        <c:axId val="425342840"/>
       </c:barChart>
       <c:catAx>
-        <c:axId val="436419800"/>
+        <c:axId val="425348328"/>
         <c:scaling>
           <c:orientation val="minMax"/>
         </c:scaling>
@@ -742,7 +744,7 @@
             <a:endParaRPr lang="en-US"/>
           </a:p>
         </c:txPr>
-        <c:crossAx val="479229688"/>
+        <c:crossAx val="425342840"/>
         <c:crosses val="autoZero"/>
         <c:auto val="1"/>
         <c:lblAlgn val="ctr"/>
@@ -750,7 +752,7 @@
         <c:noMultiLvlLbl val="0"/>
       </c:catAx>
       <c:valAx>
-        <c:axId val="479229688"/>
+        <c:axId val="425342840"/>
         <c:scaling>
           <c:orientation val="minMax"/>
           <c:max val="4"/>
@@ -800,7 +802,7 @@
             <a:endParaRPr lang="en-US"/>
           </a:p>
         </c:txPr>
-        <c:crossAx val="436419800"/>
+        <c:crossAx val="425348328"/>
         <c:crosses val="autoZero"/>
         <c:crossBetween val="between"/>
       </c:valAx>
@@ -1046,11 +1048,11 @@
           <c:showBubbleSize val="0"/>
         </c:dLbls>
         <c:gapWidth val="182"/>
-        <c:axId val="479230864"/>
-        <c:axId val="479231256"/>
+        <c:axId val="425348720"/>
+        <c:axId val="425349112"/>
       </c:barChart>
       <c:catAx>
-        <c:axId val="479230864"/>
+        <c:axId val="425348720"/>
         <c:scaling>
           <c:orientation val="minMax"/>
         </c:scaling>
@@ -1090,7 +1092,7 @@
             <a:endParaRPr lang="en-US"/>
           </a:p>
         </c:txPr>
-        <c:crossAx val="479231256"/>
+        <c:crossAx val="425349112"/>
         <c:crosses val="autoZero"/>
         <c:auto val="1"/>
         <c:lblAlgn val="ctr"/>
@@ -1098,7 +1100,7 @@
         <c:noMultiLvlLbl val="0"/>
       </c:catAx>
       <c:valAx>
-        <c:axId val="479231256"/>
+        <c:axId val="425349112"/>
         <c:scaling>
           <c:orientation val="minMax"/>
           <c:max val="4"/>
@@ -1148,7 +1150,7 @@
             <a:endParaRPr lang="en-US"/>
           </a:p>
         </c:txPr>
-        <c:crossAx val="479230864"/>
+        <c:crossAx val="425348720"/>
         <c:crosses val="autoZero"/>
         <c:crossBetween val="between"/>
       </c:valAx>
@@ -1515,11 +1517,11 @@
           <c:showBubbleSize val="0"/>
         </c:dLbls>
         <c:gapWidth val="182"/>
-        <c:axId val="429032456"/>
-        <c:axId val="429036376"/>
+        <c:axId val="425345584"/>
+        <c:axId val="425343232"/>
       </c:barChart>
       <c:catAx>
-        <c:axId val="429032456"/>
+        <c:axId val="425345584"/>
         <c:scaling>
           <c:orientation val="minMax"/>
         </c:scaling>
@@ -1564,7 +1566,7 @@
             <a:endParaRPr lang="en-US"/>
           </a:p>
         </c:txPr>
-        <c:crossAx val="429036376"/>
+        <c:crossAx val="425343232"/>
         <c:crosses val="autoZero"/>
         <c:auto val="1"/>
         <c:lblAlgn val="ctr"/>
@@ -1572,7 +1574,7 @@
         <c:noMultiLvlLbl val="0"/>
       </c:catAx>
       <c:valAx>
-        <c:axId val="429036376"/>
+        <c:axId val="425343232"/>
         <c:scaling>
           <c:orientation val="minMax"/>
           <c:max val="4"/>
@@ -1622,7 +1624,478 @@
             <a:endParaRPr lang="en-US"/>
           </a:p>
         </c:txPr>
-        <c:crossAx val="429032456"/>
+        <c:crossAx val="425345584"/>
+        <c:crosses val="autoZero"/>
+        <c:crossBetween val="between"/>
+      </c:valAx>
+      <c:spPr>
+        <a:noFill/>
+        <a:ln>
+          <a:noFill/>
+        </a:ln>
+        <a:effectLst/>
+      </c:spPr>
+    </c:plotArea>
+    <c:plotVisOnly val="1"/>
+    <c:dispBlanksAs val="gap"/>
+    <c:showDLblsOverMax val="0"/>
+  </c:chart>
+  <c:spPr>
+    <a:noFill/>
+    <a:ln>
+      <a:noFill/>
+    </a:ln>
+    <a:effectLst/>
+  </c:spPr>
+  <c:txPr>
+    <a:bodyPr/>
+    <a:lstStyle/>
+    <a:p>
+      <a:pPr>
+        <a:defRPr/>
+      </a:pPr>
+      <a:endParaRPr lang="en-US"/>
+    </a:p>
+  </c:txPr>
+  <c:externalData r:id="rId3">
+    <c:autoUpdate val="0"/>
+  </c:externalData>
+</c:chartSpace>
+</file>
+
+<file path=ppt/charts/chart5.xml><?xml version="1.0" encoding="utf-8"?>
+<c:chartSpace xmlns:c="http://schemas.openxmlformats.org/drawingml/2006/chart" xmlns:a="http://schemas.openxmlformats.org/drawingml/2006/main" xmlns:r="http://schemas.openxmlformats.org/officeDocument/2006/relationships">
+  <c:date1904 val="0"/>
+  <c:lang val="ja-JP"/>
+  <c:roundedCorners val="0"/>
+  <mc:AlternateContent xmlns:mc="http://schemas.openxmlformats.org/markup-compatibility/2006">
+    <mc:Choice xmlns:c14="http://schemas.microsoft.com/office/drawing/2007/8/2/chart" Requires="c14">
+      <c14:style val="102"/>
+    </mc:Choice>
+    <mc:Fallback>
+      <c:style val="2"/>
+    </mc:Fallback>
+  </mc:AlternateContent>
+  <c:chart>
+    <c:title>
+      <c:tx>
+        <c:rich>
+          <a:bodyPr rot="0" spcFirstLastPara="1" vertOverflow="ellipsis" vert="horz" wrap="square" anchor="ctr" anchorCtr="1"/>
+          <a:lstStyle/>
+          <a:p>
+            <a:pPr>
+              <a:defRPr sz="1400" b="1" i="0" u="none" strike="noStrike" kern="1200" spc="0" baseline="0">
+                <a:solidFill>
+                  <a:schemeClr val="tx1">
+                    <a:lumMod val="65000"/>
+                    <a:lumOff val="35000"/>
+                  </a:schemeClr>
+                </a:solidFill>
+                <a:latin typeface="+mn-lt"/>
+                <a:ea typeface="+mn-ea"/>
+                <a:cs typeface="+mn-cs"/>
+              </a:defRPr>
+            </a:pPr>
+            <a:r>
+              <a:rPr lang="en-US" altLang="ja-JP" sz="1800" b="1">
+                <a:solidFill>
+                  <a:schemeClr val="tx1"/>
+                </a:solidFill>
+              </a:rPr>
+              <a:t>Usability metrics</a:t>
+            </a:r>
+            <a:endParaRPr lang="ja-JP" altLang="en-US" sz="1800" b="1">
+              <a:solidFill>
+                <a:schemeClr val="tx1"/>
+              </a:solidFill>
+            </a:endParaRPr>
+          </a:p>
+        </c:rich>
+      </c:tx>
+      <c:layout/>
+      <c:overlay val="0"/>
+      <c:spPr>
+        <a:noFill/>
+        <a:ln>
+          <a:noFill/>
+        </a:ln>
+        <a:effectLst/>
+      </c:spPr>
+      <c:txPr>
+        <a:bodyPr rot="0" spcFirstLastPara="1" vertOverflow="ellipsis" vert="horz" wrap="square" anchor="ctr" anchorCtr="1"/>
+        <a:lstStyle/>
+        <a:p>
+          <a:pPr>
+            <a:defRPr sz="1400" b="1" i="0" u="none" strike="noStrike" kern="1200" spc="0" baseline="0">
+              <a:solidFill>
+                <a:schemeClr val="tx1">
+                  <a:lumMod val="65000"/>
+                  <a:lumOff val="35000"/>
+                </a:schemeClr>
+              </a:solidFill>
+              <a:latin typeface="+mn-lt"/>
+              <a:ea typeface="+mn-ea"/>
+              <a:cs typeface="+mn-cs"/>
+            </a:defRPr>
+          </a:pPr>
+          <a:endParaRPr lang="en-US"/>
+        </a:p>
+      </c:txPr>
+    </c:title>
+    <c:autoTitleDeleted val="0"/>
+    <c:plotArea>
+      <c:layout/>
+      <c:barChart>
+        <c:barDir val="bar"/>
+        <c:grouping val="clustered"/>
+        <c:varyColors val="0"/>
+        <c:ser>
+          <c:idx val="0"/>
+          <c:order val="0"/>
+          <c:spPr>
+            <a:solidFill>
+              <a:schemeClr val="accent1"/>
+            </a:solidFill>
+            <a:ln>
+              <a:noFill/>
+            </a:ln>
+            <a:effectLst/>
+          </c:spPr>
+          <c:invertIfNegative val="0"/>
+          <c:errBars>
+            <c:errBarType val="both"/>
+            <c:errValType val="cust"/>
+            <c:noEndCap val="0"/>
+            <c:plus>
+              <c:numRef>
+                <c:f>Sheet2!$B$20:$N$20</c:f>
+                <c:numCache>
+                  <c:formatCode>General</c:formatCode>
+                  <c:ptCount val="13"/>
+                  <c:pt idx="0">
+                    <c:v>0.316227766016838</c:v>
+                  </c:pt>
+                  <c:pt idx="1">
+                    <c:v>0.316227766016838</c:v>
+                  </c:pt>
+                  <c:pt idx="2">
+                    <c:v>0.42163702135578385</c:v>
+                  </c:pt>
+                  <c:pt idx="3">
+                    <c:v>0.42163702135578385</c:v>
+                  </c:pt>
+                  <c:pt idx="4">
+                    <c:v>0.42163702135578385</c:v>
+                  </c:pt>
+                  <c:pt idx="5">
+                    <c:v>0.48304589153964811</c:v>
+                  </c:pt>
+                  <c:pt idx="6">
+                    <c:v>0.52704627669472992</c:v>
+                  </c:pt>
+                  <c:pt idx="7">
+                    <c:v>0.70710678118654757</c:v>
+                  </c:pt>
+                  <c:pt idx="8">
+                    <c:v>0.52704627669472992</c:v>
+                  </c:pt>
+                  <c:pt idx="9">
+                    <c:v>0.81649658092772603</c:v>
+                  </c:pt>
+                  <c:pt idx="10">
+                    <c:v>1.1547005383792515</c:v>
+                  </c:pt>
+                  <c:pt idx="11">
+                    <c:v>0.99442892601175314</c:v>
+                  </c:pt>
+                  <c:pt idx="12">
+                    <c:v>0.56764621219754663</c:v>
+                  </c:pt>
+                </c:numCache>
+              </c:numRef>
+            </c:plus>
+            <c:minus>
+              <c:numRef>
+                <c:f>Sheet2!$B$20:$N$20</c:f>
+                <c:numCache>
+                  <c:formatCode>General</c:formatCode>
+                  <c:ptCount val="13"/>
+                  <c:pt idx="0">
+                    <c:v>0.316227766016838</c:v>
+                  </c:pt>
+                  <c:pt idx="1">
+                    <c:v>0.316227766016838</c:v>
+                  </c:pt>
+                  <c:pt idx="2">
+                    <c:v>0.42163702135578385</c:v>
+                  </c:pt>
+                  <c:pt idx="3">
+                    <c:v>0.42163702135578385</c:v>
+                  </c:pt>
+                  <c:pt idx="4">
+                    <c:v>0.42163702135578385</c:v>
+                  </c:pt>
+                  <c:pt idx="5">
+                    <c:v>0.48304589153964811</c:v>
+                  </c:pt>
+                  <c:pt idx="6">
+                    <c:v>0.52704627669472992</c:v>
+                  </c:pt>
+                  <c:pt idx="7">
+                    <c:v>0.70710678118654757</c:v>
+                  </c:pt>
+                  <c:pt idx="8">
+                    <c:v>0.52704627669472992</c:v>
+                  </c:pt>
+                  <c:pt idx="9">
+                    <c:v>0.81649658092772603</c:v>
+                  </c:pt>
+                  <c:pt idx="10">
+                    <c:v>1.1547005383792515</c:v>
+                  </c:pt>
+                  <c:pt idx="11">
+                    <c:v>0.99442892601175314</c:v>
+                  </c:pt>
+                  <c:pt idx="12">
+                    <c:v>0.56764621219754663</c:v>
+                  </c:pt>
+                </c:numCache>
+              </c:numRef>
+            </c:minus>
+            <c:spPr>
+              <a:noFill/>
+              <a:ln w="19050" cap="flat" cmpd="sng" algn="ctr">
+                <a:solidFill>
+                  <a:schemeClr val="tx1"/>
+                </a:solidFill>
+                <a:round/>
+              </a:ln>
+              <a:effectLst/>
+            </c:spPr>
+          </c:errBars>
+          <c:cat>
+            <c:multiLvlStrRef>
+              <c:f>Sheet2!$B$17:$N$18</c:f>
+              <c:multiLvlStrCache>
+                <c:ptCount val="13"/>
+                <c:lvl>
+                  <c:pt idx="0">
+                    <c:v>Ease of use</c:v>
+                  </c:pt>
+                  <c:pt idx="1">
+                    <c:v>Learn to use</c:v>
+                  </c:pt>
+                  <c:pt idx="2">
+                    <c:v>Program structure</c:v>
+                  </c:pt>
+                  <c:pt idx="3">
+                    <c:v>Efficiency</c:v>
+                  </c:pt>
+                  <c:pt idx="4">
+                    <c:v>Interest towards system</c:v>
+                  </c:pt>
+                  <c:pt idx="5">
+                    <c:v>Block functions</c:v>
+                  </c:pt>
+                  <c:pt idx="6">
+                    <c:v>Reactiveness</c:v>
+                  </c:pt>
+                  <c:pt idx="7">
+                    <c:v>Convenience</c:v>
+                  </c:pt>
+                  <c:pt idx="8">
+                    <c:v>Overall rating</c:v>
+                  </c:pt>
+                  <c:pt idx="9">
+                    <c:v>Scenario Creation</c:v>
+                  </c:pt>
+                  <c:pt idx="10">
+                    <c:v>Scenario Execution</c:v>
+                  </c:pt>
+                  <c:pt idx="11">
+                    <c:v>Situation awareness</c:v>
+                  </c:pt>
+                  <c:pt idx="12">
+                    <c:v>Satisfaction</c:v>
+                  </c:pt>
+                </c:lvl>
+                <c:lvl>
+                  <c:pt idx="0">
+                    <c:v>Factor 1</c:v>
+                  </c:pt>
+                  <c:pt idx="5">
+                    <c:v>Factor 2</c:v>
+                  </c:pt>
+                  <c:pt idx="9">
+                    <c:v>Factor 3</c:v>
+                  </c:pt>
+                </c:lvl>
+              </c:multiLvlStrCache>
+            </c:multiLvlStrRef>
+          </c:cat>
+          <c:val>
+            <c:numRef>
+              <c:f>Sheet2!$B$19:$N$19</c:f>
+              <c:numCache>
+                <c:formatCode>General</c:formatCode>
+                <c:ptCount val="13"/>
+                <c:pt idx="0">
+                  <c:v>1.1000000000000001</c:v>
+                </c:pt>
+                <c:pt idx="1">
+                  <c:v>1.1000000000000001</c:v>
+                </c:pt>
+                <c:pt idx="2">
+                  <c:v>1.2</c:v>
+                </c:pt>
+                <c:pt idx="3">
+                  <c:v>1.2</c:v>
+                </c:pt>
+                <c:pt idx="4">
+                  <c:v>1.2</c:v>
+                </c:pt>
+                <c:pt idx="5">
+                  <c:v>1.7</c:v>
+                </c:pt>
+                <c:pt idx="6">
+                  <c:v>1.5</c:v>
+                </c:pt>
+                <c:pt idx="7">
+                  <c:v>1.5</c:v>
+                </c:pt>
+                <c:pt idx="8">
+                  <c:v>1.5</c:v>
+                </c:pt>
+                <c:pt idx="9">
+                  <c:v>2</c:v>
+                </c:pt>
+                <c:pt idx="10">
+                  <c:v>2</c:v>
+                </c:pt>
+                <c:pt idx="11">
+                  <c:v>2.1</c:v>
+                </c:pt>
+                <c:pt idx="12">
+                  <c:v>1.9</c:v>
+                </c:pt>
+              </c:numCache>
+            </c:numRef>
+          </c:val>
+        </c:ser>
+        <c:dLbls>
+          <c:showLegendKey val="0"/>
+          <c:showVal val="0"/>
+          <c:showCatName val="0"/>
+          <c:showSerName val="0"/>
+          <c:showPercent val="0"/>
+          <c:showBubbleSize val="0"/>
+        </c:dLbls>
+        <c:gapWidth val="100"/>
+        <c:axId val="475848808"/>
+        <c:axId val="475849592"/>
+      </c:barChart>
+      <c:catAx>
+        <c:axId val="475848808"/>
+        <c:scaling>
+          <c:orientation val="minMax"/>
+        </c:scaling>
+        <c:delete val="0"/>
+        <c:axPos val="l"/>
+        <c:numFmt formatCode="General" sourceLinked="1"/>
+        <c:majorTickMark val="none"/>
+        <c:minorTickMark val="none"/>
+        <c:tickLblPos val="nextTo"/>
+        <c:spPr>
+          <a:noFill/>
+          <a:ln w="28575" cap="flat" cmpd="sng" algn="ctr">
+            <a:solidFill>
+              <a:schemeClr val="tx1"/>
+            </a:solidFill>
+            <a:round/>
+          </a:ln>
+          <a:effectLst/>
+        </c:spPr>
+        <c:txPr>
+          <a:bodyPr rot="-60000000" spcFirstLastPara="1" vertOverflow="ellipsis" vert="horz" wrap="square" anchor="ctr" anchorCtr="1"/>
+          <a:lstStyle/>
+          <a:p>
+            <a:pPr>
+              <a:defRPr sz="1800" b="0" i="0" u="none" strike="noStrike" kern="1200" baseline="0">
+                <a:solidFill>
+                  <a:schemeClr val="tx1"/>
+                </a:solidFill>
+                <a:effectLst>
+                  <a:outerShdw sx="1000" sy="1000" algn="ctr" rotWithShape="0">
+                    <a:srgbClr val="000000"/>
+                  </a:outerShdw>
+                </a:effectLst>
+                <a:latin typeface="+mn-lt"/>
+                <a:ea typeface="+mn-ea"/>
+                <a:cs typeface="+mn-cs"/>
+              </a:defRPr>
+            </a:pPr>
+            <a:endParaRPr lang="en-US"/>
+          </a:p>
+        </c:txPr>
+        <c:crossAx val="475849592"/>
+        <c:crosses val="autoZero"/>
+        <c:auto val="1"/>
+        <c:lblAlgn val="ctr"/>
+        <c:lblOffset val="100"/>
+        <c:noMultiLvlLbl val="0"/>
+      </c:catAx>
+      <c:valAx>
+        <c:axId val="475849592"/>
+        <c:scaling>
+          <c:orientation val="minMax"/>
+          <c:max val="4"/>
+          <c:min val="1"/>
+        </c:scaling>
+        <c:delete val="0"/>
+        <c:axPos val="b"/>
+        <c:majorGridlines>
+          <c:spPr>
+            <a:ln w="9525" cap="flat" cmpd="sng" algn="ctr">
+              <a:solidFill>
+                <a:schemeClr val="tx1">
+                  <a:lumMod val="15000"/>
+                  <a:lumOff val="85000"/>
+                </a:schemeClr>
+              </a:solidFill>
+              <a:round/>
+            </a:ln>
+            <a:effectLst/>
+          </c:spPr>
+        </c:majorGridlines>
+        <c:numFmt formatCode="General" sourceLinked="1"/>
+        <c:majorTickMark val="none"/>
+        <c:minorTickMark val="none"/>
+        <c:tickLblPos val="nextTo"/>
+        <c:spPr>
+          <a:noFill/>
+          <a:ln>
+            <a:noFill/>
+          </a:ln>
+          <a:effectLst/>
+        </c:spPr>
+        <c:txPr>
+          <a:bodyPr rot="-60000000" spcFirstLastPara="1" vertOverflow="ellipsis" vert="horz" wrap="square" anchor="ctr" anchorCtr="1"/>
+          <a:lstStyle/>
+          <a:p>
+            <a:pPr>
+              <a:defRPr sz="1800" b="1" i="0" u="none" strike="noStrike" kern="1200" baseline="0">
+                <a:solidFill>
+                  <a:schemeClr val="tx1"/>
+                </a:solidFill>
+                <a:latin typeface="+mn-lt"/>
+                <a:ea typeface="+mn-ea"/>
+                <a:cs typeface="+mn-cs"/>
+              </a:defRPr>
+            </a:pPr>
+            <a:endParaRPr lang="en-US"/>
+          </a:p>
+        </c:txPr>
+        <c:crossAx val="475848808"/>
         <c:crosses val="autoZero"/>
         <c:crossBetween val="between"/>
       </c:valAx>
@@ -1782,6 +2255,46 @@
 </file>
 
 <file path=ppt/charts/colors4.xml><?xml version="1.0" encoding="utf-8"?>
+<cs:colorStyle xmlns:cs="http://schemas.microsoft.com/office/drawing/2012/chartStyle" xmlns:a="http://schemas.openxmlformats.org/drawingml/2006/main" meth="cycle" id="10">
+  <a:schemeClr val="accent1"/>
+  <a:schemeClr val="accent2"/>
+  <a:schemeClr val="accent3"/>
+  <a:schemeClr val="accent4"/>
+  <a:schemeClr val="accent5"/>
+  <a:schemeClr val="accent6"/>
+  <cs:variation/>
+  <cs:variation>
+    <a:lumMod val="60000"/>
+  </cs:variation>
+  <cs:variation>
+    <a:lumMod val="80000"/>
+    <a:lumOff val="20000"/>
+  </cs:variation>
+  <cs:variation>
+    <a:lumMod val="80000"/>
+  </cs:variation>
+  <cs:variation>
+    <a:lumMod val="60000"/>
+    <a:lumOff val="40000"/>
+  </cs:variation>
+  <cs:variation>
+    <a:lumMod val="50000"/>
+  </cs:variation>
+  <cs:variation>
+    <a:lumMod val="70000"/>
+    <a:lumOff val="30000"/>
+  </cs:variation>
+  <cs:variation>
+    <a:lumMod val="70000"/>
+  </cs:variation>
+  <cs:variation>
+    <a:lumMod val="50000"/>
+    <a:lumOff val="50000"/>
+  </cs:variation>
+</cs:colorStyle>
+</file>
+
+<file path=ppt/charts/colors5.xml><?xml version="1.0" encoding="utf-8"?>
 <cs:colorStyle xmlns:cs="http://schemas.microsoft.com/office/drawing/2012/chartStyle" xmlns:a="http://schemas.openxmlformats.org/drawingml/2006/main" meth="cycle" id="10">
   <a:schemeClr val="accent1"/>
   <a:schemeClr val="accent2"/>
@@ -3841,6 +4354,511 @@
 </cs:chartStyle>
 </file>
 
+<file path=ppt/charts/style5.xml><?xml version="1.0" encoding="utf-8"?>
+<cs:chartStyle xmlns:cs="http://schemas.microsoft.com/office/drawing/2012/chartStyle" xmlns:a="http://schemas.openxmlformats.org/drawingml/2006/main" id="216">
+  <cs:axisTitle>
+    <cs:lnRef idx="0"/>
+    <cs:fillRef idx="0"/>
+    <cs:effectRef idx="0"/>
+    <cs:fontRef idx="minor">
+      <a:schemeClr val="tx1">
+        <a:lumMod val="65000"/>
+        <a:lumOff val="35000"/>
+      </a:schemeClr>
+    </cs:fontRef>
+    <cs:defRPr sz="1000" kern="1200"/>
+  </cs:axisTitle>
+  <cs:categoryAxis>
+    <cs:lnRef idx="0"/>
+    <cs:fillRef idx="0"/>
+    <cs:effectRef idx="0"/>
+    <cs:fontRef idx="minor">
+      <a:schemeClr val="tx1">
+        <a:lumMod val="65000"/>
+        <a:lumOff val="35000"/>
+      </a:schemeClr>
+    </cs:fontRef>
+    <cs:spPr>
+      <a:ln w="9525" cap="flat" cmpd="sng" algn="ctr">
+        <a:solidFill>
+          <a:schemeClr val="tx1">
+            <a:lumMod val="15000"/>
+            <a:lumOff val="85000"/>
+          </a:schemeClr>
+        </a:solidFill>
+        <a:round/>
+      </a:ln>
+    </cs:spPr>
+    <cs:defRPr sz="900" kern="1200"/>
+  </cs:categoryAxis>
+  <cs:chartArea mods="allowNoFillOverride allowNoLineOverride">
+    <cs:lnRef idx="0"/>
+    <cs:fillRef idx="0"/>
+    <cs:effectRef idx="0"/>
+    <cs:fontRef idx="minor">
+      <a:schemeClr val="tx1"/>
+    </cs:fontRef>
+    <cs:spPr>
+      <a:solidFill>
+        <a:schemeClr val="bg1"/>
+      </a:solidFill>
+      <a:ln w="9525" cap="flat" cmpd="sng" algn="ctr">
+        <a:solidFill>
+          <a:schemeClr val="tx1">
+            <a:lumMod val="15000"/>
+            <a:lumOff val="85000"/>
+          </a:schemeClr>
+        </a:solidFill>
+        <a:round/>
+      </a:ln>
+    </cs:spPr>
+    <cs:defRPr sz="1000" kern="1200"/>
+  </cs:chartArea>
+  <cs:dataLabel>
+    <cs:lnRef idx="0"/>
+    <cs:fillRef idx="0"/>
+    <cs:effectRef idx="0"/>
+    <cs:fontRef idx="minor">
+      <a:schemeClr val="tx1">
+        <a:lumMod val="75000"/>
+        <a:lumOff val="25000"/>
+      </a:schemeClr>
+    </cs:fontRef>
+    <cs:defRPr sz="900" kern="1200"/>
+  </cs:dataLabel>
+  <cs:dataLabelCallout>
+    <cs:lnRef idx="0"/>
+    <cs:fillRef idx="0"/>
+    <cs:effectRef idx="0"/>
+    <cs:fontRef idx="minor">
+      <a:schemeClr val="dk1">
+        <a:lumMod val="65000"/>
+        <a:lumOff val="35000"/>
+      </a:schemeClr>
+    </cs:fontRef>
+    <cs:spPr>
+      <a:solidFill>
+        <a:schemeClr val="lt1"/>
+      </a:solidFill>
+      <a:ln>
+        <a:solidFill>
+          <a:schemeClr val="dk1">
+            <a:lumMod val="25000"/>
+            <a:lumOff val="75000"/>
+          </a:schemeClr>
+        </a:solidFill>
+      </a:ln>
+    </cs:spPr>
+    <cs:defRPr sz="900" kern="1200"/>
+    <cs:bodyPr rot="0" spcFirstLastPara="1" vertOverflow="clip" horzOverflow="clip" vert="horz" wrap="square" lIns="36576" tIns="18288" rIns="36576" bIns="18288" anchor="ctr" anchorCtr="1">
+      <a:spAutoFit/>
+    </cs:bodyPr>
+  </cs:dataLabelCallout>
+  <cs:dataPoint>
+    <cs:lnRef idx="0"/>
+    <cs:fillRef idx="1">
+      <cs:styleClr val="auto"/>
+    </cs:fillRef>
+    <cs:effectRef idx="0"/>
+    <cs:fontRef idx="minor">
+      <a:schemeClr val="tx1"/>
+    </cs:fontRef>
+  </cs:dataPoint>
+  <cs:dataPoint3D>
+    <cs:lnRef idx="0"/>
+    <cs:fillRef idx="1">
+      <cs:styleClr val="auto"/>
+    </cs:fillRef>
+    <cs:effectRef idx="0"/>
+    <cs:fontRef idx="minor">
+      <a:schemeClr val="tx1"/>
+    </cs:fontRef>
+  </cs:dataPoint3D>
+  <cs:dataPointLine>
+    <cs:lnRef idx="0">
+      <cs:styleClr val="auto"/>
+    </cs:lnRef>
+    <cs:fillRef idx="1"/>
+    <cs:effectRef idx="0"/>
+    <cs:fontRef idx="minor">
+      <a:schemeClr val="tx1"/>
+    </cs:fontRef>
+    <cs:spPr>
+      <a:ln w="28575" cap="rnd">
+        <a:solidFill>
+          <a:schemeClr val="phClr"/>
+        </a:solidFill>
+        <a:round/>
+      </a:ln>
+    </cs:spPr>
+  </cs:dataPointLine>
+  <cs:dataPointMarker>
+    <cs:lnRef idx="0">
+      <cs:styleClr val="auto"/>
+    </cs:lnRef>
+    <cs:fillRef idx="1">
+      <cs:styleClr val="auto"/>
+    </cs:fillRef>
+    <cs:effectRef idx="0"/>
+    <cs:fontRef idx="minor">
+      <a:schemeClr val="tx1"/>
+    </cs:fontRef>
+    <cs:spPr>
+      <a:ln w="9525">
+        <a:solidFill>
+          <a:schemeClr val="phClr"/>
+        </a:solidFill>
+      </a:ln>
+    </cs:spPr>
+  </cs:dataPointMarker>
+  <cs:dataPointMarkerLayout symbol="circle" size="5"/>
+  <cs:dataPointWireframe>
+    <cs:lnRef idx="0">
+      <cs:styleClr val="auto"/>
+    </cs:lnRef>
+    <cs:fillRef idx="1"/>
+    <cs:effectRef idx="0"/>
+    <cs:fontRef idx="minor">
+      <a:schemeClr val="tx1"/>
+    </cs:fontRef>
+    <cs:spPr>
+      <a:ln w="9525" cap="rnd">
+        <a:solidFill>
+          <a:schemeClr val="phClr"/>
+        </a:solidFill>
+        <a:round/>
+      </a:ln>
+    </cs:spPr>
+  </cs:dataPointWireframe>
+  <cs:dataTable>
+    <cs:lnRef idx="0"/>
+    <cs:fillRef idx="0"/>
+    <cs:effectRef idx="0"/>
+    <cs:fontRef idx="minor">
+      <a:schemeClr val="tx1">
+        <a:lumMod val="65000"/>
+        <a:lumOff val="35000"/>
+      </a:schemeClr>
+    </cs:fontRef>
+    <cs:spPr>
+      <a:noFill/>
+      <a:ln w="9525" cap="flat" cmpd="sng" algn="ctr">
+        <a:solidFill>
+          <a:schemeClr val="tx1">
+            <a:lumMod val="15000"/>
+            <a:lumOff val="85000"/>
+          </a:schemeClr>
+        </a:solidFill>
+        <a:round/>
+      </a:ln>
+    </cs:spPr>
+    <cs:defRPr sz="900" kern="1200"/>
+  </cs:dataTable>
+  <cs:downBar>
+    <cs:lnRef idx="0"/>
+    <cs:fillRef idx="0"/>
+    <cs:effectRef idx="0"/>
+    <cs:fontRef idx="minor">
+      <a:schemeClr val="tx1"/>
+    </cs:fontRef>
+    <cs:spPr>
+      <a:solidFill>
+        <a:schemeClr val="dk1">
+          <a:lumMod val="75000"/>
+          <a:lumOff val="25000"/>
+        </a:schemeClr>
+      </a:solidFill>
+      <a:ln w="9525" cap="flat" cmpd="sng" algn="ctr">
+        <a:solidFill>
+          <a:schemeClr val="tx1">
+            <a:lumMod val="65000"/>
+            <a:lumOff val="35000"/>
+          </a:schemeClr>
+        </a:solidFill>
+        <a:round/>
+      </a:ln>
+    </cs:spPr>
+  </cs:downBar>
+  <cs:dropLine>
+    <cs:lnRef idx="0"/>
+    <cs:fillRef idx="0"/>
+    <cs:effectRef idx="0"/>
+    <cs:fontRef idx="minor">
+      <a:schemeClr val="tx1"/>
+    </cs:fontRef>
+    <cs:spPr>
+      <a:ln w="9525" cap="flat" cmpd="sng" algn="ctr">
+        <a:solidFill>
+          <a:schemeClr val="tx1">
+            <a:lumMod val="35000"/>
+            <a:lumOff val="65000"/>
+          </a:schemeClr>
+        </a:solidFill>
+        <a:round/>
+      </a:ln>
+    </cs:spPr>
+  </cs:dropLine>
+  <cs:errorBar>
+    <cs:lnRef idx="0"/>
+    <cs:fillRef idx="0"/>
+    <cs:effectRef idx="0"/>
+    <cs:fontRef idx="minor">
+      <a:schemeClr val="tx1"/>
+    </cs:fontRef>
+    <cs:spPr>
+      <a:ln w="9525" cap="flat" cmpd="sng" algn="ctr">
+        <a:solidFill>
+          <a:schemeClr val="tx1">
+            <a:lumMod val="65000"/>
+            <a:lumOff val="35000"/>
+          </a:schemeClr>
+        </a:solidFill>
+        <a:round/>
+      </a:ln>
+    </cs:spPr>
+  </cs:errorBar>
+  <cs:floor>
+    <cs:lnRef idx="0"/>
+    <cs:fillRef idx="0"/>
+    <cs:effectRef idx="0"/>
+    <cs:fontRef idx="minor">
+      <a:schemeClr val="tx1"/>
+    </cs:fontRef>
+    <cs:spPr>
+      <a:noFill/>
+      <a:ln>
+        <a:noFill/>
+      </a:ln>
+    </cs:spPr>
+  </cs:floor>
+  <cs:gridlineMajor>
+    <cs:lnRef idx="0"/>
+    <cs:fillRef idx="0"/>
+    <cs:effectRef idx="0"/>
+    <cs:fontRef idx="minor">
+      <a:schemeClr val="tx1"/>
+    </cs:fontRef>
+    <cs:spPr>
+      <a:ln w="9525" cap="flat" cmpd="sng" algn="ctr">
+        <a:solidFill>
+          <a:schemeClr val="tx1">
+            <a:lumMod val="15000"/>
+            <a:lumOff val="85000"/>
+          </a:schemeClr>
+        </a:solidFill>
+        <a:round/>
+      </a:ln>
+    </cs:spPr>
+  </cs:gridlineMajor>
+  <cs:gridlineMinor>
+    <cs:lnRef idx="0"/>
+    <cs:fillRef idx="0"/>
+    <cs:effectRef idx="0"/>
+    <cs:fontRef idx="minor">
+      <a:schemeClr val="tx1"/>
+    </cs:fontRef>
+    <cs:spPr>
+      <a:ln w="9525" cap="flat" cmpd="sng" algn="ctr">
+        <a:solidFill>
+          <a:schemeClr val="tx1">
+            <a:lumMod val="5000"/>
+            <a:lumOff val="95000"/>
+          </a:schemeClr>
+        </a:solidFill>
+        <a:round/>
+      </a:ln>
+    </cs:spPr>
+  </cs:gridlineMinor>
+  <cs:hiLoLine>
+    <cs:lnRef idx="0"/>
+    <cs:fillRef idx="0"/>
+    <cs:effectRef idx="0"/>
+    <cs:fontRef idx="minor">
+      <a:schemeClr val="tx1"/>
+    </cs:fontRef>
+    <cs:spPr>
+      <a:ln w="9525" cap="flat" cmpd="sng" algn="ctr">
+        <a:solidFill>
+          <a:schemeClr val="tx1">
+            <a:lumMod val="50000"/>
+            <a:lumOff val="50000"/>
+          </a:schemeClr>
+        </a:solidFill>
+        <a:round/>
+      </a:ln>
+    </cs:spPr>
+  </cs:hiLoLine>
+  <cs:leaderLine>
+    <cs:lnRef idx="0"/>
+    <cs:fillRef idx="0"/>
+    <cs:effectRef idx="0"/>
+    <cs:fontRef idx="minor">
+      <a:schemeClr val="tx1"/>
+    </cs:fontRef>
+    <cs:spPr>
+      <a:ln w="9525" cap="flat" cmpd="sng" algn="ctr">
+        <a:solidFill>
+          <a:schemeClr val="tx1">
+            <a:lumMod val="35000"/>
+            <a:lumOff val="65000"/>
+          </a:schemeClr>
+        </a:solidFill>
+        <a:round/>
+      </a:ln>
+    </cs:spPr>
+  </cs:leaderLine>
+  <cs:legend>
+    <cs:lnRef idx="0"/>
+    <cs:fillRef idx="0"/>
+    <cs:effectRef idx="0"/>
+    <cs:fontRef idx="minor">
+      <a:schemeClr val="tx1">
+        <a:lumMod val="65000"/>
+        <a:lumOff val="35000"/>
+      </a:schemeClr>
+    </cs:fontRef>
+    <cs:defRPr sz="900" kern="1200"/>
+  </cs:legend>
+  <cs:plotArea mods="allowNoFillOverride allowNoLineOverride">
+    <cs:lnRef idx="0"/>
+    <cs:fillRef idx="0"/>
+    <cs:effectRef idx="0"/>
+    <cs:fontRef idx="minor">
+      <a:schemeClr val="tx1"/>
+    </cs:fontRef>
+  </cs:plotArea>
+  <cs:plotArea3D mods="allowNoFillOverride allowNoLineOverride">
+    <cs:lnRef idx="0"/>
+    <cs:fillRef idx="0"/>
+    <cs:effectRef idx="0"/>
+    <cs:fontRef idx="minor">
+      <a:schemeClr val="tx1"/>
+    </cs:fontRef>
+  </cs:plotArea3D>
+  <cs:seriesAxis>
+    <cs:lnRef idx="0"/>
+    <cs:fillRef idx="0"/>
+    <cs:effectRef idx="0"/>
+    <cs:fontRef idx="minor">
+      <a:schemeClr val="tx1">
+        <a:lumMod val="65000"/>
+        <a:lumOff val="35000"/>
+      </a:schemeClr>
+    </cs:fontRef>
+    <cs:defRPr sz="900" kern="1200"/>
+  </cs:seriesAxis>
+  <cs:seriesLine>
+    <cs:lnRef idx="0"/>
+    <cs:fillRef idx="0"/>
+    <cs:effectRef idx="0"/>
+    <cs:fontRef idx="minor">
+      <a:schemeClr val="tx1"/>
+    </cs:fontRef>
+    <cs:spPr>
+      <a:ln w="9525" cap="flat" cmpd="sng" algn="ctr">
+        <a:solidFill>
+          <a:schemeClr val="tx1">
+            <a:lumMod val="35000"/>
+            <a:lumOff val="65000"/>
+          </a:schemeClr>
+        </a:solidFill>
+        <a:round/>
+      </a:ln>
+    </cs:spPr>
+  </cs:seriesLine>
+  <cs:title>
+    <cs:lnRef idx="0"/>
+    <cs:fillRef idx="0"/>
+    <cs:effectRef idx="0"/>
+    <cs:fontRef idx="minor">
+      <a:schemeClr val="tx1">
+        <a:lumMod val="65000"/>
+        <a:lumOff val="35000"/>
+      </a:schemeClr>
+    </cs:fontRef>
+    <cs:defRPr sz="1400" b="0" kern="1200" spc="0" baseline="0"/>
+  </cs:title>
+  <cs:trendline>
+    <cs:lnRef idx="0">
+      <cs:styleClr val="auto"/>
+    </cs:lnRef>
+    <cs:fillRef idx="0"/>
+    <cs:effectRef idx="0"/>
+    <cs:fontRef idx="minor">
+      <a:schemeClr val="tx1"/>
+    </cs:fontRef>
+    <cs:spPr>
+      <a:ln w="19050" cap="rnd">
+        <a:solidFill>
+          <a:schemeClr val="phClr"/>
+        </a:solidFill>
+        <a:prstDash val="sysDot"/>
+      </a:ln>
+    </cs:spPr>
+  </cs:trendline>
+  <cs:trendlineLabel>
+    <cs:lnRef idx="0"/>
+    <cs:fillRef idx="0"/>
+    <cs:effectRef idx="0"/>
+    <cs:fontRef idx="minor">
+      <a:schemeClr val="tx1">
+        <a:lumMod val="65000"/>
+        <a:lumOff val="35000"/>
+      </a:schemeClr>
+    </cs:fontRef>
+    <cs:defRPr sz="900" kern="1200"/>
+  </cs:trendlineLabel>
+  <cs:upBar>
+    <cs:lnRef idx="0"/>
+    <cs:fillRef idx="0"/>
+    <cs:effectRef idx="0"/>
+    <cs:fontRef idx="minor">
+      <a:schemeClr val="tx1"/>
+    </cs:fontRef>
+    <cs:spPr>
+      <a:solidFill>
+        <a:schemeClr val="lt1"/>
+      </a:solidFill>
+      <a:ln w="9525" cap="flat" cmpd="sng" algn="ctr">
+        <a:solidFill>
+          <a:schemeClr val="tx1">
+            <a:lumMod val="65000"/>
+            <a:lumOff val="35000"/>
+          </a:schemeClr>
+        </a:solidFill>
+        <a:round/>
+      </a:ln>
+    </cs:spPr>
+  </cs:upBar>
+  <cs:valueAxis>
+    <cs:lnRef idx="0"/>
+    <cs:fillRef idx="0"/>
+    <cs:effectRef idx="0"/>
+    <cs:fontRef idx="minor">
+      <a:schemeClr val="tx1">
+        <a:lumMod val="65000"/>
+        <a:lumOff val="35000"/>
+      </a:schemeClr>
+    </cs:fontRef>
+    <cs:defRPr sz="900" kern="1200"/>
+  </cs:valueAxis>
+  <cs:wall>
+    <cs:lnRef idx="0"/>
+    <cs:fillRef idx="0"/>
+    <cs:effectRef idx="0"/>
+    <cs:fontRef idx="minor">
+      <a:schemeClr val="tx1"/>
+    </cs:fontRef>
+    <cs:spPr>
+      <a:noFill/>
+      <a:ln>
+        <a:noFill/>
+      </a:ln>
+    </cs:spPr>
+  </cs:wall>
+</cs:chartStyle>
+</file>
+
 <file path=ppt/slideLayouts/slideLayout1.xml><?xml version="1.0" encoding="utf-8"?>
 <p:sldLayout xmlns:a="http://schemas.openxmlformats.org/drawingml/2006/main" xmlns:r="http://schemas.openxmlformats.org/officeDocument/2006/relationships" xmlns:p="http://schemas.openxmlformats.org/presentationml/2006/main" type="title" preserve="1">
   <p:cSld name="タイトル スライド">
@@ -3972,7 +4990,7 @@
           <a:p>
             <a:fld id="{E42984CD-48CE-4FC7-9122-241A3FDBD299}" type="datetimeFigureOut">
               <a:rPr lang="en-US" smtClean="0"/>
-              <a:t>7/7/2015</a:t>
+              <a:t>7/8/2015</a:t>
             </a:fld>
             <a:endParaRPr lang="en-US"/>
           </a:p>
@@ -4174,7 +5192,7 @@
           <a:p>
             <a:fld id="{E42984CD-48CE-4FC7-9122-241A3FDBD299}" type="datetimeFigureOut">
               <a:rPr lang="en-US" smtClean="0"/>
-              <a:t>7/7/2015</a:t>
+              <a:t>7/8/2015</a:t>
             </a:fld>
             <a:endParaRPr lang="en-US"/>
           </a:p>
@@ -4386,7 +5404,7 @@
           <a:p>
             <a:fld id="{E42984CD-48CE-4FC7-9122-241A3FDBD299}" type="datetimeFigureOut">
               <a:rPr lang="en-US" smtClean="0"/>
-              <a:t>7/7/2015</a:t>
+              <a:t>7/8/2015</a:t>
             </a:fld>
             <a:endParaRPr lang="en-US"/>
           </a:p>
@@ -4588,7 +5606,7 @@
           <a:p>
             <a:fld id="{E42984CD-48CE-4FC7-9122-241A3FDBD299}" type="datetimeFigureOut">
               <a:rPr lang="en-US" smtClean="0"/>
-              <a:t>7/7/2015</a:t>
+              <a:t>7/8/2015</a:t>
             </a:fld>
             <a:endParaRPr lang="en-US"/>
           </a:p>
@@ -4834,7 +5852,7 @@
           <a:p>
             <a:fld id="{E42984CD-48CE-4FC7-9122-241A3FDBD299}" type="datetimeFigureOut">
               <a:rPr lang="en-US" smtClean="0"/>
-              <a:t>7/7/2015</a:t>
+              <a:t>7/8/2015</a:t>
             </a:fld>
             <a:endParaRPr lang="en-US"/>
           </a:p>
@@ -5130,7 +6148,7 @@
           <a:p>
             <a:fld id="{E42984CD-48CE-4FC7-9122-241A3FDBD299}" type="datetimeFigureOut">
               <a:rPr lang="en-US" smtClean="0"/>
-              <a:t>7/7/2015</a:t>
+              <a:t>7/8/2015</a:t>
             </a:fld>
             <a:endParaRPr lang="en-US"/>
           </a:p>
@@ -5561,7 +6579,7 @@
           <a:p>
             <a:fld id="{E42984CD-48CE-4FC7-9122-241A3FDBD299}" type="datetimeFigureOut">
               <a:rPr lang="en-US" smtClean="0"/>
-              <a:t>7/7/2015</a:t>
+              <a:t>7/8/2015</a:t>
             </a:fld>
             <a:endParaRPr lang="en-US"/>
           </a:p>
@@ -5679,7 +6697,7 @@
           <a:p>
             <a:fld id="{E42984CD-48CE-4FC7-9122-241A3FDBD299}" type="datetimeFigureOut">
               <a:rPr lang="en-US" smtClean="0"/>
-              <a:t>7/7/2015</a:t>
+              <a:t>7/8/2015</a:t>
             </a:fld>
             <a:endParaRPr lang="en-US"/>
           </a:p>
@@ -5774,7 +6792,7 @@
           <a:p>
             <a:fld id="{E42984CD-48CE-4FC7-9122-241A3FDBD299}" type="datetimeFigureOut">
               <a:rPr lang="en-US" smtClean="0"/>
-              <a:t>7/7/2015</a:t>
+              <a:t>7/8/2015</a:t>
             </a:fld>
             <a:endParaRPr lang="en-US"/>
           </a:p>
@@ -6083,7 +7101,7 @@
           <a:p>
             <a:fld id="{E42984CD-48CE-4FC7-9122-241A3FDBD299}" type="datetimeFigureOut">
               <a:rPr lang="en-US" smtClean="0"/>
-              <a:t>7/7/2015</a:t>
+              <a:t>7/8/2015</a:t>
             </a:fld>
             <a:endParaRPr lang="en-US"/>
           </a:p>
@@ -6336,7 +7354,7 @@
           <a:p>
             <a:fld id="{E42984CD-48CE-4FC7-9122-241A3FDBD299}" type="datetimeFigureOut">
               <a:rPr lang="en-US" smtClean="0"/>
-              <a:t>7/7/2015</a:t>
+              <a:t>7/8/2015</a:t>
             </a:fld>
             <a:endParaRPr lang="en-US"/>
           </a:p>
@@ -6581,7 +7599,7 @@
           <a:p>
             <a:fld id="{E42984CD-48CE-4FC7-9122-241A3FDBD299}" type="datetimeFigureOut">
               <a:rPr lang="en-US" smtClean="0"/>
-              <a:t>7/7/2015</a:t>
+              <a:t>7/8/2015</a:t>
             </a:fld>
             <a:endParaRPr lang="en-US"/>
           </a:p>
@@ -7807,6 +8825,60 @@
     <p:extLst>
       <p:ext uri="{BB962C8B-B14F-4D97-AF65-F5344CB8AC3E}">
         <p14:creationId xmlns:p14="http://schemas.microsoft.com/office/powerpoint/2010/main" val="111730159"/>
+      </p:ext>
+    </p:extLst>
+  </p:cSld>
+  <p:clrMapOvr>
+    <a:masterClrMapping/>
+  </p:clrMapOvr>
+</p:sld>
+</file>
+
+<file path=ppt/slides/slide12.xml><?xml version="1.0" encoding="utf-8"?>
+<p:sld xmlns:a="http://schemas.openxmlformats.org/drawingml/2006/main" xmlns:r="http://schemas.openxmlformats.org/officeDocument/2006/relationships" xmlns:p="http://schemas.openxmlformats.org/presentationml/2006/main">
+  <p:cSld>
+    <p:spTree>
+      <p:nvGrpSpPr>
+        <p:cNvPr id="1" name=""/>
+        <p:cNvGrpSpPr/>
+        <p:nvPr/>
+      </p:nvGrpSpPr>
+      <p:grpSpPr>
+        <a:xfrm>
+          <a:off x="0" y="0"/>
+          <a:ext cx="0" cy="0"/>
+          <a:chOff x="0" y="0"/>
+          <a:chExt cx="0" cy="0"/>
+        </a:xfrm>
+      </p:grpSpPr>
+      <p:graphicFrame>
+        <p:nvGraphicFramePr>
+          <p:cNvPr id="4" name="グラフ 3"/>
+          <p:cNvGraphicFramePr>
+            <a:graphicFrameLocks/>
+          </p:cNvGraphicFramePr>
+          <p:nvPr>
+            <p:extLst>
+              <p:ext uri="{D42A27DB-BD31-4B8C-83A1-F6EECF244321}">
+                <p14:modId xmlns:p14="http://schemas.microsoft.com/office/powerpoint/2010/main" val="2986396058"/>
+              </p:ext>
+            </p:extLst>
+          </p:nvPr>
+        </p:nvGraphicFramePr>
+        <p:xfrm>
+          <a:off x="2140743" y="-347662"/>
+          <a:ext cx="7910513" cy="7553325"/>
+        </p:xfrm>
+        <a:graphic>
+          <a:graphicData uri="http://schemas.openxmlformats.org/drawingml/2006/chart">
+            <c:chart xmlns:c="http://schemas.openxmlformats.org/drawingml/2006/chart" xmlns:r="http://schemas.openxmlformats.org/officeDocument/2006/relationships" r:id="rId2"/>
+          </a:graphicData>
+        </a:graphic>
+      </p:graphicFrame>
+    </p:spTree>
+    <p:extLst>
+      <p:ext uri="{BB962C8B-B14F-4D97-AF65-F5344CB8AC3E}">
+        <p14:creationId xmlns:p14="http://schemas.microsoft.com/office/powerpoint/2010/main" val="3013537962"/>
       </p:ext>
     </p:extLst>
   </p:cSld>

--- a/docs/Misc/Pictures.pptx
+++ b/docs/Misc/Pictures.pptx
@@ -6,17 +6,18 @@
   </p:sldMasterIdLst>
   <p:sldIdLst>
     <p:sldId id="256" r:id="rId2"/>
-    <p:sldId id="257" r:id="rId3"/>
-    <p:sldId id="258" r:id="rId4"/>
-    <p:sldId id="259" r:id="rId5"/>
-    <p:sldId id="260" r:id="rId6"/>
-    <p:sldId id="261" r:id="rId7"/>
-    <p:sldId id="262" r:id="rId8"/>
-    <p:sldId id="263" r:id="rId9"/>
-    <p:sldId id="264" r:id="rId10"/>
-    <p:sldId id="265" r:id="rId11"/>
-    <p:sldId id="266" r:id="rId12"/>
-    <p:sldId id="267" r:id="rId13"/>
+    <p:sldId id="268" r:id="rId3"/>
+    <p:sldId id="257" r:id="rId4"/>
+    <p:sldId id="258" r:id="rId5"/>
+    <p:sldId id="259" r:id="rId6"/>
+    <p:sldId id="260" r:id="rId7"/>
+    <p:sldId id="261" r:id="rId8"/>
+    <p:sldId id="262" r:id="rId9"/>
+    <p:sldId id="263" r:id="rId10"/>
+    <p:sldId id="264" r:id="rId11"/>
+    <p:sldId id="265" r:id="rId12"/>
+    <p:sldId id="266" r:id="rId13"/>
+    <p:sldId id="267" r:id="rId14"/>
   </p:sldIdLst>
   <p:sldSz cx="12192000" cy="6858000"/>
   <p:notesSz cx="6858000" cy="9144000"/>
@@ -121,6 +122,7 @@
         <p14:section name="既定のセクション" id="{1BEFA9AE-E932-46B0-9850-DC3F5C90731B}">
           <p14:sldIdLst>
             <p14:sldId id="256"/>
+            <p14:sldId id="268"/>
             <p14:sldId id="257"/>
             <p14:sldId id="258"/>
             <p14:sldId id="259"/>
@@ -189,7 +191,6 @@
           </a:p>
         </c:rich>
       </c:tx>
-      <c:layout/>
       <c:overlay val="0"/>
       <c:spPr>
         <a:noFill/>
@@ -344,11 +345,11 @@
           <c:showBubbleSize val="0"/>
         </c:dLbls>
         <c:gapWidth val="182"/>
-        <c:axId val="358634592"/>
-        <c:axId val="358634984"/>
+        <c:axId val="438838832"/>
+        <c:axId val="438834128"/>
       </c:barChart>
       <c:catAx>
-        <c:axId val="358634592"/>
+        <c:axId val="438838832"/>
         <c:scaling>
           <c:orientation val="minMax"/>
         </c:scaling>
@@ -388,7 +389,7 @@
             <a:endParaRPr lang="en-US"/>
           </a:p>
         </c:txPr>
-        <c:crossAx val="358634984"/>
+        <c:crossAx val="438834128"/>
         <c:crosses val="autoZero"/>
         <c:auto val="1"/>
         <c:lblAlgn val="ctr"/>
@@ -396,7 +397,7 @@
         <c:noMultiLvlLbl val="0"/>
       </c:catAx>
       <c:valAx>
-        <c:axId val="358634984"/>
+        <c:axId val="438834128"/>
         <c:scaling>
           <c:orientation val="minMax"/>
           <c:max val="4"/>
@@ -448,7 +449,7 @@
             <a:endParaRPr lang="en-US"/>
           </a:p>
         </c:txPr>
-        <c:crossAx val="358634592"/>
+        <c:crossAx val="438838832"/>
         <c:crosses val="autoZero"/>
         <c:crossBetween val="between"/>
       </c:valAx>
@@ -533,7 +534,6 @@
           </a:p>
         </c:rich>
       </c:tx>
-      <c:layout/>
       <c:overlay val="0"/>
       <c:spPr>
         <a:noFill/>
@@ -700,11 +700,11 @@
           <c:showBubbleSize val="0"/>
         </c:dLbls>
         <c:gapWidth val="182"/>
-        <c:axId val="425348328"/>
-        <c:axId val="425342840"/>
+        <c:axId val="438838048"/>
+        <c:axId val="438835304"/>
       </c:barChart>
       <c:catAx>
-        <c:axId val="425348328"/>
+        <c:axId val="438838048"/>
         <c:scaling>
           <c:orientation val="minMax"/>
         </c:scaling>
@@ -744,7 +744,7 @@
             <a:endParaRPr lang="en-US"/>
           </a:p>
         </c:txPr>
-        <c:crossAx val="425342840"/>
+        <c:crossAx val="438835304"/>
         <c:crosses val="autoZero"/>
         <c:auto val="1"/>
         <c:lblAlgn val="ctr"/>
@@ -752,7 +752,7 @@
         <c:noMultiLvlLbl val="0"/>
       </c:catAx>
       <c:valAx>
-        <c:axId val="425342840"/>
+        <c:axId val="438835304"/>
         <c:scaling>
           <c:orientation val="minMax"/>
           <c:max val="4"/>
@@ -802,7 +802,7 @@
             <a:endParaRPr lang="en-US"/>
           </a:p>
         </c:txPr>
-        <c:crossAx val="425348328"/>
+        <c:crossAx val="438838048"/>
         <c:crosses val="autoZero"/>
         <c:crossBetween val="between"/>
       </c:valAx>
@@ -890,7 +890,6 @@
           </a:p>
         </c:rich>
       </c:tx>
-      <c:layout/>
       <c:overlay val="0"/>
       <c:spPr>
         <a:noFill/>
@@ -1048,11 +1047,11 @@
           <c:showBubbleSize val="0"/>
         </c:dLbls>
         <c:gapWidth val="182"/>
-        <c:axId val="425348720"/>
-        <c:axId val="425349112"/>
+        <c:axId val="438836088"/>
+        <c:axId val="438840792"/>
       </c:barChart>
       <c:catAx>
-        <c:axId val="425348720"/>
+        <c:axId val="438836088"/>
         <c:scaling>
           <c:orientation val="minMax"/>
         </c:scaling>
@@ -1092,7 +1091,7 @@
             <a:endParaRPr lang="en-US"/>
           </a:p>
         </c:txPr>
-        <c:crossAx val="425349112"/>
+        <c:crossAx val="438840792"/>
         <c:crosses val="autoZero"/>
         <c:auto val="1"/>
         <c:lblAlgn val="ctr"/>
@@ -1100,7 +1099,7 @@
         <c:noMultiLvlLbl val="0"/>
       </c:catAx>
       <c:valAx>
-        <c:axId val="425349112"/>
+        <c:axId val="438840792"/>
         <c:scaling>
           <c:orientation val="minMax"/>
           <c:max val="4"/>
@@ -1150,7 +1149,7 @@
             <a:endParaRPr lang="en-US"/>
           </a:p>
         </c:txPr>
-        <c:crossAx val="425348720"/>
+        <c:crossAx val="438836088"/>
         <c:crosses val="autoZero"/>
         <c:crossBetween val="between"/>
       </c:valAx>
@@ -1238,7 +1237,6 @@
           </a:p>
         </c:rich>
       </c:tx>
-      <c:layout/>
       <c:overlay val="0"/>
       <c:spPr>
         <a:noFill/>
@@ -1517,11 +1515,11 @@
           <c:showBubbleSize val="0"/>
         </c:dLbls>
         <c:gapWidth val="182"/>
-        <c:axId val="425345584"/>
-        <c:axId val="425343232"/>
+        <c:axId val="438842360"/>
+        <c:axId val="438842752"/>
       </c:barChart>
       <c:catAx>
-        <c:axId val="425345584"/>
+        <c:axId val="438842360"/>
         <c:scaling>
           <c:orientation val="minMax"/>
         </c:scaling>
@@ -1566,7 +1564,7 @@
             <a:endParaRPr lang="en-US"/>
           </a:p>
         </c:txPr>
-        <c:crossAx val="425343232"/>
+        <c:crossAx val="438842752"/>
         <c:crosses val="autoZero"/>
         <c:auto val="1"/>
         <c:lblAlgn val="ctr"/>
@@ -1574,7 +1572,7 @@
         <c:noMultiLvlLbl val="0"/>
       </c:catAx>
       <c:valAx>
-        <c:axId val="425343232"/>
+        <c:axId val="438842752"/>
         <c:scaling>
           <c:orientation val="minMax"/>
           <c:max val="4"/>
@@ -1624,7 +1622,7 @@
             <a:endParaRPr lang="en-US"/>
           </a:p>
         </c:txPr>
-        <c:crossAx val="425345584"/>
+        <c:crossAx val="438842360"/>
         <c:crosses val="autoZero"/>
         <c:crossBetween val="between"/>
       </c:valAx>
@@ -1712,7 +1710,6 @@
           </a:p>
         </c:rich>
       </c:tx>
-      <c:layout/>
       <c:overlay val="0"/>
       <c:spPr>
         <a:noFill/>
@@ -1991,11 +1988,11 @@
           <c:showBubbleSize val="0"/>
         </c:dLbls>
         <c:gapWidth val="100"/>
-        <c:axId val="475848808"/>
-        <c:axId val="475849592"/>
+        <c:axId val="438841184"/>
+        <c:axId val="438839616"/>
       </c:barChart>
       <c:catAx>
-        <c:axId val="475848808"/>
+        <c:axId val="438841184"/>
         <c:scaling>
           <c:orientation val="minMax"/>
         </c:scaling>
@@ -2037,7 +2034,7 @@
             <a:endParaRPr lang="en-US"/>
           </a:p>
         </c:txPr>
-        <c:crossAx val="475849592"/>
+        <c:crossAx val="438839616"/>
         <c:crosses val="autoZero"/>
         <c:auto val="1"/>
         <c:lblAlgn val="ctr"/>
@@ -2045,7 +2042,7 @@
         <c:noMultiLvlLbl val="0"/>
       </c:catAx>
       <c:valAx>
-        <c:axId val="475849592"/>
+        <c:axId val="438839616"/>
         <c:scaling>
           <c:orientation val="minMax"/>
           <c:max val="4"/>
@@ -2095,7 +2092,7 @@
             <a:endParaRPr lang="en-US"/>
           </a:p>
         </c:txPr>
-        <c:crossAx val="475848808"/>
+        <c:crossAx val="438841184"/>
         <c:crosses val="autoZero"/>
         <c:crossBetween val="between"/>
       </c:valAx>
@@ -4990,7 +4987,7 @@
           <a:p>
             <a:fld id="{E42984CD-48CE-4FC7-9122-241A3FDBD299}" type="datetimeFigureOut">
               <a:rPr lang="en-US" smtClean="0"/>
-              <a:t>7/8/2015</a:t>
+              <a:t>7/10/2015</a:t>
             </a:fld>
             <a:endParaRPr lang="en-US"/>
           </a:p>
@@ -5192,7 +5189,7 @@
           <a:p>
             <a:fld id="{E42984CD-48CE-4FC7-9122-241A3FDBD299}" type="datetimeFigureOut">
               <a:rPr lang="en-US" smtClean="0"/>
-              <a:t>7/8/2015</a:t>
+              <a:t>7/10/2015</a:t>
             </a:fld>
             <a:endParaRPr lang="en-US"/>
           </a:p>
@@ -5404,7 +5401,7 @@
           <a:p>
             <a:fld id="{E42984CD-48CE-4FC7-9122-241A3FDBD299}" type="datetimeFigureOut">
               <a:rPr lang="en-US" smtClean="0"/>
-              <a:t>7/8/2015</a:t>
+              <a:t>7/10/2015</a:t>
             </a:fld>
             <a:endParaRPr lang="en-US"/>
           </a:p>
@@ -5606,7 +5603,7 @@
           <a:p>
             <a:fld id="{E42984CD-48CE-4FC7-9122-241A3FDBD299}" type="datetimeFigureOut">
               <a:rPr lang="en-US" smtClean="0"/>
-              <a:t>7/8/2015</a:t>
+              <a:t>7/10/2015</a:t>
             </a:fld>
             <a:endParaRPr lang="en-US"/>
           </a:p>
@@ -5852,7 +5849,7 @@
           <a:p>
             <a:fld id="{E42984CD-48CE-4FC7-9122-241A3FDBD299}" type="datetimeFigureOut">
               <a:rPr lang="en-US" smtClean="0"/>
-              <a:t>7/8/2015</a:t>
+              <a:t>7/10/2015</a:t>
             </a:fld>
             <a:endParaRPr lang="en-US"/>
           </a:p>
@@ -6148,7 +6145,7 @@
           <a:p>
             <a:fld id="{E42984CD-48CE-4FC7-9122-241A3FDBD299}" type="datetimeFigureOut">
               <a:rPr lang="en-US" smtClean="0"/>
-              <a:t>7/8/2015</a:t>
+              <a:t>7/10/2015</a:t>
             </a:fld>
             <a:endParaRPr lang="en-US"/>
           </a:p>
@@ -6579,7 +6576,7 @@
           <a:p>
             <a:fld id="{E42984CD-48CE-4FC7-9122-241A3FDBD299}" type="datetimeFigureOut">
               <a:rPr lang="en-US" smtClean="0"/>
-              <a:t>7/8/2015</a:t>
+              <a:t>7/10/2015</a:t>
             </a:fld>
             <a:endParaRPr lang="en-US"/>
           </a:p>
@@ -6697,7 +6694,7 @@
           <a:p>
             <a:fld id="{E42984CD-48CE-4FC7-9122-241A3FDBD299}" type="datetimeFigureOut">
               <a:rPr lang="en-US" smtClean="0"/>
-              <a:t>7/8/2015</a:t>
+              <a:t>7/10/2015</a:t>
             </a:fld>
             <a:endParaRPr lang="en-US"/>
           </a:p>
@@ -6792,7 +6789,7 @@
           <a:p>
             <a:fld id="{E42984CD-48CE-4FC7-9122-241A3FDBD299}" type="datetimeFigureOut">
               <a:rPr lang="en-US" smtClean="0"/>
-              <a:t>7/8/2015</a:t>
+              <a:t>7/10/2015</a:t>
             </a:fld>
             <a:endParaRPr lang="en-US"/>
           </a:p>
@@ -7101,7 +7098,7 @@
           <a:p>
             <a:fld id="{E42984CD-48CE-4FC7-9122-241A3FDBD299}" type="datetimeFigureOut">
               <a:rPr lang="en-US" smtClean="0"/>
-              <a:t>7/8/2015</a:t>
+              <a:t>7/10/2015</a:t>
             </a:fld>
             <a:endParaRPr lang="en-US"/>
           </a:p>
@@ -7354,7 +7351,7 @@
           <a:p>
             <a:fld id="{E42984CD-48CE-4FC7-9122-241A3FDBD299}" type="datetimeFigureOut">
               <a:rPr lang="en-US" smtClean="0"/>
-              <a:t>7/8/2015</a:t>
+              <a:t>7/10/2015</a:t>
             </a:fld>
             <a:endParaRPr lang="en-US"/>
           </a:p>
@@ -7599,7 +7596,7 @@
           <a:p>
             <a:fld id="{E42984CD-48CE-4FC7-9122-241A3FDBD299}" type="datetimeFigureOut">
               <a:rPr lang="en-US" smtClean="0"/>
-              <a:t>7/8/2015</a:t>
+              <a:t>7/10/2015</a:t>
             </a:fld>
             <a:endParaRPr lang="en-US"/>
           </a:p>
@@ -8695,6 +8692,472 @@
           <a:chExt cx="0" cy="0"/>
         </a:xfrm>
       </p:grpSpPr>
+      <p:grpSp>
+        <p:nvGrpSpPr>
+          <p:cNvPr id="53" name="グループ化 52"/>
+          <p:cNvGrpSpPr/>
+          <p:nvPr/>
+        </p:nvGrpSpPr>
+        <p:grpSpPr>
+          <a:xfrm>
+            <a:off x="2174788" y="2475644"/>
+            <a:ext cx="3534033" cy="2277588"/>
+            <a:chOff x="2174788" y="2475644"/>
+            <a:chExt cx="3534033" cy="2277588"/>
+          </a:xfrm>
+        </p:grpSpPr>
+        <p:sp>
+          <p:nvSpPr>
+            <p:cNvPr id="7" name="正方形/長方形 6"/>
+            <p:cNvSpPr/>
+            <p:nvPr/>
+          </p:nvSpPr>
+          <p:spPr>
+            <a:xfrm>
+              <a:off x="2174788" y="2475644"/>
+              <a:ext cx="3534033" cy="2277588"/>
+            </a:xfrm>
+            <a:prstGeom prst="rect">
+              <a:avLst/>
+            </a:prstGeom>
+            <a:solidFill>
+              <a:schemeClr val="bg1"/>
+            </a:solidFill>
+          </p:spPr>
+          <p:style>
+            <a:lnRef idx="2">
+              <a:schemeClr val="dk1">
+                <a:shade val="50000"/>
+              </a:schemeClr>
+            </a:lnRef>
+            <a:fillRef idx="1">
+              <a:schemeClr val="dk1"/>
+            </a:fillRef>
+            <a:effectRef idx="0">
+              <a:schemeClr val="dk1"/>
+            </a:effectRef>
+            <a:fontRef idx="minor">
+              <a:schemeClr val="lt1"/>
+            </a:fontRef>
+          </p:style>
+          <p:txBody>
+            <a:bodyPr rtlCol="0" anchor="ctr"/>
+            <a:lstStyle/>
+            <a:p>
+              <a:pPr algn="ctr"/>
+              <a:endParaRPr lang="en-US"/>
+            </a:p>
+          </p:txBody>
+        </p:sp>
+        <p:sp>
+          <p:nvSpPr>
+            <p:cNvPr id="33" name="正方形/長方形 32"/>
+            <p:cNvSpPr/>
+            <p:nvPr/>
+          </p:nvSpPr>
+          <p:spPr>
+            <a:xfrm>
+              <a:off x="2243137" y="3500005"/>
+              <a:ext cx="2313623" cy="1147653"/>
+            </a:xfrm>
+            <a:prstGeom prst="rect">
+              <a:avLst/>
+            </a:prstGeom>
+            <a:solidFill>
+              <a:schemeClr val="bg1"/>
+            </a:solidFill>
+          </p:spPr>
+          <p:style>
+            <a:lnRef idx="2">
+              <a:schemeClr val="dk1">
+                <a:shade val="50000"/>
+              </a:schemeClr>
+            </a:lnRef>
+            <a:fillRef idx="1">
+              <a:schemeClr val="dk1"/>
+            </a:fillRef>
+            <a:effectRef idx="0">
+              <a:schemeClr val="dk1"/>
+            </a:effectRef>
+            <a:fontRef idx="minor">
+              <a:schemeClr val="lt1"/>
+            </a:fontRef>
+          </p:style>
+          <p:txBody>
+            <a:bodyPr rtlCol="0" anchor="ctr"/>
+            <a:lstStyle/>
+            <a:p>
+              <a:pPr algn="ctr"/>
+              <a:endParaRPr lang="en-US"/>
+            </a:p>
+          </p:txBody>
+        </p:sp>
+        <p:sp>
+          <p:nvSpPr>
+            <p:cNvPr id="34" name="正方形/長方形 33"/>
+            <p:cNvSpPr/>
+            <p:nvPr/>
+          </p:nvSpPr>
+          <p:spPr>
+            <a:xfrm>
+              <a:off x="3429953" y="3500005"/>
+              <a:ext cx="2204728" cy="1147653"/>
+            </a:xfrm>
+            <a:prstGeom prst="rect">
+              <a:avLst/>
+            </a:prstGeom>
+            <a:solidFill>
+              <a:schemeClr val="bg1"/>
+            </a:solidFill>
+          </p:spPr>
+          <p:style>
+            <a:lnRef idx="2">
+              <a:schemeClr val="dk1">
+                <a:shade val="50000"/>
+              </a:schemeClr>
+            </a:lnRef>
+            <a:fillRef idx="1">
+              <a:schemeClr val="dk1"/>
+            </a:fillRef>
+            <a:effectRef idx="0">
+              <a:schemeClr val="dk1"/>
+            </a:effectRef>
+            <a:fontRef idx="minor">
+              <a:schemeClr val="lt1"/>
+            </a:fontRef>
+          </p:style>
+          <p:txBody>
+            <a:bodyPr rtlCol="0" anchor="ctr"/>
+            <a:lstStyle/>
+            <a:p>
+              <a:pPr algn="ctr"/>
+              <a:endParaRPr lang="en-US" dirty="0"/>
+            </a:p>
+          </p:txBody>
+        </p:sp>
+        <p:cxnSp>
+          <p:nvCxnSpPr>
+            <p:cNvPr id="35" name="直線コネクタ 34"/>
+            <p:cNvCxnSpPr/>
+            <p:nvPr/>
+          </p:nvCxnSpPr>
+          <p:spPr>
+            <a:xfrm>
+              <a:off x="3414713" y="3965232"/>
+              <a:ext cx="2219968" cy="18380"/>
+            </a:xfrm>
+            <a:prstGeom prst="line">
+              <a:avLst/>
+            </a:prstGeom>
+            <a:ln w="12700">
+              <a:solidFill>
+                <a:schemeClr val="tx1"/>
+              </a:solidFill>
+            </a:ln>
+          </p:spPr>
+          <p:style>
+            <a:lnRef idx="1">
+              <a:schemeClr val="accent1"/>
+            </a:lnRef>
+            <a:fillRef idx="0">
+              <a:schemeClr val="accent1"/>
+            </a:fillRef>
+            <a:effectRef idx="0">
+              <a:schemeClr val="accent1"/>
+            </a:effectRef>
+            <a:fontRef idx="minor">
+              <a:schemeClr val="tx1"/>
+            </a:fontRef>
+          </p:style>
+        </p:cxnSp>
+        <p:sp>
+          <p:nvSpPr>
+            <p:cNvPr id="36" name="テキスト ボックス 35"/>
+            <p:cNvSpPr txBox="1"/>
+            <p:nvPr/>
+          </p:nvSpPr>
+          <p:spPr>
+            <a:xfrm>
+              <a:off x="3592444" y="3469388"/>
+              <a:ext cx="1847301" cy="523220"/>
+            </a:xfrm>
+            <a:prstGeom prst="rect">
+              <a:avLst/>
+            </a:prstGeom>
+            <a:noFill/>
+          </p:spPr>
+          <p:txBody>
+            <a:bodyPr wrap="none" rtlCol="0">
+              <a:spAutoFit/>
+            </a:bodyPr>
+            <a:lstStyle/>
+            <a:p>
+              <a:r>
+                <a:rPr lang="en-US" sz="1400" dirty="0" smtClean="0"/>
+                <a:t>Approach human with </a:t>
+              </a:r>
+            </a:p>
+            <a:p>
+              <a:r>
+                <a:rPr lang="en-US" sz="1400" dirty="0" smtClean="0"/>
+                <a:t>distance 2.0 </a:t>
+              </a:r>
+              <a:r>
+                <a:rPr lang="en-US" sz="1400" dirty="0" err="1" smtClean="0"/>
+                <a:t>metres</a:t>
+              </a:r>
+              <a:endParaRPr lang="en-US" sz="1400" dirty="0"/>
+            </a:p>
+          </p:txBody>
+        </p:sp>
+        <p:sp>
+          <p:nvSpPr>
+            <p:cNvPr id="37" name="テキスト ボックス 36"/>
+            <p:cNvSpPr txBox="1"/>
+            <p:nvPr/>
+          </p:nvSpPr>
+          <p:spPr>
+            <a:xfrm>
+              <a:off x="3598056" y="3983612"/>
+              <a:ext cx="1436483" cy="307777"/>
+            </a:xfrm>
+            <a:prstGeom prst="rect">
+              <a:avLst/>
+            </a:prstGeom>
+            <a:noFill/>
+          </p:spPr>
+          <p:txBody>
+            <a:bodyPr wrap="none" rtlCol="0">
+              <a:spAutoFit/>
+            </a:bodyPr>
+            <a:lstStyle/>
+            <a:p>
+              <a:r>
+                <a:rPr lang="en-US" sz="1400" dirty="0" smtClean="0"/>
+                <a:t>Greet the human</a:t>
+              </a:r>
+              <a:endParaRPr lang="en-US" sz="1400" dirty="0"/>
+            </a:p>
+          </p:txBody>
+        </p:sp>
+        <p:sp>
+          <p:nvSpPr>
+            <p:cNvPr id="14" name="テキスト ボックス 13"/>
+            <p:cNvSpPr txBox="1"/>
+            <p:nvPr/>
+          </p:nvSpPr>
+          <p:spPr>
+            <a:xfrm>
+              <a:off x="2473305" y="3811870"/>
+              <a:ext cx="726481" cy="523220"/>
+            </a:xfrm>
+            <a:prstGeom prst="rect">
+              <a:avLst/>
+            </a:prstGeom>
+            <a:noFill/>
+          </p:spPr>
+          <p:txBody>
+            <a:bodyPr wrap="none" rtlCol="0">
+              <a:spAutoFit/>
+            </a:bodyPr>
+            <a:lstStyle/>
+            <a:p>
+              <a:pPr algn="ctr"/>
+              <a:r>
+                <a:rPr lang="en-US" sz="1400" dirty="0" smtClean="0"/>
+                <a:t>Robot</a:t>
+              </a:r>
+            </a:p>
+            <a:p>
+              <a:pPr algn="ctr"/>
+              <a:r>
+                <a:rPr lang="en-US" sz="1400" dirty="0" smtClean="0"/>
+                <a:t>Actions</a:t>
+              </a:r>
+              <a:endParaRPr lang="en-US" sz="1400" dirty="0"/>
+            </a:p>
+          </p:txBody>
+        </p:sp>
+        <p:sp>
+          <p:nvSpPr>
+            <p:cNvPr id="16" name="テキスト ボックス 15"/>
+            <p:cNvSpPr txBox="1"/>
+            <p:nvPr/>
+          </p:nvSpPr>
+          <p:spPr>
+            <a:xfrm>
+              <a:off x="2906555" y="2774425"/>
+              <a:ext cx="2054024" cy="738664"/>
+            </a:xfrm>
+            <a:prstGeom prst="rect">
+              <a:avLst/>
+            </a:prstGeom>
+            <a:noFill/>
+          </p:spPr>
+          <p:txBody>
+            <a:bodyPr wrap="none" rtlCol="0">
+              <a:spAutoFit/>
+            </a:bodyPr>
+            <a:lstStyle/>
+            <a:p>
+              <a:r>
+                <a:rPr lang="en-US" sz="1400" dirty="0" smtClean="0"/>
+                <a:t>Trigger  : </a:t>
+              </a:r>
+              <a:r>
+                <a:rPr lang="en-US" sz="1400" dirty="0" err="1" smtClean="0"/>
+                <a:t>HumanDetected</a:t>
+              </a:r>
+              <a:endParaRPr lang="en-US" sz="1400" dirty="0" smtClean="0"/>
+            </a:p>
+            <a:p>
+              <a:r>
+                <a:rPr lang="en-US" sz="1400" dirty="0" smtClean="0"/>
+                <a:t>Lifetime</a:t>
+              </a:r>
+              <a:r>
+                <a:rPr lang="en-US" sz="1400" dirty="0"/>
+                <a:t>: </a:t>
+              </a:r>
+              <a:r>
+                <a:rPr lang="en-US" sz="1400" dirty="0" smtClean="0"/>
+                <a:t>Once</a:t>
+              </a:r>
+            </a:p>
+            <a:p>
+              <a:r>
+                <a:rPr lang="en-US" sz="1400" dirty="0" smtClean="0"/>
+                <a:t>Priority:   Normal</a:t>
+              </a:r>
+              <a:endParaRPr lang="en-US" sz="1400" dirty="0"/>
+            </a:p>
+          </p:txBody>
+        </p:sp>
+        <p:sp>
+          <p:nvSpPr>
+            <p:cNvPr id="48" name="テキスト ボックス 47"/>
+            <p:cNvSpPr txBox="1"/>
+            <p:nvPr/>
+          </p:nvSpPr>
+          <p:spPr>
+            <a:xfrm>
+              <a:off x="3584653" y="4309769"/>
+              <a:ext cx="1862882" cy="307777"/>
+            </a:xfrm>
+            <a:prstGeom prst="rect">
+              <a:avLst/>
+            </a:prstGeom>
+            <a:noFill/>
+          </p:spPr>
+          <p:txBody>
+            <a:bodyPr wrap="none" rtlCol="0">
+              <a:spAutoFit/>
+            </a:bodyPr>
+            <a:lstStyle/>
+            <a:p>
+              <a:r>
+                <a:rPr lang="en-US" sz="1400" dirty="0" smtClean="0"/>
+                <a:t>Say about the museum</a:t>
+              </a:r>
+              <a:endParaRPr lang="en-US" sz="1400" dirty="0"/>
+            </a:p>
+          </p:txBody>
+        </p:sp>
+        <p:cxnSp>
+          <p:nvCxnSpPr>
+            <p:cNvPr id="50" name="直線コネクタ 49"/>
+            <p:cNvCxnSpPr/>
+            <p:nvPr/>
+          </p:nvCxnSpPr>
+          <p:spPr>
+            <a:xfrm>
+              <a:off x="3429953" y="4307746"/>
+              <a:ext cx="2219968" cy="18380"/>
+            </a:xfrm>
+            <a:prstGeom prst="line">
+              <a:avLst/>
+            </a:prstGeom>
+            <a:ln w="12700">
+              <a:solidFill>
+                <a:schemeClr val="tx1"/>
+              </a:solidFill>
+            </a:ln>
+          </p:spPr>
+          <p:style>
+            <a:lnRef idx="1">
+              <a:schemeClr val="accent1"/>
+            </a:lnRef>
+            <a:fillRef idx="0">
+              <a:schemeClr val="accent1"/>
+            </a:fillRef>
+            <a:effectRef idx="0">
+              <a:schemeClr val="accent1"/>
+            </a:effectRef>
+            <a:fontRef idx="minor">
+              <a:schemeClr val="tx1"/>
+            </a:fontRef>
+          </p:style>
+        </p:cxnSp>
+        <p:sp>
+          <p:nvSpPr>
+            <p:cNvPr id="52" name="正方形/長方形 51"/>
+            <p:cNvSpPr/>
+            <p:nvPr/>
+          </p:nvSpPr>
+          <p:spPr>
+            <a:xfrm>
+              <a:off x="3079968" y="2475644"/>
+              <a:ext cx="1707198" cy="369332"/>
+            </a:xfrm>
+            <a:prstGeom prst="rect">
+              <a:avLst/>
+            </a:prstGeom>
+          </p:spPr>
+          <p:txBody>
+            <a:bodyPr wrap="none">
+              <a:spAutoFit/>
+            </a:bodyPr>
+            <a:lstStyle/>
+            <a:p>
+              <a:pPr algn="ctr"/>
+              <a:r>
+                <a:rPr lang="en-US" dirty="0"/>
+                <a:t>Trigger behavior</a:t>
+              </a:r>
+            </a:p>
+          </p:txBody>
+        </p:sp>
+      </p:grpSp>
+    </p:spTree>
+    <p:extLst>
+      <p:ext uri="{BB962C8B-B14F-4D97-AF65-F5344CB8AC3E}">
+        <p14:creationId xmlns:p14="http://schemas.microsoft.com/office/powerpoint/2010/main" val="718747389"/>
+      </p:ext>
+    </p:extLst>
+  </p:cSld>
+  <p:clrMapOvr>
+    <a:masterClrMapping/>
+  </p:clrMapOvr>
+</p:sld>
+</file>
+
+<file path=ppt/slides/slide11.xml><?xml version="1.0" encoding="utf-8"?>
+<p:sld xmlns:a="http://schemas.openxmlformats.org/drawingml/2006/main" xmlns:r="http://schemas.openxmlformats.org/officeDocument/2006/relationships" xmlns:p="http://schemas.openxmlformats.org/presentationml/2006/main">
+  <p:cSld>
+    <p:spTree>
+      <p:nvGrpSpPr>
+        <p:cNvPr id="1" name=""/>
+        <p:cNvGrpSpPr/>
+        <p:nvPr/>
+      </p:nvGrpSpPr>
+      <p:grpSpPr>
+        <a:xfrm>
+          <a:off x="0" y="0"/>
+          <a:ext cx="0" cy="0"/>
+          <a:chOff x="0" y="0"/>
+          <a:chExt cx="0" cy="0"/>
+        </a:xfrm>
+      </p:grpSpPr>
       <p:graphicFrame>
         <p:nvGraphicFramePr>
           <p:cNvPr id="4" name="グラフ 3"/>
@@ -8780,7 +9243,7 @@
 </p:sld>
 </file>
 
-<file path=ppt/slides/slide11.xml><?xml version="1.0" encoding="utf-8"?>
+<file path=ppt/slides/slide12.xml><?xml version="1.0" encoding="utf-8"?>
 <p:sld xmlns:a="http://schemas.openxmlformats.org/drawingml/2006/main" xmlns:r="http://schemas.openxmlformats.org/officeDocument/2006/relationships" xmlns:p="http://schemas.openxmlformats.org/presentationml/2006/main">
   <p:cSld>
     <p:spTree>
@@ -8834,7 +9297,7 @@
 </p:sld>
 </file>
 
-<file path=ppt/slides/slide12.xml><?xml version="1.0" encoding="utf-8"?>
+<file path=ppt/slides/slide13.xml><?xml version="1.0" encoding="utf-8"?>
 <p:sld xmlns:a="http://schemas.openxmlformats.org/drawingml/2006/main" xmlns:r="http://schemas.openxmlformats.org/officeDocument/2006/relationships" xmlns:p="http://schemas.openxmlformats.org/presentationml/2006/main">
   <p:cSld>
     <p:spTree>
@@ -8889,6 +9352,761 @@
 </file>
 
 <file path=ppt/slides/slide2.xml><?xml version="1.0" encoding="utf-8"?>
+<p:sld xmlns:a="http://schemas.openxmlformats.org/drawingml/2006/main" xmlns:r="http://schemas.openxmlformats.org/officeDocument/2006/relationships" xmlns:p="http://schemas.openxmlformats.org/presentationml/2006/main">
+  <p:cSld>
+    <p:spTree>
+      <p:nvGrpSpPr>
+        <p:cNvPr id="1" name=""/>
+        <p:cNvGrpSpPr/>
+        <p:nvPr/>
+      </p:nvGrpSpPr>
+      <p:grpSpPr>
+        <a:xfrm>
+          <a:off x="0" y="0"/>
+          <a:ext cx="0" cy="0"/>
+          <a:chOff x="0" y="0"/>
+          <a:chExt cx="0" cy="0"/>
+        </a:xfrm>
+      </p:grpSpPr>
+      <p:grpSp>
+        <p:nvGrpSpPr>
+          <p:cNvPr id="25" name="グループ化 24"/>
+          <p:cNvGrpSpPr/>
+          <p:nvPr/>
+        </p:nvGrpSpPr>
+        <p:grpSpPr>
+          <a:xfrm>
+            <a:off x="275324" y="557165"/>
+            <a:ext cx="11414682" cy="5580280"/>
+            <a:chOff x="275324" y="557165"/>
+            <a:chExt cx="11414682" cy="5580280"/>
+          </a:xfrm>
+        </p:grpSpPr>
+        <p:pic>
+          <p:nvPicPr>
+            <p:cNvPr id="4" name="図 3"/>
+            <p:cNvPicPr>
+              <a:picLocks noChangeAspect="1"/>
+            </p:cNvPicPr>
+            <p:nvPr/>
+          </p:nvPicPr>
+          <p:blipFill>
+            <a:blip r:embed="rId2">
+              <a:extLst>
+                <a:ext uri="{28A0092B-C50C-407E-A947-70E740481C1C}">
+                  <a14:useLocalDpi xmlns:a14="http://schemas.microsoft.com/office/drawing/2010/main" val="0"/>
+                </a:ext>
+              </a:extLst>
+            </a:blip>
+            <a:stretch>
+              <a:fillRect/>
+            </a:stretch>
+          </p:blipFill>
+          <p:spPr>
+            <a:xfrm>
+              <a:off x="275324" y="557165"/>
+              <a:ext cx="2143125" cy="2143125"/>
+            </a:xfrm>
+            <a:prstGeom prst="rect">
+              <a:avLst/>
+            </a:prstGeom>
+            <a:noFill/>
+            <a:ln>
+              <a:noFill/>
+            </a:ln>
+          </p:spPr>
+        </p:pic>
+        <p:pic>
+          <p:nvPicPr>
+            <p:cNvPr id="5" name="図 4"/>
+            <p:cNvPicPr>
+              <a:picLocks noChangeAspect="1"/>
+            </p:cNvPicPr>
+            <p:nvPr/>
+          </p:nvPicPr>
+          <p:blipFill>
+            <a:blip r:embed="rId3">
+              <a:extLst>
+                <a:ext uri="{28A0092B-C50C-407E-A947-70E740481C1C}">
+                  <a14:useLocalDpi xmlns:a14="http://schemas.microsoft.com/office/drawing/2010/main" val="0"/>
+                </a:ext>
+              </a:extLst>
+            </a:blip>
+            <a:stretch>
+              <a:fillRect/>
+            </a:stretch>
+          </p:blipFill>
+          <p:spPr>
+            <a:xfrm>
+              <a:off x="3818624" y="612945"/>
+              <a:ext cx="1914525" cy="2390775"/>
+            </a:xfrm>
+            <a:prstGeom prst="rect">
+              <a:avLst/>
+            </a:prstGeom>
+            <a:noFill/>
+            <a:ln>
+              <a:noFill/>
+            </a:ln>
+          </p:spPr>
+        </p:pic>
+        <p:pic>
+          <p:nvPicPr>
+            <p:cNvPr id="6" name="図 5"/>
+            <p:cNvPicPr>
+              <a:picLocks noChangeAspect="1"/>
+            </p:cNvPicPr>
+            <p:nvPr/>
+          </p:nvPicPr>
+          <p:blipFill>
+            <a:blip r:embed="rId4">
+              <a:extLst>
+                <a:ext uri="{28A0092B-C50C-407E-A947-70E740481C1C}">
+                  <a14:useLocalDpi xmlns:a14="http://schemas.microsoft.com/office/drawing/2010/main" val="0"/>
+                </a:ext>
+              </a:extLst>
+            </a:blip>
+            <a:stretch>
+              <a:fillRect/>
+            </a:stretch>
+          </p:blipFill>
+          <p:spPr>
+            <a:xfrm>
+              <a:off x="5467020" y="4486960"/>
+              <a:ext cx="2819400" cy="571500"/>
+            </a:xfrm>
+            <a:prstGeom prst="rect">
+              <a:avLst/>
+            </a:prstGeom>
+            <a:noFill/>
+            <a:ln>
+              <a:noFill/>
+            </a:ln>
+          </p:spPr>
+        </p:pic>
+        <p:pic>
+          <p:nvPicPr>
+            <p:cNvPr id="7" name="図 6"/>
+            <p:cNvPicPr>
+              <a:picLocks noChangeAspect="1"/>
+            </p:cNvPicPr>
+            <p:nvPr/>
+          </p:nvPicPr>
+          <p:blipFill>
+            <a:blip r:embed="rId5">
+              <a:extLst>
+                <a:ext uri="{28A0092B-C50C-407E-A947-70E740481C1C}">
+                  <a14:useLocalDpi xmlns:a14="http://schemas.microsoft.com/office/drawing/2010/main" val="0"/>
+                </a:ext>
+              </a:extLst>
+            </a:blip>
+            <a:stretch>
+              <a:fillRect/>
+            </a:stretch>
+          </p:blipFill>
+          <p:spPr>
+            <a:xfrm>
+              <a:off x="5169243" y="3217288"/>
+              <a:ext cx="1951137" cy="1042713"/>
+            </a:xfrm>
+            <a:prstGeom prst="rect">
+              <a:avLst/>
+            </a:prstGeom>
+            <a:noFill/>
+            <a:ln>
+              <a:noFill/>
+            </a:ln>
+          </p:spPr>
+        </p:pic>
+        <p:pic>
+          <p:nvPicPr>
+            <p:cNvPr id="8" name="図 7"/>
+            <p:cNvPicPr>
+              <a:picLocks noChangeAspect="1"/>
+            </p:cNvPicPr>
+            <p:nvPr/>
+          </p:nvPicPr>
+          <p:blipFill>
+            <a:blip r:embed="rId6">
+              <a:extLst>
+                <a:ext uri="{28A0092B-C50C-407E-A947-70E740481C1C}">
+                  <a14:useLocalDpi xmlns:a14="http://schemas.microsoft.com/office/drawing/2010/main" val="0"/>
+                </a:ext>
+              </a:extLst>
+            </a:blip>
+            <a:stretch>
+              <a:fillRect/>
+            </a:stretch>
+          </p:blipFill>
+          <p:spPr>
+            <a:xfrm>
+              <a:off x="8870606" y="4390156"/>
+              <a:ext cx="2819400" cy="1619250"/>
+            </a:xfrm>
+            <a:prstGeom prst="rect">
+              <a:avLst/>
+            </a:prstGeom>
+            <a:noFill/>
+            <a:ln>
+              <a:noFill/>
+            </a:ln>
+          </p:spPr>
+        </p:pic>
+        <p:pic>
+          <p:nvPicPr>
+            <p:cNvPr id="9" name="図 8"/>
+            <p:cNvPicPr>
+              <a:picLocks noChangeAspect="1"/>
+            </p:cNvPicPr>
+            <p:nvPr/>
+          </p:nvPicPr>
+          <p:blipFill rotWithShape="1">
+            <a:blip r:embed="rId7">
+              <a:extLst>
+                <a:ext uri="{28A0092B-C50C-407E-A947-70E740481C1C}">
+                  <a14:useLocalDpi xmlns:a14="http://schemas.microsoft.com/office/drawing/2010/main" val="0"/>
+                </a:ext>
+              </a:extLst>
+            </a:blip>
+            <a:srcRect l="16609" t="19835" r="12235" b="20290"/>
+            <a:stretch/>
+          </p:blipFill>
+          <p:spPr>
+            <a:xfrm>
+              <a:off x="9584981" y="613655"/>
+              <a:ext cx="2026508" cy="963827"/>
+            </a:xfrm>
+            <a:prstGeom prst="rect">
+              <a:avLst/>
+            </a:prstGeom>
+            <a:noFill/>
+            <a:ln>
+              <a:noFill/>
+            </a:ln>
+          </p:spPr>
+        </p:pic>
+        <p:pic>
+          <p:nvPicPr>
+            <p:cNvPr id="10" name="図 9"/>
+            <p:cNvPicPr>
+              <a:picLocks noChangeAspect="1"/>
+            </p:cNvPicPr>
+            <p:nvPr/>
+          </p:nvPicPr>
+          <p:blipFill rotWithShape="1">
+            <a:blip r:embed="rId8">
+              <a:extLst>
+                <a:ext uri="{28A0092B-C50C-407E-A947-70E740481C1C}">
+                  <a14:useLocalDpi xmlns:a14="http://schemas.microsoft.com/office/drawing/2010/main" val="0"/>
+                </a:ext>
+              </a:extLst>
+            </a:blip>
+            <a:srcRect r="9168"/>
+            <a:stretch/>
+          </p:blipFill>
+          <p:spPr>
+            <a:xfrm>
+              <a:off x="9846531" y="2289345"/>
+              <a:ext cx="1764958" cy="1943100"/>
+            </a:xfrm>
+            <a:prstGeom prst="rect">
+              <a:avLst/>
+            </a:prstGeom>
+            <a:noFill/>
+            <a:ln>
+              <a:noFill/>
+            </a:ln>
+          </p:spPr>
+        </p:pic>
+        <p:pic>
+          <p:nvPicPr>
+            <p:cNvPr id="11" name="図 10"/>
+            <p:cNvPicPr>
+              <a:picLocks noChangeAspect="1"/>
+            </p:cNvPicPr>
+            <p:nvPr/>
+          </p:nvPicPr>
+          <p:blipFill>
+            <a:blip r:embed="rId9">
+              <a:extLst>
+                <a:ext uri="{28A0092B-C50C-407E-A947-70E740481C1C}">
+                  <a14:useLocalDpi xmlns:a14="http://schemas.microsoft.com/office/drawing/2010/main" val="0"/>
+                </a:ext>
+              </a:extLst>
+            </a:blip>
+            <a:stretch>
+              <a:fillRect/>
+            </a:stretch>
+          </p:blipFill>
+          <p:spPr>
+            <a:xfrm>
+              <a:off x="5545792" y="5177723"/>
+              <a:ext cx="2661856" cy="831830"/>
+            </a:xfrm>
+            <a:prstGeom prst="rect">
+              <a:avLst/>
+            </a:prstGeom>
+            <a:noFill/>
+            <a:ln>
+              <a:noFill/>
+            </a:ln>
+          </p:spPr>
+        </p:pic>
+        <p:pic>
+          <p:nvPicPr>
+            <p:cNvPr id="12" name="図 11"/>
+            <p:cNvPicPr>
+              <a:picLocks noChangeAspect="1"/>
+            </p:cNvPicPr>
+            <p:nvPr/>
+          </p:nvPicPr>
+          <p:blipFill>
+            <a:blip r:embed="rId10">
+              <a:extLst>
+                <a:ext uri="{28A0092B-C50C-407E-A947-70E740481C1C}">
+                  <a14:useLocalDpi xmlns:a14="http://schemas.microsoft.com/office/drawing/2010/main" val="0"/>
+                </a:ext>
+              </a:extLst>
+            </a:blip>
+            <a:stretch>
+              <a:fillRect/>
+            </a:stretch>
+          </p:blipFill>
+          <p:spPr>
+            <a:xfrm>
+              <a:off x="5733149" y="1586136"/>
+              <a:ext cx="3838575" cy="1190625"/>
+            </a:xfrm>
+            <a:prstGeom prst="rect">
+              <a:avLst/>
+            </a:prstGeom>
+            <a:noFill/>
+            <a:ln>
+              <a:noFill/>
+            </a:ln>
+          </p:spPr>
+        </p:pic>
+        <p:pic>
+          <p:nvPicPr>
+            <p:cNvPr id="13" name="図 12"/>
+            <p:cNvPicPr>
+              <a:picLocks noChangeAspect="1"/>
+            </p:cNvPicPr>
+            <p:nvPr/>
+          </p:nvPicPr>
+          <p:blipFill>
+            <a:blip r:embed="rId11">
+              <a:extLst>
+                <a:ext uri="{28A0092B-C50C-407E-A947-70E740481C1C}">
+                  <a14:useLocalDpi xmlns:a14="http://schemas.microsoft.com/office/drawing/2010/main" val="0"/>
+                </a:ext>
+              </a:extLst>
+            </a:blip>
+            <a:stretch>
+              <a:fillRect/>
+            </a:stretch>
+          </p:blipFill>
+          <p:spPr>
+            <a:xfrm>
+              <a:off x="9584981" y="1609563"/>
+              <a:ext cx="2105025" cy="647700"/>
+            </a:xfrm>
+            <a:prstGeom prst="rect">
+              <a:avLst/>
+            </a:prstGeom>
+            <a:noFill/>
+            <a:ln>
+              <a:noFill/>
+            </a:ln>
+          </p:spPr>
+        </p:pic>
+        <p:pic>
+          <p:nvPicPr>
+            <p:cNvPr id="14" name="図 13"/>
+            <p:cNvPicPr>
+              <a:picLocks noChangeAspect="1"/>
+            </p:cNvPicPr>
+            <p:nvPr/>
+          </p:nvPicPr>
+          <p:blipFill rotWithShape="1">
+            <a:blip r:embed="rId12">
+              <a:extLst>
+                <a:ext uri="{28A0092B-C50C-407E-A947-70E740481C1C}">
+                  <a14:useLocalDpi xmlns:a14="http://schemas.microsoft.com/office/drawing/2010/main" val="0"/>
+                </a:ext>
+              </a:extLst>
+            </a:blip>
+            <a:srcRect l="7234" t="1" r="7323" b="3062"/>
+            <a:stretch/>
+          </p:blipFill>
+          <p:spPr>
+            <a:xfrm>
+              <a:off x="7259115" y="2746464"/>
+              <a:ext cx="2360141" cy="1606604"/>
+            </a:xfrm>
+            <a:prstGeom prst="rect">
+              <a:avLst/>
+            </a:prstGeom>
+            <a:noFill/>
+            <a:ln>
+              <a:noFill/>
+            </a:ln>
+          </p:spPr>
+        </p:pic>
+        <p:pic>
+          <p:nvPicPr>
+            <p:cNvPr id="15" name="図 14"/>
+            <p:cNvPicPr>
+              <a:picLocks noChangeAspect="1"/>
+            </p:cNvPicPr>
+            <p:nvPr/>
+          </p:nvPicPr>
+          <p:blipFill rotWithShape="1">
+            <a:blip r:embed="rId13">
+              <a:extLst>
+                <a:ext uri="{28A0092B-C50C-407E-A947-70E740481C1C}">
+                  <a14:useLocalDpi xmlns:a14="http://schemas.microsoft.com/office/drawing/2010/main" val="0"/>
+                </a:ext>
+              </a:extLst>
+            </a:blip>
+            <a:srcRect l="15046" r="15765"/>
+            <a:stretch/>
+          </p:blipFill>
+          <p:spPr>
+            <a:xfrm>
+              <a:off x="3582141" y="3994320"/>
+              <a:ext cx="1482810" cy="2143125"/>
+            </a:xfrm>
+            <a:prstGeom prst="rect">
+              <a:avLst/>
+            </a:prstGeom>
+            <a:noFill/>
+            <a:ln>
+              <a:noFill/>
+            </a:ln>
+          </p:spPr>
+        </p:pic>
+        <p:pic>
+          <p:nvPicPr>
+            <p:cNvPr id="16" name="図 15"/>
+            <p:cNvPicPr>
+              <a:picLocks noChangeAspect="1"/>
+            </p:cNvPicPr>
+            <p:nvPr/>
+          </p:nvPicPr>
+          <p:blipFill>
+            <a:blip r:embed="rId14">
+              <a:extLst>
+                <a:ext uri="{28A0092B-C50C-407E-A947-70E740481C1C}">
+                  <a14:useLocalDpi xmlns:a14="http://schemas.microsoft.com/office/drawing/2010/main" val="0"/>
+                </a:ext>
+              </a:extLst>
+            </a:blip>
+            <a:stretch>
+              <a:fillRect/>
+            </a:stretch>
+          </p:blipFill>
+          <p:spPr>
+            <a:xfrm>
+              <a:off x="766338" y="3549766"/>
+              <a:ext cx="2334962" cy="781705"/>
+            </a:xfrm>
+            <a:prstGeom prst="rect">
+              <a:avLst/>
+            </a:prstGeom>
+            <a:noFill/>
+            <a:ln>
+              <a:noFill/>
+            </a:ln>
+          </p:spPr>
+        </p:pic>
+        <p:pic>
+          <p:nvPicPr>
+            <p:cNvPr id="17" name="図 16"/>
+            <p:cNvPicPr>
+              <a:picLocks noChangeAspect="1"/>
+            </p:cNvPicPr>
+            <p:nvPr/>
+          </p:nvPicPr>
+          <p:blipFill>
+            <a:blip r:embed="rId15">
+              <a:extLst>
+                <a:ext uri="{28A0092B-C50C-407E-A947-70E740481C1C}">
+                  <a14:useLocalDpi xmlns:a14="http://schemas.microsoft.com/office/drawing/2010/main" val="0"/>
+                </a:ext>
+              </a:extLst>
+            </a:blip>
+            <a:stretch>
+              <a:fillRect/>
+            </a:stretch>
+          </p:blipFill>
+          <p:spPr>
+            <a:xfrm>
+              <a:off x="2883190" y="1761858"/>
+              <a:ext cx="781050" cy="942975"/>
+            </a:xfrm>
+            <a:prstGeom prst="rect">
+              <a:avLst/>
+            </a:prstGeom>
+            <a:noFill/>
+            <a:ln>
+              <a:noFill/>
+            </a:ln>
+          </p:spPr>
+        </p:pic>
+        <p:pic>
+          <p:nvPicPr>
+            <p:cNvPr id="18" name="図 17"/>
+            <p:cNvPicPr>
+              <a:picLocks noChangeAspect="1"/>
+            </p:cNvPicPr>
+            <p:nvPr/>
+          </p:nvPicPr>
+          <p:blipFill>
+            <a:blip r:embed="rId16" cstate="print">
+              <a:extLst>
+                <a:ext uri="{28A0092B-C50C-407E-A947-70E740481C1C}">
+                  <a14:useLocalDpi xmlns:a14="http://schemas.microsoft.com/office/drawing/2010/main" val="0"/>
+                </a:ext>
+              </a:extLst>
+            </a:blip>
+            <a:stretch>
+              <a:fillRect/>
+            </a:stretch>
+          </p:blipFill>
+          <p:spPr>
+            <a:xfrm>
+              <a:off x="5733149" y="680652"/>
+              <a:ext cx="3543300" cy="904875"/>
+            </a:xfrm>
+            <a:prstGeom prst="rect">
+              <a:avLst/>
+            </a:prstGeom>
+            <a:noFill/>
+            <a:ln>
+              <a:noFill/>
+            </a:ln>
+          </p:spPr>
+        </p:pic>
+        <p:pic>
+          <p:nvPicPr>
+            <p:cNvPr id="19" name="図 18"/>
+            <p:cNvPicPr>
+              <a:picLocks noChangeAspect="1"/>
+            </p:cNvPicPr>
+            <p:nvPr/>
+          </p:nvPicPr>
+          <p:blipFill>
+            <a:blip r:embed="rId17" cstate="print">
+              <a:extLst>
+                <a:ext uri="{28A0092B-C50C-407E-A947-70E740481C1C}">
+                  <a14:useLocalDpi xmlns:a14="http://schemas.microsoft.com/office/drawing/2010/main" val="0"/>
+                </a:ext>
+              </a:extLst>
+            </a:blip>
+            <a:stretch>
+              <a:fillRect/>
+            </a:stretch>
+          </p:blipFill>
+          <p:spPr>
+            <a:xfrm>
+              <a:off x="277449" y="5242128"/>
+              <a:ext cx="3200400" cy="809625"/>
+            </a:xfrm>
+            <a:prstGeom prst="rect">
+              <a:avLst/>
+            </a:prstGeom>
+            <a:noFill/>
+            <a:ln>
+              <a:noFill/>
+            </a:ln>
+          </p:spPr>
+        </p:pic>
+        <p:pic>
+          <p:nvPicPr>
+            <p:cNvPr id="20" name="図 19"/>
+            <p:cNvPicPr>
+              <a:picLocks noChangeAspect="1"/>
+            </p:cNvPicPr>
+            <p:nvPr/>
+          </p:nvPicPr>
+          <p:blipFill>
+            <a:blip r:embed="rId18">
+              <a:extLst>
+                <a:ext uri="{28A0092B-C50C-407E-A947-70E740481C1C}">
+                  <a14:useLocalDpi xmlns:a14="http://schemas.microsoft.com/office/drawing/2010/main" val="0"/>
+                </a:ext>
+              </a:extLst>
+            </a:blip>
+            <a:stretch>
+              <a:fillRect/>
+            </a:stretch>
+          </p:blipFill>
+          <p:spPr>
+            <a:xfrm>
+              <a:off x="2597300" y="613974"/>
+              <a:ext cx="1333500" cy="304800"/>
+            </a:xfrm>
+            <a:prstGeom prst="rect">
+              <a:avLst/>
+            </a:prstGeom>
+            <a:noFill/>
+            <a:ln>
+              <a:noFill/>
+            </a:ln>
+          </p:spPr>
+        </p:pic>
+        <p:pic>
+          <p:nvPicPr>
+            <p:cNvPr id="21" name="図 20"/>
+            <p:cNvPicPr>
+              <a:picLocks noChangeAspect="1"/>
+            </p:cNvPicPr>
+            <p:nvPr/>
+          </p:nvPicPr>
+          <p:blipFill>
+            <a:blip r:embed="rId19" cstate="print">
+              <a:extLst>
+                <a:ext uri="{28A0092B-C50C-407E-A947-70E740481C1C}">
+                  <a14:useLocalDpi xmlns:a14="http://schemas.microsoft.com/office/drawing/2010/main" val="0"/>
+                </a:ext>
+              </a:extLst>
+            </a:blip>
+            <a:stretch>
+              <a:fillRect/>
+            </a:stretch>
+          </p:blipFill>
+          <p:spPr>
+            <a:xfrm>
+              <a:off x="277449" y="4390156"/>
+              <a:ext cx="3252546" cy="578873"/>
+            </a:xfrm>
+            <a:prstGeom prst="rect">
+              <a:avLst/>
+            </a:prstGeom>
+            <a:noFill/>
+            <a:ln>
+              <a:noFill/>
+            </a:ln>
+          </p:spPr>
+        </p:pic>
+        <p:pic>
+          <p:nvPicPr>
+            <p:cNvPr id="22" name="図 21"/>
+            <p:cNvPicPr>
+              <a:picLocks noChangeAspect="1"/>
+            </p:cNvPicPr>
+            <p:nvPr/>
+          </p:nvPicPr>
+          <p:blipFill>
+            <a:blip r:embed="rId20">
+              <a:extLst>
+                <a:ext uri="{28A0092B-C50C-407E-A947-70E740481C1C}">
+                  <a14:useLocalDpi xmlns:a14="http://schemas.microsoft.com/office/drawing/2010/main" val="0"/>
+                </a:ext>
+              </a:extLst>
+            </a:blip>
+            <a:stretch>
+              <a:fillRect/>
+            </a:stretch>
+          </p:blipFill>
+          <p:spPr>
+            <a:xfrm>
+              <a:off x="285497" y="2889546"/>
+              <a:ext cx="3296644" cy="574415"/>
+            </a:xfrm>
+            <a:prstGeom prst="rect">
+              <a:avLst/>
+            </a:prstGeom>
+            <a:noFill/>
+            <a:ln>
+              <a:noFill/>
+            </a:ln>
+          </p:spPr>
+        </p:pic>
+        <p:pic>
+          <p:nvPicPr>
+            <p:cNvPr id="23" name="図 22"/>
+            <p:cNvPicPr>
+              <a:picLocks noChangeAspect="1"/>
+            </p:cNvPicPr>
+            <p:nvPr/>
+          </p:nvPicPr>
+          <p:blipFill>
+            <a:blip r:embed="rId21" cstate="print">
+              <a:extLst>
+                <a:ext uri="{28A0092B-C50C-407E-A947-70E740481C1C}">
+                  <a14:useLocalDpi xmlns:a14="http://schemas.microsoft.com/office/drawing/2010/main" val="0"/>
+                </a:ext>
+              </a:extLst>
+            </a:blip>
+            <a:stretch>
+              <a:fillRect/>
+            </a:stretch>
+          </p:blipFill>
+          <p:spPr>
+            <a:xfrm>
+              <a:off x="3914855" y="3055765"/>
+              <a:ext cx="743369" cy="998603"/>
+            </a:xfrm>
+            <a:prstGeom prst="rect">
+              <a:avLst/>
+            </a:prstGeom>
+            <a:noFill/>
+            <a:ln>
+              <a:noFill/>
+            </a:ln>
+          </p:spPr>
+        </p:pic>
+        <p:pic>
+          <p:nvPicPr>
+            <p:cNvPr id="24" name="図 23"/>
+            <p:cNvPicPr>
+              <a:picLocks noChangeAspect="1"/>
+            </p:cNvPicPr>
+            <p:nvPr/>
+          </p:nvPicPr>
+          <p:blipFill>
+            <a:blip r:embed="rId22">
+              <a:extLst>
+                <a:ext uri="{28A0092B-C50C-407E-A947-70E740481C1C}">
+                  <a14:useLocalDpi xmlns:a14="http://schemas.microsoft.com/office/drawing/2010/main" val="0"/>
+                </a:ext>
+              </a:extLst>
+            </a:blip>
+            <a:stretch>
+              <a:fillRect/>
+            </a:stretch>
+          </p:blipFill>
+          <p:spPr>
+            <a:xfrm>
+              <a:off x="2559200" y="1187159"/>
+              <a:ext cx="1409700" cy="438150"/>
+            </a:xfrm>
+            <a:prstGeom prst="rect">
+              <a:avLst/>
+            </a:prstGeom>
+            <a:noFill/>
+            <a:ln>
+              <a:noFill/>
+            </a:ln>
+          </p:spPr>
+        </p:pic>
+      </p:grpSp>
+    </p:spTree>
+    <p:extLst>
+      <p:ext uri="{BB962C8B-B14F-4D97-AF65-F5344CB8AC3E}">
+        <p14:creationId xmlns:p14="http://schemas.microsoft.com/office/powerpoint/2010/main" val="1604950532"/>
+      </p:ext>
+    </p:extLst>
+  </p:cSld>
+  <p:clrMapOvr>
+    <a:masterClrMapping/>
+  </p:clrMapOvr>
+</p:sld>
+</file>
+
+<file path=ppt/slides/slide3.xml><?xml version="1.0" encoding="utf-8"?>
 <p:sld xmlns:a="http://schemas.openxmlformats.org/drawingml/2006/main" xmlns:r="http://schemas.openxmlformats.org/officeDocument/2006/relationships" xmlns:p="http://schemas.openxmlformats.org/presentationml/2006/main">
   <p:cSld>
     <p:spTree>
@@ -10301,7 +11519,7 @@
 </p:sld>
 </file>
 
-<file path=ppt/slides/slide3.xml><?xml version="1.0" encoding="utf-8"?>
+<file path=ppt/slides/slide4.xml><?xml version="1.0" encoding="utf-8"?>
 <p:sld xmlns:a="http://schemas.openxmlformats.org/drawingml/2006/main" xmlns:r="http://schemas.openxmlformats.org/officeDocument/2006/relationships" xmlns:p="http://schemas.openxmlformats.org/presentationml/2006/main">
   <p:cSld>
     <p:spTree>
@@ -11849,7 +13067,7 @@
 </p:sld>
 </file>
 
-<file path=ppt/slides/slide4.xml><?xml version="1.0" encoding="utf-8"?>
+<file path=ppt/slides/slide5.xml><?xml version="1.0" encoding="utf-8"?>
 <p:sld xmlns:a="http://schemas.openxmlformats.org/drawingml/2006/main" xmlns:r="http://schemas.openxmlformats.org/officeDocument/2006/relationships" xmlns:p="http://schemas.openxmlformats.org/presentationml/2006/main">
   <p:cSld>
     <p:spTree>
@@ -12902,7 +14120,7 @@
 </p:sld>
 </file>
 
-<file path=ppt/slides/slide5.xml><?xml version="1.0" encoding="utf-8"?>
+<file path=ppt/slides/slide6.xml><?xml version="1.0" encoding="utf-8"?>
 <p:sld xmlns:a="http://schemas.openxmlformats.org/drawingml/2006/main" xmlns:r="http://schemas.openxmlformats.org/officeDocument/2006/relationships" xmlns:p="http://schemas.openxmlformats.org/presentationml/2006/main">
   <p:cSld>
     <p:spTree>
@@ -13485,7 +14703,7 @@
 </p:sld>
 </file>
 
-<file path=ppt/slides/slide6.xml><?xml version="1.0" encoding="utf-8"?>
+<file path=ppt/slides/slide7.xml><?xml version="1.0" encoding="utf-8"?>
 <p:sld xmlns:a="http://schemas.openxmlformats.org/drawingml/2006/main" xmlns:r="http://schemas.openxmlformats.org/officeDocument/2006/relationships" xmlns:p="http://schemas.openxmlformats.org/presentationml/2006/main">
   <p:cSld>
     <p:spTree>
@@ -15494,7 +16712,7 @@
 </p:sld>
 </file>
 
-<file path=ppt/slides/slide7.xml><?xml version="1.0" encoding="utf-8"?>
+<file path=ppt/slides/slide8.xml><?xml version="1.0" encoding="utf-8"?>
 <p:sld xmlns:a="http://schemas.openxmlformats.org/drawingml/2006/main" xmlns:r="http://schemas.openxmlformats.org/officeDocument/2006/relationships" xmlns:p="http://schemas.openxmlformats.org/presentationml/2006/main">
   <p:cSld>
     <p:spTree>
@@ -15587,7 +16805,7 @@
 </p:sld>
 </file>
 
-<file path=ppt/slides/slide8.xml><?xml version="1.0" encoding="utf-8"?>
+<file path=ppt/slides/slide9.xml><?xml version="1.0" encoding="utf-8"?>
 <p:sld xmlns:a="http://schemas.openxmlformats.org/drawingml/2006/main" xmlns:r="http://schemas.openxmlformats.org/officeDocument/2006/relationships" xmlns:p="http://schemas.openxmlformats.org/presentationml/2006/main">
   <p:cSld>
     <p:spTree>
@@ -15671,472 +16889,6 @@
     <p:extLst>
       <p:ext uri="{BB962C8B-B14F-4D97-AF65-F5344CB8AC3E}">
         <p14:creationId xmlns:p14="http://schemas.microsoft.com/office/powerpoint/2010/main" val="393832318"/>
-      </p:ext>
-    </p:extLst>
-  </p:cSld>
-  <p:clrMapOvr>
-    <a:masterClrMapping/>
-  </p:clrMapOvr>
-</p:sld>
-</file>
-
-<file path=ppt/slides/slide9.xml><?xml version="1.0" encoding="utf-8"?>
-<p:sld xmlns:a="http://schemas.openxmlformats.org/drawingml/2006/main" xmlns:r="http://schemas.openxmlformats.org/officeDocument/2006/relationships" xmlns:p="http://schemas.openxmlformats.org/presentationml/2006/main">
-  <p:cSld>
-    <p:spTree>
-      <p:nvGrpSpPr>
-        <p:cNvPr id="1" name=""/>
-        <p:cNvGrpSpPr/>
-        <p:nvPr/>
-      </p:nvGrpSpPr>
-      <p:grpSpPr>
-        <a:xfrm>
-          <a:off x="0" y="0"/>
-          <a:ext cx="0" cy="0"/>
-          <a:chOff x="0" y="0"/>
-          <a:chExt cx="0" cy="0"/>
-        </a:xfrm>
-      </p:grpSpPr>
-      <p:grpSp>
-        <p:nvGrpSpPr>
-          <p:cNvPr id="53" name="グループ化 52"/>
-          <p:cNvGrpSpPr/>
-          <p:nvPr/>
-        </p:nvGrpSpPr>
-        <p:grpSpPr>
-          <a:xfrm>
-            <a:off x="2174788" y="2475644"/>
-            <a:ext cx="3534033" cy="2277588"/>
-            <a:chOff x="2174788" y="2475644"/>
-            <a:chExt cx="3534033" cy="2277588"/>
-          </a:xfrm>
-        </p:grpSpPr>
-        <p:sp>
-          <p:nvSpPr>
-            <p:cNvPr id="7" name="正方形/長方形 6"/>
-            <p:cNvSpPr/>
-            <p:nvPr/>
-          </p:nvSpPr>
-          <p:spPr>
-            <a:xfrm>
-              <a:off x="2174788" y="2475644"/>
-              <a:ext cx="3534033" cy="2277588"/>
-            </a:xfrm>
-            <a:prstGeom prst="rect">
-              <a:avLst/>
-            </a:prstGeom>
-            <a:solidFill>
-              <a:schemeClr val="bg1"/>
-            </a:solidFill>
-          </p:spPr>
-          <p:style>
-            <a:lnRef idx="2">
-              <a:schemeClr val="dk1">
-                <a:shade val="50000"/>
-              </a:schemeClr>
-            </a:lnRef>
-            <a:fillRef idx="1">
-              <a:schemeClr val="dk1"/>
-            </a:fillRef>
-            <a:effectRef idx="0">
-              <a:schemeClr val="dk1"/>
-            </a:effectRef>
-            <a:fontRef idx="minor">
-              <a:schemeClr val="lt1"/>
-            </a:fontRef>
-          </p:style>
-          <p:txBody>
-            <a:bodyPr rtlCol="0" anchor="ctr"/>
-            <a:lstStyle/>
-            <a:p>
-              <a:pPr algn="ctr"/>
-              <a:endParaRPr lang="en-US"/>
-            </a:p>
-          </p:txBody>
-        </p:sp>
-        <p:sp>
-          <p:nvSpPr>
-            <p:cNvPr id="33" name="正方形/長方形 32"/>
-            <p:cNvSpPr/>
-            <p:nvPr/>
-          </p:nvSpPr>
-          <p:spPr>
-            <a:xfrm>
-              <a:off x="2243137" y="3500005"/>
-              <a:ext cx="2313623" cy="1147653"/>
-            </a:xfrm>
-            <a:prstGeom prst="rect">
-              <a:avLst/>
-            </a:prstGeom>
-            <a:solidFill>
-              <a:schemeClr val="bg1"/>
-            </a:solidFill>
-          </p:spPr>
-          <p:style>
-            <a:lnRef idx="2">
-              <a:schemeClr val="dk1">
-                <a:shade val="50000"/>
-              </a:schemeClr>
-            </a:lnRef>
-            <a:fillRef idx="1">
-              <a:schemeClr val="dk1"/>
-            </a:fillRef>
-            <a:effectRef idx="0">
-              <a:schemeClr val="dk1"/>
-            </a:effectRef>
-            <a:fontRef idx="minor">
-              <a:schemeClr val="lt1"/>
-            </a:fontRef>
-          </p:style>
-          <p:txBody>
-            <a:bodyPr rtlCol="0" anchor="ctr"/>
-            <a:lstStyle/>
-            <a:p>
-              <a:pPr algn="ctr"/>
-              <a:endParaRPr lang="en-US"/>
-            </a:p>
-          </p:txBody>
-        </p:sp>
-        <p:sp>
-          <p:nvSpPr>
-            <p:cNvPr id="34" name="正方形/長方形 33"/>
-            <p:cNvSpPr/>
-            <p:nvPr/>
-          </p:nvSpPr>
-          <p:spPr>
-            <a:xfrm>
-              <a:off x="3429953" y="3500005"/>
-              <a:ext cx="2204728" cy="1147653"/>
-            </a:xfrm>
-            <a:prstGeom prst="rect">
-              <a:avLst/>
-            </a:prstGeom>
-            <a:solidFill>
-              <a:schemeClr val="bg1"/>
-            </a:solidFill>
-          </p:spPr>
-          <p:style>
-            <a:lnRef idx="2">
-              <a:schemeClr val="dk1">
-                <a:shade val="50000"/>
-              </a:schemeClr>
-            </a:lnRef>
-            <a:fillRef idx="1">
-              <a:schemeClr val="dk1"/>
-            </a:fillRef>
-            <a:effectRef idx="0">
-              <a:schemeClr val="dk1"/>
-            </a:effectRef>
-            <a:fontRef idx="minor">
-              <a:schemeClr val="lt1"/>
-            </a:fontRef>
-          </p:style>
-          <p:txBody>
-            <a:bodyPr rtlCol="0" anchor="ctr"/>
-            <a:lstStyle/>
-            <a:p>
-              <a:pPr algn="ctr"/>
-              <a:endParaRPr lang="en-US" dirty="0"/>
-            </a:p>
-          </p:txBody>
-        </p:sp>
-        <p:cxnSp>
-          <p:nvCxnSpPr>
-            <p:cNvPr id="35" name="直線コネクタ 34"/>
-            <p:cNvCxnSpPr/>
-            <p:nvPr/>
-          </p:nvCxnSpPr>
-          <p:spPr>
-            <a:xfrm>
-              <a:off x="3414713" y="3965232"/>
-              <a:ext cx="2219968" cy="18380"/>
-            </a:xfrm>
-            <a:prstGeom prst="line">
-              <a:avLst/>
-            </a:prstGeom>
-            <a:ln w="12700">
-              <a:solidFill>
-                <a:schemeClr val="tx1"/>
-              </a:solidFill>
-            </a:ln>
-          </p:spPr>
-          <p:style>
-            <a:lnRef idx="1">
-              <a:schemeClr val="accent1"/>
-            </a:lnRef>
-            <a:fillRef idx="0">
-              <a:schemeClr val="accent1"/>
-            </a:fillRef>
-            <a:effectRef idx="0">
-              <a:schemeClr val="accent1"/>
-            </a:effectRef>
-            <a:fontRef idx="minor">
-              <a:schemeClr val="tx1"/>
-            </a:fontRef>
-          </p:style>
-        </p:cxnSp>
-        <p:sp>
-          <p:nvSpPr>
-            <p:cNvPr id="36" name="テキスト ボックス 35"/>
-            <p:cNvSpPr txBox="1"/>
-            <p:nvPr/>
-          </p:nvSpPr>
-          <p:spPr>
-            <a:xfrm>
-              <a:off x="3592444" y="3469388"/>
-              <a:ext cx="1847301" cy="523220"/>
-            </a:xfrm>
-            <a:prstGeom prst="rect">
-              <a:avLst/>
-            </a:prstGeom>
-            <a:noFill/>
-          </p:spPr>
-          <p:txBody>
-            <a:bodyPr wrap="none" rtlCol="0">
-              <a:spAutoFit/>
-            </a:bodyPr>
-            <a:lstStyle/>
-            <a:p>
-              <a:r>
-                <a:rPr lang="en-US" sz="1400" dirty="0" smtClean="0"/>
-                <a:t>Approach human with </a:t>
-              </a:r>
-            </a:p>
-            <a:p>
-              <a:r>
-                <a:rPr lang="en-US" sz="1400" dirty="0" smtClean="0"/>
-                <a:t>distance 2.0 </a:t>
-              </a:r>
-              <a:r>
-                <a:rPr lang="en-US" sz="1400" dirty="0" err="1" smtClean="0"/>
-                <a:t>metres</a:t>
-              </a:r>
-              <a:endParaRPr lang="en-US" sz="1400" dirty="0"/>
-            </a:p>
-          </p:txBody>
-        </p:sp>
-        <p:sp>
-          <p:nvSpPr>
-            <p:cNvPr id="37" name="テキスト ボックス 36"/>
-            <p:cNvSpPr txBox="1"/>
-            <p:nvPr/>
-          </p:nvSpPr>
-          <p:spPr>
-            <a:xfrm>
-              <a:off x="3598056" y="3983612"/>
-              <a:ext cx="1436483" cy="307777"/>
-            </a:xfrm>
-            <a:prstGeom prst="rect">
-              <a:avLst/>
-            </a:prstGeom>
-            <a:noFill/>
-          </p:spPr>
-          <p:txBody>
-            <a:bodyPr wrap="none" rtlCol="0">
-              <a:spAutoFit/>
-            </a:bodyPr>
-            <a:lstStyle/>
-            <a:p>
-              <a:r>
-                <a:rPr lang="en-US" sz="1400" dirty="0" smtClean="0"/>
-                <a:t>Greet the human</a:t>
-              </a:r>
-              <a:endParaRPr lang="en-US" sz="1400" dirty="0"/>
-            </a:p>
-          </p:txBody>
-        </p:sp>
-        <p:sp>
-          <p:nvSpPr>
-            <p:cNvPr id="14" name="テキスト ボックス 13"/>
-            <p:cNvSpPr txBox="1"/>
-            <p:nvPr/>
-          </p:nvSpPr>
-          <p:spPr>
-            <a:xfrm>
-              <a:off x="2473305" y="3811870"/>
-              <a:ext cx="726481" cy="523220"/>
-            </a:xfrm>
-            <a:prstGeom prst="rect">
-              <a:avLst/>
-            </a:prstGeom>
-            <a:noFill/>
-          </p:spPr>
-          <p:txBody>
-            <a:bodyPr wrap="none" rtlCol="0">
-              <a:spAutoFit/>
-            </a:bodyPr>
-            <a:lstStyle/>
-            <a:p>
-              <a:pPr algn="ctr"/>
-              <a:r>
-                <a:rPr lang="en-US" sz="1400" dirty="0" smtClean="0"/>
-                <a:t>Robot</a:t>
-              </a:r>
-            </a:p>
-            <a:p>
-              <a:pPr algn="ctr"/>
-              <a:r>
-                <a:rPr lang="en-US" sz="1400" dirty="0" smtClean="0"/>
-                <a:t>Actions</a:t>
-              </a:r>
-              <a:endParaRPr lang="en-US" sz="1400" dirty="0"/>
-            </a:p>
-          </p:txBody>
-        </p:sp>
-        <p:sp>
-          <p:nvSpPr>
-            <p:cNvPr id="16" name="テキスト ボックス 15"/>
-            <p:cNvSpPr txBox="1"/>
-            <p:nvPr/>
-          </p:nvSpPr>
-          <p:spPr>
-            <a:xfrm>
-              <a:off x="2906555" y="2774425"/>
-              <a:ext cx="2054024" cy="738664"/>
-            </a:xfrm>
-            <a:prstGeom prst="rect">
-              <a:avLst/>
-            </a:prstGeom>
-            <a:noFill/>
-          </p:spPr>
-          <p:txBody>
-            <a:bodyPr wrap="none" rtlCol="0">
-              <a:spAutoFit/>
-            </a:bodyPr>
-            <a:lstStyle/>
-            <a:p>
-              <a:r>
-                <a:rPr lang="en-US" sz="1400" dirty="0" smtClean="0"/>
-                <a:t>Trigger  : </a:t>
-              </a:r>
-              <a:r>
-                <a:rPr lang="en-US" sz="1400" dirty="0" err="1" smtClean="0"/>
-                <a:t>HumanDetected</a:t>
-              </a:r>
-              <a:endParaRPr lang="en-US" sz="1400" dirty="0" smtClean="0"/>
-            </a:p>
-            <a:p>
-              <a:r>
-                <a:rPr lang="en-US" sz="1400" dirty="0" smtClean="0"/>
-                <a:t>Lifetime</a:t>
-              </a:r>
-              <a:r>
-                <a:rPr lang="en-US" sz="1400" dirty="0"/>
-                <a:t>: </a:t>
-              </a:r>
-              <a:r>
-                <a:rPr lang="en-US" sz="1400" dirty="0" smtClean="0"/>
-                <a:t>Once</a:t>
-              </a:r>
-            </a:p>
-            <a:p>
-              <a:r>
-                <a:rPr lang="en-US" sz="1400" dirty="0" smtClean="0"/>
-                <a:t>Priority:   Normal</a:t>
-              </a:r>
-              <a:endParaRPr lang="en-US" sz="1400" dirty="0"/>
-            </a:p>
-          </p:txBody>
-        </p:sp>
-        <p:sp>
-          <p:nvSpPr>
-            <p:cNvPr id="48" name="テキスト ボックス 47"/>
-            <p:cNvSpPr txBox="1"/>
-            <p:nvPr/>
-          </p:nvSpPr>
-          <p:spPr>
-            <a:xfrm>
-              <a:off x="3584653" y="4309769"/>
-              <a:ext cx="1862882" cy="307777"/>
-            </a:xfrm>
-            <a:prstGeom prst="rect">
-              <a:avLst/>
-            </a:prstGeom>
-            <a:noFill/>
-          </p:spPr>
-          <p:txBody>
-            <a:bodyPr wrap="none" rtlCol="0">
-              <a:spAutoFit/>
-            </a:bodyPr>
-            <a:lstStyle/>
-            <a:p>
-              <a:r>
-                <a:rPr lang="en-US" sz="1400" dirty="0" smtClean="0"/>
-                <a:t>Say about the museum</a:t>
-              </a:r>
-              <a:endParaRPr lang="en-US" sz="1400" dirty="0"/>
-            </a:p>
-          </p:txBody>
-        </p:sp>
-        <p:cxnSp>
-          <p:nvCxnSpPr>
-            <p:cNvPr id="50" name="直線コネクタ 49"/>
-            <p:cNvCxnSpPr/>
-            <p:nvPr/>
-          </p:nvCxnSpPr>
-          <p:spPr>
-            <a:xfrm>
-              <a:off x="3429953" y="4307746"/>
-              <a:ext cx="2219968" cy="18380"/>
-            </a:xfrm>
-            <a:prstGeom prst="line">
-              <a:avLst/>
-            </a:prstGeom>
-            <a:ln w="12700">
-              <a:solidFill>
-                <a:schemeClr val="tx1"/>
-              </a:solidFill>
-            </a:ln>
-          </p:spPr>
-          <p:style>
-            <a:lnRef idx="1">
-              <a:schemeClr val="accent1"/>
-            </a:lnRef>
-            <a:fillRef idx="0">
-              <a:schemeClr val="accent1"/>
-            </a:fillRef>
-            <a:effectRef idx="0">
-              <a:schemeClr val="accent1"/>
-            </a:effectRef>
-            <a:fontRef idx="minor">
-              <a:schemeClr val="tx1"/>
-            </a:fontRef>
-          </p:style>
-        </p:cxnSp>
-        <p:sp>
-          <p:nvSpPr>
-            <p:cNvPr id="52" name="正方形/長方形 51"/>
-            <p:cNvSpPr/>
-            <p:nvPr/>
-          </p:nvSpPr>
-          <p:spPr>
-            <a:xfrm>
-              <a:off x="3079968" y="2475644"/>
-              <a:ext cx="1707198" cy="369332"/>
-            </a:xfrm>
-            <a:prstGeom prst="rect">
-              <a:avLst/>
-            </a:prstGeom>
-          </p:spPr>
-          <p:txBody>
-            <a:bodyPr wrap="none">
-              <a:spAutoFit/>
-            </a:bodyPr>
-            <a:lstStyle/>
-            <a:p>
-              <a:pPr algn="ctr"/>
-              <a:r>
-                <a:rPr lang="en-US" dirty="0"/>
-                <a:t>Trigger behavior</a:t>
-              </a:r>
-            </a:p>
-          </p:txBody>
-        </p:sp>
-      </p:grpSp>
-    </p:spTree>
-    <p:extLst>
-      <p:ext uri="{BB962C8B-B14F-4D97-AF65-F5344CB8AC3E}">
-        <p14:creationId xmlns:p14="http://schemas.microsoft.com/office/powerpoint/2010/main" val="718747389"/>
       </p:ext>
     </p:extLst>
   </p:cSld>
